--- a/materials/slides/2.3.pptx
+++ b/materials/slides/2.3.pptx
@@ -5,10 +5,10 @@
     <p:sldMasterId id="2147483776" r:id="rId1"/>
   </p:sldMasterIdLst>
   <p:notesMasterIdLst>
-    <p:notesMasterId r:id="rId31"/>
+    <p:notesMasterId r:id="rId24"/>
   </p:notesMasterIdLst>
   <p:handoutMasterIdLst>
-    <p:handoutMasterId r:id="rId32"/>
+    <p:handoutMasterId r:id="rId25"/>
   </p:handoutMasterIdLst>
   <p:sldIdLst>
     <p:sldId id="256" r:id="rId2"/>
@@ -31,15 +31,8 @@
     <p:sldId id="563" r:id="rId19"/>
     <p:sldId id="564" r:id="rId20"/>
     <p:sldId id="565" r:id="rId21"/>
-    <p:sldId id="566" r:id="rId22"/>
-    <p:sldId id="567" r:id="rId23"/>
-    <p:sldId id="568" r:id="rId24"/>
-    <p:sldId id="569" r:id="rId25"/>
-    <p:sldId id="570" r:id="rId26"/>
-    <p:sldId id="571" r:id="rId27"/>
-    <p:sldId id="572" r:id="rId28"/>
-    <p:sldId id="573" r:id="rId29"/>
-    <p:sldId id="549" r:id="rId30"/>
+    <p:sldId id="573" r:id="rId22"/>
+    <p:sldId id="549" r:id="rId23"/>
   </p:sldIdLst>
   <p:sldSz cx="12192000" cy="6858000"/>
   <p:notesSz cx="6858000" cy="9144000"/>
@@ -973,90 +966,6 @@
 </p:notes>
 </file>
 
-<file path=ppt/notesSlides/notesSlide10.xml><?xml version="1.0" encoding="utf-8"?>
-<p:notes xmlns:a="http://schemas.openxmlformats.org/drawingml/2006/main" xmlns:r="http://schemas.openxmlformats.org/officeDocument/2006/relationships" xmlns:p="http://schemas.openxmlformats.org/presentationml/2006/main">
-  <p:cSld>
-    <p:spTree>
-      <p:nvGrpSpPr>
-        <p:cNvPr id="1" name=""/>
-        <p:cNvGrpSpPr/>
-        <p:nvPr/>
-      </p:nvGrpSpPr>
-      <p:grpSpPr>
-        <a:xfrm>
-          <a:off x="0" y="0"/>
-          <a:ext cx="0" cy="0"/>
-          <a:chOff x="0" y="0"/>
-          <a:chExt cx="0" cy="0"/>
-        </a:xfrm>
-      </p:grpSpPr>
-      <p:sp>
-        <p:nvSpPr>
-          <p:cNvPr id="2" name="幻灯片图像占位符 1"/>
-          <p:cNvSpPr>
-            <a:spLocks noGrp="1" noRot="1" noChangeAspect="1"/>
-          </p:cNvSpPr>
-          <p:nvPr>
-            <p:ph type="sldImg"/>
-          </p:nvPr>
-        </p:nvSpPr>
-        <p:spPr/>
-      </p:sp>
-      <p:sp>
-        <p:nvSpPr>
-          <p:cNvPr id="3" name="备注占位符 2"/>
-          <p:cNvSpPr>
-            <a:spLocks noGrp="1"/>
-          </p:cNvSpPr>
-          <p:nvPr>
-            <p:ph type="body" idx="1"/>
-          </p:nvPr>
-        </p:nvSpPr>
-        <p:spPr/>
-        <p:txBody>
-          <a:bodyPr/>
-          <a:lstStyle/>
-          <a:p>
-            <a:endParaRPr lang="zh-CN" altLang="en-US" dirty="0"/>
-          </a:p>
-        </p:txBody>
-      </p:sp>
-      <p:sp>
-        <p:nvSpPr>
-          <p:cNvPr id="4" name="灯片编号占位符 3"/>
-          <p:cNvSpPr>
-            <a:spLocks noGrp="1"/>
-          </p:cNvSpPr>
-          <p:nvPr>
-            <p:ph type="sldNum" sz="quarter" idx="10"/>
-          </p:nvPr>
-        </p:nvSpPr>
-        <p:spPr/>
-        <p:txBody>
-          <a:bodyPr/>
-          <a:lstStyle/>
-          <a:p>
-            <a:fld id="{9294396F-7CC6-42E5-83BE-72592AAF95CF}" type="slidenum">
-              <a:rPr lang="zh-CN" altLang="en-US" smtClean="0"/>
-              <a:t>28</a:t>
-            </a:fld>
-            <a:endParaRPr lang="zh-CN" altLang="en-US"/>
-          </a:p>
-        </p:txBody>
-      </p:sp>
-    </p:spTree>
-    <p:extLst>
-      <p:ext uri="{BB962C8B-B14F-4D97-AF65-F5344CB8AC3E}">
-        <p14:creationId xmlns:p14="http://schemas.microsoft.com/office/powerpoint/2010/main" val="1433416788"/>
-      </p:ext>
-    </p:extLst>
-  </p:cSld>
-  <p:clrMapOvr>
-    <a:masterClrMapping/>
-  </p:clrMapOvr>
-</p:notes>
-</file>
-
 <file path=ppt/notesSlides/notesSlide2.xml><?xml version="1.0" encoding="utf-8"?>
 <p:notes xmlns:a="http://schemas.openxmlformats.org/drawingml/2006/main" xmlns:r="http://schemas.openxmlformats.org/officeDocument/2006/relationships" xmlns:p="http://schemas.openxmlformats.org/presentationml/2006/main">
   <p:cSld>
@@ -1792,24 +1701,18 @@
           <a:bodyPr/>
           <a:lstStyle/>
           <a:p>
-            <a:pPr>
-              <a:defRPr/>
-            </a:pPr>
-            <a:fld id="{06DBFBB8-2C88-4EF5-ACA0-AB33D3C579D0}" type="slidenum">
-              <a:rPr lang="en-US" altLang="zh-CN" smtClean="0"/>
-              <a:pPr>
-                <a:defRPr/>
-              </a:pPr>
-              <a:t>24</a:t>
+            <a:fld id="{9294396F-7CC6-42E5-83BE-72592AAF95CF}" type="slidenum">
+              <a:rPr lang="zh-CN" altLang="en-US" smtClean="0"/>
+              <a:t>21</a:t>
             </a:fld>
-            <a:endParaRPr lang="en-US" altLang="zh-CN"/>
+            <a:endParaRPr lang="zh-CN" altLang="en-US"/>
           </a:p>
         </p:txBody>
       </p:sp>
     </p:spTree>
     <p:extLst>
       <p:ext uri="{BB962C8B-B14F-4D97-AF65-F5344CB8AC3E}">
-        <p14:creationId xmlns:p14="http://schemas.microsoft.com/office/powerpoint/2010/main" val="2054750125"/>
+        <p14:creationId xmlns:p14="http://schemas.microsoft.com/office/powerpoint/2010/main" val="1433416788"/>
       </p:ext>
     </p:extLst>
   </p:cSld>
@@ -4378,7 +4281,7 @@
                 <a:latin typeface="华文隶书" pitchFamily="2" charset="-122"/>
                 <a:ea typeface="华文隶书" pitchFamily="2" charset="-122"/>
               </a:rPr>
-              <a:t>—2.4 </a:t>
+              <a:t>—2.3</a:t>
             </a:r>
             <a:r>
               <a:rPr lang="zh-CN" altLang="en-US" sz="4400" dirty="0" smtClean="0">
@@ -5440,14 +5343,14 @@
             <p:ph idx="1"/>
             <p:extLst>
               <p:ext uri="{D42A27DB-BD31-4B8C-83A1-F6EECF244321}">
-                <p14:modId xmlns:p14="http://schemas.microsoft.com/office/powerpoint/2010/main" val="3930786284"/>
+                <p14:modId xmlns:p14="http://schemas.microsoft.com/office/powerpoint/2010/main" val="3352637709"/>
               </p:ext>
             </p:extLst>
           </p:nvPr>
         </p:nvGraphicFramePr>
         <p:xfrm>
-          <a:off x="263352" y="1196752"/>
-          <a:ext cx="11233248" cy="4644413"/>
+          <a:off x="263352" y="1052736"/>
+          <a:ext cx="11665296" cy="4644413"/>
         </p:xfrm>
         <a:graphic>
           <a:graphicData uri="http://schemas.openxmlformats.org/drawingml/2006/table">
@@ -5468,13 +5371,13 @@
                 <a:tableStyleId>{7DF18680-E054-41AD-8BC1-D1AEF772440D}</a:tableStyleId>
               </a:tblPr>
               <a:tblGrid>
-                <a:gridCol w="1224136"/>
-                <a:gridCol w="2423022"/>
-                <a:gridCol w="986607"/>
-                <a:gridCol w="1850885"/>
-                <a:gridCol w="2516350"/>
-                <a:gridCol w="1138100"/>
-                <a:gridCol w="1094148"/>
+                <a:gridCol w="1271218"/>
+                <a:gridCol w="2516215"/>
+                <a:gridCol w="1024553"/>
+                <a:gridCol w="1922073"/>
+                <a:gridCol w="2613133"/>
+                <a:gridCol w="1181873"/>
+                <a:gridCol w="1136231"/>
               </a:tblGrid>
               <a:tr h="1495448">
                 <a:tc>
@@ -12837,4712 +12740,6 @@
         </p:nvSpPr>
         <p:spPr/>
         <p:txBody>
-          <a:bodyPr/>
-          <a:lstStyle/>
-          <a:p>
-            <a:r>
-              <a:rPr lang="zh-CN" altLang="en-US" dirty="0" smtClean="0"/>
-              <a:t>测试基础概念</a:t>
-            </a:r>
-            <a:endParaRPr lang="zh-CN" altLang="en-US" dirty="0"/>
-          </a:p>
-        </p:txBody>
-      </p:sp>
-      <p:sp>
-        <p:nvSpPr>
-          <p:cNvPr id="3" name="内容占位符 2"/>
-          <p:cNvSpPr>
-            <a:spLocks noGrp="1"/>
-          </p:cNvSpPr>
-          <p:nvPr>
-            <p:ph idx="1"/>
-          </p:nvPr>
-        </p:nvSpPr>
-        <p:spPr>
-          <a:xfrm>
-            <a:off x="695400" y="980728"/>
-            <a:ext cx="10668000" cy="4267200"/>
-          </a:xfrm>
-        </p:spPr>
-        <p:txBody>
-          <a:bodyPr/>
-          <a:lstStyle/>
-          <a:p>
-            <a:r>
-              <a:rPr lang="zh-CN" altLang="en-US" dirty="0">
-                <a:solidFill>
-                  <a:srgbClr val="FF0000"/>
-                </a:solidFill>
-              </a:rPr>
-              <a:t>黑盒测试</a:t>
-            </a:r>
-            <a:endParaRPr lang="en-US" altLang="zh-CN" dirty="0">
-              <a:solidFill>
-                <a:srgbClr val="FF0000"/>
-              </a:solidFill>
-            </a:endParaRPr>
-          </a:p>
-          <a:p>
-            <a:pPr marL="593725" lvl="3" indent="-166688"/>
-            <a:r>
-              <a:rPr lang="zh-CN" altLang="en-US" sz="2600" dirty="0"/>
-              <a:t>把程序看作一个不能打开的黑盒子，在完全不考虑程序内部结构和内部特性的情况下检测每个功能是否正常使用</a:t>
-            </a:r>
-            <a:endParaRPr lang="en-US" altLang="zh-CN" sz="2600" dirty="0"/>
-          </a:p>
-          <a:p>
-            <a:endParaRPr lang="zh-CN" altLang="en-US" dirty="0"/>
-          </a:p>
-        </p:txBody>
-      </p:sp>
-      <p:pic>
-        <p:nvPicPr>
-          <p:cNvPr id="5" name="Picture 7" descr="3t1"/>
-          <p:cNvPicPr>
-            <a:picLocks noChangeAspect="1" noChangeArrowheads="1"/>
-          </p:cNvPicPr>
-          <p:nvPr/>
-        </p:nvPicPr>
-        <p:blipFill>
-          <a:blip r:embed="rId2">
-            <a:clrChange>
-              <a:clrFrom>
-                <a:srgbClr val="FFFFFF"/>
-              </a:clrFrom>
-              <a:clrTo>
-                <a:srgbClr val="FFFFFF">
-                  <a:alpha val="0"/>
-                </a:srgbClr>
-              </a:clrTo>
-            </a:clrChange>
-            <a:extLst>
-              <a:ext uri="{28A0092B-C50C-407E-A947-70E740481C1C}">
-                <a14:useLocalDpi xmlns:a14="http://schemas.microsoft.com/office/drawing/2010/main" val="0"/>
-              </a:ext>
-            </a:extLst>
-          </a:blip>
-          <a:srcRect/>
-          <a:stretch>
-            <a:fillRect/>
-          </a:stretch>
-        </p:blipFill>
-        <p:spPr bwMode="auto">
-          <a:xfrm>
-            <a:off x="1703512" y="3140968"/>
-            <a:ext cx="7272808" cy="2807733"/>
-          </a:xfrm>
-          <a:prstGeom prst="rect">
-            <a:avLst/>
-          </a:prstGeom>
-          <a:noFill/>
-          <a:ln>
-            <a:noFill/>
-          </a:ln>
-          <a:extLst>
-            <a:ext uri="{909E8E84-426E-40DD-AFC4-6F175D3DCCD1}">
-              <a14:hiddenFill xmlns:a14="http://schemas.microsoft.com/office/drawing/2010/main">
-                <a:solidFill>
-                  <a:srgbClr val="FFFFFF"/>
-                </a:solidFill>
-              </a14:hiddenFill>
-            </a:ext>
-            <a:ext uri="{91240B29-F687-4F45-9708-019B960494DF}">
-              <a14:hiddenLine xmlns:a14="http://schemas.microsoft.com/office/drawing/2010/main" w="9525">
-                <a:solidFill>
-                  <a:srgbClr val="000000"/>
-                </a:solidFill>
-                <a:miter lim="800000"/>
-                <a:headEnd/>
-                <a:tailEnd/>
-              </a14:hiddenLine>
-            </a:ext>
-          </a:extLst>
-        </p:spPr>
-      </p:pic>
-    </p:spTree>
-    <p:extLst>
-      <p:ext uri="{BB962C8B-B14F-4D97-AF65-F5344CB8AC3E}">
-        <p14:creationId xmlns:p14="http://schemas.microsoft.com/office/powerpoint/2010/main" val="3768544362"/>
-      </p:ext>
-    </p:extLst>
-  </p:cSld>
-  <p:clrMapOvr>
-    <a:masterClrMapping/>
-  </p:clrMapOvr>
-  <p:transition>
-    <p:blinds dir="vert"/>
-  </p:transition>
-  <p:timing>
-    <p:tnLst>
-      <p:par>
-        <p:cTn id="1" dur="indefinite" restart="never" nodeType="tmRoot">
-          <p:childTnLst>
-            <p:seq concurrent="1" nextAc="seek">
-              <p:cTn id="2" dur="indefinite" nodeType="mainSeq">
-                <p:childTnLst>
-                  <p:par>
-                    <p:cTn id="3" fill="hold">
-                      <p:stCondLst>
-                        <p:cond delay="indefinite"/>
-                      </p:stCondLst>
-                      <p:childTnLst>
-                        <p:par>
-                          <p:cTn id="4" fill="hold">
-                            <p:stCondLst>
-                              <p:cond delay="0"/>
-                            </p:stCondLst>
-                            <p:childTnLst>
-                              <p:par>
-                                <p:cTn id="5" presetID="2" presetClass="entr" presetSubtype="4" fill="hold" nodeType="clickEffect">
-                                  <p:stCondLst>
-                                    <p:cond delay="0"/>
-                                  </p:stCondLst>
-                                  <p:childTnLst>
-                                    <p:set>
-                                      <p:cBhvr>
-                                        <p:cTn id="6" dur="1" fill="hold">
-                                          <p:stCondLst>
-                                            <p:cond delay="0"/>
-                                          </p:stCondLst>
-                                        </p:cTn>
-                                        <p:tgtEl>
-                                          <p:spTgt spid="3">
-                                            <p:txEl>
-                                              <p:pRg st="0" end="0"/>
-                                            </p:txEl>
-                                          </p:spTgt>
-                                        </p:tgtEl>
-                                        <p:attrNameLst>
-                                          <p:attrName>style.visibility</p:attrName>
-                                        </p:attrNameLst>
-                                      </p:cBhvr>
-                                      <p:to>
-                                        <p:strVal val="visible"/>
-                                      </p:to>
-                                    </p:set>
-                                    <p:anim calcmode="lin" valueType="num">
-                                      <p:cBhvr additive="base">
-                                        <p:cTn id="7" dur="500" fill="hold"/>
-                                        <p:tgtEl>
-                                          <p:spTgt spid="3">
-                                            <p:txEl>
-                                              <p:pRg st="0" end="0"/>
-                                            </p:txEl>
-                                          </p:spTgt>
-                                        </p:tgtEl>
-                                        <p:attrNameLst>
-                                          <p:attrName>ppt_x</p:attrName>
-                                        </p:attrNameLst>
-                                      </p:cBhvr>
-                                      <p:tavLst>
-                                        <p:tav tm="0">
-                                          <p:val>
-                                            <p:strVal val="#ppt_x"/>
-                                          </p:val>
-                                        </p:tav>
-                                        <p:tav tm="100000">
-                                          <p:val>
-                                            <p:strVal val="#ppt_x"/>
-                                          </p:val>
-                                        </p:tav>
-                                      </p:tavLst>
-                                    </p:anim>
-                                    <p:anim calcmode="lin" valueType="num">
-                                      <p:cBhvr additive="base">
-                                        <p:cTn id="8" dur="500" fill="hold"/>
-                                        <p:tgtEl>
-                                          <p:spTgt spid="3">
-                                            <p:txEl>
-                                              <p:pRg st="0" end="0"/>
-                                            </p:txEl>
-                                          </p:spTgt>
-                                        </p:tgtEl>
-                                        <p:attrNameLst>
-                                          <p:attrName>ppt_y</p:attrName>
-                                        </p:attrNameLst>
-                                      </p:cBhvr>
-                                      <p:tavLst>
-                                        <p:tav tm="0">
-                                          <p:val>
-                                            <p:strVal val="1+#ppt_h/2"/>
-                                          </p:val>
-                                        </p:tav>
-                                        <p:tav tm="100000">
-                                          <p:val>
-                                            <p:strVal val="#ppt_y"/>
-                                          </p:val>
-                                        </p:tav>
-                                      </p:tavLst>
-                                    </p:anim>
-                                  </p:childTnLst>
-                                </p:cTn>
-                              </p:par>
-                            </p:childTnLst>
-                          </p:cTn>
-                        </p:par>
-                      </p:childTnLst>
-                    </p:cTn>
-                  </p:par>
-                  <p:par>
-                    <p:cTn id="9" fill="hold">
-                      <p:stCondLst>
-                        <p:cond delay="indefinite"/>
-                      </p:stCondLst>
-                      <p:childTnLst>
-                        <p:par>
-                          <p:cTn id="10" fill="hold">
-                            <p:stCondLst>
-                              <p:cond delay="0"/>
-                            </p:stCondLst>
-                            <p:childTnLst>
-                              <p:par>
-                                <p:cTn id="11" presetID="2" presetClass="entr" presetSubtype="4" fill="hold" nodeType="clickEffect">
-                                  <p:stCondLst>
-                                    <p:cond delay="0"/>
-                                  </p:stCondLst>
-                                  <p:childTnLst>
-                                    <p:set>
-                                      <p:cBhvr>
-                                        <p:cTn id="12" dur="1" fill="hold">
-                                          <p:stCondLst>
-                                            <p:cond delay="0"/>
-                                          </p:stCondLst>
-                                        </p:cTn>
-                                        <p:tgtEl>
-                                          <p:spTgt spid="3">
-                                            <p:txEl>
-                                              <p:pRg st="1" end="1"/>
-                                            </p:txEl>
-                                          </p:spTgt>
-                                        </p:tgtEl>
-                                        <p:attrNameLst>
-                                          <p:attrName>style.visibility</p:attrName>
-                                        </p:attrNameLst>
-                                      </p:cBhvr>
-                                      <p:to>
-                                        <p:strVal val="visible"/>
-                                      </p:to>
-                                    </p:set>
-                                    <p:anim calcmode="lin" valueType="num">
-                                      <p:cBhvr additive="base">
-                                        <p:cTn id="13" dur="500" fill="hold"/>
-                                        <p:tgtEl>
-                                          <p:spTgt spid="3">
-                                            <p:txEl>
-                                              <p:pRg st="1" end="1"/>
-                                            </p:txEl>
-                                          </p:spTgt>
-                                        </p:tgtEl>
-                                        <p:attrNameLst>
-                                          <p:attrName>ppt_x</p:attrName>
-                                        </p:attrNameLst>
-                                      </p:cBhvr>
-                                      <p:tavLst>
-                                        <p:tav tm="0">
-                                          <p:val>
-                                            <p:strVal val="#ppt_x"/>
-                                          </p:val>
-                                        </p:tav>
-                                        <p:tav tm="100000">
-                                          <p:val>
-                                            <p:strVal val="#ppt_x"/>
-                                          </p:val>
-                                        </p:tav>
-                                      </p:tavLst>
-                                    </p:anim>
-                                    <p:anim calcmode="lin" valueType="num">
-                                      <p:cBhvr additive="base">
-                                        <p:cTn id="14" dur="500" fill="hold"/>
-                                        <p:tgtEl>
-                                          <p:spTgt spid="3">
-                                            <p:txEl>
-                                              <p:pRg st="1" end="1"/>
-                                            </p:txEl>
-                                          </p:spTgt>
-                                        </p:tgtEl>
-                                        <p:attrNameLst>
-                                          <p:attrName>ppt_y</p:attrName>
-                                        </p:attrNameLst>
-                                      </p:cBhvr>
-                                      <p:tavLst>
-                                        <p:tav tm="0">
-                                          <p:val>
-                                            <p:strVal val="1+#ppt_h/2"/>
-                                          </p:val>
-                                        </p:tav>
-                                        <p:tav tm="100000">
-                                          <p:val>
-                                            <p:strVal val="#ppt_y"/>
-                                          </p:val>
-                                        </p:tav>
-                                      </p:tavLst>
-                                    </p:anim>
-                                  </p:childTnLst>
-                                </p:cTn>
-                              </p:par>
-                            </p:childTnLst>
-                          </p:cTn>
-                        </p:par>
-                      </p:childTnLst>
-                    </p:cTn>
-                  </p:par>
-                </p:childTnLst>
-              </p:cTn>
-              <p:prevCondLst>
-                <p:cond evt="onPrev" delay="0">
-                  <p:tgtEl>
-                    <p:sldTgt/>
-                  </p:tgtEl>
-                </p:cond>
-              </p:prevCondLst>
-              <p:nextCondLst>
-                <p:cond evt="onNext" delay="0">
-                  <p:tgtEl>
-                    <p:sldTgt/>
-                  </p:tgtEl>
-                </p:cond>
-              </p:nextCondLst>
-            </p:seq>
-          </p:childTnLst>
-        </p:cTn>
-      </p:par>
-    </p:tnLst>
-  </p:timing>
-</p:sld>
-</file>
-
-<file path=ppt/slides/slide22.xml><?xml version="1.0" encoding="utf-8"?>
-<p:sld xmlns:a="http://schemas.openxmlformats.org/drawingml/2006/main" xmlns:r="http://schemas.openxmlformats.org/officeDocument/2006/relationships" xmlns:p="http://schemas.openxmlformats.org/presentationml/2006/main">
-  <p:cSld>
-    <p:spTree>
-      <p:nvGrpSpPr>
-        <p:cNvPr id="1" name=""/>
-        <p:cNvGrpSpPr/>
-        <p:nvPr/>
-      </p:nvGrpSpPr>
-      <p:grpSpPr>
-        <a:xfrm>
-          <a:off x="0" y="0"/>
-          <a:ext cx="0" cy="0"/>
-          <a:chOff x="0" y="0"/>
-          <a:chExt cx="0" cy="0"/>
-        </a:xfrm>
-      </p:grpSpPr>
-      <p:sp>
-        <p:nvSpPr>
-          <p:cNvPr id="7171" name="Rectangle 2"/>
-          <p:cNvSpPr>
-            <a:spLocks noGrp="1" noChangeArrowheads="1"/>
-          </p:cNvSpPr>
-          <p:nvPr>
-            <p:ph type="title"/>
-          </p:nvPr>
-        </p:nvSpPr>
-        <p:spPr/>
-        <p:txBody>
-          <a:bodyPr/>
-          <a:lstStyle/>
-          <a:p>
-            <a:r>
-              <a:rPr lang="zh-CN" altLang="en-US" dirty="0" smtClean="0"/>
-              <a:t>黑盒测试概述</a:t>
-            </a:r>
-          </a:p>
-        </p:txBody>
-      </p:sp>
-      <p:sp>
-        <p:nvSpPr>
-          <p:cNvPr id="9220" name="Rectangle 3"/>
-          <p:cNvSpPr>
-            <a:spLocks noGrp="1" noChangeArrowheads="1"/>
-          </p:cNvSpPr>
-          <p:nvPr>
-            <p:ph idx="1"/>
-          </p:nvPr>
-        </p:nvSpPr>
-        <p:spPr/>
-        <p:txBody>
-          <a:bodyPr/>
-          <a:lstStyle/>
-          <a:p>
-            <a:r>
-              <a:rPr lang="zh-CN" altLang="en-US" dirty="0" smtClean="0"/>
-              <a:t>对于黑盒测试的评价</a:t>
-            </a:r>
-            <a:endParaRPr lang="en-US" altLang="zh-CN" dirty="0" smtClean="0"/>
-          </a:p>
-          <a:p>
-            <a:pPr lvl="1"/>
-            <a:r>
-              <a:rPr lang="zh-CN" dirty="0" smtClean="0"/>
-              <a:t>黑盒测试方法对测试人员的技术要求相对较低</a:t>
-            </a:r>
-            <a:endParaRPr lang="en-US" altLang="zh-CN" dirty="0" smtClean="0"/>
-          </a:p>
-          <a:p>
-            <a:pPr lvl="1"/>
-            <a:r>
-              <a:rPr lang="zh-CN" dirty="0" smtClean="0"/>
-              <a:t>黑盒测试不需要了解程序实现的细节，测试团队与开发团队可以并行完成各自的任务</a:t>
-            </a:r>
-            <a:endParaRPr lang="en-US" altLang="zh-CN" dirty="0" smtClean="0"/>
-          </a:p>
-          <a:p>
-            <a:pPr lvl="1"/>
-            <a:r>
-              <a:rPr lang="zh-CN" altLang="en-US" dirty="0" smtClean="0"/>
-              <a:t>局限性：测试结果的覆盖度不容易度量，测试的潜在风险较高</a:t>
-            </a:r>
-          </a:p>
-        </p:txBody>
-      </p:sp>
-    </p:spTree>
-    <p:extLst>
-      <p:ext uri="{BB962C8B-B14F-4D97-AF65-F5344CB8AC3E}">
-        <p14:creationId xmlns:p14="http://schemas.microsoft.com/office/powerpoint/2010/main" val="684481608"/>
-      </p:ext>
-    </p:extLst>
-  </p:cSld>
-  <p:clrMapOvr>
-    <a:masterClrMapping/>
-  </p:clrMapOvr>
-  <p:transition/>
-  <p:timing>
-    <p:tnLst>
-      <p:par>
-        <p:cTn id="1" dur="indefinite" restart="never" nodeType="tmRoot">
-          <p:childTnLst>
-            <p:seq concurrent="1" nextAc="seek">
-              <p:cTn id="2" dur="indefinite" nodeType="mainSeq">
-                <p:childTnLst>
-                  <p:par>
-                    <p:cTn id="3" fill="hold">
-                      <p:stCondLst>
-                        <p:cond delay="indefinite"/>
-                      </p:stCondLst>
-                      <p:childTnLst>
-                        <p:par>
-                          <p:cTn id="4" fill="hold">
-                            <p:stCondLst>
-                              <p:cond delay="0"/>
-                            </p:stCondLst>
-                            <p:childTnLst>
-                              <p:par>
-                                <p:cTn id="5" presetID="2" presetClass="entr" presetSubtype="4" fill="hold" nodeType="clickEffect">
-                                  <p:stCondLst>
-                                    <p:cond delay="0"/>
-                                  </p:stCondLst>
-                                  <p:childTnLst>
-                                    <p:set>
-                                      <p:cBhvr>
-                                        <p:cTn id="6" dur="1" fill="hold">
-                                          <p:stCondLst>
-                                            <p:cond delay="0"/>
-                                          </p:stCondLst>
-                                        </p:cTn>
-                                        <p:tgtEl>
-                                          <p:spTgt spid="9220">
-                                            <p:txEl>
-                                              <p:pRg st="0" end="0"/>
-                                            </p:txEl>
-                                          </p:spTgt>
-                                        </p:tgtEl>
-                                        <p:attrNameLst>
-                                          <p:attrName>style.visibility</p:attrName>
-                                        </p:attrNameLst>
-                                      </p:cBhvr>
-                                      <p:to>
-                                        <p:strVal val="visible"/>
-                                      </p:to>
-                                    </p:set>
-                                    <p:anim calcmode="lin" valueType="num">
-                                      <p:cBhvr additive="base">
-                                        <p:cTn id="7" dur="500" fill="hold"/>
-                                        <p:tgtEl>
-                                          <p:spTgt spid="9220">
-                                            <p:txEl>
-                                              <p:pRg st="0" end="0"/>
-                                            </p:txEl>
-                                          </p:spTgt>
-                                        </p:tgtEl>
-                                        <p:attrNameLst>
-                                          <p:attrName>ppt_x</p:attrName>
-                                        </p:attrNameLst>
-                                      </p:cBhvr>
-                                      <p:tavLst>
-                                        <p:tav tm="0">
-                                          <p:val>
-                                            <p:strVal val="#ppt_x"/>
-                                          </p:val>
-                                        </p:tav>
-                                        <p:tav tm="100000">
-                                          <p:val>
-                                            <p:strVal val="#ppt_x"/>
-                                          </p:val>
-                                        </p:tav>
-                                      </p:tavLst>
-                                    </p:anim>
-                                    <p:anim calcmode="lin" valueType="num">
-                                      <p:cBhvr additive="base">
-                                        <p:cTn id="8" dur="500" fill="hold"/>
-                                        <p:tgtEl>
-                                          <p:spTgt spid="9220">
-                                            <p:txEl>
-                                              <p:pRg st="0" end="0"/>
-                                            </p:txEl>
-                                          </p:spTgt>
-                                        </p:tgtEl>
-                                        <p:attrNameLst>
-                                          <p:attrName>ppt_y</p:attrName>
-                                        </p:attrNameLst>
-                                      </p:cBhvr>
-                                      <p:tavLst>
-                                        <p:tav tm="0">
-                                          <p:val>
-                                            <p:strVal val="1+#ppt_h/2"/>
-                                          </p:val>
-                                        </p:tav>
-                                        <p:tav tm="100000">
-                                          <p:val>
-                                            <p:strVal val="#ppt_y"/>
-                                          </p:val>
-                                        </p:tav>
-                                      </p:tavLst>
-                                    </p:anim>
-                                  </p:childTnLst>
-                                </p:cTn>
-                              </p:par>
-                            </p:childTnLst>
-                          </p:cTn>
-                        </p:par>
-                      </p:childTnLst>
-                    </p:cTn>
-                  </p:par>
-                  <p:par>
-                    <p:cTn id="9" fill="hold">
-                      <p:stCondLst>
-                        <p:cond delay="indefinite"/>
-                      </p:stCondLst>
-                      <p:childTnLst>
-                        <p:par>
-                          <p:cTn id="10" fill="hold">
-                            <p:stCondLst>
-                              <p:cond delay="0"/>
-                            </p:stCondLst>
-                            <p:childTnLst>
-                              <p:par>
-                                <p:cTn id="11" presetID="2" presetClass="entr" presetSubtype="4" fill="hold" nodeType="clickEffect">
-                                  <p:stCondLst>
-                                    <p:cond delay="0"/>
-                                  </p:stCondLst>
-                                  <p:childTnLst>
-                                    <p:set>
-                                      <p:cBhvr>
-                                        <p:cTn id="12" dur="1" fill="hold">
-                                          <p:stCondLst>
-                                            <p:cond delay="0"/>
-                                          </p:stCondLst>
-                                        </p:cTn>
-                                        <p:tgtEl>
-                                          <p:spTgt spid="9220">
-                                            <p:txEl>
-                                              <p:pRg st="1" end="1"/>
-                                            </p:txEl>
-                                          </p:spTgt>
-                                        </p:tgtEl>
-                                        <p:attrNameLst>
-                                          <p:attrName>style.visibility</p:attrName>
-                                        </p:attrNameLst>
-                                      </p:cBhvr>
-                                      <p:to>
-                                        <p:strVal val="visible"/>
-                                      </p:to>
-                                    </p:set>
-                                    <p:anim calcmode="lin" valueType="num">
-                                      <p:cBhvr additive="base">
-                                        <p:cTn id="13" dur="500" fill="hold"/>
-                                        <p:tgtEl>
-                                          <p:spTgt spid="9220">
-                                            <p:txEl>
-                                              <p:pRg st="1" end="1"/>
-                                            </p:txEl>
-                                          </p:spTgt>
-                                        </p:tgtEl>
-                                        <p:attrNameLst>
-                                          <p:attrName>ppt_x</p:attrName>
-                                        </p:attrNameLst>
-                                      </p:cBhvr>
-                                      <p:tavLst>
-                                        <p:tav tm="0">
-                                          <p:val>
-                                            <p:strVal val="#ppt_x"/>
-                                          </p:val>
-                                        </p:tav>
-                                        <p:tav tm="100000">
-                                          <p:val>
-                                            <p:strVal val="#ppt_x"/>
-                                          </p:val>
-                                        </p:tav>
-                                      </p:tavLst>
-                                    </p:anim>
-                                    <p:anim calcmode="lin" valueType="num">
-                                      <p:cBhvr additive="base">
-                                        <p:cTn id="14" dur="500" fill="hold"/>
-                                        <p:tgtEl>
-                                          <p:spTgt spid="9220">
-                                            <p:txEl>
-                                              <p:pRg st="1" end="1"/>
-                                            </p:txEl>
-                                          </p:spTgt>
-                                        </p:tgtEl>
-                                        <p:attrNameLst>
-                                          <p:attrName>ppt_y</p:attrName>
-                                        </p:attrNameLst>
-                                      </p:cBhvr>
-                                      <p:tavLst>
-                                        <p:tav tm="0">
-                                          <p:val>
-                                            <p:strVal val="1+#ppt_h/2"/>
-                                          </p:val>
-                                        </p:tav>
-                                        <p:tav tm="100000">
-                                          <p:val>
-                                            <p:strVal val="#ppt_y"/>
-                                          </p:val>
-                                        </p:tav>
-                                      </p:tavLst>
-                                    </p:anim>
-                                  </p:childTnLst>
-                                </p:cTn>
-                              </p:par>
-                            </p:childTnLst>
-                          </p:cTn>
-                        </p:par>
-                      </p:childTnLst>
-                    </p:cTn>
-                  </p:par>
-                  <p:par>
-                    <p:cTn id="15" fill="hold">
-                      <p:stCondLst>
-                        <p:cond delay="indefinite"/>
-                      </p:stCondLst>
-                      <p:childTnLst>
-                        <p:par>
-                          <p:cTn id="16" fill="hold">
-                            <p:stCondLst>
-                              <p:cond delay="0"/>
-                            </p:stCondLst>
-                            <p:childTnLst>
-                              <p:par>
-                                <p:cTn id="17" presetID="2" presetClass="entr" presetSubtype="4" fill="hold" nodeType="clickEffect">
-                                  <p:stCondLst>
-                                    <p:cond delay="0"/>
-                                  </p:stCondLst>
-                                  <p:childTnLst>
-                                    <p:set>
-                                      <p:cBhvr>
-                                        <p:cTn id="18" dur="1" fill="hold">
-                                          <p:stCondLst>
-                                            <p:cond delay="0"/>
-                                          </p:stCondLst>
-                                        </p:cTn>
-                                        <p:tgtEl>
-                                          <p:spTgt spid="9220">
-                                            <p:txEl>
-                                              <p:pRg st="2" end="2"/>
-                                            </p:txEl>
-                                          </p:spTgt>
-                                        </p:tgtEl>
-                                        <p:attrNameLst>
-                                          <p:attrName>style.visibility</p:attrName>
-                                        </p:attrNameLst>
-                                      </p:cBhvr>
-                                      <p:to>
-                                        <p:strVal val="visible"/>
-                                      </p:to>
-                                    </p:set>
-                                    <p:anim calcmode="lin" valueType="num">
-                                      <p:cBhvr additive="base">
-                                        <p:cTn id="19" dur="500" fill="hold"/>
-                                        <p:tgtEl>
-                                          <p:spTgt spid="9220">
-                                            <p:txEl>
-                                              <p:pRg st="2" end="2"/>
-                                            </p:txEl>
-                                          </p:spTgt>
-                                        </p:tgtEl>
-                                        <p:attrNameLst>
-                                          <p:attrName>ppt_x</p:attrName>
-                                        </p:attrNameLst>
-                                      </p:cBhvr>
-                                      <p:tavLst>
-                                        <p:tav tm="0">
-                                          <p:val>
-                                            <p:strVal val="#ppt_x"/>
-                                          </p:val>
-                                        </p:tav>
-                                        <p:tav tm="100000">
-                                          <p:val>
-                                            <p:strVal val="#ppt_x"/>
-                                          </p:val>
-                                        </p:tav>
-                                      </p:tavLst>
-                                    </p:anim>
-                                    <p:anim calcmode="lin" valueType="num">
-                                      <p:cBhvr additive="base">
-                                        <p:cTn id="20" dur="500" fill="hold"/>
-                                        <p:tgtEl>
-                                          <p:spTgt spid="9220">
-                                            <p:txEl>
-                                              <p:pRg st="2" end="2"/>
-                                            </p:txEl>
-                                          </p:spTgt>
-                                        </p:tgtEl>
-                                        <p:attrNameLst>
-                                          <p:attrName>ppt_y</p:attrName>
-                                        </p:attrNameLst>
-                                      </p:cBhvr>
-                                      <p:tavLst>
-                                        <p:tav tm="0">
-                                          <p:val>
-                                            <p:strVal val="1+#ppt_h/2"/>
-                                          </p:val>
-                                        </p:tav>
-                                        <p:tav tm="100000">
-                                          <p:val>
-                                            <p:strVal val="#ppt_y"/>
-                                          </p:val>
-                                        </p:tav>
-                                      </p:tavLst>
-                                    </p:anim>
-                                  </p:childTnLst>
-                                </p:cTn>
-                              </p:par>
-                            </p:childTnLst>
-                          </p:cTn>
-                        </p:par>
-                      </p:childTnLst>
-                    </p:cTn>
-                  </p:par>
-                  <p:par>
-                    <p:cTn id="21" fill="hold">
-                      <p:stCondLst>
-                        <p:cond delay="indefinite"/>
-                      </p:stCondLst>
-                      <p:childTnLst>
-                        <p:par>
-                          <p:cTn id="22" fill="hold">
-                            <p:stCondLst>
-                              <p:cond delay="0"/>
-                            </p:stCondLst>
-                            <p:childTnLst>
-                              <p:par>
-                                <p:cTn id="23" presetID="2" presetClass="entr" presetSubtype="4" fill="hold" nodeType="clickEffect">
-                                  <p:stCondLst>
-                                    <p:cond delay="0"/>
-                                  </p:stCondLst>
-                                  <p:childTnLst>
-                                    <p:set>
-                                      <p:cBhvr>
-                                        <p:cTn id="24" dur="1" fill="hold">
-                                          <p:stCondLst>
-                                            <p:cond delay="0"/>
-                                          </p:stCondLst>
-                                        </p:cTn>
-                                        <p:tgtEl>
-                                          <p:spTgt spid="9220">
-                                            <p:txEl>
-                                              <p:pRg st="3" end="3"/>
-                                            </p:txEl>
-                                          </p:spTgt>
-                                        </p:tgtEl>
-                                        <p:attrNameLst>
-                                          <p:attrName>style.visibility</p:attrName>
-                                        </p:attrNameLst>
-                                      </p:cBhvr>
-                                      <p:to>
-                                        <p:strVal val="visible"/>
-                                      </p:to>
-                                    </p:set>
-                                    <p:anim calcmode="lin" valueType="num">
-                                      <p:cBhvr additive="base">
-                                        <p:cTn id="25" dur="500" fill="hold"/>
-                                        <p:tgtEl>
-                                          <p:spTgt spid="9220">
-                                            <p:txEl>
-                                              <p:pRg st="3" end="3"/>
-                                            </p:txEl>
-                                          </p:spTgt>
-                                        </p:tgtEl>
-                                        <p:attrNameLst>
-                                          <p:attrName>ppt_x</p:attrName>
-                                        </p:attrNameLst>
-                                      </p:cBhvr>
-                                      <p:tavLst>
-                                        <p:tav tm="0">
-                                          <p:val>
-                                            <p:strVal val="#ppt_x"/>
-                                          </p:val>
-                                        </p:tav>
-                                        <p:tav tm="100000">
-                                          <p:val>
-                                            <p:strVal val="#ppt_x"/>
-                                          </p:val>
-                                        </p:tav>
-                                      </p:tavLst>
-                                    </p:anim>
-                                    <p:anim calcmode="lin" valueType="num">
-                                      <p:cBhvr additive="base">
-                                        <p:cTn id="26" dur="500" fill="hold"/>
-                                        <p:tgtEl>
-                                          <p:spTgt spid="9220">
-                                            <p:txEl>
-                                              <p:pRg st="3" end="3"/>
-                                            </p:txEl>
-                                          </p:spTgt>
-                                        </p:tgtEl>
-                                        <p:attrNameLst>
-                                          <p:attrName>ppt_y</p:attrName>
-                                        </p:attrNameLst>
-                                      </p:cBhvr>
-                                      <p:tavLst>
-                                        <p:tav tm="0">
-                                          <p:val>
-                                            <p:strVal val="1+#ppt_h/2"/>
-                                          </p:val>
-                                        </p:tav>
-                                        <p:tav tm="100000">
-                                          <p:val>
-                                            <p:strVal val="#ppt_y"/>
-                                          </p:val>
-                                        </p:tav>
-                                      </p:tavLst>
-                                    </p:anim>
-                                  </p:childTnLst>
-                                </p:cTn>
-                              </p:par>
-                            </p:childTnLst>
-                          </p:cTn>
-                        </p:par>
-                      </p:childTnLst>
-                    </p:cTn>
-                  </p:par>
-                </p:childTnLst>
-              </p:cTn>
-              <p:prevCondLst>
-                <p:cond evt="onPrev" delay="0">
-                  <p:tgtEl>
-                    <p:sldTgt/>
-                  </p:tgtEl>
-                </p:cond>
-              </p:prevCondLst>
-              <p:nextCondLst>
-                <p:cond evt="onNext" delay="0">
-                  <p:tgtEl>
-                    <p:sldTgt/>
-                  </p:tgtEl>
-                </p:cond>
-              </p:nextCondLst>
-            </p:seq>
-          </p:childTnLst>
-        </p:cTn>
-      </p:par>
-    </p:tnLst>
-  </p:timing>
-</p:sld>
-</file>
-
-<file path=ppt/slides/slide23.xml><?xml version="1.0" encoding="utf-8"?>
-<p:sld xmlns:a="http://schemas.openxmlformats.org/drawingml/2006/main" xmlns:r="http://schemas.openxmlformats.org/officeDocument/2006/relationships" xmlns:p="http://schemas.openxmlformats.org/presentationml/2006/main">
-  <p:cSld>
-    <p:spTree>
-      <p:nvGrpSpPr>
-        <p:cNvPr id="1" name=""/>
-        <p:cNvGrpSpPr/>
-        <p:nvPr/>
-      </p:nvGrpSpPr>
-      <p:grpSpPr>
-        <a:xfrm>
-          <a:off x="0" y="0"/>
-          <a:ext cx="0" cy="0"/>
-          <a:chOff x="0" y="0"/>
-          <a:chExt cx="0" cy="0"/>
-        </a:xfrm>
-      </p:grpSpPr>
-      <p:sp>
-        <p:nvSpPr>
-          <p:cNvPr id="8195" name="Rectangle 2"/>
-          <p:cNvSpPr>
-            <a:spLocks noGrp="1" noChangeArrowheads="1"/>
-          </p:cNvSpPr>
-          <p:nvPr>
-            <p:ph type="title"/>
-          </p:nvPr>
-        </p:nvSpPr>
-        <p:spPr/>
-        <p:txBody>
-          <a:bodyPr/>
-          <a:lstStyle/>
-          <a:p>
-            <a:r>
-              <a:rPr lang="zh-CN" altLang="en-US" dirty="0"/>
-              <a:t>黑盒测试概述</a:t>
-            </a:r>
-            <a:endParaRPr lang="zh-CN" altLang="en-US" dirty="0" smtClean="0"/>
-          </a:p>
-        </p:txBody>
-      </p:sp>
-      <p:sp>
-        <p:nvSpPr>
-          <p:cNvPr id="8196" name="Rectangle 3"/>
-          <p:cNvSpPr>
-            <a:spLocks noGrp="1" noChangeArrowheads="1"/>
-          </p:cNvSpPr>
-          <p:nvPr>
-            <p:ph idx="1"/>
-          </p:nvPr>
-        </p:nvSpPr>
-        <p:spPr/>
-        <p:txBody>
-          <a:bodyPr/>
-          <a:lstStyle/>
-          <a:p>
-            <a:r>
-              <a:rPr lang="zh-CN" altLang="en-US" dirty="0" smtClean="0"/>
-              <a:t>适用阶段</a:t>
-            </a:r>
-            <a:endParaRPr lang="en-US" altLang="zh-CN" dirty="0" smtClean="0"/>
-          </a:p>
-          <a:p>
-            <a:r>
-              <a:rPr lang="zh-CN" altLang="en-US" dirty="0" smtClean="0"/>
-              <a:t>当被测对象为函数时</a:t>
-            </a:r>
-            <a:endParaRPr lang="en-US" altLang="zh-CN" dirty="0" smtClean="0"/>
-          </a:p>
-          <a:p>
-            <a:pPr lvl="1"/>
-            <a:r>
-              <a:rPr lang="zh-CN" altLang="en-US" dirty="0" smtClean="0"/>
-              <a:t>完成对函数功能的测试</a:t>
-            </a:r>
-            <a:endParaRPr lang="en-US" altLang="zh-CN" dirty="0" smtClean="0"/>
-          </a:p>
-          <a:p>
-            <a:pPr lvl="1"/>
-            <a:r>
-              <a:rPr lang="zh-CN" altLang="en-US" dirty="0" smtClean="0"/>
-              <a:t>无需看函数代码，只需了解函数接口和返回值</a:t>
-            </a:r>
-            <a:endParaRPr lang="en-US" altLang="zh-CN" dirty="0" smtClean="0"/>
-          </a:p>
-          <a:p>
-            <a:pPr lvl="1"/>
-            <a:r>
-              <a:rPr lang="zh-CN" altLang="en-US" dirty="0" smtClean="0"/>
-              <a:t>对应功能测试阶段</a:t>
-            </a:r>
-            <a:endParaRPr lang="en-US" altLang="zh-CN" dirty="0" smtClean="0"/>
-          </a:p>
-        </p:txBody>
-      </p:sp>
-    </p:spTree>
-    <p:extLst>
-      <p:ext uri="{BB962C8B-B14F-4D97-AF65-F5344CB8AC3E}">
-        <p14:creationId xmlns:p14="http://schemas.microsoft.com/office/powerpoint/2010/main" val="2778480875"/>
-      </p:ext>
-    </p:extLst>
-  </p:cSld>
-  <p:clrMapOvr>
-    <a:masterClrMapping/>
-  </p:clrMapOvr>
-  <p:transition/>
-  <p:timing>
-    <p:tnLst>
-      <p:par>
-        <p:cTn id="1" dur="indefinite" restart="never" nodeType="tmRoot">
-          <p:childTnLst>
-            <p:seq concurrent="1" nextAc="seek">
-              <p:cTn id="2" dur="indefinite" nodeType="mainSeq">
-                <p:childTnLst>
-                  <p:par>
-                    <p:cTn id="3" fill="hold">
-                      <p:stCondLst>
-                        <p:cond delay="indefinite"/>
-                      </p:stCondLst>
-                      <p:childTnLst>
-                        <p:par>
-                          <p:cTn id="4" fill="hold">
-                            <p:stCondLst>
-                              <p:cond delay="0"/>
-                            </p:stCondLst>
-                            <p:childTnLst>
-                              <p:par>
-                                <p:cTn id="5" presetID="2" presetClass="entr" presetSubtype="4" fill="hold" nodeType="clickEffect">
-                                  <p:stCondLst>
-                                    <p:cond delay="0"/>
-                                  </p:stCondLst>
-                                  <p:childTnLst>
-                                    <p:set>
-                                      <p:cBhvr>
-                                        <p:cTn id="6" dur="1" fill="hold">
-                                          <p:stCondLst>
-                                            <p:cond delay="0"/>
-                                          </p:stCondLst>
-                                        </p:cTn>
-                                        <p:tgtEl>
-                                          <p:spTgt spid="8196">
-                                            <p:txEl>
-                                              <p:pRg st="0" end="0"/>
-                                            </p:txEl>
-                                          </p:spTgt>
-                                        </p:tgtEl>
-                                        <p:attrNameLst>
-                                          <p:attrName>style.visibility</p:attrName>
-                                        </p:attrNameLst>
-                                      </p:cBhvr>
-                                      <p:to>
-                                        <p:strVal val="visible"/>
-                                      </p:to>
-                                    </p:set>
-                                    <p:anim calcmode="lin" valueType="num">
-                                      <p:cBhvr additive="base">
-                                        <p:cTn id="7" dur="500" fill="hold"/>
-                                        <p:tgtEl>
-                                          <p:spTgt spid="8196">
-                                            <p:txEl>
-                                              <p:pRg st="0" end="0"/>
-                                            </p:txEl>
-                                          </p:spTgt>
-                                        </p:tgtEl>
-                                        <p:attrNameLst>
-                                          <p:attrName>ppt_x</p:attrName>
-                                        </p:attrNameLst>
-                                      </p:cBhvr>
-                                      <p:tavLst>
-                                        <p:tav tm="0">
-                                          <p:val>
-                                            <p:strVal val="#ppt_x"/>
-                                          </p:val>
-                                        </p:tav>
-                                        <p:tav tm="100000">
-                                          <p:val>
-                                            <p:strVal val="#ppt_x"/>
-                                          </p:val>
-                                        </p:tav>
-                                      </p:tavLst>
-                                    </p:anim>
-                                    <p:anim calcmode="lin" valueType="num">
-                                      <p:cBhvr additive="base">
-                                        <p:cTn id="8" dur="500" fill="hold"/>
-                                        <p:tgtEl>
-                                          <p:spTgt spid="8196">
-                                            <p:txEl>
-                                              <p:pRg st="0" end="0"/>
-                                            </p:txEl>
-                                          </p:spTgt>
-                                        </p:tgtEl>
-                                        <p:attrNameLst>
-                                          <p:attrName>ppt_y</p:attrName>
-                                        </p:attrNameLst>
-                                      </p:cBhvr>
-                                      <p:tavLst>
-                                        <p:tav tm="0">
-                                          <p:val>
-                                            <p:strVal val="1+#ppt_h/2"/>
-                                          </p:val>
-                                        </p:tav>
-                                        <p:tav tm="100000">
-                                          <p:val>
-                                            <p:strVal val="#ppt_y"/>
-                                          </p:val>
-                                        </p:tav>
-                                      </p:tavLst>
-                                    </p:anim>
-                                  </p:childTnLst>
-                                </p:cTn>
-                              </p:par>
-                            </p:childTnLst>
-                          </p:cTn>
-                        </p:par>
-                      </p:childTnLst>
-                    </p:cTn>
-                  </p:par>
-                  <p:par>
-                    <p:cTn id="9" fill="hold">
-                      <p:stCondLst>
-                        <p:cond delay="indefinite"/>
-                      </p:stCondLst>
-                      <p:childTnLst>
-                        <p:par>
-                          <p:cTn id="10" fill="hold">
-                            <p:stCondLst>
-                              <p:cond delay="0"/>
-                            </p:stCondLst>
-                            <p:childTnLst>
-                              <p:par>
-                                <p:cTn id="11" presetID="2" presetClass="entr" presetSubtype="4" fill="hold" nodeType="clickEffect">
-                                  <p:stCondLst>
-                                    <p:cond delay="0"/>
-                                  </p:stCondLst>
-                                  <p:childTnLst>
-                                    <p:set>
-                                      <p:cBhvr>
-                                        <p:cTn id="12" dur="1" fill="hold">
-                                          <p:stCondLst>
-                                            <p:cond delay="0"/>
-                                          </p:stCondLst>
-                                        </p:cTn>
-                                        <p:tgtEl>
-                                          <p:spTgt spid="8196">
-                                            <p:txEl>
-                                              <p:pRg st="1" end="1"/>
-                                            </p:txEl>
-                                          </p:spTgt>
-                                        </p:tgtEl>
-                                        <p:attrNameLst>
-                                          <p:attrName>style.visibility</p:attrName>
-                                        </p:attrNameLst>
-                                      </p:cBhvr>
-                                      <p:to>
-                                        <p:strVal val="visible"/>
-                                      </p:to>
-                                    </p:set>
-                                    <p:anim calcmode="lin" valueType="num">
-                                      <p:cBhvr additive="base">
-                                        <p:cTn id="13" dur="500" fill="hold"/>
-                                        <p:tgtEl>
-                                          <p:spTgt spid="8196">
-                                            <p:txEl>
-                                              <p:pRg st="1" end="1"/>
-                                            </p:txEl>
-                                          </p:spTgt>
-                                        </p:tgtEl>
-                                        <p:attrNameLst>
-                                          <p:attrName>ppt_x</p:attrName>
-                                        </p:attrNameLst>
-                                      </p:cBhvr>
-                                      <p:tavLst>
-                                        <p:tav tm="0">
-                                          <p:val>
-                                            <p:strVal val="#ppt_x"/>
-                                          </p:val>
-                                        </p:tav>
-                                        <p:tav tm="100000">
-                                          <p:val>
-                                            <p:strVal val="#ppt_x"/>
-                                          </p:val>
-                                        </p:tav>
-                                      </p:tavLst>
-                                    </p:anim>
-                                    <p:anim calcmode="lin" valueType="num">
-                                      <p:cBhvr additive="base">
-                                        <p:cTn id="14" dur="500" fill="hold"/>
-                                        <p:tgtEl>
-                                          <p:spTgt spid="8196">
-                                            <p:txEl>
-                                              <p:pRg st="1" end="1"/>
-                                            </p:txEl>
-                                          </p:spTgt>
-                                        </p:tgtEl>
-                                        <p:attrNameLst>
-                                          <p:attrName>ppt_y</p:attrName>
-                                        </p:attrNameLst>
-                                      </p:cBhvr>
-                                      <p:tavLst>
-                                        <p:tav tm="0">
-                                          <p:val>
-                                            <p:strVal val="1+#ppt_h/2"/>
-                                          </p:val>
-                                        </p:tav>
-                                        <p:tav tm="100000">
-                                          <p:val>
-                                            <p:strVal val="#ppt_y"/>
-                                          </p:val>
-                                        </p:tav>
-                                      </p:tavLst>
-                                    </p:anim>
-                                  </p:childTnLst>
-                                </p:cTn>
-                              </p:par>
-                            </p:childTnLst>
-                          </p:cTn>
-                        </p:par>
-                      </p:childTnLst>
-                    </p:cTn>
-                  </p:par>
-                  <p:par>
-                    <p:cTn id="15" fill="hold">
-                      <p:stCondLst>
-                        <p:cond delay="indefinite"/>
-                      </p:stCondLst>
-                      <p:childTnLst>
-                        <p:par>
-                          <p:cTn id="16" fill="hold">
-                            <p:stCondLst>
-                              <p:cond delay="0"/>
-                            </p:stCondLst>
-                            <p:childTnLst>
-                              <p:par>
-                                <p:cTn id="17" presetID="2" presetClass="entr" presetSubtype="4" fill="hold" nodeType="clickEffect">
-                                  <p:stCondLst>
-                                    <p:cond delay="0"/>
-                                  </p:stCondLst>
-                                  <p:childTnLst>
-                                    <p:set>
-                                      <p:cBhvr>
-                                        <p:cTn id="18" dur="1" fill="hold">
-                                          <p:stCondLst>
-                                            <p:cond delay="0"/>
-                                          </p:stCondLst>
-                                        </p:cTn>
-                                        <p:tgtEl>
-                                          <p:spTgt spid="8196">
-                                            <p:txEl>
-                                              <p:pRg st="2" end="2"/>
-                                            </p:txEl>
-                                          </p:spTgt>
-                                        </p:tgtEl>
-                                        <p:attrNameLst>
-                                          <p:attrName>style.visibility</p:attrName>
-                                        </p:attrNameLst>
-                                      </p:cBhvr>
-                                      <p:to>
-                                        <p:strVal val="visible"/>
-                                      </p:to>
-                                    </p:set>
-                                    <p:anim calcmode="lin" valueType="num">
-                                      <p:cBhvr additive="base">
-                                        <p:cTn id="19" dur="500" fill="hold"/>
-                                        <p:tgtEl>
-                                          <p:spTgt spid="8196">
-                                            <p:txEl>
-                                              <p:pRg st="2" end="2"/>
-                                            </p:txEl>
-                                          </p:spTgt>
-                                        </p:tgtEl>
-                                        <p:attrNameLst>
-                                          <p:attrName>ppt_x</p:attrName>
-                                        </p:attrNameLst>
-                                      </p:cBhvr>
-                                      <p:tavLst>
-                                        <p:tav tm="0">
-                                          <p:val>
-                                            <p:strVal val="#ppt_x"/>
-                                          </p:val>
-                                        </p:tav>
-                                        <p:tav tm="100000">
-                                          <p:val>
-                                            <p:strVal val="#ppt_x"/>
-                                          </p:val>
-                                        </p:tav>
-                                      </p:tavLst>
-                                    </p:anim>
-                                    <p:anim calcmode="lin" valueType="num">
-                                      <p:cBhvr additive="base">
-                                        <p:cTn id="20" dur="500" fill="hold"/>
-                                        <p:tgtEl>
-                                          <p:spTgt spid="8196">
-                                            <p:txEl>
-                                              <p:pRg st="2" end="2"/>
-                                            </p:txEl>
-                                          </p:spTgt>
-                                        </p:tgtEl>
-                                        <p:attrNameLst>
-                                          <p:attrName>ppt_y</p:attrName>
-                                        </p:attrNameLst>
-                                      </p:cBhvr>
-                                      <p:tavLst>
-                                        <p:tav tm="0">
-                                          <p:val>
-                                            <p:strVal val="1+#ppt_h/2"/>
-                                          </p:val>
-                                        </p:tav>
-                                        <p:tav tm="100000">
-                                          <p:val>
-                                            <p:strVal val="#ppt_y"/>
-                                          </p:val>
-                                        </p:tav>
-                                      </p:tavLst>
-                                    </p:anim>
-                                  </p:childTnLst>
-                                </p:cTn>
-                              </p:par>
-                            </p:childTnLst>
-                          </p:cTn>
-                        </p:par>
-                      </p:childTnLst>
-                    </p:cTn>
-                  </p:par>
-                  <p:par>
-                    <p:cTn id="21" fill="hold">
-                      <p:stCondLst>
-                        <p:cond delay="indefinite"/>
-                      </p:stCondLst>
-                      <p:childTnLst>
-                        <p:par>
-                          <p:cTn id="22" fill="hold">
-                            <p:stCondLst>
-                              <p:cond delay="0"/>
-                            </p:stCondLst>
-                            <p:childTnLst>
-                              <p:par>
-                                <p:cTn id="23" presetID="2" presetClass="entr" presetSubtype="4" fill="hold" nodeType="clickEffect">
-                                  <p:stCondLst>
-                                    <p:cond delay="0"/>
-                                  </p:stCondLst>
-                                  <p:childTnLst>
-                                    <p:set>
-                                      <p:cBhvr>
-                                        <p:cTn id="24" dur="1" fill="hold">
-                                          <p:stCondLst>
-                                            <p:cond delay="0"/>
-                                          </p:stCondLst>
-                                        </p:cTn>
-                                        <p:tgtEl>
-                                          <p:spTgt spid="8196">
-                                            <p:txEl>
-                                              <p:pRg st="3" end="3"/>
-                                            </p:txEl>
-                                          </p:spTgt>
-                                        </p:tgtEl>
-                                        <p:attrNameLst>
-                                          <p:attrName>style.visibility</p:attrName>
-                                        </p:attrNameLst>
-                                      </p:cBhvr>
-                                      <p:to>
-                                        <p:strVal val="visible"/>
-                                      </p:to>
-                                    </p:set>
-                                    <p:anim calcmode="lin" valueType="num">
-                                      <p:cBhvr additive="base">
-                                        <p:cTn id="25" dur="500" fill="hold"/>
-                                        <p:tgtEl>
-                                          <p:spTgt spid="8196">
-                                            <p:txEl>
-                                              <p:pRg st="3" end="3"/>
-                                            </p:txEl>
-                                          </p:spTgt>
-                                        </p:tgtEl>
-                                        <p:attrNameLst>
-                                          <p:attrName>ppt_x</p:attrName>
-                                        </p:attrNameLst>
-                                      </p:cBhvr>
-                                      <p:tavLst>
-                                        <p:tav tm="0">
-                                          <p:val>
-                                            <p:strVal val="#ppt_x"/>
-                                          </p:val>
-                                        </p:tav>
-                                        <p:tav tm="100000">
-                                          <p:val>
-                                            <p:strVal val="#ppt_x"/>
-                                          </p:val>
-                                        </p:tav>
-                                      </p:tavLst>
-                                    </p:anim>
-                                    <p:anim calcmode="lin" valueType="num">
-                                      <p:cBhvr additive="base">
-                                        <p:cTn id="26" dur="500" fill="hold"/>
-                                        <p:tgtEl>
-                                          <p:spTgt spid="8196">
-                                            <p:txEl>
-                                              <p:pRg st="3" end="3"/>
-                                            </p:txEl>
-                                          </p:spTgt>
-                                        </p:tgtEl>
-                                        <p:attrNameLst>
-                                          <p:attrName>ppt_y</p:attrName>
-                                        </p:attrNameLst>
-                                      </p:cBhvr>
-                                      <p:tavLst>
-                                        <p:tav tm="0">
-                                          <p:val>
-                                            <p:strVal val="1+#ppt_h/2"/>
-                                          </p:val>
-                                        </p:tav>
-                                        <p:tav tm="100000">
-                                          <p:val>
-                                            <p:strVal val="#ppt_y"/>
-                                          </p:val>
-                                        </p:tav>
-                                      </p:tavLst>
-                                    </p:anim>
-                                  </p:childTnLst>
-                                </p:cTn>
-                              </p:par>
-                            </p:childTnLst>
-                          </p:cTn>
-                        </p:par>
-                      </p:childTnLst>
-                    </p:cTn>
-                  </p:par>
-                  <p:par>
-                    <p:cTn id="27" fill="hold">
-                      <p:stCondLst>
-                        <p:cond delay="indefinite"/>
-                      </p:stCondLst>
-                      <p:childTnLst>
-                        <p:par>
-                          <p:cTn id="28" fill="hold">
-                            <p:stCondLst>
-                              <p:cond delay="0"/>
-                            </p:stCondLst>
-                            <p:childTnLst>
-                              <p:par>
-                                <p:cTn id="29" presetID="2" presetClass="entr" presetSubtype="4" fill="hold" nodeType="clickEffect">
-                                  <p:stCondLst>
-                                    <p:cond delay="0"/>
-                                  </p:stCondLst>
-                                  <p:childTnLst>
-                                    <p:set>
-                                      <p:cBhvr>
-                                        <p:cTn id="30" dur="1" fill="hold">
-                                          <p:stCondLst>
-                                            <p:cond delay="0"/>
-                                          </p:stCondLst>
-                                        </p:cTn>
-                                        <p:tgtEl>
-                                          <p:spTgt spid="8196">
-                                            <p:txEl>
-                                              <p:pRg st="4" end="4"/>
-                                            </p:txEl>
-                                          </p:spTgt>
-                                        </p:tgtEl>
-                                        <p:attrNameLst>
-                                          <p:attrName>style.visibility</p:attrName>
-                                        </p:attrNameLst>
-                                      </p:cBhvr>
-                                      <p:to>
-                                        <p:strVal val="visible"/>
-                                      </p:to>
-                                    </p:set>
-                                    <p:anim calcmode="lin" valueType="num">
-                                      <p:cBhvr additive="base">
-                                        <p:cTn id="31" dur="500" fill="hold"/>
-                                        <p:tgtEl>
-                                          <p:spTgt spid="8196">
-                                            <p:txEl>
-                                              <p:pRg st="4" end="4"/>
-                                            </p:txEl>
-                                          </p:spTgt>
-                                        </p:tgtEl>
-                                        <p:attrNameLst>
-                                          <p:attrName>ppt_x</p:attrName>
-                                        </p:attrNameLst>
-                                      </p:cBhvr>
-                                      <p:tavLst>
-                                        <p:tav tm="0">
-                                          <p:val>
-                                            <p:strVal val="#ppt_x"/>
-                                          </p:val>
-                                        </p:tav>
-                                        <p:tav tm="100000">
-                                          <p:val>
-                                            <p:strVal val="#ppt_x"/>
-                                          </p:val>
-                                        </p:tav>
-                                      </p:tavLst>
-                                    </p:anim>
-                                    <p:anim calcmode="lin" valueType="num">
-                                      <p:cBhvr additive="base">
-                                        <p:cTn id="32" dur="500" fill="hold"/>
-                                        <p:tgtEl>
-                                          <p:spTgt spid="8196">
-                                            <p:txEl>
-                                              <p:pRg st="4" end="4"/>
-                                            </p:txEl>
-                                          </p:spTgt>
-                                        </p:tgtEl>
-                                        <p:attrNameLst>
-                                          <p:attrName>ppt_y</p:attrName>
-                                        </p:attrNameLst>
-                                      </p:cBhvr>
-                                      <p:tavLst>
-                                        <p:tav tm="0">
-                                          <p:val>
-                                            <p:strVal val="1+#ppt_h/2"/>
-                                          </p:val>
-                                        </p:tav>
-                                        <p:tav tm="100000">
-                                          <p:val>
-                                            <p:strVal val="#ppt_y"/>
-                                          </p:val>
-                                        </p:tav>
-                                      </p:tavLst>
-                                    </p:anim>
-                                  </p:childTnLst>
-                                </p:cTn>
-                              </p:par>
-                            </p:childTnLst>
-                          </p:cTn>
-                        </p:par>
-                      </p:childTnLst>
-                    </p:cTn>
-                  </p:par>
-                </p:childTnLst>
-              </p:cTn>
-              <p:prevCondLst>
-                <p:cond evt="onPrev" delay="0">
-                  <p:tgtEl>
-                    <p:sldTgt/>
-                  </p:tgtEl>
-                </p:cond>
-              </p:prevCondLst>
-              <p:nextCondLst>
-                <p:cond evt="onNext" delay="0">
-                  <p:tgtEl>
-                    <p:sldTgt/>
-                  </p:tgtEl>
-                </p:cond>
-              </p:nextCondLst>
-            </p:seq>
-          </p:childTnLst>
-        </p:cTn>
-      </p:par>
-    </p:tnLst>
-  </p:timing>
-</p:sld>
-</file>
-
-<file path=ppt/slides/slide24.xml><?xml version="1.0" encoding="utf-8"?>
-<p:sld xmlns:a="http://schemas.openxmlformats.org/drawingml/2006/main" xmlns:r="http://schemas.openxmlformats.org/officeDocument/2006/relationships" xmlns:p="http://schemas.openxmlformats.org/presentationml/2006/main" show="0">
-  <p:cSld>
-    <p:spTree>
-      <p:nvGrpSpPr>
-        <p:cNvPr id="1" name=""/>
-        <p:cNvGrpSpPr/>
-        <p:nvPr/>
-      </p:nvGrpSpPr>
-      <p:grpSpPr>
-        <a:xfrm>
-          <a:off x="0" y="0"/>
-          <a:ext cx="0" cy="0"/>
-          <a:chOff x="0" y="0"/>
-          <a:chExt cx="0" cy="0"/>
-        </a:xfrm>
-      </p:grpSpPr>
-      <p:sp>
-        <p:nvSpPr>
-          <p:cNvPr id="9219" name="Rectangle 2"/>
-          <p:cNvSpPr>
-            <a:spLocks noGrp="1" noChangeArrowheads="1"/>
-          </p:cNvSpPr>
-          <p:nvPr>
-            <p:ph type="title"/>
-          </p:nvPr>
-        </p:nvSpPr>
-        <p:spPr/>
-        <p:txBody>
-          <a:bodyPr/>
-          <a:lstStyle/>
-          <a:p>
-            <a:r>
-              <a:rPr lang="zh-CN" altLang="en-US" dirty="0"/>
-              <a:t>黑盒测试概述</a:t>
-            </a:r>
-            <a:endParaRPr lang="zh-CN" altLang="en-US" b="0" dirty="0" smtClean="0"/>
-          </a:p>
-        </p:txBody>
-      </p:sp>
-      <p:sp>
-        <p:nvSpPr>
-          <p:cNvPr id="9220" name="Rectangle 3"/>
-          <p:cNvSpPr>
-            <a:spLocks noGrp="1" noChangeArrowheads="1"/>
-          </p:cNvSpPr>
-          <p:nvPr>
-            <p:ph idx="1"/>
-          </p:nvPr>
-        </p:nvSpPr>
-        <p:spPr>
-          <a:xfrm>
-            <a:off x="665903" y="1276307"/>
-            <a:ext cx="6582225" cy="4267200"/>
-          </a:xfrm>
-        </p:spPr>
-        <p:txBody>
-          <a:bodyPr/>
-          <a:lstStyle/>
-          <a:p>
-            <a:r>
-              <a:rPr lang="zh-CN" altLang="en-US" dirty="0" smtClean="0"/>
-              <a:t>测试方法的评价</a:t>
-            </a:r>
-            <a:endParaRPr lang="en-US" altLang="zh-CN" dirty="0" smtClean="0"/>
-          </a:p>
-          <a:p>
-            <a:pPr lvl="1"/>
-            <a:r>
-              <a:rPr lang="zh-CN" altLang="en-US" dirty="0" smtClean="0"/>
-              <a:t>测试用例对被测对象的覆盖率：</a:t>
-            </a:r>
-            <a:endParaRPr lang="en-US" altLang="zh-CN" dirty="0" smtClean="0"/>
-          </a:p>
-          <a:p>
-            <a:pPr lvl="1"/>
-            <a:r>
-              <a:rPr lang="zh-CN" altLang="en-US" dirty="0" smtClean="0"/>
-              <a:t>测试用例的冗余：</a:t>
-            </a:r>
-            <a:endParaRPr lang="en-US" altLang="zh-CN" dirty="0" smtClean="0"/>
-          </a:p>
-          <a:p>
-            <a:pPr lvl="1"/>
-            <a:r>
-              <a:rPr lang="zh-CN" altLang="en-US" dirty="0" smtClean="0"/>
-              <a:t>测试用例的数量：</a:t>
-            </a:r>
-            <a:endParaRPr lang="en-US" altLang="zh-CN" dirty="0" smtClean="0"/>
-          </a:p>
-          <a:p>
-            <a:pPr lvl="1"/>
-            <a:r>
-              <a:rPr lang="zh-CN" altLang="en-US" dirty="0" smtClean="0"/>
-              <a:t>测试用例对缺陷的定位能力：</a:t>
-            </a:r>
-            <a:endParaRPr lang="en-US" altLang="zh-CN" dirty="0" smtClean="0"/>
-          </a:p>
-          <a:p>
-            <a:pPr lvl="1"/>
-            <a:r>
-              <a:rPr lang="zh-CN" altLang="en-US" dirty="0" smtClean="0"/>
-              <a:t>测试用例设计的复杂度：</a:t>
-            </a:r>
-          </a:p>
-        </p:txBody>
-      </p:sp>
-      <p:sp>
-        <p:nvSpPr>
-          <p:cNvPr id="7" name="内容占位符 2"/>
-          <p:cNvSpPr txBox="1">
-            <a:spLocks/>
-          </p:cNvSpPr>
-          <p:nvPr/>
-        </p:nvSpPr>
-        <p:spPr bwMode="auto">
-          <a:xfrm>
-            <a:off x="7392144" y="1988840"/>
-            <a:ext cx="3269857" cy="4267200"/>
-          </a:xfrm>
-          <a:prstGeom prst="rect">
-            <a:avLst/>
-          </a:prstGeom>
-          <a:noFill/>
-          <a:ln>
-            <a:noFill/>
-          </a:ln>
-          <a:extLst>
-            <a:ext uri="{909E8E84-426E-40DD-AFC4-6F175D3DCCD1}">
-              <a14:hiddenFill xmlns:a14="http://schemas.microsoft.com/office/drawing/2010/main">
-                <a:solidFill>
-                  <a:srgbClr val="FFFFFF"/>
-                </a:solidFill>
-              </a14:hiddenFill>
-            </a:ext>
-            <a:ext uri="{91240B29-F687-4F45-9708-019B960494DF}">
-              <a14:hiddenLine xmlns:a14="http://schemas.microsoft.com/office/drawing/2010/main" w="9525">
-                <a:solidFill>
-                  <a:srgbClr val="000000"/>
-                </a:solidFill>
-                <a:miter lim="800000"/>
-                <a:headEnd/>
-                <a:tailEnd/>
-              </a14:hiddenLine>
-            </a:ext>
-          </a:extLst>
-        </p:spPr>
-        <p:txBody>
-          <a:bodyPr vert="horz" wrap="square" lIns="91440" tIns="45720" rIns="91440" bIns="45720" numCol="1" anchor="t" anchorCtr="0" compatLnSpc="1">
-            <a:prstTxWarp prst="textNoShape">
-              <a:avLst/>
-            </a:prstTxWarp>
-          </a:bodyPr>
-          <a:lstStyle>
-            <a:lvl1pPr marL="469900" indent="-469900" algn="l" rtl="0" eaLnBrk="0" fontAlgn="base" hangingPunct="0">
-              <a:lnSpc>
-                <a:spcPct val="150000"/>
-              </a:lnSpc>
-              <a:spcBef>
-                <a:spcPct val="20000"/>
-              </a:spcBef>
-              <a:spcAft>
-                <a:spcPct val="0"/>
-              </a:spcAft>
-              <a:buClr>
-                <a:schemeClr val="accent2"/>
-              </a:buClr>
-              <a:buFont typeface="Wingdings" pitchFamily="2" charset="2"/>
-              <a:buChar char="o"/>
-              <a:defRPr sz="2800" b="1" baseline="0">
-                <a:solidFill>
-                  <a:schemeClr val="tx1"/>
-                </a:solidFill>
-                <a:latin typeface="Times New Roman" panose="02020603050405020304" pitchFamily="18" charset="0"/>
-                <a:ea typeface="宋体" panose="02010600030101010101" pitchFamily="2" charset="-122"/>
-                <a:cs typeface="+mn-cs"/>
-              </a:defRPr>
-            </a:lvl1pPr>
-            <a:lvl2pPr marL="908050" indent="-436563" algn="l" rtl="0" eaLnBrk="0" fontAlgn="base" hangingPunct="0">
-              <a:lnSpc>
-                <a:spcPct val="150000"/>
-              </a:lnSpc>
-              <a:spcBef>
-                <a:spcPct val="20000"/>
-              </a:spcBef>
-              <a:spcAft>
-                <a:spcPct val="0"/>
-              </a:spcAft>
-              <a:buClr>
-                <a:schemeClr val="accent2"/>
-              </a:buClr>
-              <a:buFont typeface="Wingdings" pitchFamily="2" charset="2"/>
-              <a:buChar char="n"/>
-              <a:defRPr sz="2600" b="1" baseline="0">
-                <a:solidFill>
-                  <a:schemeClr val="tx1"/>
-                </a:solidFill>
-                <a:latin typeface="Times New Roman" panose="02020603050405020304" pitchFamily="18" charset="0"/>
-                <a:ea typeface="宋体" panose="02010600030101010101" pitchFamily="2" charset="-122"/>
-              </a:defRPr>
-            </a:lvl2pPr>
-            <a:lvl3pPr marL="1304925" indent="-395288" algn="l" rtl="0" eaLnBrk="0" fontAlgn="base" hangingPunct="0">
-              <a:lnSpc>
-                <a:spcPct val="150000"/>
-              </a:lnSpc>
-              <a:spcBef>
-                <a:spcPct val="20000"/>
-              </a:spcBef>
-              <a:spcAft>
-                <a:spcPct val="0"/>
-              </a:spcAft>
-              <a:buClr>
-                <a:schemeClr val="accent2"/>
-              </a:buClr>
-              <a:buFont typeface="Wingdings" pitchFamily="2" charset="2"/>
-              <a:buChar char="o"/>
-              <a:defRPr sz="2400" b="1" baseline="0">
-                <a:solidFill>
-                  <a:schemeClr val="tx1"/>
-                </a:solidFill>
-                <a:latin typeface="Times New Roman" panose="02020603050405020304" pitchFamily="18" charset="0"/>
-                <a:ea typeface="宋体" panose="02010600030101010101" pitchFamily="2" charset="-122"/>
-              </a:defRPr>
-            </a:lvl3pPr>
-            <a:lvl4pPr marL="1693863" indent="-387350" algn="l" rtl="0" eaLnBrk="0" fontAlgn="base" hangingPunct="0">
-              <a:lnSpc>
-                <a:spcPct val="150000"/>
-              </a:lnSpc>
-              <a:spcBef>
-                <a:spcPct val="20000"/>
-              </a:spcBef>
-              <a:spcAft>
-                <a:spcPct val="0"/>
-              </a:spcAft>
-              <a:buClr>
-                <a:schemeClr val="accent2"/>
-              </a:buClr>
-              <a:buFont typeface="Wingdings" pitchFamily="2" charset="2"/>
-              <a:buChar char="n"/>
-              <a:defRPr sz="2000" b="1" baseline="0">
-                <a:solidFill>
-                  <a:schemeClr val="tx1"/>
-                </a:solidFill>
-                <a:latin typeface="Times New Roman" panose="02020603050405020304" pitchFamily="18" charset="0"/>
-                <a:ea typeface="宋体" panose="02010600030101010101" pitchFamily="2" charset="-122"/>
-              </a:defRPr>
-            </a:lvl4pPr>
-            <a:lvl5pPr marL="2093913" indent="-398463" algn="l" rtl="0" eaLnBrk="0" fontAlgn="base" hangingPunct="0">
-              <a:lnSpc>
-                <a:spcPct val="150000"/>
-              </a:lnSpc>
-              <a:spcBef>
-                <a:spcPct val="25000"/>
-              </a:spcBef>
-              <a:spcAft>
-                <a:spcPct val="0"/>
-              </a:spcAft>
-              <a:buClr>
-                <a:schemeClr val="accent2"/>
-              </a:buClr>
-              <a:buFont typeface="Wingdings" pitchFamily="2" charset="2"/>
-              <a:buChar char="§"/>
-              <a:defRPr sz="2000" b="1" baseline="0">
-                <a:solidFill>
-                  <a:schemeClr val="tx1"/>
-                </a:solidFill>
-                <a:latin typeface="Times New Roman" panose="02020603050405020304" pitchFamily="18" charset="0"/>
-                <a:ea typeface="宋体" panose="02010600030101010101" pitchFamily="2" charset="-122"/>
-              </a:defRPr>
-            </a:lvl5pPr>
-            <a:lvl6pPr marL="2551113" indent="-398463" algn="l" rtl="0" fontAlgn="base">
-              <a:spcBef>
-                <a:spcPct val="25000"/>
-              </a:spcBef>
-              <a:spcAft>
-                <a:spcPct val="0"/>
-              </a:spcAft>
-              <a:buClr>
-                <a:schemeClr val="accent2"/>
-              </a:buClr>
-              <a:buFont typeface="Wingdings" pitchFamily="2" charset="2"/>
-              <a:buChar char="§"/>
-              <a:defRPr sz="2000">
-                <a:solidFill>
-                  <a:schemeClr val="tx1"/>
-                </a:solidFill>
-                <a:latin typeface="+mn-lt"/>
-                <a:ea typeface="+mn-ea"/>
-              </a:defRPr>
-            </a:lvl6pPr>
-            <a:lvl7pPr marL="3008313" indent="-398463" algn="l" rtl="0" fontAlgn="base">
-              <a:spcBef>
-                <a:spcPct val="25000"/>
-              </a:spcBef>
-              <a:spcAft>
-                <a:spcPct val="0"/>
-              </a:spcAft>
-              <a:buClr>
-                <a:schemeClr val="accent2"/>
-              </a:buClr>
-              <a:buFont typeface="Wingdings" pitchFamily="2" charset="2"/>
-              <a:buChar char="§"/>
-              <a:defRPr sz="2000">
-                <a:solidFill>
-                  <a:schemeClr val="tx1"/>
-                </a:solidFill>
-                <a:latin typeface="+mn-lt"/>
-                <a:ea typeface="+mn-ea"/>
-              </a:defRPr>
-            </a:lvl7pPr>
-            <a:lvl8pPr marL="3465513" indent="-398463" algn="l" rtl="0" fontAlgn="base">
-              <a:spcBef>
-                <a:spcPct val="25000"/>
-              </a:spcBef>
-              <a:spcAft>
-                <a:spcPct val="0"/>
-              </a:spcAft>
-              <a:buClr>
-                <a:schemeClr val="accent2"/>
-              </a:buClr>
-              <a:buFont typeface="Wingdings" pitchFamily="2" charset="2"/>
-              <a:buChar char="§"/>
-              <a:defRPr sz="2000">
-                <a:solidFill>
-                  <a:schemeClr val="tx1"/>
-                </a:solidFill>
-                <a:latin typeface="+mn-lt"/>
-                <a:ea typeface="+mn-ea"/>
-              </a:defRPr>
-            </a:lvl8pPr>
-            <a:lvl9pPr marL="3922713" indent="-398463" algn="l" rtl="0" fontAlgn="base">
-              <a:spcBef>
-                <a:spcPct val="25000"/>
-              </a:spcBef>
-              <a:spcAft>
-                <a:spcPct val="0"/>
-              </a:spcAft>
-              <a:buClr>
-                <a:schemeClr val="accent2"/>
-              </a:buClr>
-              <a:buFont typeface="Wingdings" pitchFamily="2" charset="2"/>
-              <a:buChar char="§"/>
-              <a:defRPr sz="2000">
-                <a:solidFill>
-                  <a:schemeClr val="tx1"/>
-                </a:solidFill>
-                <a:latin typeface="+mn-lt"/>
-                <a:ea typeface="+mn-ea"/>
-              </a:defRPr>
-            </a:lvl9pPr>
-          </a:lstStyle>
-          <a:p>
-            <a:pPr lvl="1"/>
-            <a:r>
-              <a:rPr lang="zh-CN" altLang="en-US" kern="0" dirty="0" smtClean="0">
-                <a:latin typeface="楷体" panose="02010609060101010101" pitchFamily="49" charset="-122"/>
-                <a:ea typeface="楷体" panose="02010609060101010101" pitchFamily="49" charset="-122"/>
-              </a:rPr>
-              <a:t>高</a:t>
-            </a:r>
-            <a:endParaRPr lang="en-US" altLang="zh-CN" kern="0" dirty="0" smtClean="0">
-              <a:latin typeface="楷体" panose="02010609060101010101" pitchFamily="49" charset="-122"/>
-              <a:ea typeface="楷体" panose="02010609060101010101" pitchFamily="49" charset="-122"/>
-            </a:endParaRPr>
-          </a:p>
-          <a:p>
-            <a:pPr lvl="1"/>
-            <a:r>
-              <a:rPr lang="zh-CN" altLang="en-US" kern="0" dirty="0" smtClean="0">
-                <a:latin typeface="楷体" panose="02010609060101010101" pitchFamily="49" charset="-122"/>
-                <a:ea typeface="楷体" panose="02010609060101010101" pitchFamily="49" charset="-122"/>
-              </a:rPr>
-              <a:t>少</a:t>
-            </a:r>
-            <a:endParaRPr lang="en-US" altLang="zh-CN" kern="0" dirty="0" smtClean="0">
-              <a:latin typeface="楷体" panose="02010609060101010101" pitchFamily="49" charset="-122"/>
-              <a:ea typeface="楷体" panose="02010609060101010101" pitchFamily="49" charset="-122"/>
-            </a:endParaRPr>
-          </a:p>
-          <a:p>
-            <a:pPr lvl="1"/>
-            <a:r>
-              <a:rPr lang="zh-CN" altLang="en-US" kern="0" dirty="0" smtClean="0">
-                <a:latin typeface="楷体" panose="02010609060101010101" pitchFamily="49" charset="-122"/>
-                <a:ea typeface="楷体" panose="02010609060101010101" pitchFamily="49" charset="-122"/>
-              </a:rPr>
-              <a:t>少</a:t>
-            </a:r>
-            <a:endParaRPr lang="en-US" altLang="zh-CN" kern="0" dirty="0" smtClean="0">
-              <a:latin typeface="楷体" panose="02010609060101010101" pitchFamily="49" charset="-122"/>
-              <a:ea typeface="楷体" panose="02010609060101010101" pitchFamily="49" charset="-122"/>
-            </a:endParaRPr>
-          </a:p>
-          <a:p>
-            <a:pPr lvl="1"/>
-            <a:r>
-              <a:rPr lang="zh-CN" altLang="en-US" kern="0" dirty="0" smtClean="0">
-                <a:latin typeface="楷体" panose="02010609060101010101" pitchFamily="49" charset="-122"/>
-                <a:ea typeface="楷体" panose="02010609060101010101" pitchFamily="49" charset="-122"/>
-              </a:rPr>
-              <a:t>强</a:t>
-            </a:r>
-            <a:endParaRPr lang="en-US" altLang="zh-CN" kern="0" dirty="0" smtClean="0">
-              <a:latin typeface="楷体" panose="02010609060101010101" pitchFamily="49" charset="-122"/>
-              <a:ea typeface="楷体" panose="02010609060101010101" pitchFamily="49" charset="-122"/>
-            </a:endParaRPr>
-          </a:p>
-          <a:p>
-            <a:pPr lvl="1"/>
-            <a:r>
-              <a:rPr lang="zh-CN" altLang="en-US" kern="0" dirty="0" smtClean="0">
-                <a:latin typeface="楷体" panose="02010609060101010101" pitchFamily="49" charset="-122"/>
-                <a:ea typeface="楷体" panose="02010609060101010101" pitchFamily="49" charset="-122"/>
-              </a:rPr>
-              <a:t>低</a:t>
-            </a:r>
-            <a:endParaRPr lang="zh-CN" altLang="en-US" kern="0" dirty="0">
-              <a:latin typeface="楷体" panose="02010609060101010101" pitchFamily="49" charset="-122"/>
-              <a:ea typeface="楷体" panose="02010609060101010101" pitchFamily="49" charset="-122"/>
-            </a:endParaRPr>
-          </a:p>
-        </p:txBody>
-      </p:sp>
-    </p:spTree>
-    <p:extLst>
-      <p:ext uri="{BB962C8B-B14F-4D97-AF65-F5344CB8AC3E}">
-        <p14:creationId xmlns:p14="http://schemas.microsoft.com/office/powerpoint/2010/main" val="2818390412"/>
-      </p:ext>
-    </p:extLst>
-  </p:cSld>
-  <p:clrMapOvr>
-    <a:masterClrMapping/>
-  </p:clrMapOvr>
-  <p:transition/>
-  <p:timing>
-    <p:tnLst>
-      <p:par>
-        <p:cTn id="1" dur="indefinite" restart="never" nodeType="tmRoot">
-          <p:childTnLst>
-            <p:seq concurrent="1" nextAc="seek">
-              <p:cTn id="2" dur="indefinite" nodeType="mainSeq">
-                <p:childTnLst>
-                  <p:par>
-                    <p:cTn id="3" fill="hold">
-                      <p:stCondLst>
-                        <p:cond delay="indefinite"/>
-                      </p:stCondLst>
-                      <p:childTnLst>
-                        <p:par>
-                          <p:cTn id="4" fill="hold">
-                            <p:stCondLst>
-                              <p:cond delay="0"/>
-                            </p:stCondLst>
-                            <p:childTnLst>
-                              <p:par>
-                                <p:cTn id="5" presetID="2" presetClass="entr" presetSubtype="4" fill="hold" nodeType="clickEffect">
-                                  <p:stCondLst>
-                                    <p:cond delay="0"/>
-                                  </p:stCondLst>
-                                  <p:childTnLst>
-                                    <p:set>
-                                      <p:cBhvr>
-                                        <p:cTn id="6" dur="1" fill="hold">
-                                          <p:stCondLst>
-                                            <p:cond delay="0"/>
-                                          </p:stCondLst>
-                                        </p:cTn>
-                                        <p:tgtEl>
-                                          <p:spTgt spid="9220">
-                                            <p:txEl>
-                                              <p:pRg st="1" end="1"/>
-                                            </p:txEl>
-                                          </p:spTgt>
-                                        </p:tgtEl>
-                                        <p:attrNameLst>
-                                          <p:attrName>style.visibility</p:attrName>
-                                        </p:attrNameLst>
-                                      </p:cBhvr>
-                                      <p:to>
-                                        <p:strVal val="visible"/>
-                                      </p:to>
-                                    </p:set>
-                                    <p:anim calcmode="lin" valueType="num">
-                                      <p:cBhvr additive="base">
-                                        <p:cTn id="7" dur="500" fill="hold"/>
-                                        <p:tgtEl>
-                                          <p:spTgt spid="9220">
-                                            <p:txEl>
-                                              <p:pRg st="1" end="1"/>
-                                            </p:txEl>
-                                          </p:spTgt>
-                                        </p:tgtEl>
-                                        <p:attrNameLst>
-                                          <p:attrName>ppt_x</p:attrName>
-                                        </p:attrNameLst>
-                                      </p:cBhvr>
-                                      <p:tavLst>
-                                        <p:tav tm="0">
-                                          <p:val>
-                                            <p:strVal val="#ppt_x"/>
-                                          </p:val>
-                                        </p:tav>
-                                        <p:tav tm="100000">
-                                          <p:val>
-                                            <p:strVal val="#ppt_x"/>
-                                          </p:val>
-                                        </p:tav>
-                                      </p:tavLst>
-                                    </p:anim>
-                                    <p:anim calcmode="lin" valueType="num">
-                                      <p:cBhvr additive="base">
-                                        <p:cTn id="8" dur="500" fill="hold"/>
-                                        <p:tgtEl>
-                                          <p:spTgt spid="9220">
-                                            <p:txEl>
-                                              <p:pRg st="1" end="1"/>
-                                            </p:txEl>
-                                          </p:spTgt>
-                                        </p:tgtEl>
-                                        <p:attrNameLst>
-                                          <p:attrName>ppt_y</p:attrName>
-                                        </p:attrNameLst>
-                                      </p:cBhvr>
-                                      <p:tavLst>
-                                        <p:tav tm="0">
-                                          <p:val>
-                                            <p:strVal val="1+#ppt_h/2"/>
-                                          </p:val>
-                                        </p:tav>
-                                        <p:tav tm="100000">
-                                          <p:val>
-                                            <p:strVal val="#ppt_y"/>
-                                          </p:val>
-                                        </p:tav>
-                                      </p:tavLst>
-                                    </p:anim>
-                                  </p:childTnLst>
-                                </p:cTn>
-                              </p:par>
-                            </p:childTnLst>
-                          </p:cTn>
-                        </p:par>
-                      </p:childTnLst>
-                    </p:cTn>
-                  </p:par>
-                  <p:par>
-                    <p:cTn id="9" fill="hold">
-                      <p:stCondLst>
-                        <p:cond delay="indefinite"/>
-                      </p:stCondLst>
-                      <p:childTnLst>
-                        <p:par>
-                          <p:cTn id="10" fill="hold">
-                            <p:stCondLst>
-                              <p:cond delay="0"/>
-                            </p:stCondLst>
-                            <p:childTnLst>
-                              <p:par>
-                                <p:cTn id="11" presetID="22" presetClass="entr" presetSubtype="8" fill="hold" nodeType="clickEffect">
-                                  <p:stCondLst>
-                                    <p:cond delay="0"/>
-                                  </p:stCondLst>
-                                  <p:childTnLst>
-                                    <p:set>
-                                      <p:cBhvr>
-                                        <p:cTn id="12" dur="1" fill="hold">
-                                          <p:stCondLst>
-                                            <p:cond delay="0"/>
-                                          </p:stCondLst>
-                                        </p:cTn>
-                                        <p:tgtEl>
-                                          <p:spTgt spid="7">
-                                            <p:txEl>
-                                              <p:pRg st="0" end="0"/>
-                                            </p:txEl>
-                                          </p:spTgt>
-                                        </p:tgtEl>
-                                        <p:attrNameLst>
-                                          <p:attrName>style.visibility</p:attrName>
-                                        </p:attrNameLst>
-                                      </p:cBhvr>
-                                      <p:to>
-                                        <p:strVal val="visible"/>
-                                      </p:to>
-                                    </p:set>
-                                    <p:animEffect transition="in" filter="wipe(left)">
-                                      <p:cBhvr>
-                                        <p:cTn id="13" dur="500"/>
-                                        <p:tgtEl>
-                                          <p:spTgt spid="7">
-                                            <p:txEl>
-                                              <p:pRg st="0" end="0"/>
-                                            </p:txEl>
-                                          </p:spTgt>
-                                        </p:tgtEl>
-                                      </p:cBhvr>
-                                    </p:animEffect>
-                                  </p:childTnLst>
-                                </p:cTn>
-                              </p:par>
-                            </p:childTnLst>
-                          </p:cTn>
-                        </p:par>
-                      </p:childTnLst>
-                    </p:cTn>
-                  </p:par>
-                  <p:par>
-                    <p:cTn id="14" fill="hold">
-                      <p:stCondLst>
-                        <p:cond delay="indefinite"/>
-                      </p:stCondLst>
-                      <p:childTnLst>
-                        <p:par>
-                          <p:cTn id="15" fill="hold">
-                            <p:stCondLst>
-                              <p:cond delay="0"/>
-                            </p:stCondLst>
-                            <p:childTnLst>
-                              <p:par>
-                                <p:cTn id="16" presetID="2" presetClass="entr" presetSubtype="4" fill="hold" nodeType="clickEffect">
-                                  <p:stCondLst>
-                                    <p:cond delay="0"/>
-                                  </p:stCondLst>
-                                  <p:childTnLst>
-                                    <p:set>
-                                      <p:cBhvr>
-                                        <p:cTn id="17" dur="1" fill="hold">
-                                          <p:stCondLst>
-                                            <p:cond delay="0"/>
-                                          </p:stCondLst>
-                                        </p:cTn>
-                                        <p:tgtEl>
-                                          <p:spTgt spid="9220">
-                                            <p:txEl>
-                                              <p:pRg st="2" end="2"/>
-                                            </p:txEl>
-                                          </p:spTgt>
-                                        </p:tgtEl>
-                                        <p:attrNameLst>
-                                          <p:attrName>style.visibility</p:attrName>
-                                        </p:attrNameLst>
-                                      </p:cBhvr>
-                                      <p:to>
-                                        <p:strVal val="visible"/>
-                                      </p:to>
-                                    </p:set>
-                                    <p:anim calcmode="lin" valueType="num">
-                                      <p:cBhvr additive="base">
-                                        <p:cTn id="18" dur="500" fill="hold"/>
-                                        <p:tgtEl>
-                                          <p:spTgt spid="9220">
-                                            <p:txEl>
-                                              <p:pRg st="2" end="2"/>
-                                            </p:txEl>
-                                          </p:spTgt>
-                                        </p:tgtEl>
-                                        <p:attrNameLst>
-                                          <p:attrName>ppt_x</p:attrName>
-                                        </p:attrNameLst>
-                                      </p:cBhvr>
-                                      <p:tavLst>
-                                        <p:tav tm="0">
-                                          <p:val>
-                                            <p:strVal val="#ppt_x"/>
-                                          </p:val>
-                                        </p:tav>
-                                        <p:tav tm="100000">
-                                          <p:val>
-                                            <p:strVal val="#ppt_x"/>
-                                          </p:val>
-                                        </p:tav>
-                                      </p:tavLst>
-                                    </p:anim>
-                                    <p:anim calcmode="lin" valueType="num">
-                                      <p:cBhvr additive="base">
-                                        <p:cTn id="19" dur="500" fill="hold"/>
-                                        <p:tgtEl>
-                                          <p:spTgt spid="9220">
-                                            <p:txEl>
-                                              <p:pRg st="2" end="2"/>
-                                            </p:txEl>
-                                          </p:spTgt>
-                                        </p:tgtEl>
-                                        <p:attrNameLst>
-                                          <p:attrName>ppt_y</p:attrName>
-                                        </p:attrNameLst>
-                                      </p:cBhvr>
-                                      <p:tavLst>
-                                        <p:tav tm="0">
-                                          <p:val>
-                                            <p:strVal val="1+#ppt_h/2"/>
-                                          </p:val>
-                                        </p:tav>
-                                        <p:tav tm="100000">
-                                          <p:val>
-                                            <p:strVal val="#ppt_y"/>
-                                          </p:val>
-                                        </p:tav>
-                                      </p:tavLst>
-                                    </p:anim>
-                                  </p:childTnLst>
-                                </p:cTn>
-                              </p:par>
-                            </p:childTnLst>
-                          </p:cTn>
-                        </p:par>
-                      </p:childTnLst>
-                    </p:cTn>
-                  </p:par>
-                  <p:par>
-                    <p:cTn id="20" fill="hold">
-                      <p:stCondLst>
-                        <p:cond delay="indefinite"/>
-                      </p:stCondLst>
-                      <p:childTnLst>
-                        <p:par>
-                          <p:cTn id="21" fill="hold">
-                            <p:stCondLst>
-                              <p:cond delay="0"/>
-                            </p:stCondLst>
-                            <p:childTnLst>
-                              <p:par>
-                                <p:cTn id="22" presetID="22" presetClass="entr" presetSubtype="8" fill="hold" nodeType="clickEffect">
-                                  <p:stCondLst>
-                                    <p:cond delay="0"/>
-                                  </p:stCondLst>
-                                  <p:childTnLst>
-                                    <p:set>
-                                      <p:cBhvr>
-                                        <p:cTn id="23" dur="1" fill="hold">
-                                          <p:stCondLst>
-                                            <p:cond delay="0"/>
-                                          </p:stCondLst>
-                                        </p:cTn>
-                                        <p:tgtEl>
-                                          <p:spTgt spid="7">
-                                            <p:txEl>
-                                              <p:pRg st="1" end="1"/>
-                                            </p:txEl>
-                                          </p:spTgt>
-                                        </p:tgtEl>
-                                        <p:attrNameLst>
-                                          <p:attrName>style.visibility</p:attrName>
-                                        </p:attrNameLst>
-                                      </p:cBhvr>
-                                      <p:to>
-                                        <p:strVal val="visible"/>
-                                      </p:to>
-                                    </p:set>
-                                    <p:animEffect transition="in" filter="wipe(left)">
-                                      <p:cBhvr>
-                                        <p:cTn id="24" dur="500"/>
-                                        <p:tgtEl>
-                                          <p:spTgt spid="7">
-                                            <p:txEl>
-                                              <p:pRg st="1" end="1"/>
-                                            </p:txEl>
-                                          </p:spTgt>
-                                        </p:tgtEl>
-                                      </p:cBhvr>
-                                    </p:animEffect>
-                                  </p:childTnLst>
-                                </p:cTn>
-                              </p:par>
-                            </p:childTnLst>
-                          </p:cTn>
-                        </p:par>
-                      </p:childTnLst>
-                    </p:cTn>
-                  </p:par>
-                  <p:par>
-                    <p:cTn id="25" fill="hold">
-                      <p:stCondLst>
-                        <p:cond delay="indefinite"/>
-                      </p:stCondLst>
-                      <p:childTnLst>
-                        <p:par>
-                          <p:cTn id="26" fill="hold">
-                            <p:stCondLst>
-                              <p:cond delay="0"/>
-                            </p:stCondLst>
-                            <p:childTnLst>
-                              <p:par>
-                                <p:cTn id="27" presetID="2" presetClass="entr" presetSubtype="4" fill="hold" nodeType="clickEffect">
-                                  <p:stCondLst>
-                                    <p:cond delay="0"/>
-                                  </p:stCondLst>
-                                  <p:childTnLst>
-                                    <p:set>
-                                      <p:cBhvr>
-                                        <p:cTn id="28" dur="1" fill="hold">
-                                          <p:stCondLst>
-                                            <p:cond delay="0"/>
-                                          </p:stCondLst>
-                                        </p:cTn>
-                                        <p:tgtEl>
-                                          <p:spTgt spid="9220">
-                                            <p:txEl>
-                                              <p:pRg st="3" end="3"/>
-                                            </p:txEl>
-                                          </p:spTgt>
-                                        </p:tgtEl>
-                                        <p:attrNameLst>
-                                          <p:attrName>style.visibility</p:attrName>
-                                        </p:attrNameLst>
-                                      </p:cBhvr>
-                                      <p:to>
-                                        <p:strVal val="visible"/>
-                                      </p:to>
-                                    </p:set>
-                                    <p:anim calcmode="lin" valueType="num">
-                                      <p:cBhvr additive="base">
-                                        <p:cTn id="29" dur="500" fill="hold"/>
-                                        <p:tgtEl>
-                                          <p:spTgt spid="9220">
-                                            <p:txEl>
-                                              <p:pRg st="3" end="3"/>
-                                            </p:txEl>
-                                          </p:spTgt>
-                                        </p:tgtEl>
-                                        <p:attrNameLst>
-                                          <p:attrName>ppt_x</p:attrName>
-                                        </p:attrNameLst>
-                                      </p:cBhvr>
-                                      <p:tavLst>
-                                        <p:tav tm="0">
-                                          <p:val>
-                                            <p:strVal val="#ppt_x"/>
-                                          </p:val>
-                                        </p:tav>
-                                        <p:tav tm="100000">
-                                          <p:val>
-                                            <p:strVal val="#ppt_x"/>
-                                          </p:val>
-                                        </p:tav>
-                                      </p:tavLst>
-                                    </p:anim>
-                                    <p:anim calcmode="lin" valueType="num">
-                                      <p:cBhvr additive="base">
-                                        <p:cTn id="30" dur="500" fill="hold"/>
-                                        <p:tgtEl>
-                                          <p:spTgt spid="9220">
-                                            <p:txEl>
-                                              <p:pRg st="3" end="3"/>
-                                            </p:txEl>
-                                          </p:spTgt>
-                                        </p:tgtEl>
-                                        <p:attrNameLst>
-                                          <p:attrName>ppt_y</p:attrName>
-                                        </p:attrNameLst>
-                                      </p:cBhvr>
-                                      <p:tavLst>
-                                        <p:tav tm="0">
-                                          <p:val>
-                                            <p:strVal val="1+#ppt_h/2"/>
-                                          </p:val>
-                                        </p:tav>
-                                        <p:tav tm="100000">
-                                          <p:val>
-                                            <p:strVal val="#ppt_y"/>
-                                          </p:val>
-                                        </p:tav>
-                                      </p:tavLst>
-                                    </p:anim>
-                                  </p:childTnLst>
-                                </p:cTn>
-                              </p:par>
-                            </p:childTnLst>
-                          </p:cTn>
-                        </p:par>
-                      </p:childTnLst>
-                    </p:cTn>
-                  </p:par>
-                  <p:par>
-                    <p:cTn id="31" fill="hold">
-                      <p:stCondLst>
-                        <p:cond delay="indefinite"/>
-                      </p:stCondLst>
-                      <p:childTnLst>
-                        <p:par>
-                          <p:cTn id="32" fill="hold">
-                            <p:stCondLst>
-                              <p:cond delay="0"/>
-                            </p:stCondLst>
-                            <p:childTnLst>
-                              <p:par>
-                                <p:cTn id="33" presetID="22" presetClass="entr" presetSubtype="8" fill="hold" nodeType="clickEffect">
-                                  <p:stCondLst>
-                                    <p:cond delay="0"/>
-                                  </p:stCondLst>
-                                  <p:childTnLst>
-                                    <p:set>
-                                      <p:cBhvr>
-                                        <p:cTn id="34" dur="1" fill="hold">
-                                          <p:stCondLst>
-                                            <p:cond delay="0"/>
-                                          </p:stCondLst>
-                                        </p:cTn>
-                                        <p:tgtEl>
-                                          <p:spTgt spid="7">
-                                            <p:txEl>
-                                              <p:pRg st="2" end="2"/>
-                                            </p:txEl>
-                                          </p:spTgt>
-                                        </p:tgtEl>
-                                        <p:attrNameLst>
-                                          <p:attrName>style.visibility</p:attrName>
-                                        </p:attrNameLst>
-                                      </p:cBhvr>
-                                      <p:to>
-                                        <p:strVal val="visible"/>
-                                      </p:to>
-                                    </p:set>
-                                    <p:animEffect transition="in" filter="wipe(left)">
-                                      <p:cBhvr>
-                                        <p:cTn id="35" dur="500"/>
-                                        <p:tgtEl>
-                                          <p:spTgt spid="7">
-                                            <p:txEl>
-                                              <p:pRg st="2" end="2"/>
-                                            </p:txEl>
-                                          </p:spTgt>
-                                        </p:tgtEl>
-                                      </p:cBhvr>
-                                    </p:animEffect>
-                                  </p:childTnLst>
-                                </p:cTn>
-                              </p:par>
-                            </p:childTnLst>
-                          </p:cTn>
-                        </p:par>
-                      </p:childTnLst>
-                    </p:cTn>
-                  </p:par>
-                  <p:par>
-                    <p:cTn id="36" fill="hold">
-                      <p:stCondLst>
-                        <p:cond delay="indefinite"/>
-                      </p:stCondLst>
-                      <p:childTnLst>
-                        <p:par>
-                          <p:cTn id="37" fill="hold">
-                            <p:stCondLst>
-                              <p:cond delay="0"/>
-                            </p:stCondLst>
-                            <p:childTnLst>
-                              <p:par>
-                                <p:cTn id="38" presetID="2" presetClass="entr" presetSubtype="4" fill="hold" nodeType="clickEffect">
-                                  <p:stCondLst>
-                                    <p:cond delay="0"/>
-                                  </p:stCondLst>
-                                  <p:childTnLst>
-                                    <p:set>
-                                      <p:cBhvr>
-                                        <p:cTn id="39" dur="1" fill="hold">
-                                          <p:stCondLst>
-                                            <p:cond delay="0"/>
-                                          </p:stCondLst>
-                                        </p:cTn>
-                                        <p:tgtEl>
-                                          <p:spTgt spid="9220">
-                                            <p:txEl>
-                                              <p:pRg st="4" end="4"/>
-                                            </p:txEl>
-                                          </p:spTgt>
-                                        </p:tgtEl>
-                                        <p:attrNameLst>
-                                          <p:attrName>style.visibility</p:attrName>
-                                        </p:attrNameLst>
-                                      </p:cBhvr>
-                                      <p:to>
-                                        <p:strVal val="visible"/>
-                                      </p:to>
-                                    </p:set>
-                                    <p:anim calcmode="lin" valueType="num">
-                                      <p:cBhvr additive="base">
-                                        <p:cTn id="40" dur="500" fill="hold"/>
-                                        <p:tgtEl>
-                                          <p:spTgt spid="9220">
-                                            <p:txEl>
-                                              <p:pRg st="4" end="4"/>
-                                            </p:txEl>
-                                          </p:spTgt>
-                                        </p:tgtEl>
-                                        <p:attrNameLst>
-                                          <p:attrName>ppt_x</p:attrName>
-                                        </p:attrNameLst>
-                                      </p:cBhvr>
-                                      <p:tavLst>
-                                        <p:tav tm="0">
-                                          <p:val>
-                                            <p:strVal val="#ppt_x"/>
-                                          </p:val>
-                                        </p:tav>
-                                        <p:tav tm="100000">
-                                          <p:val>
-                                            <p:strVal val="#ppt_x"/>
-                                          </p:val>
-                                        </p:tav>
-                                      </p:tavLst>
-                                    </p:anim>
-                                    <p:anim calcmode="lin" valueType="num">
-                                      <p:cBhvr additive="base">
-                                        <p:cTn id="41" dur="500" fill="hold"/>
-                                        <p:tgtEl>
-                                          <p:spTgt spid="9220">
-                                            <p:txEl>
-                                              <p:pRg st="4" end="4"/>
-                                            </p:txEl>
-                                          </p:spTgt>
-                                        </p:tgtEl>
-                                        <p:attrNameLst>
-                                          <p:attrName>ppt_y</p:attrName>
-                                        </p:attrNameLst>
-                                      </p:cBhvr>
-                                      <p:tavLst>
-                                        <p:tav tm="0">
-                                          <p:val>
-                                            <p:strVal val="1+#ppt_h/2"/>
-                                          </p:val>
-                                        </p:tav>
-                                        <p:tav tm="100000">
-                                          <p:val>
-                                            <p:strVal val="#ppt_y"/>
-                                          </p:val>
-                                        </p:tav>
-                                      </p:tavLst>
-                                    </p:anim>
-                                  </p:childTnLst>
-                                </p:cTn>
-                              </p:par>
-                            </p:childTnLst>
-                          </p:cTn>
-                        </p:par>
-                      </p:childTnLst>
-                    </p:cTn>
-                  </p:par>
-                  <p:par>
-                    <p:cTn id="42" fill="hold">
-                      <p:stCondLst>
-                        <p:cond delay="indefinite"/>
-                      </p:stCondLst>
-                      <p:childTnLst>
-                        <p:par>
-                          <p:cTn id="43" fill="hold">
-                            <p:stCondLst>
-                              <p:cond delay="0"/>
-                            </p:stCondLst>
-                            <p:childTnLst>
-                              <p:par>
-                                <p:cTn id="44" presetID="22" presetClass="entr" presetSubtype="8" fill="hold" nodeType="clickEffect">
-                                  <p:stCondLst>
-                                    <p:cond delay="0"/>
-                                  </p:stCondLst>
-                                  <p:childTnLst>
-                                    <p:set>
-                                      <p:cBhvr>
-                                        <p:cTn id="45" dur="1" fill="hold">
-                                          <p:stCondLst>
-                                            <p:cond delay="0"/>
-                                          </p:stCondLst>
-                                        </p:cTn>
-                                        <p:tgtEl>
-                                          <p:spTgt spid="7">
-                                            <p:txEl>
-                                              <p:pRg st="3" end="3"/>
-                                            </p:txEl>
-                                          </p:spTgt>
-                                        </p:tgtEl>
-                                        <p:attrNameLst>
-                                          <p:attrName>style.visibility</p:attrName>
-                                        </p:attrNameLst>
-                                      </p:cBhvr>
-                                      <p:to>
-                                        <p:strVal val="visible"/>
-                                      </p:to>
-                                    </p:set>
-                                    <p:animEffect transition="in" filter="wipe(left)">
-                                      <p:cBhvr>
-                                        <p:cTn id="46" dur="500"/>
-                                        <p:tgtEl>
-                                          <p:spTgt spid="7">
-                                            <p:txEl>
-                                              <p:pRg st="3" end="3"/>
-                                            </p:txEl>
-                                          </p:spTgt>
-                                        </p:tgtEl>
-                                      </p:cBhvr>
-                                    </p:animEffect>
-                                  </p:childTnLst>
-                                </p:cTn>
-                              </p:par>
-                            </p:childTnLst>
-                          </p:cTn>
-                        </p:par>
-                      </p:childTnLst>
-                    </p:cTn>
-                  </p:par>
-                  <p:par>
-                    <p:cTn id="47" fill="hold">
-                      <p:stCondLst>
-                        <p:cond delay="indefinite"/>
-                      </p:stCondLst>
-                      <p:childTnLst>
-                        <p:par>
-                          <p:cTn id="48" fill="hold">
-                            <p:stCondLst>
-                              <p:cond delay="0"/>
-                            </p:stCondLst>
-                            <p:childTnLst>
-                              <p:par>
-                                <p:cTn id="49" presetID="2" presetClass="entr" presetSubtype="4" fill="hold" nodeType="clickEffect">
-                                  <p:stCondLst>
-                                    <p:cond delay="0"/>
-                                  </p:stCondLst>
-                                  <p:childTnLst>
-                                    <p:set>
-                                      <p:cBhvr>
-                                        <p:cTn id="50" dur="1" fill="hold">
-                                          <p:stCondLst>
-                                            <p:cond delay="0"/>
-                                          </p:stCondLst>
-                                        </p:cTn>
-                                        <p:tgtEl>
-                                          <p:spTgt spid="9220">
-                                            <p:txEl>
-                                              <p:pRg st="5" end="5"/>
-                                            </p:txEl>
-                                          </p:spTgt>
-                                        </p:tgtEl>
-                                        <p:attrNameLst>
-                                          <p:attrName>style.visibility</p:attrName>
-                                        </p:attrNameLst>
-                                      </p:cBhvr>
-                                      <p:to>
-                                        <p:strVal val="visible"/>
-                                      </p:to>
-                                    </p:set>
-                                    <p:anim calcmode="lin" valueType="num">
-                                      <p:cBhvr additive="base">
-                                        <p:cTn id="51" dur="500" fill="hold"/>
-                                        <p:tgtEl>
-                                          <p:spTgt spid="9220">
-                                            <p:txEl>
-                                              <p:pRg st="5" end="5"/>
-                                            </p:txEl>
-                                          </p:spTgt>
-                                        </p:tgtEl>
-                                        <p:attrNameLst>
-                                          <p:attrName>ppt_x</p:attrName>
-                                        </p:attrNameLst>
-                                      </p:cBhvr>
-                                      <p:tavLst>
-                                        <p:tav tm="0">
-                                          <p:val>
-                                            <p:strVal val="#ppt_x"/>
-                                          </p:val>
-                                        </p:tav>
-                                        <p:tav tm="100000">
-                                          <p:val>
-                                            <p:strVal val="#ppt_x"/>
-                                          </p:val>
-                                        </p:tav>
-                                      </p:tavLst>
-                                    </p:anim>
-                                    <p:anim calcmode="lin" valueType="num">
-                                      <p:cBhvr additive="base">
-                                        <p:cTn id="52" dur="500" fill="hold"/>
-                                        <p:tgtEl>
-                                          <p:spTgt spid="9220">
-                                            <p:txEl>
-                                              <p:pRg st="5" end="5"/>
-                                            </p:txEl>
-                                          </p:spTgt>
-                                        </p:tgtEl>
-                                        <p:attrNameLst>
-                                          <p:attrName>ppt_y</p:attrName>
-                                        </p:attrNameLst>
-                                      </p:cBhvr>
-                                      <p:tavLst>
-                                        <p:tav tm="0">
-                                          <p:val>
-                                            <p:strVal val="1+#ppt_h/2"/>
-                                          </p:val>
-                                        </p:tav>
-                                        <p:tav tm="100000">
-                                          <p:val>
-                                            <p:strVal val="#ppt_y"/>
-                                          </p:val>
-                                        </p:tav>
-                                      </p:tavLst>
-                                    </p:anim>
-                                  </p:childTnLst>
-                                </p:cTn>
-                              </p:par>
-                            </p:childTnLst>
-                          </p:cTn>
-                        </p:par>
-                      </p:childTnLst>
-                    </p:cTn>
-                  </p:par>
-                  <p:par>
-                    <p:cTn id="53" fill="hold">
-                      <p:stCondLst>
-                        <p:cond delay="indefinite"/>
-                      </p:stCondLst>
-                      <p:childTnLst>
-                        <p:par>
-                          <p:cTn id="54" fill="hold">
-                            <p:stCondLst>
-                              <p:cond delay="0"/>
-                            </p:stCondLst>
-                            <p:childTnLst>
-                              <p:par>
-                                <p:cTn id="55" presetID="22" presetClass="entr" presetSubtype="8" fill="hold" nodeType="clickEffect">
-                                  <p:stCondLst>
-                                    <p:cond delay="0"/>
-                                  </p:stCondLst>
-                                  <p:childTnLst>
-                                    <p:set>
-                                      <p:cBhvr>
-                                        <p:cTn id="56" dur="1" fill="hold">
-                                          <p:stCondLst>
-                                            <p:cond delay="0"/>
-                                          </p:stCondLst>
-                                        </p:cTn>
-                                        <p:tgtEl>
-                                          <p:spTgt spid="7">
-                                            <p:txEl>
-                                              <p:pRg st="4" end="4"/>
-                                            </p:txEl>
-                                          </p:spTgt>
-                                        </p:tgtEl>
-                                        <p:attrNameLst>
-                                          <p:attrName>style.visibility</p:attrName>
-                                        </p:attrNameLst>
-                                      </p:cBhvr>
-                                      <p:to>
-                                        <p:strVal val="visible"/>
-                                      </p:to>
-                                    </p:set>
-                                    <p:animEffect transition="in" filter="wipe(left)">
-                                      <p:cBhvr>
-                                        <p:cTn id="57" dur="500"/>
-                                        <p:tgtEl>
-                                          <p:spTgt spid="7">
-                                            <p:txEl>
-                                              <p:pRg st="4" end="4"/>
-                                            </p:txEl>
-                                          </p:spTgt>
-                                        </p:tgtEl>
-                                      </p:cBhvr>
-                                    </p:animEffect>
-                                  </p:childTnLst>
-                                </p:cTn>
-                              </p:par>
-                            </p:childTnLst>
-                          </p:cTn>
-                        </p:par>
-                      </p:childTnLst>
-                    </p:cTn>
-                  </p:par>
-                </p:childTnLst>
-              </p:cTn>
-              <p:prevCondLst>
-                <p:cond evt="onPrev" delay="0">
-                  <p:tgtEl>
-                    <p:sldTgt/>
-                  </p:tgtEl>
-                </p:cond>
-              </p:prevCondLst>
-              <p:nextCondLst>
-                <p:cond evt="onNext" delay="0">
-                  <p:tgtEl>
-                    <p:sldTgt/>
-                  </p:tgtEl>
-                </p:cond>
-              </p:nextCondLst>
-            </p:seq>
-          </p:childTnLst>
-        </p:cTn>
-      </p:par>
-    </p:tnLst>
-  </p:timing>
-</p:sld>
-</file>
-
-<file path=ppt/slides/slide25.xml><?xml version="1.0" encoding="utf-8"?>
-<p:sld xmlns:a="http://schemas.openxmlformats.org/drawingml/2006/main" xmlns:r="http://schemas.openxmlformats.org/officeDocument/2006/relationships" xmlns:p="http://schemas.openxmlformats.org/presentationml/2006/main">
-  <p:cSld>
-    <p:spTree>
-      <p:nvGrpSpPr>
-        <p:cNvPr id="1" name=""/>
-        <p:cNvGrpSpPr/>
-        <p:nvPr/>
-      </p:nvGrpSpPr>
-      <p:grpSpPr>
-        <a:xfrm>
-          <a:off x="0" y="0"/>
-          <a:ext cx="0" cy="0"/>
-          <a:chOff x="0" y="0"/>
-          <a:chExt cx="0" cy="0"/>
-        </a:xfrm>
-      </p:grpSpPr>
-      <p:sp>
-        <p:nvSpPr>
-          <p:cNvPr id="2" name="标题 1"/>
-          <p:cNvSpPr>
-            <a:spLocks noGrp="1"/>
-          </p:cNvSpPr>
-          <p:nvPr>
-            <p:ph type="title"/>
-          </p:nvPr>
-        </p:nvSpPr>
-        <p:spPr/>
-        <p:txBody>
-          <a:bodyPr/>
-          <a:lstStyle/>
-          <a:p>
-            <a:r>
-              <a:rPr lang="zh-CN" altLang="en-US" dirty="0" smtClean="0"/>
-              <a:t>测试基本概念</a:t>
-            </a:r>
-            <a:endParaRPr lang="zh-CN" altLang="en-US" dirty="0"/>
-          </a:p>
-        </p:txBody>
-      </p:sp>
-      <p:sp>
-        <p:nvSpPr>
-          <p:cNvPr id="3" name="内容占位符 2"/>
-          <p:cNvSpPr>
-            <a:spLocks noGrp="1"/>
-          </p:cNvSpPr>
-          <p:nvPr>
-            <p:ph idx="1"/>
-          </p:nvPr>
-        </p:nvSpPr>
-        <p:spPr>
-          <a:xfrm>
-            <a:off x="665903" y="1276307"/>
-            <a:ext cx="10902706" cy="4267200"/>
-          </a:xfrm>
-        </p:spPr>
-        <p:txBody>
-          <a:bodyPr/>
-          <a:lstStyle/>
-          <a:p>
-            <a:r>
-              <a:rPr lang="zh-CN" altLang="en-US" dirty="0">
-                <a:solidFill>
-                  <a:srgbClr val="FF0000"/>
-                </a:solidFill>
-              </a:rPr>
-              <a:t>白盒测试</a:t>
-            </a:r>
-            <a:endParaRPr lang="en-US" altLang="zh-CN" dirty="0">
-              <a:solidFill>
-                <a:srgbClr val="FF0000"/>
-              </a:solidFill>
-            </a:endParaRPr>
-          </a:p>
-          <a:p>
-            <a:pPr marL="593725" lvl="3" indent="-166688"/>
-            <a:r>
-              <a:rPr lang="zh-CN" altLang="en-US" sz="2600" dirty="0"/>
-              <a:t>又称结构测试、透明盒测试、逻辑驱动</a:t>
-            </a:r>
-            <a:r>
-              <a:rPr lang="zh-CN" altLang="en-US" sz="2600" dirty="0" smtClean="0"/>
-              <a:t>测试</a:t>
-            </a:r>
-            <a:r>
-              <a:rPr lang="zh-CN" altLang="en-US" sz="2600" dirty="0"/>
-              <a:t>或基于代码的测试</a:t>
-            </a:r>
-            <a:endParaRPr lang="en-US" altLang="zh-CN" sz="2600" dirty="0"/>
-          </a:p>
-          <a:p>
-            <a:endParaRPr lang="zh-CN" altLang="en-US" dirty="0"/>
-          </a:p>
-        </p:txBody>
-      </p:sp>
-    </p:spTree>
-    <p:extLst>
-      <p:ext uri="{BB962C8B-B14F-4D97-AF65-F5344CB8AC3E}">
-        <p14:creationId xmlns:p14="http://schemas.microsoft.com/office/powerpoint/2010/main" val="1573976201"/>
-      </p:ext>
-    </p:extLst>
-  </p:cSld>
-  <p:clrMapOvr>
-    <a:masterClrMapping/>
-  </p:clrMapOvr>
-  <p:transition>
-    <p:blinds dir="vert"/>
-  </p:transition>
-  <p:timing>
-    <p:tnLst>
-      <p:par>
-        <p:cTn id="1" dur="indefinite" restart="never" nodeType="tmRoot"/>
-      </p:par>
-    </p:tnLst>
-  </p:timing>
-</p:sld>
-</file>
-
-<file path=ppt/slides/slide26.xml><?xml version="1.0" encoding="utf-8"?>
-<p:sld xmlns:a="http://schemas.openxmlformats.org/drawingml/2006/main" xmlns:r="http://schemas.openxmlformats.org/officeDocument/2006/relationships" xmlns:p="http://schemas.openxmlformats.org/presentationml/2006/main">
-  <p:cSld>
-    <p:spTree>
-      <p:nvGrpSpPr>
-        <p:cNvPr id="1" name=""/>
-        <p:cNvGrpSpPr/>
-        <p:nvPr/>
-      </p:nvGrpSpPr>
-      <p:grpSpPr>
-        <a:xfrm>
-          <a:off x="0" y="0"/>
-          <a:ext cx="0" cy="0"/>
-          <a:chOff x="0" y="0"/>
-          <a:chExt cx="0" cy="0"/>
-        </a:xfrm>
-      </p:grpSpPr>
-      <p:sp>
-        <p:nvSpPr>
-          <p:cNvPr id="2" name="标题 1"/>
-          <p:cNvSpPr>
-            <a:spLocks noGrp="1"/>
-          </p:cNvSpPr>
-          <p:nvPr>
-            <p:ph type="title"/>
-          </p:nvPr>
-        </p:nvSpPr>
-        <p:spPr/>
-        <p:txBody>
-          <a:bodyPr/>
-          <a:lstStyle/>
-          <a:p>
-            <a:r>
-              <a:rPr lang="zh-CN" altLang="en-US" dirty="0" smtClean="0"/>
-              <a:t>测试基础概念</a:t>
-            </a:r>
-            <a:endParaRPr lang="zh-CN" altLang="en-US" dirty="0"/>
-          </a:p>
-        </p:txBody>
-      </p:sp>
-      <p:sp>
-        <p:nvSpPr>
-          <p:cNvPr id="3" name="内容占位符 2"/>
-          <p:cNvSpPr>
-            <a:spLocks noGrp="1"/>
-          </p:cNvSpPr>
-          <p:nvPr>
-            <p:ph idx="1"/>
-          </p:nvPr>
-        </p:nvSpPr>
-        <p:spPr>
-          <a:xfrm>
-            <a:off x="695400" y="1320552"/>
-            <a:ext cx="11089232" cy="4628728"/>
-          </a:xfrm>
-        </p:spPr>
-        <p:txBody>
-          <a:bodyPr>
-            <a:normAutofit fontScale="85000" lnSpcReduction="20000"/>
-          </a:bodyPr>
-          <a:lstStyle/>
-          <a:p>
-            <a:r>
-              <a:rPr lang="zh-CN" altLang="en-US" dirty="0">
-                <a:solidFill>
-                  <a:srgbClr val="FF0000"/>
-                </a:solidFill>
-              </a:rPr>
-              <a:t>静态测试</a:t>
-            </a:r>
-            <a:endParaRPr lang="en-US" altLang="zh-CN" dirty="0">
-              <a:solidFill>
-                <a:srgbClr val="FF0000"/>
-              </a:solidFill>
-            </a:endParaRPr>
-          </a:p>
-          <a:p>
-            <a:pPr lvl="1"/>
-            <a:r>
-              <a:rPr lang="zh-CN" altLang="en-US" dirty="0"/>
-              <a:t>不</a:t>
-            </a:r>
-            <a:r>
-              <a:rPr lang="zh-CN" altLang="en-US" sz="3100" dirty="0"/>
-              <a:t>运行程序，只是对程序进行检查和审核</a:t>
-            </a:r>
-            <a:endParaRPr lang="en-US" altLang="zh-CN" sz="3100" dirty="0"/>
-          </a:p>
-          <a:p>
-            <a:r>
-              <a:rPr lang="zh-CN" altLang="en-US" dirty="0">
-                <a:solidFill>
-                  <a:srgbClr val="FF0000"/>
-                </a:solidFill>
-              </a:rPr>
-              <a:t>动态测试</a:t>
-            </a:r>
-            <a:endParaRPr lang="en-US" altLang="zh-CN" dirty="0">
-              <a:solidFill>
-                <a:srgbClr val="FF0000"/>
-              </a:solidFill>
-            </a:endParaRPr>
-          </a:p>
-          <a:p>
-            <a:pPr lvl="1"/>
-            <a:r>
-              <a:rPr lang="zh-CN" altLang="en-US" sz="3100" dirty="0"/>
-              <a:t>使用和运行程序进行</a:t>
-            </a:r>
-            <a:r>
-              <a:rPr lang="zh-CN" altLang="en-US" sz="3100" dirty="0" smtClean="0"/>
-              <a:t>检查</a:t>
-            </a:r>
-            <a:endParaRPr lang="en-US" altLang="zh-CN" sz="3100" dirty="0" smtClean="0"/>
-          </a:p>
-          <a:p>
-            <a:r>
-              <a:rPr lang="zh-CN" altLang="en-US" dirty="0" smtClean="0">
-                <a:solidFill>
-                  <a:srgbClr val="FF0000"/>
-                </a:solidFill>
-              </a:rPr>
-              <a:t>通过性测试</a:t>
-            </a:r>
-            <a:endParaRPr lang="en-US" altLang="zh-CN" dirty="0" smtClean="0">
-              <a:solidFill>
-                <a:srgbClr val="FF0000"/>
-              </a:solidFill>
-            </a:endParaRPr>
-          </a:p>
-          <a:p>
-            <a:pPr lvl="1"/>
-            <a:r>
-              <a:rPr lang="zh-CN" altLang="en-US" sz="3100" dirty="0"/>
-              <a:t>审查软件，描绘状态，尝试各种合法可能性，确认状态及其转换正常</a:t>
-            </a:r>
-            <a:endParaRPr lang="en-US" altLang="zh-CN" sz="3100" dirty="0"/>
-          </a:p>
-          <a:p>
-            <a:r>
-              <a:rPr lang="zh-CN" altLang="en-US" dirty="0" smtClean="0">
-                <a:solidFill>
-                  <a:srgbClr val="FF0000"/>
-                </a:solidFill>
-              </a:rPr>
-              <a:t>失效性测试</a:t>
-            </a:r>
-            <a:endParaRPr lang="en-US" altLang="zh-CN" dirty="0" smtClean="0">
-              <a:solidFill>
-                <a:srgbClr val="FF0000"/>
-              </a:solidFill>
-            </a:endParaRPr>
-          </a:p>
-          <a:p>
-            <a:pPr lvl="1"/>
-            <a:r>
-              <a:rPr lang="zh-CN" altLang="en-US" sz="3100" dirty="0" smtClean="0"/>
-              <a:t>为了破坏软件而设计和执行的测试用例</a:t>
-            </a:r>
-            <a:endParaRPr lang="en-US" altLang="zh-CN" sz="3100" dirty="0"/>
-          </a:p>
-          <a:p>
-            <a:endParaRPr lang="zh-CN" altLang="en-US" dirty="0"/>
-          </a:p>
-        </p:txBody>
-      </p:sp>
-    </p:spTree>
-    <p:extLst>
-      <p:ext uri="{BB962C8B-B14F-4D97-AF65-F5344CB8AC3E}">
-        <p14:creationId xmlns:p14="http://schemas.microsoft.com/office/powerpoint/2010/main" val="3765253881"/>
-      </p:ext>
-    </p:extLst>
-  </p:cSld>
-  <p:clrMapOvr>
-    <a:masterClrMapping/>
-  </p:clrMapOvr>
-  <p:transition>
-    <p:blinds dir="vert"/>
-  </p:transition>
-  <p:timing>
-    <p:tnLst>
-      <p:par>
-        <p:cTn id="1" dur="indefinite" restart="never" nodeType="tmRoot">
-          <p:childTnLst>
-            <p:seq concurrent="1" nextAc="seek">
-              <p:cTn id="2" dur="indefinite" nodeType="mainSeq">
-                <p:childTnLst>
-                  <p:par>
-                    <p:cTn id="3" fill="hold">
-                      <p:stCondLst>
-                        <p:cond delay="indefinite"/>
-                      </p:stCondLst>
-                      <p:childTnLst>
-                        <p:par>
-                          <p:cTn id="4" fill="hold">
-                            <p:stCondLst>
-                              <p:cond delay="0"/>
-                            </p:stCondLst>
-                            <p:childTnLst>
-                              <p:par>
-                                <p:cTn id="5" presetID="2" presetClass="entr" presetSubtype="4" fill="hold" nodeType="clickEffect">
-                                  <p:stCondLst>
-                                    <p:cond delay="0"/>
-                                  </p:stCondLst>
-                                  <p:childTnLst>
-                                    <p:set>
-                                      <p:cBhvr>
-                                        <p:cTn id="6" dur="1" fill="hold">
-                                          <p:stCondLst>
-                                            <p:cond delay="0"/>
-                                          </p:stCondLst>
-                                        </p:cTn>
-                                        <p:tgtEl>
-                                          <p:spTgt spid="3">
-                                            <p:txEl>
-                                              <p:pRg st="0" end="0"/>
-                                            </p:txEl>
-                                          </p:spTgt>
-                                        </p:tgtEl>
-                                        <p:attrNameLst>
-                                          <p:attrName>style.visibility</p:attrName>
-                                        </p:attrNameLst>
-                                      </p:cBhvr>
-                                      <p:to>
-                                        <p:strVal val="visible"/>
-                                      </p:to>
-                                    </p:set>
-                                    <p:anim calcmode="lin" valueType="num">
-                                      <p:cBhvr additive="base">
-                                        <p:cTn id="7" dur="500" fill="hold"/>
-                                        <p:tgtEl>
-                                          <p:spTgt spid="3">
-                                            <p:txEl>
-                                              <p:pRg st="0" end="0"/>
-                                            </p:txEl>
-                                          </p:spTgt>
-                                        </p:tgtEl>
-                                        <p:attrNameLst>
-                                          <p:attrName>ppt_x</p:attrName>
-                                        </p:attrNameLst>
-                                      </p:cBhvr>
-                                      <p:tavLst>
-                                        <p:tav tm="0">
-                                          <p:val>
-                                            <p:strVal val="#ppt_x"/>
-                                          </p:val>
-                                        </p:tav>
-                                        <p:tav tm="100000">
-                                          <p:val>
-                                            <p:strVal val="#ppt_x"/>
-                                          </p:val>
-                                        </p:tav>
-                                      </p:tavLst>
-                                    </p:anim>
-                                    <p:anim calcmode="lin" valueType="num">
-                                      <p:cBhvr additive="base">
-                                        <p:cTn id="8" dur="500" fill="hold"/>
-                                        <p:tgtEl>
-                                          <p:spTgt spid="3">
-                                            <p:txEl>
-                                              <p:pRg st="0" end="0"/>
-                                            </p:txEl>
-                                          </p:spTgt>
-                                        </p:tgtEl>
-                                        <p:attrNameLst>
-                                          <p:attrName>ppt_y</p:attrName>
-                                        </p:attrNameLst>
-                                      </p:cBhvr>
-                                      <p:tavLst>
-                                        <p:tav tm="0">
-                                          <p:val>
-                                            <p:strVal val="1+#ppt_h/2"/>
-                                          </p:val>
-                                        </p:tav>
-                                        <p:tav tm="100000">
-                                          <p:val>
-                                            <p:strVal val="#ppt_y"/>
-                                          </p:val>
-                                        </p:tav>
-                                      </p:tavLst>
-                                    </p:anim>
-                                  </p:childTnLst>
-                                </p:cTn>
-                              </p:par>
-                            </p:childTnLst>
-                          </p:cTn>
-                        </p:par>
-                      </p:childTnLst>
-                    </p:cTn>
-                  </p:par>
-                  <p:par>
-                    <p:cTn id="9" fill="hold">
-                      <p:stCondLst>
-                        <p:cond delay="indefinite"/>
-                      </p:stCondLst>
-                      <p:childTnLst>
-                        <p:par>
-                          <p:cTn id="10" fill="hold">
-                            <p:stCondLst>
-                              <p:cond delay="0"/>
-                            </p:stCondLst>
-                            <p:childTnLst>
-                              <p:par>
-                                <p:cTn id="11" presetID="2" presetClass="entr" presetSubtype="4" fill="hold" nodeType="clickEffect">
-                                  <p:stCondLst>
-                                    <p:cond delay="0"/>
-                                  </p:stCondLst>
-                                  <p:childTnLst>
-                                    <p:set>
-                                      <p:cBhvr>
-                                        <p:cTn id="12" dur="1" fill="hold">
-                                          <p:stCondLst>
-                                            <p:cond delay="0"/>
-                                          </p:stCondLst>
-                                        </p:cTn>
-                                        <p:tgtEl>
-                                          <p:spTgt spid="3">
-                                            <p:txEl>
-                                              <p:pRg st="1" end="1"/>
-                                            </p:txEl>
-                                          </p:spTgt>
-                                        </p:tgtEl>
-                                        <p:attrNameLst>
-                                          <p:attrName>style.visibility</p:attrName>
-                                        </p:attrNameLst>
-                                      </p:cBhvr>
-                                      <p:to>
-                                        <p:strVal val="visible"/>
-                                      </p:to>
-                                    </p:set>
-                                    <p:anim calcmode="lin" valueType="num">
-                                      <p:cBhvr additive="base">
-                                        <p:cTn id="13" dur="500" fill="hold"/>
-                                        <p:tgtEl>
-                                          <p:spTgt spid="3">
-                                            <p:txEl>
-                                              <p:pRg st="1" end="1"/>
-                                            </p:txEl>
-                                          </p:spTgt>
-                                        </p:tgtEl>
-                                        <p:attrNameLst>
-                                          <p:attrName>ppt_x</p:attrName>
-                                        </p:attrNameLst>
-                                      </p:cBhvr>
-                                      <p:tavLst>
-                                        <p:tav tm="0">
-                                          <p:val>
-                                            <p:strVal val="#ppt_x"/>
-                                          </p:val>
-                                        </p:tav>
-                                        <p:tav tm="100000">
-                                          <p:val>
-                                            <p:strVal val="#ppt_x"/>
-                                          </p:val>
-                                        </p:tav>
-                                      </p:tavLst>
-                                    </p:anim>
-                                    <p:anim calcmode="lin" valueType="num">
-                                      <p:cBhvr additive="base">
-                                        <p:cTn id="14" dur="500" fill="hold"/>
-                                        <p:tgtEl>
-                                          <p:spTgt spid="3">
-                                            <p:txEl>
-                                              <p:pRg st="1" end="1"/>
-                                            </p:txEl>
-                                          </p:spTgt>
-                                        </p:tgtEl>
-                                        <p:attrNameLst>
-                                          <p:attrName>ppt_y</p:attrName>
-                                        </p:attrNameLst>
-                                      </p:cBhvr>
-                                      <p:tavLst>
-                                        <p:tav tm="0">
-                                          <p:val>
-                                            <p:strVal val="1+#ppt_h/2"/>
-                                          </p:val>
-                                        </p:tav>
-                                        <p:tav tm="100000">
-                                          <p:val>
-                                            <p:strVal val="#ppt_y"/>
-                                          </p:val>
-                                        </p:tav>
-                                      </p:tavLst>
-                                    </p:anim>
-                                  </p:childTnLst>
-                                </p:cTn>
-                              </p:par>
-                            </p:childTnLst>
-                          </p:cTn>
-                        </p:par>
-                      </p:childTnLst>
-                    </p:cTn>
-                  </p:par>
-                  <p:par>
-                    <p:cTn id="15" fill="hold">
-                      <p:stCondLst>
-                        <p:cond delay="indefinite"/>
-                      </p:stCondLst>
-                      <p:childTnLst>
-                        <p:par>
-                          <p:cTn id="16" fill="hold">
-                            <p:stCondLst>
-                              <p:cond delay="0"/>
-                            </p:stCondLst>
-                            <p:childTnLst>
-                              <p:par>
-                                <p:cTn id="17" presetID="2" presetClass="entr" presetSubtype="4" fill="hold" nodeType="clickEffect">
-                                  <p:stCondLst>
-                                    <p:cond delay="0"/>
-                                  </p:stCondLst>
-                                  <p:childTnLst>
-                                    <p:set>
-                                      <p:cBhvr>
-                                        <p:cTn id="18" dur="1" fill="hold">
-                                          <p:stCondLst>
-                                            <p:cond delay="0"/>
-                                          </p:stCondLst>
-                                        </p:cTn>
-                                        <p:tgtEl>
-                                          <p:spTgt spid="3">
-                                            <p:txEl>
-                                              <p:pRg st="2" end="2"/>
-                                            </p:txEl>
-                                          </p:spTgt>
-                                        </p:tgtEl>
-                                        <p:attrNameLst>
-                                          <p:attrName>style.visibility</p:attrName>
-                                        </p:attrNameLst>
-                                      </p:cBhvr>
-                                      <p:to>
-                                        <p:strVal val="visible"/>
-                                      </p:to>
-                                    </p:set>
-                                    <p:anim calcmode="lin" valueType="num">
-                                      <p:cBhvr additive="base">
-                                        <p:cTn id="19" dur="500" fill="hold"/>
-                                        <p:tgtEl>
-                                          <p:spTgt spid="3">
-                                            <p:txEl>
-                                              <p:pRg st="2" end="2"/>
-                                            </p:txEl>
-                                          </p:spTgt>
-                                        </p:tgtEl>
-                                        <p:attrNameLst>
-                                          <p:attrName>ppt_x</p:attrName>
-                                        </p:attrNameLst>
-                                      </p:cBhvr>
-                                      <p:tavLst>
-                                        <p:tav tm="0">
-                                          <p:val>
-                                            <p:strVal val="#ppt_x"/>
-                                          </p:val>
-                                        </p:tav>
-                                        <p:tav tm="100000">
-                                          <p:val>
-                                            <p:strVal val="#ppt_x"/>
-                                          </p:val>
-                                        </p:tav>
-                                      </p:tavLst>
-                                    </p:anim>
-                                    <p:anim calcmode="lin" valueType="num">
-                                      <p:cBhvr additive="base">
-                                        <p:cTn id="20" dur="500" fill="hold"/>
-                                        <p:tgtEl>
-                                          <p:spTgt spid="3">
-                                            <p:txEl>
-                                              <p:pRg st="2" end="2"/>
-                                            </p:txEl>
-                                          </p:spTgt>
-                                        </p:tgtEl>
-                                        <p:attrNameLst>
-                                          <p:attrName>ppt_y</p:attrName>
-                                        </p:attrNameLst>
-                                      </p:cBhvr>
-                                      <p:tavLst>
-                                        <p:tav tm="0">
-                                          <p:val>
-                                            <p:strVal val="1+#ppt_h/2"/>
-                                          </p:val>
-                                        </p:tav>
-                                        <p:tav tm="100000">
-                                          <p:val>
-                                            <p:strVal val="#ppt_y"/>
-                                          </p:val>
-                                        </p:tav>
-                                      </p:tavLst>
-                                    </p:anim>
-                                  </p:childTnLst>
-                                </p:cTn>
-                              </p:par>
-                            </p:childTnLst>
-                          </p:cTn>
-                        </p:par>
-                      </p:childTnLst>
-                    </p:cTn>
-                  </p:par>
-                  <p:par>
-                    <p:cTn id="21" fill="hold">
-                      <p:stCondLst>
-                        <p:cond delay="indefinite"/>
-                      </p:stCondLst>
-                      <p:childTnLst>
-                        <p:par>
-                          <p:cTn id="22" fill="hold">
-                            <p:stCondLst>
-                              <p:cond delay="0"/>
-                            </p:stCondLst>
-                            <p:childTnLst>
-                              <p:par>
-                                <p:cTn id="23" presetID="2" presetClass="entr" presetSubtype="4" fill="hold" nodeType="clickEffect">
-                                  <p:stCondLst>
-                                    <p:cond delay="0"/>
-                                  </p:stCondLst>
-                                  <p:childTnLst>
-                                    <p:set>
-                                      <p:cBhvr>
-                                        <p:cTn id="24" dur="1" fill="hold">
-                                          <p:stCondLst>
-                                            <p:cond delay="0"/>
-                                          </p:stCondLst>
-                                        </p:cTn>
-                                        <p:tgtEl>
-                                          <p:spTgt spid="3">
-                                            <p:txEl>
-                                              <p:pRg st="3" end="3"/>
-                                            </p:txEl>
-                                          </p:spTgt>
-                                        </p:tgtEl>
-                                        <p:attrNameLst>
-                                          <p:attrName>style.visibility</p:attrName>
-                                        </p:attrNameLst>
-                                      </p:cBhvr>
-                                      <p:to>
-                                        <p:strVal val="visible"/>
-                                      </p:to>
-                                    </p:set>
-                                    <p:anim calcmode="lin" valueType="num">
-                                      <p:cBhvr additive="base">
-                                        <p:cTn id="25" dur="500" fill="hold"/>
-                                        <p:tgtEl>
-                                          <p:spTgt spid="3">
-                                            <p:txEl>
-                                              <p:pRg st="3" end="3"/>
-                                            </p:txEl>
-                                          </p:spTgt>
-                                        </p:tgtEl>
-                                        <p:attrNameLst>
-                                          <p:attrName>ppt_x</p:attrName>
-                                        </p:attrNameLst>
-                                      </p:cBhvr>
-                                      <p:tavLst>
-                                        <p:tav tm="0">
-                                          <p:val>
-                                            <p:strVal val="#ppt_x"/>
-                                          </p:val>
-                                        </p:tav>
-                                        <p:tav tm="100000">
-                                          <p:val>
-                                            <p:strVal val="#ppt_x"/>
-                                          </p:val>
-                                        </p:tav>
-                                      </p:tavLst>
-                                    </p:anim>
-                                    <p:anim calcmode="lin" valueType="num">
-                                      <p:cBhvr additive="base">
-                                        <p:cTn id="26" dur="500" fill="hold"/>
-                                        <p:tgtEl>
-                                          <p:spTgt spid="3">
-                                            <p:txEl>
-                                              <p:pRg st="3" end="3"/>
-                                            </p:txEl>
-                                          </p:spTgt>
-                                        </p:tgtEl>
-                                        <p:attrNameLst>
-                                          <p:attrName>ppt_y</p:attrName>
-                                        </p:attrNameLst>
-                                      </p:cBhvr>
-                                      <p:tavLst>
-                                        <p:tav tm="0">
-                                          <p:val>
-                                            <p:strVal val="1+#ppt_h/2"/>
-                                          </p:val>
-                                        </p:tav>
-                                        <p:tav tm="100000">
-                                          <p:val>
-                                            <p:strVal val="#ppt_y"/>
-                                          </p:val>
-                                        </p:tav>
-                                      </p:tavLst>
-                                    </p:anim>
-                                  </p:childTnLst>
-                                </p:cTn>
-                              </p:par>
-                            </p:childTnLst>
-                          </p:cTn>
-                        </p:par>
-                      </p:childTnLst>
-                    </p:cTn>
-                  </p:par>
-                  <p:par>
-                    <p:cTn id="27" fill="hold">
-                      <p:stCondLst>
-                        <p:cond delay="indefinite"/>
-                      </p:stCondLst>
-                      <p:childTnLst>
-                        <p:par>
-                          <p:cTn id="28" fill="hold">
-                            <p:stCondLst>
-                              <p:cond delay="0"/>
-                            </p:stCondLst>
-                            <p:childTnLst>
-                              <p:par>
-                                <p:cTn id="29" presetID="2" presetClass="entr" presetSubtype="4" fill="hold" nodeType="clickEffect">
-                                  <p:stCondLst>
-                                    <p:cond delay="0"/>
-                                  </p:stCondLst>
-                                  <p:childTnLst>
-                                    <p:set>
-                                      <p:cBhvr>
-                                        <p:cTn id="30" dur="1" fill="hold">
-                                          <p:stCondLst>
-                                            <p:cond delay="0"/>
-                                          </p:stCondLst>
-                                        </p:cTn>
-                                        <p:tgtEl>
-                                          <p:spTgt spid="3">
-                                            <p:txEl>
-                                              <p:pRg st="4" end="4"/>
-                                            </p:txEl>
-                                          </p:spTgt>
-                                        </p:tgtEl>
-                                        <p:attrNameLst>
-                                          <p:attrName>style.visibility</p:attrName>
-                                        </p:attrNameLst>
-                                      </p:cBhvr>
-                                      <p:to>
-                                        <p:strVal val="visible"/>
-                                      </p:to>
-                                    </p:set>
-                                    <p:anim calcmode="lin" valueType="num">
-                                      <p:cBhvr additive="base">
-                                        <p:cTn id="31" dur="500" fill="hold"/>
-                                        <p:tgtEl>
-                                          <p:spTgt spid="3">
-                                            <p:txEl>
-                                              <p:pRg st="4" end="4"/>
-                                            </p:txEl>
-                                          </p:spTgt>
-                                        </p:tgtEl>
-                                        <p:attrNameLst>
-                                          <p:attrName>ppt_x</p:attrName>
-                                        </p:attrNameLst>
-                                      </p:cBhvr>
-                                      <p:tavLst>
-                                        <p:tav tm="0">
-                                          <p:val>
-                                            <p:strVal val="#ppt_x"/>
-                                          </p:val>
-                                        </p:tav>
-                                        <p:tav tm="100000">
-                                          <p:val>
-                                            <p:strVal val="#ppt_x"/>
-                                          </p:val>
-                                        </p:tav>
-                                      </p:tavLst>
-                                    </p:anim>
-                                    <p:anim calcmode="lin" valueType="num">
-                                      <p:cBhvr additive="base">
-                                        <p:cTn id="32" dur="500" fill="hold"/>
-                                        <p:tgtEl>
-                                          <p:spTgt spid="3">
-                                            <p:txEl>
-                                              <p:pRg st="4" end="4"/>
-                                            </p:txEl>
-                                          </p:spTgt>
-                                        </p:tgtEl>
-                                        <p:attrNameLst>
-                                          <p:attrName>ppt_y</p:attrName>
-                                        </p:attrNameLst>
-                                      </p:cBhvr>
-                                      <p:tavLst>
-                                        <p:tav tm="0">
-                                          <p:val>
-                                            <p:strVal val="1+#ppt_h/2"/>
-                                          </p:val>
-                                        </p:tav>
-                                        <p:tav tm="100000">
-                                          <p:val>
-                                            <p:strVal val="#ppt_y"/>
-                                          </p:val>
-                                        </p:tav>
-                                      </p:tavLst>
-                                    </p:anim>
-                                  </p:childTnLst>
-                                </p:cTn>
-                              </p:par>
-                            </p:childTnLst>
-                          </p:cTn>
-                        </p:par>
-                      </p:childTnLst>
-                    </p:cTn>
-                  </p:par>
-                  <p:par>
-                    <p:cTn id="33" fill="hold">
-                      <p:stCondLst>
-                        <p:cond delay="indefinite"/>
-                      </p:stCondLst>
-                      <p:childTnLst>
-                        <p:par>
-                          <p:cTn id="34" fill="hold">
-                            <p:stCondLst>
-                              <p:cond delay="0"/>
-                            </p:stCondLst>
-                            <p:childTnLst>
-                              <p:par>
-                                <p:cTn id="35" presetID="2" presetClass="entr" presetSubtype="4" fill="hold" nodeType="clickEffect">
-                                  <p:stCondLst>
-                                    <p:cond delay="0"/>
-                                  </p:stCondLst>
-                                  <p:childTnLst>
-                                    <p:set>
-                                      <p:cBhvr>
-                                        <p:cTn id="36" dur="1" fill="hold">
-                                          <p:stCondLst>
-                                            <p:cond delay="0"/>
-                                          </p:stCondLst>
-                                        </p:cTn>
-                                        <p:tgtEl>
-                                          <p:spTgt spid="3">
-                                            <p:txEl>
-                                              <p:pRg st="5" end="5"/>
-                                            </p:txEl>
-                                          </p:spTgt>
-                                        </p:tgtEl>
-                                        <p:attrNameLst>
-                                          <p:attrName>style.visibility</p:attrName>
-                                        </p:attrNameLst>
-                                      </p:cBhvr>
-                                      <p:to>
-                                        <p:strVal val="visible"/>
-                                      </p:to>
-                                    </p:set>
-                                    <p:anim calcmode="lin" valueType="num">
-                                      <p:cBhvr additive="base">
-                                        <p:cTn id="37" dur="500" fill="hold"/>
-                                        <p:tgtEl>
-                                          <p:spTgt spid="3">
-                                            <p:txEl>
-                                              <p:pRg st="5" end="5"/>
-                                            </p:txEl>
-                                          </p:spTgt>
-                                        </p:tgtEl>
-                                        <p:attrNameLst>
-                                          <p:attrName>ppt_x</p:attrName>
-                                        </p:attrNameLst>
-                                      </p:cBhvr>
-                                      <p:tavLst>
-                                        <p:tav tm="0">
-                                          <p:val>
-                                            <p:strVal val="#ppt_x"/>
-                                          </p:val>
-                                        </p:tav>
-                                        <p:tav tm="100000">
-                                          <p:val>
-                                            <p:strVal val="#ppt_x"/>
-                                          </p:val>
-                                        </p:tav>
-                                      </p:tavLst>
-                                    </p:anim>
-                                    <p:anim calcmode="lin" valueType="num">
-                                      <p:cBhvr additive="base">
-                                        <p:cTn id="38" dur="500" fill="hold"/>
-                                        <p:tgtEl>
-                                          <p:spTgt spid="3">
-                                            <p:txEl>
-                                              <p:pRg st="5" end="5"/>
-                                            </p:txEl>
-                                          </p:spTgt>
-                                        </p:tgtEl>
-                                        <p:attrNameLst>
-                                          <p:attrName>ppt_y</p:attrName>
-                                        </p:attrNameLst>
-                                      </p:cBhvr>
-                                      <p:tavLst>
-                                        <p:tav tm="0">
-                                          <p:val>
-                                            <p:strVal val="1+#ppt_h/2"/>
-                                          </p:val>
-                                        </p:tav>
-                                        <p:tav tm="100000">
-                                          <p:val>
-                                            <p:strVal val="#ppt_y"/>
-                                          </p:val>
-                                        </p:tav>
-                                      </p:tavLst>
-                                    </p:anim>
-                                  </p:childTnLst>
-                                </p:cTn>
-                              </p:par>
-                            </p:childTnLst>
-                          </p:cTn>
-                        </p:par>
-                      </p:childTnLst>
-                    </p:cTn>
-                  </p:par>
-                  <p:par>
-                    <p:cTn id="39" fill="hold">
-                      <p:stCondLst>
-                        <p:cond delay="indefinite"/>
-                      </p:stCondLst>
-                      <p:childTnLst>
-                        <p:par>
-                          <p:cTn id="40" fill="hold">
-                            <p:stCondLst>
-                              <p:cond delay="0"/>
-                            </p:stCondLst>
-                            <p:childTnLst>
-                              <p:par>
-                                <p:cTn id="41" presetID="2" presetClass="entr" presetSubtype="4" fill="hold" nodeType="clickEffect">
-                                  <p:stCondLst>
-                                    <p:cond delay="0"/>
-                                  </p:stCondLst>
-                                  <p:childTnLst>
-                                    <p:set>
-                                      <p:cBhvr>
-                                        <p:cTn id="42" dur="1" fill="hold">
-                                          <p:stCondLst>
-                                            <p:cond delay="0"/>
-                                          </p:stCondLst>
-                                        </p:cTn>
-                                        <p:tgtEl>
-                                          <p:spTgt spid="3">
-                                            <p:txEl>
-                                              <p:pRg st="6" end="6"/>
-                                            </p:txEl>
-                                          </p:spTgt>
-                                        </p:tgtEl>
-                                        <p:attrNameLst>
-                                          <p:attrName>style.visibility</p:attrName>
-                                        </p:attrNameLst>
-                                      </p:cBhvr>
-                                      <p:to>
-                                        <p:strVal val="visible"/>
-                                      </p:to>
-                                    </p:set>
-                                    <p:anim calcmode="lin" valueType="num">
-                                      <p:cBhvr additive="base">
-                                        <p:cTn id="43" dur="500" fill="hold"/>
-                                        <p:tgtEl>
-                                          <p:spTgt spid="3">
-                                            <p:txEl>
-                                              <p:pRg st="6" end="6"/>
-                                            </p:txEl>
-                                          </p:spTgt>
-                                        </p:tgtEl>
-                                        <p:attrNameLst>
-                                          <p:attrName>ppt_x</p:attrName>
-                                        </p:attrNameLst>
-                                      </p:cBhvr>
-                                      <p:tavLst>
-                                        <p:tav tm="0">
-                                          <p:val>
-                                            <p:strVal val="#ppt_x"/>
-                                          </p:val>
-                                        </p:tav>
-                                        <p:tav tm="100000">
-                                          <p:val>
-                                            <p:strVal val="#ppt_x"/>
-                                          </p:val>
-                                        </p:tav>
-                                      </p:tavLst>
-                                    </p:anim>
-                                    <p:anim calcmode="lin" valueType="num">
-                                      <p:cBhvr additive="base">
-                                        <p:cTn id="44" dur="500" fill="hold"/>
-                                        <p:tgtEl>
-                                          <p:spTgt spid="3">
-                                            <p:txEl>
-                                              <p:pRg st="6" end="6"/>
-                                            </p:txEl>
-                                          </p:spTgt>
-                                        </p:tgtEl>
-                                        <p:attrNameLst>
-                                          <p:attrName>ppt_y</p:attrName>
-                                        </p:attrNameLst>
-                                      </p:cBhvr>
-                                      <p:tavLst>
-                                        <p:tav tm="0">
-                                          <p:val>
-                                            <p:strVal val="1+#ppt_h/2"/>
-                                          </p:val>
-                                        </p:tav>
-                                        <p:tav tm="100000">
-                                          <p:val>
-                                            <p:strVal val="#ppt_y"/>
-                                          </p:val>
-                                        </p:tav>
-                                      </p:tavLst>
-                                    </p:anim>
-                                  </p:childTnLst>
-                                </p:cTn>
-                              </p:par>
-                            </p:childTnLst>
-                          </p:cTn>
-                        </p:par>
-                      </p:childTnLst>
-                    </p:cTn>
-                  </p:par>
-                  <p:par>
-                    <p:cTn id="45" fill="hold">
-                      <p:stCondLst>
-                        <p:cond delay="indefinite"/>
-                      </p:stCondLst>
-                      <p:childTnLst>
-                        <p:par>
-                          <p:cTn id="46" fill="hold">
-                            <p:stCondLst>
-                              <p:cond delay="0"/>
-                            </p:stCondLst>
-                            <p:childTnLst>
-                              <p:par>
-                                <p:cTn id="47" presetID="2" presetClass="entr" presetSubtype="4" fill="hold" nodeType="clickEffect">
-                                  <p:stCondLst>
-                                    <p:cond delay="0"/>
-                                  </p:stCondLst>
-                                  <p:childTnLst>
-                                    <p:set>
-                                      <p:cBhvr>
-                                        <p:cTn id="48" dur="1" fill="hold">
-                                          <p:stCondLst>
-                                            <p:cond delay="0"/>
-                                          </p:stCondLst>
-                                        </p:cTn>
-                                        <p:tgtEl>
-                                          <p:spTgt spid="3">
-                                            <p:txEl>
-                                              <p:pRg st="7" end="7"/>
-                                            </p:txEl>
-                                          </p:spTgt>
-                                        </p:tgtEl>
-                                        <p:attrNameLst>
-                                          <p:attrName>style.visibility</p:attrName>
-                                        </p:attrNameLst>
-                                      </p:cBhvr>
-                                      <p:to>
-                                        <p:strVal val="visible"/>
-                                      </p:to>
-                                    </p:set>
-                                    <p:anim calcmode="lin" valueType="num">
-                                      <p:cBhvr additive="base">
-                                        <p:cTn id="49" dur="500" fill="hold"/>
-                                        <p:tgtEl>
-                                          <p:spTgt spid="3">
-                                            <p:txEl>
-                                              <p:pRg st="7" end="7"/>
-                                            </p:txEl>
-                                          </p:spTgt>
-                                        </p:tgtEl>
-                                        <p:attrNameLst>
-                                          <p:attrName>ppt_x</p:attrName>
-                                        </p:attrNameLst>
-                                      </p:cBhvr>
-                                      <p:tavLst>
-                                        <p:tav tm="0">
-                                          <p:val>
-                                            <p:strVal val="#ppt_x"/>
-                                          </p:val>
-                                        </p:tav>
-                                        <p:tav tm="100000">
-                                          <p:val>
-                                            <p:strVal val="#ppt_x"/>
-                                          </p:val>
-                                        </p:tav>
-                                      </p:tavLst>
-                                    </p:anim>
-                                    <p:anim calcmode="lin" valueType="num">
-                                      <p:cBhvr additive="base">
-                                        <p:cTn id="50" dur="500" fill="hold"/>
-                                        <p:tgtEl>
-                                          <p:spTgt spid="3">
-                                            <p:txEl>
-                                              <p:pRg st="7" end="7"/>
-                                            </p:txEl>
-                                          </p:spTgt>
-                                        </p:tgtEl>
-                                        <p:attrNameLst>
-                                          <p:attrName>ppt_y</p:attrName>
-                                        </p:attrNameLst>
-                                      </p:cBhvr>
-                                      <p:tavLst>
-                                        <p:tav tm="0">
-                                          <p:val>
-                                            <p:strVal val="1+#ppt_h/2"/>
-                                          </p:val>
-                                        </p:tav>
-                                        <p:tav tm="100000">
-                                          <p:val>
-                                            <p:strVal val="#ppt_y"/>
-                                          </p:val>
-                                        </p:tav>
-                                      </p:tavLst>
-                                    </p:anim>
-                                  </p:childTnLst>
-                                </p:cTn>
-                              </p:par>
-                            </p:childTnLst>
-                          </p:cTn>
-                        </p:par>
-                      </p:childTnLst>
-                    </p:cTn>
-                  </p:par>
-                </p:childTnLst>
-              </p:cTn>
-              <p:prevCondLst>
-                <p:cond evt="onPrev" delay="0">
-                  <p:tgtEl>
-                    <p:sldTgt/>
-                  </p:tgtEl>
-                </p:cond>
-              </p:prevCondLst>
-              <p:nextCondLst>
-                <p:cond evt="onNext" delay="0">
-                  <p:tgtEl>
-                    <p:sldTgt/>
-                  </p:tgtEl>
-                </p:cond>
-              </p:nextCondLst>
-            </p:seq>
-          </p:childTnLst>
-        </p:cTn>
-      </p:par>
-    </p:tnLst>
-  </p:timing>
-</p:sld>
-</file>
-
-<file path=ppt/slides/slide27.xml><?xml version="1.0" encoding="utf-8"?>
-<p:sld xmlns:a="http://schemas.openxmlformats.org/drawingml/2006/main" xmlns:r="http://schemas.openxmlformats.org/officeDocument/2006/relationships" xmlns:p="http://schemas.openxmlformats.org/presentationml/2006/main">
-  <p:cSld>
-    <p:spTree>
-      <p:nvGrpSpPr>
-        <p:cNvPr id="1" name=""/>
-        <p:cNvGrpSpPr/>
-        <p:nvPr/>
-      </p:nvGrpSpPr>
-      <p:grpSpPr>
-        <a:xfrm>
-          <a:off x="0" y="0"/>
-          <a:ext cx="0" cy="0"/>
-          <a:chOff x="0" y="0"/>
-          <a:chExt cx="0" cy="0"/>
-        </a:xfrm>
-      </p:grpSpPr>
-      <p:sp>
-        <p:nvSpPr>
-          <p:cNvPr id="2" name="标题 1"/>
-          <p:cNvSpPr>
-            <a:spLocks noGrp="1"/>
-          </p:cNvSpPr>
-          <p:nvPr>
-            <p:ph type="title"/>
-          </p:nvPr>
-        </p:nvSpPr>
-        <p:spPr/>
-        <p:txBody>
-          <a:bodyPr/>
-          <a:lstStyle/>
-          <a:p>
-            <a:r>
-              <a:rPr lang="zh-CN" altLang="en-US" dirty="0" smtClean="0"/>
-              <a:t>小练习</a:t>
-            </a:r>
-            <a:endParaRPr lang="zh-CN" altLang="en-US" dirty="0"/>
-          </a:p>
-        </p:txBody>
-      </p:sp>
-      <p:sp>
-        <p:nvSpPr>
-          <p:cNvPr id="3" name="内容占位符 2"/>
-          <p:cNvSpPr>
-            <a:spLocks noGrp="1"/>
-          </p:cNvSpPr>
-          <p:nvPr>
-            <p:ph idx="1"/>
-          </p:nvPr>
-        </p:nvSpPr>
-        <p:spPr/>
-        <p:txBody>
-          <a:bodyPr/>
-          <a:lstStyle/>
-          <a:p>
-            <a:r>
-              <a:rPr lang="zh-CN" altLang="en-US" dirty="0" smtClean="0"/>
-              <a:t>请说出如下工作属于什么测试</a:t>
-            </a:r>
-            <a:endParaRPr lang="en-US" altLang="zh-CN" dirty="0" smtClean="0"/>
-          </a:p>
-          <a:p>
-            <a:pPr lvl="1"/>
-            <a:r>
-              <a:rPr lang="zh-CN" altLang="en-US" dirty="0" smtClean="0"/>
-              <a:t>对产品说明书的检查</a:t>
-            </a:r>
-            <a:endParaRPr lang="en-US" altLang="zh-CN" dirty="0" smtClean="0"/>
-          </a:p>
-          <a:p>
-            <a:pPr lvl="1"/>
-            <a:r>
-              <a:rPr lang="zh-CN" altLang="en-US" dirty="0" smtClean="0"/>
-              <a:t>对游戏的公测</a:t>
-            </a:r>
-            <a:endParaRPr lang="en-US" altLang="zh-CN" dirty="0" smtClean="0"/>
-          </a:p>
-          <a:p>
-            <a:pPr lvl="1"/>
-            <a:r>
-              <a:rPr lang="zh-CN" altLang="en-US" dirty="0" smtClean="0"/>
-              <a:t>新版</a:t>
-            </a:r>
-            <a:r>
-              <a:rPr lang="en-US" altLang="zh-CN" dirty="0" smtClean="0"/>
-              <a:t>QQ</a:t>
-            </a:r>
-            <a:r>
-              <a:rPr lang="zh-CN" altLang="en-US" dirty="0" smtClean="0"/>
-              <a:t>试用</a:t>
-            </a:r>
-            <a:endParaRPr lang="en-US" altLang="zh-CN" dirty="0" smtClean="0"/>
-          </a:p>
-          <a:p>
-            <a:pPr lvl="1"/>
-            <a:r>
-              <a:rPr lang="zh-CN" altLang="en-US" dirty="0" smtClean="0"/>
-              <a:t>检查项目代码</a:t>
-            </a:r>
-            <a:endParaRPr lang="en-US" altLang="zh-CN" dirty="0" smtClean="0"/>
-          </a:p>
-          <a:p>
-            <a:pPr lvl="1"/>
-            <a:endParaRPr lang="zh-CN" altLang="en-US" dirty="0"/>
-          </a:p>
-        </p:txBody>
-      </p:sp>
-    </p:spTree>
-    <p:extLst>
-      <p:ext uri="{BB962C8B-B14F-4D97-AF65-F5344CB8AC3E}">
-        <p14:creationId xmlns:p14="http://schemas.microsoft.com/office/powerpoint/2010/main" val="1253202438"/>
-      </p:ext>
-    </p:extLst>
-  </p:cSld>
-  <p:clrMapOvr>
-    <a:masterClrMapping/>
-  </p:clrMapOvr>
-  <p:transition>
-    <p:blinds dir="vert"/>
-  </p:transition>
-  <p:timing>
-    <p:tnLst>
-      <p:par>
-        <p:cTn id="1" dur="indefinite" restart="never" nodeType="tmRoot">
-          <p:childTnLst>
-            <p:seq concurrent="1" nextAc="seek">
-              <p:cTn id="2" dur="indefinite" nodeType="mainSeq">
-                <p:childTnLst>
-                  <p:par>
-                    <p:cTn id="3" fill="hold">
-                      <p:stCondLst>
-                        <p:cond delay="indefinite"/>
-                      </p:stCondLst>
-                      <p:childTnLst>
-                        <p:par>
-                          <p:cTn id="4" fill="hold">
-                            <p:stCondLst>
-                              <p:cond delay="0"/>
-                            </p:stCondLst>
-                            <p:childTnLst>
-                              <p:par>
-                                <p:cTn id="5" presetID="2" presetClass="entr" presetSubtype="4" fill="hold" nodeType="clickEffect">
-                                  <p:stCondLst>
-                                    <p:cond delay="0"/>
-                                  </p:stCondLst>
-                                  <p:childTnLst>
-                                    <p:set>
-                                      <p:cBhvr>
-                                        <p:cTn id="6" dur="1" fill="hold">
-                                          <p:stCondLst>
-                                            <p:cond delay="0"/>
-                                          </p:stCondLst>
-                                        </p:cTn>
-                                        <p:tgtEl>
-                                          <p:spTgt spid="3">
-                                            <p:txEl>
-                                              <p:pRg st="0" end="0"/>
-                                            </p:txEl>
-                                          </p:spTgt>
-                                        </p:tgtEl>
-                                        <p:attrNameLst>
-                                          <p:attrName>style.visibility</p:attrName>
-                                        </p:attrNameLst>
-                                      </p:cBhvr>
-                                      <p:to>
-                                        <p:strVal val="visible"/>
-                                      </p:to>
-                                    </p:set>
-                                    <p:anim calcmode="lin" valueType="num">
-                                      <p:cBhvr additive="base">
-                                        <p:cTn id="7" dur="500" fill="hold"/>
-                                        <p:tgtEl>
-                                          <p:spTgt spid="3">
-                                            <p:txEl>
-                                              <p:pRg st="0" end="0"/>
-                                            </p:txEl>
-                                          </p:spTgt>
-                                        </p:tgtEl>
-                                        <p:attrNameLst>
-                                          <p:attrName>ppt_x</p:attrName>
-                                        </p:attrNameLst>
-                                      </p:cBhvr>
-                                      <p:tavLst>
-                                        <p:tav tm="0">
-                                          <p:val>
-                                            <p:strVal val="#ppt_x"/>
-                                          </p:val>
-                                        </p:tav>
-                                        <p:tav tm="100000">
-                                          <p:val>
-                                            <p:strVal val="#ppt_x"/>
-                                          </p:val>
-                                        </p:tav>
-                                      </p:tavLst>
-                                    </p:anim>
-                                    <p:anim calcmode="lin" valueType="num">
-                                      <p:cBhvr additive="base">
-                                        <p:cTn id="8" dur="500" fill="hold"/>
-                                        <p:tgtEl>
-                                          <p:spTgt spid="3">
-                                            <p:txEl>
-                                              <p:pRg st="0" end="0"/>
-                                            </p:txEl>
-                                          </p:spTgt>
-                                        </p:tgtEl>
-                                        <p:attrNameLst>
-                                          <p:attrName>ppt_y</p:attrName>
-                                        </p:attrNameLst>
-                                      </p:cBhvr>
-                                      <p:tavLst>
-                                        <p:tav tm="0">
-                                          <p:val>
-                                            <p:strVal val="1+#ppt_h/2"/>
-                                          </p:val>
-                                        </p:tav>
-                                        <p:tav tm="100000">
-                                          <p:val>
-                                            <p:strVal val="#ppt_y"/>
-                                          </p:val>
-                                        </p:tav>
-                                      </p:tavLst>
-                                    </p:anim>
-                                  </p:childTnLst>
-                                </p:cTn>
-                              </p:par>
-                            </p:childTnLst>
-                          </p:cTn>
-                        </p:par>
-                      </p:childTnLst>
-                    </p:cTn>
-                  </p:par>
-                  <p:par>
-                    <p:cTn id="9" fill="hold">
-                      <p:stCondLst>
-                        <p:cond delay="indefinite"/>
-                      </p:stCondLst>
-                      <p:childTnLst>
-                        <p:par>
-                          <p:cTn id="10" fill="hold">
-                            <p:stCondLst>
-                              <p:cond delay="0"/>
-                            </p:stCondLst>
-                            <p:childTnLst>
-                              <p:par>
-                                <p:cTn id="11" presetID="2" presetClass="entr" presetSubtype="4" fill="hold" nodeType="clickEffect">
-                                  <p:stCondLst>
-                                    <p:cond delay="0"/>
-                                  </p:stCondLst>
-                                  <p:childTnLst>
-                                    <p:set>
-                                      <p:cBhvr>
-                                        <p:cTn id="12" dur="1" fill="hold">
-                                          <p:stCondLst>
-                                            <p:cond delay="0"/>
-                                          </p:stCondLst>
-                                        </p:cTn>
-                                        <p:tgtEl>
-                                          <p:spTgt spid="3">
-                                            <p:txEl>
-                                              <p:pRg st="1" end="1"/>
-                                            </p:txEl>
-                                          </p:spTgt>
-                                        </p:tgtEl>
-                                        <p:attrNameLst>
-                                          <p:attrName>style.visibility</p:attrName>
-                                        </p:attrNameLst>
-                                      </p:cBhvr>
-                                      <p:to>
-                                        <p:strVal val="visible"/>
-                                      </p:to>
-                                    </p:set>
-                                    <p:anim calcmode="lin" valueType="num">
-                                      <p:cBhvr additive="base">
-                                        <p:cTn id="13" dur="500" fill="hold"/>
-                                        <p:tgtEl>
-                                          <p:spTgt spid="3">
-                                            <p:txEl>
-                                              <p:pRg st="1" end="1"/>
-                                            </p:txEl>
-                                          </p:spTgt>
-                                        </p:tgtEl>
-                                        <p:attrNameLst>
-                                          <p:attrName>ppt_x</p:attrName>
-                                        </p:attrNameLst>
-                                      </p:cBhvr>
-                                      <p:tavLst>
-                                        <p:tav tm="0">
-                                          <p:val>
-                                            <p:strVal val="#ppt_x"/>
-                                          </p:val>
-                                        </p:tav>
-                                        <p:tav tm="100000">
-                                          <p:val>
-                                            <p:strVal val="#ppt_x"/>
-                                          </p:val>
-                                        </p:tav>
-                                      </p:tavLst>
-                                    </p:anim>
-                                    <p:anim calcmode="lin" valueType="num">
-                                      <p:cBhvr additive="base">
-                                        <p:cTn id="14" dur="500" fill="hold"/>
-                                        <p:tgtEl>
-                                          <p:spTgt spid="3">
-                                            <p:txEl>
-                                              <p:pRg st="1" end="1"/>
-                                            </p:txEl>
-                                          </p:spTgt>
-                                        </p:tgtEl>
-                                        <p:attrNameLst>
-                                          <p:attrName>ppt_y</p:attrName>
-                                        </p:attrNameLst>
-                                      </p:cBhvr>
-                                      <p:tavLst>
-                                        <p:tav tm="0">
-                                          <p:val>
-                                            <p:strVal val="1+#ppt_h/2"/>
-                                          </p:val>
-                                        </p:tav>
-                                        <p:tav tm="100000">
-                                          <p:val>
-                                            <p:strVal val="#ppt_y"/>
-                                          </p:val>
-                                        </p:tav>
-                                      </p:tavLst>
-                                    </p:anim>
-                                  </p:childTnLst>
-                                </p:cTn>
-                              </p:par>
-                            </p:childTnLst>
-                          </p:cTn>
-                        </p:par>
-                      </p:childTnLst>
-                    </p:cTn>
-                  </p:par>
-                  <p:par>
-                    <p:cTn id="15" fill="hold">
-                      <p:stCondLst>
-                        <p:cond delay="indefinite"/>
-                      </p:stCondLst>
-                      <p:childTnLst>
-                        <p:par>
-                          <p:cTn id="16" fill="hold">
-                            <p:stCondLst>
-                              <p:cond delay="0"/>
-                            </p:stCondLst>
-                            <p:childTnLst>
-                              <p:par>
-                                <p:cTn id="17" presetID="2" presetClass="entr" presetSubtype="4" fill="hold" nodeType="clickEffect">
-                                  <p:stCondLst>
-                                    <p:cond delay="0"/>
-                                  </p:stCondLst>
-                                  <p:childTnLst>
-                                    <p:set>
-                                      <p:cBhvr>
-                                        <p:cTn id="18" dur="1" fill="hold">
-                                          <p:stCondLst>
-                                            <p:cond delay="0"/>
-                                          </p:stCondLst>
-                                        </p:cTn>
-                                        <p:tgtEl>
-                                          <p:spTgt spid="3">
-                                            <p:txEl>
-                                              <p:pRg st="2" end="2"/>
-                                            </p:txEl>
-                                          </p:spTgt>
-                                        </p:tgtEl>
-                                        <p:attrNameLst>
-                                          <p:attrName>style.visibility</p:attrName>
-                                        </p:attrNameLst>
-                                      </p:cBhvr>
-                                      <p:to>
-                                        <p:strVal val="visible"/>
-                                      </p:to>
-                                    </p:set>
-                                    <p:anim calcmode="lin" valueType="num">
-                                      <p:cBhvr additive="base">
-                                        <p:cTn id="19" dur="500" fill="hold"/>
-                                        <p:tgtEl>
-                                          <p:spTgt spid="3">
-                                            <p:txEl>
-                                              <p:pRg st="2" end="2"/>
-                                            </p:txEl>
-                                          </p:spTgt>
-                                        </p:tgtEl>
-                                        <p:attrNameLst>
-                                          <p:attrName>ppt_x</p:attrName>
-                                        </p:attrNameLst>
-                                      </p:cBhvr>
-                                      <p:tavLst>
-                                        <p:tav tm="0">
-                                          <p:val>
-                                            <p:strVal val="#ppt_x"/>
-                                          </p:val>
-                                        </p:tav>
-                                        <p:tav tm="100000">
-                                          <p:val>
-                                            <p:strVal val="#ppt_x"/>
-                                          </p:val>
-                                        </p:tav>
-                                      </p:tavLst>
-                                    </p:anim>
-                                    <p:anim calcmode="lin" valueType="num">
-                                      <p:cBhvr additive="base">
-                                        <p:cTn id="20" dur="500" fill="hold"/>
-                                        <p:tgtEl>
-                                          <p:spTgt spid="3">
-                                            <p:txEl>
-                                              <p:pRg st="2" end="2"/>
-                                            </p:txEl>
-                                          </p:spTgt>
-                                        </p:tgtEl>
-                                        <p:attrNameLst>
-                                          <p:attrName>ppt_y</p:attrName>
-                                        </p:attrNameLst>
-                                      </p:cBhvr>
-                                      <p:tavLst>
-                                        <p:tav tm="0">
-                                          <p:val>
-                                            <p:strVal val="1+#ppt_h/2"/>
-                                          </p:val>
-                                        </p:tav>
-                                        <p:tav tm="100000">
-                                          <p:val>
-                                            <p:strVal val="#ppt_y"/>
-                                          </p:val>
-                                        </p:tav>
-                                      </p:tavLst>
-                                    </p:anim>
-                                  </p:childTnLst>
-                                </p:cTn>
-                              </p:par>
-                            </p:childTnLst>
-                          </p:cTn>
-                        </p:par>
-                      </p:childTnLst>
-                    </p:cTn>
-                  </p:par>
-                  <p:par>
-                    <p:cTn id="21" fill="hold">
-                      <p:stCondLst>
-                        <p:cond delay="indefinite"/>
-                      </p:stCondLst>
-                      <p:childTnLst>
-                        <p:par>
-                          <p:cTn id="22" fill="hold">
-                            <p:stCondLst>
-                              <p:cond delay="0"/>
-                            </p:stCondLst>
-                            <p:childTnLst>
-                              <p:par>
-                                <p:cTn id="23" presetID="2" presetClass="entr" presetSubtype="4" fill="hold" nodeType="clickEffect">
-                                  <p:stCondLst>
-                                    <p:cond delay="0"/>
-                                  </p:stCondLst>
-                                  <p:childTnLst>
-                                    <p:set>
-                                      <p:cBhvr>
-                                        <p:cTn id="24" dur="1" fill="hold">
-                                          <p:stCondLst>
-                                            <p:cond delay="0"/>
-                                          </p:stCondLst>
-                                        </p:cTn>
-                                        <p:tgtEl>
-                                          <p:spTgt spid="3">
-                                            <p:txEl>
-                                              <p:pRg st="3" end="3"/>
-                                            </p:txEl>
-                                          </p:spTgt>
-                                        </p:tgtEl>
-                                        <p:attrNameLst>
-                                          <p:attrName>style.visibility</p:attrName>
-                                        </p:attrNameLst>
-                                      </p:cBhvr>
-                                      <p:to>
-                                        <p:strVal val="visible"/>
-                                      </p:to>
-                                    </p:set>
-                                    <p:anim calcmode="lin" valueType="num">
-                                      <p:cBhvr additive="base">
-                                        <p:cTn id="25" dur="500" fill="hold"/>
-                                        <p:tgtEl>
-                                          <p:spTgt spid="3">
-                                            <p:txEl>
-                                              <p:pRg st="3" end="3"/>
-                                            </p:txEl>
-                                          </p:spTgt>
-                                        </p:tgtEl>
-                                        <p:attrNameLst>
-                                          <p:attrName>ppt_x</p:attrName>
-                                        </p:attrNameLst>
-                                      </p:cBhvr>
-                                      <p:tavLst>
-                                        <p:tav tm="0">
-                                          <p:val>
-                                            <p:strVal val="#ppt_x"/>
-                                          </p:val>
-                                        </p:tav>
-                                        <p:tav tm="100000">
-                                          <p:val>
-                                            <p:strVal val="#ppt_x"/>
-                                          </p:val>
-                                        </p:tav>
-                                      </p:tavLst>
-                                    </p:anim>
-                                    <p:anim calcmode="lin" valueType="num">
-                                      <p:cBhvr additive="base">
-                                        <p:cTn id="26" dur="500" fill="hold"/>
-                                        <p:tgtEl>
-                                          <p:spTgt spid="3">
-                                            <p:txEl>
-                                              <p:pRg st="3" end="3"/>
-                                            </p:txEl>
-                                          </p:spTgt>
-                                        </p:tgtEl>
-                                        <p:attrNameLst>
-                                          <p:attrName>ppt_y</p:attrName>
-                                        </p:attrNameLst>
-                                      </p:cBhvr>
-                                      <p:tavLst>
-                                        <p:tav tm="0">
-                                          <p:val>
-                                            <p:strVal val="1+#ppt_h/2"/>
-                                          </p:val>
-                                        </p:tav>
-                                        <p:tav tm="100000">
-                                          <p:val>
-                                            <p:strVal val="#ppt_y"/>
-                                          </p:val>
-                                        </p:tav>
-                                      </p:tavLst>
-                                    </p:anim>
-                                  </p:childTnLst>
-                                </p:cTn>
-                              </p:par>
-                            </p:childTnLst>
-                          </p:cTn>
-                        </p:par>
-                      </p:childTnLst>
-                    </p:cTn>
-                  </p:par>
-                  <p:par>
-                    <p:cTn id="27" fill="hold">
-                      <p:stCondLst>
-                        <p:cond delay="indefinite"/>
-                      </p:stCondLst>
-                      <p:childTnLst>
-                        <p:par>
-                          <p:cTn id="28" fill="hold">
-                            <p:stCondLst>
-                              <p:cond delay="0"/>
-                            </p:stCondLst>
-                            <p:childTnLst>
-                              <p:par>
-                                <p:cTn id="29" presetID="2" presetClass="entr" presetSubtype="4" fill="hold" nodeType="clickEffect">
-                                  <p:stCondLst>
-                                    <p:cond delay="0"/>
-                                  </p:stCondLst>
-                                  <p:childTnLst>
-                                    <p:set>
-                                      <p:cBhvr>
-                                        <p:cTn id="30" dur="1" fill="hold">
-                                          <p:stCondLst>
-                                            <p:cond delay="0"/>
-                                          </p:stCondLst>
-                                        </p:cTn>
-                                        <p:tgtEl>
-                                          <p:spTgt spid="3">
-                                            <p:txEl>
-                                              <p:pRg st="4" end="4"/>
-                                            </p:txEl>
-                                          </p:spTgt>
-                                        </p:tgtEl>
-                                        <p:attrNameLst>
-                                          <p:attrName>style.visibility</p:attrName>
-                                        </p:attrNameLst>
-                                      </p:cBhvr>
-                                      <p:to>
-                                        <p:strVal val="visible"/>
-                                      </p:to>
-                                    </p:set>
-                                    <p:anim calcmode="lin" valueType="num">
-                                      <p:cBhvr additive="base">
-                                        <p:cTn id="31" dur="500" fill="hold"/>
-                                        <p:tgtEl>
-                                          <p:spTgt spid="3">
-                                            <p:txEl>
-                                              <p:pRg st="4" end="4"/>
-                                            </p:txEl>
-                                          </p:spTgt>
-                                        </p:tgtEl>
-                                        <p:attrNameLst>
-                                          <p:attrName>ppt_x</p:attrName>
-                                        </p:attrNameLst>
-                                      </p:cBhvr>
-                                      <p:tavLst>
-                                        <p:tav tm="0">
-                                          <p:val>
-                                            <p:strVal val="#ppt_x"/>
-                                          </p:val>
-                                        </p:tav>
-                                        <p:tav tm="100000">
-                                          <p:val>
-                                            <p:strVal val="#ppt_x"/>
-                                          </p:val>
-                                        </p:tav>
-                                      </p:tavLst>
-                                    </p:anim>
-                                    <p:anim calcmode="lin" valueType="num">
-                                      <p:cBhvr additive="base">
-                                        <p:cTn id="32" dur="500" fill="hold"/>
-                                        <p:tgtEl>
-                                          <p:spTgt spid="3">
-                                            <p:txEl>
-                                              <p:pRg st="4" end="4"/>
-                                            </p:txEl>
-                                          </p:spTgt>
-                                        </p:tgtEl>
-                                        <p:attrNameLst>
-                                          <p:attrName>ppt_y</p:attrName>
-                                        </p:attrNameLst>
-                                      </p:cBhvr>
-                                      <p:tavLst>
-                                        <p:tav tm="0">
-                                          <p:val>
-                                            <p:strVal val="1+#ppt_h/2"/>
-                                          </p:val>
-                                        </p:tav>
-                                        <p:tav tm="100000">
-                                          <p:val>
-                                            <p:strVal val="#ppt_y"/>
-                                          </p:val>
-                                        </p:tav>
-                                      </p:tavLst>
-                                    </p:anim>
-                                  </p:childTnLst>
-                                </p:cTn>
-                              </p:par>
-                            </p:childTnLst>
-                          </p:cTn>
-                        </p:par>
-                      </p:childTnLst>
-                    </p:cTn>
-                  </p:par>
-                </p:childTnLst>
-              </p:cTn>
-              <p:prevCondLst>
-                <p:cond evt="onPrev" delay="0">
-                  <p:tgtEl>
-                    <p:sldTgt/>
-                  </p:tgtEl>
-                </p:cond>
-              </p:prevCondLst>
-              <p:nextCondLst>
-                <p:cond evt="onNext" delay="0">
-                  <p:tgtEl>
-                    <p:sldTgt/>
-                  </p:tgtEl>
-                </p:cond>
-              </p:nextCondLst>
-            </p:seq>
-          </p:childTnLst>
-        </p:cTn>
-      </p:par>
-    </p:tnLst>
-  </p:timing>
-</p:sld>
-</file>
-
-<file path=ppt/slides/slide28.xml><?xml version="1.0" encoding="utf-8"?>
-<p:sld xmlns:a="http://schemas.openxmlformats.org/drawingml/2006/main" xmlns:r="http://schemas.openxmlformats.org/officeDocument/2006/relationships" xmlns:p="http://schemas.openxmlformats.org/presentationml/2006/main">
-  <p:cSld>
-    <p:spTree>
-      <p:nvGrpSpPr>
-        <p:cNvPr id="1" name=""/>
-        <p:cNvGrpSpPr/>
-        <p:nvPr/>
-      </p:nvGrpSpPr>
-      <p:grpSpPr>
-        <a:xfrm>
-          <a:off x="0" y="0"/>
-          <a:ext cx="0" cy="0"/>
-          <a:chOff x="0" y="0"/>
-          <a:chExt cx="0" cy="0"/>
-        </a:xfrm>
-      </p:grpSpPr>
-      <p:sp>
-        <p:nvSpPr>
-          <p:cNvPr id="2" name="标题 1"/>
-          <p:cNvSpPr>
-            <a:spLocks noGrp="1"/>
-          </p:cNvSpPr>
-          <p:nvPr>
-            <p:ph type="title"/>
-          </p:nvPr>
-        </p:nvSpPr>
-        <p:spPr/>
-        <p:txBody>
           <a:bodyPr>
             <a:normAutofit/>
           </a:bodyPr>
@@ -18157,7 +13354,7 @@
 </p:sld>
 </file>
 
-<file path=ppt/slides/slide29.xml><?xml version="1.0" encoding="utf-8"?>
+<file path=ppt/slides/slide22.xml><?xml version="1.0" encoding="utf-8"?>
 <p:sld xmlns:a="http://schemas.openxmlformats.org/drawingml/2006/main" xmlns:r="http://schemas.openxmlformats.org/officeDocument/2006/relationships" xmlns:p="http://schemas.openxmlformats.org/presentationml/2006/main">
   <p:cSld>
     <p:spTree>

--- a/materials/slides/2.3.pptx
+++ b/materials/slides/2.3.pptx
@@ -5,10 +5,10 @@
     <p:sldMasterId id="2147483776" r:id="rId1"/>
   </p:sldMasterIdLst>
   <p:notesMasterIdLst>
-    <p:notesMasterId r:id="rId24"/>
+    <p:notesMasterId r:id="rId31"/>
   </p:notesMasterIdLst>
   <p:handoutMasterIdLst>
-    <p:handoutMasterId r:id="rId25"/>
+    <p:handoutMasterId r:id="rId32"/>
   </p:handoutMasterIdLst>
   <p:sldIdLst>
     <p:sldId id="256" r:id="rId2"/>
@@ -22,17 +22,24 @@
     <p:sldId id="554" r:id="rId10"/>
     <p:sldId id="555" r:id="rId11"/>
     <p:sldId id="556" r:id="rId12"/>
-    <p:sldId id="557" r:id="rId13"/>
-    <p:sldId id="558" r:id="rId14"/>
-    <p:sldId id="559" r:id="rId15"/>
-    <p:sldId id="560" r:id="rId16"/>
-    <p:sldId id="561" r:id="rId17"/>
-    <p:sldId id="562" r:id="rId18"/>
-    <p:sldId id="563" r:id="rId19"/>
-    <p:sldId id="564" r:id="rId20"/>
-    <p:sldId id="565" r:id="rId21"/>
-    <p:sldId id="573" r:id="rId22"/>
-    <p:sldId id="549" r:id="rId23"/>
+    <p:sldId id="583" r:id="rId13"/>
+    <p:sldId id="584" r:id="rId14"/>
+    <p:sldId id="585" r:id="rId15"/>
+    <p:sldId id="557" r:id="rId16"/>
+    <p:sldId id="586" r:id="rId17"/>
+    <p:sldId id="558" r:id="rId18"/>
+    <p:sldId id="559" r:id="rId19"/>
+    <p:sldId id="560" r:id="rId20"/>
+    <p:sldId id="561" r:id="rId21"/>
+    <p:sldId id="562" r:id="rId22"/>
+    <p:sldId id="563" r:id="rId23"/>
+    <p:sldId id="564" r:id="rId24"/>
+    <p:sldId id="579" r:id="rId25"/>
+    <p:sldId id="580" r:id="rId26"/>
+    <p:sldId id="581" r:id="rId27"/>
+    <p:sldId id="565" r:id="rId28"/>
+    <p:sldId id="573" r:id="rId29"/>
+    <p:sldId id="549" r:id="rId30"/>
   </p:sldIdLst>
   <p:sldSz cx="12192000" cy="6858000"/>
   <p:notesSz cx="6858000" cy="9144000"/>
@@ -163,7 +170,7 @@
   </p:defaultTextStyle>
   <p:extLst>
     <p:ext uri="{EFAFB233-063F-42B5-8137-9DF3F51BA10A}">
-      <p15:sldGuideLst xmlns:p15="http://schemas.microsoft.com/office/powerpoint/2012/main">
+      <p15:sldGuideLst xmlns="" xmlns:p15="http://schemas.microsoft.com/office/powerpoint/2012/main">
         <p15:guide id="1" orient="horz" pos="2160" userDrawn="1">
           <p15:clr>
             <a:srgbClr val="A4A3A4"/>
@@ -177,7 +184,7 @@
       </p15:sldGuideLst>
     </p:ext>
     <p:ext uri="{2D200454-40CA-4A62-9FC3-DE9A4176ACB9}">
-      <p15:notesGuideLst xmlns:p15="http://schemas.microsoft.com/office/powerpoint/2012/main">
+      <p15:notesGuideLst xmlns="" xmlns:p15="http://schemas.microsoft.com/office/powerpoint/2012/main">
         <p15:guide id="1" orient="horz" pos="2880">
           <p15:clr>
             <a:srgbClr val="A4A3A4"/>
@@ -192,6 +199,3002 @@
     </p:ext>
   </p:extLst>
 </p:presentation>
+</file>
+
+<file path=ppt/diagrams/colors1.xml><?xml version="1.0" encoding="utf-8"?>
+<dgm:colorsDef xmlns:dgm="http://schemas.openxmlformats.org/drawingml/2006/diagram" xmlns:a="http://schemas.openxmlformats.org/drawingml/2006/main" uniqueId="urn:microsoft.com/office/officeart/2005/8/colors/colorful2">
+  <dgm:title val=""/>
+  <dgm:desc val=""/>
+  <dgm:catLst>
+    <dgm:cat type="colorful" pri="10200"/>
+  </dgm:catLst>
+  <dgm:styleLbl name="node0">
+    <dgm:fillClrLst meth="repeat">
+      <a:schemeClr val="accent1"/>
+    </dgm:fillClrLst>
+    <dgm:linClrLst meth="repeat">
+      <a:schemeClr val="lt1"/>
+    </dgm:linClrLst>
+    <dgm:effectClrLst/>
+    <dgm:txLinClrLst/>
+    <dgm:txFillClrLst/>
+    <dgm:txEffectClrLst/>
+  </dgm:styleLbl>
+  <dgm:styleLbl name="node1">
+    <dgm:fillClrLst>
+      <a:schemeClr val="accent2"/>
+      <a:schemeClr val="accent3"/>
+    </dgm:fillClrLst>
+    <dgm:linClrLst meth="repeat">
+      <a:schemeClr val="lt1"/>
+    </dgm:linClrLst>
+    <dgm:effectClrLst/>
+    <dgm:txLinClrLst/>
+    <dgm:txFillClrLst/>
+    <dgm:txEffectClrLst/>
+  </dgm:styleLbl>
+  <dgm:styleLbl name="alignNode1">
+    <dgm:fillClrLst>
+      <a:schemeClr val="accent2"/>
+      <a:schemeClr val="accent3"/>
+    </dgm:fillClrLst>
+    <dgm:linClrLst>
+      <a:schemeClr val="accent2"/>
+      <a:schemeClr val="accent3"/>
+    </dgm:linClrLst>
+    <dgm:effectClrLst/>
+    <dgm:txLinClrLst/>
+    <dgm:txFillClrLst/>
+    <dgm:txEffectClrLst/>
+  </dgm:styleLbl>
+  <dgm:styleLbl name="lnNode1">
+    <dgm:fillClrLst>
+      <a:schemeClr val="accent2"/>
+      <a:schemeClr val="accent3"/>
+    </dgm:fillClrLst>
+    <dgm:linClrLst meth="repeat">
+      <a:schemeClr val="lt1"/>
+    </dgm:linClrLst>
+    <dgm:effectClrLst/>
+    <dgm:txLinClrLst/>
+    <dgm:txFillClrLst/>
+    <dgm:txEffectClrLst/>
+  </dgm:styleLbl>
+  <dgm:styleLbl name="vennNode1">
+    <dgm:fillClrLst>
+      <a:schemeClr val="accent2">
+        <a:alpha val="50000"/>
+      </a:schemeClr>
+      <a:schemeClr val="accent3">
+        <a:alpha val="50000"/>
+      </a:schemeClr>
+    </dgm:fillClrLst>
+    <dgm:linClrLst meth="repeat">
+      <a:schemeClr val="lt1"/>
+    </dgm:linClrLst>
+    <dgm:effectClrLst/>
+    <dgm:txLinClrLst/>
+    <dgm:txFillClrLst/>
+    <dgm:txEffectClrLst/>
+  </dgm:styleLbl>
+  <dgm:styleLbl name="node2">
+    <dgm:fillClrLst>
+      <a:schemeClr val="accent3"/>
+    </dgm:fillClrLst>
+    <dgm:linClrLst meth="repeat">
+      <a:schemeClr val="lt1"/>
+    </dgm:linClrLst>
+    <dgm:effectClrLst/>
+    <dgm:txLinClrLst/>
+    <dgm:txFillClrLst/>
+    <dgm:txEffectClrLst/>
+  </dgm:styleLbl>
+  <dgm:styleLbl name="node3">
+    <dgm:fillClrLst>
+      <a:schemeClr val="accent4"/>
+    </dgm:fillClrLst>
+    <dgm:linClrLst meth="repeat">
+      <a:schemeClr val="lt1"/>
+    </dgm:linClrLst>
+    <dgm:effectClrLst/>
+    <dgm:txLinClrLst/>
+    <dgm:txFillClrLst/>
+    <dgm:txEffectClrLst/>
+  </dgm:styleLbl>
+  <dgm:styleLbl name="node4">
+    <dgm:fillClrLst>
+      <a:schemeClr val="accent5"/>
+    </dgm:fillClrLst>
+    <dgm:linClrLst meth="repeat">
+      <a:schemeClr val="lt1"/>
+    </dgm:linClrLst>
+    <dgm:effectClrLst/>
+    <dgm:txLinClrLst/>
+    <dgm:txFillClrLst/>
+    <dgm:txEffectClrLst/>
+  </dgm:styleLbl>
+  <dgm:styleLbl name="fgImgPlace1">
+    <dgm:fillClrLst>
+      <a:schemeClr val="accent2">
+        <a:tint val="50000"/>
+      </a:schemeClr>
+      <a:schemeClr val="accent3">
+        <a:tint val="50000"/>
+      </a:schemeClr>
+    </dgm:fillClrLst>
+    <dgm:linClrLst meth="repeat">
+      <a:schemeClr val="lt1"/>
+    </dgm:linClrLst>
+    <dgm:effectClrLst/>
+    <dgm:txLinClrLst/>
+    <dgm:txFillClrLst meth="repeat">
+      <a:schemeClr val="lt1"/>
+    </dgm:txFillClrLst>
+    <dgm:txEffectClrLst/>
+  </dgm:styleLbl>
+  <dgm:styleLbl name="alignImgPlace1">
+    <dgm:fillClrLst>
+      <a:schemeClr val="accent2">
+        <a:tint val="50000"/>
+      </a:schemeClr>
+      <a:schemeClr val="accent3">
+        <a:tint val="20000"/>
+      </a:schemeClr>
+    </dgm:fillClrLst>
+    <dgm:linClrLst meth="repeat">
+      <a:schemeClr val="lt1"/>
+    </dgm:linClrLst>
+    <dgm:effectClrLst/>
+    <dgm:txLinClrLst/>
+    <dgm:txFillClrLst meth="repeat">
+      <a:schemeClr val="lt1"/>
+    </dgm:txFillClrLst>
+    <dgm:txEffectClrLst/>
+  </dgm:styleLbl>
+  <dgm:styleLbl name="bgImgPlace1">
+    <dgm:fillClrLst>
+      <a:schemeClr val="accent2">
+        <a:tint val="50000"/>
+      </a:schemeClr>
+      <a:schemeClr val="accent3">
+        <a:tint val="20000"/>
+      </a:schemeClr>
+    </dgm:fillClrLst>
+    <dgm:linClrLst meth="repeat">
+      <a:schemeClr val="lt1"/>
+    </dgm:linClrLst>
+    <dgm:effectClrLst/>
+    <dgm:txLinClrLst/>
+    <dgm:txFillClrLst meth="repeat">
+      <a:schemeClr val="lt1"/>
+    </dgm:txFillClrLst>
+    <dgm:txEffectClrLst/>
+  </dgm:styleLbl>
+  <dgm:styleLbl name="sibTrans2D1">
+    <dgm:fillClrLst>
+      <a:schemeClr val="accent2"/>
+      <a:schemeClr val="accent3"/>
+    </dgm:fillClrLst>
+    <dgm:linClrLst meth="repeat">
+      <a:schemeClr val="lt1"/>
+    </dgm:linClrLst>
+    <dgm:effectClrLst/>
+    <dgm:txLinClrLst/>
+    <dgm:txFillClrLst/>
+    <dgm:txEffectClrLst/>
+  </dgm:styleLbl>
+  <dgm:styleLbl name="fgSibTrans2D1">
+    <dgm:fillClrLst>
+      <a:schemeClr val="accent2"/>
+      <a:schemeClr val="accent3"/>
+    </dgm:fillClrLst>
+    <dgm:linClrLst meth="repeat">
+      <a:schemeClr val="lt1"/>
+    </dgm:linClrLst>
+    <dgm:effectClrLst/>
+    <dgm:txLinClrLst/>
+    <dgm:txFillClrLst meth="repeat">
+      <a:schemeClr val="lt1"/>
+    </dgm:txFillClrLst>
+    <dgm:txEffectClrLst/>
+  </dgm:styleLbl>
+  <dgm:styleLbl name="bgSibTrans2D1">
+    <dgm:fillClrLst>
+      <a:schemeClr val="accent2"/>
+      <a:schemeClr val="accent3"/>
+    </dgm:fillClrLst>
+    <dgm:linClrLst meth="repeat">
+      <a:schemeClr val="lt1"/>
+    </dgm:linClrLst>
+    <dgm:effectClrLst/>
+    <dgm:txLinClrLst/>
+    <dgm:txFillClrLst meth="repeat">
+      <a:schemeClr val="lt1"/>
+    </dgm:txFillClrLst>
+    <dgm:txEffectClrLst/>
+  </dgm:styleLbl>
+  <dgm:styleLbl name="sibTrans1D1">
+    <dgm:fillClrLst/>
+    <dgm:linClrLst>
+      <a:schemeClr val="accent2"/>
+      <a:schemeClr val="accent3"/>
+    </dgm:linClrLst>
+    <dgm:effectClrLst/>
+    <dgm:txLinClrLst/>
+    <dgm:txFillClrLst meth="repeat">
+      <a:schemeClr val="tx1"/>
+    </dgm:txFillClrLst>
+    <dgm:txEffectClrLst/>
+  </dgm:styleLbl>
+  <dgm:styleLbl name="callout">
+    <dgm:fillClrLst meth="repeat">
+      <a:schemeClr val="accent2"/>
+    </dgm:fillClrLst>
+    <dgm:linClrLst meth="repeat">
+      <a:schemeClr val="accent2">
+        <a:tint val="50000"/>
+      </a:schemeClr>
+    </dgm:linClrLst>
+    <dgm:effectClrLst/>
+    <dgm:txLinClrLst/>
+    <dgm:txFillClrLst meth="repeat">
+      <a:schemeClr val="tx1"/>
+    </dgm:txFillClrLst>
+    <dgm:txEffectClrLst/>
+  </dgm:styleLbl>
+  <dgm:styleLbl name="asst0">
+    <dgm:fillClrLst meth="repeat">
+      <a:schemeClr val="accent2"/>
+    </dgm:fillClrLst>
+    <dgm:linClrLst meth="repeat">
+      <a:schemeClr val="lt1">
+        <a:shade val="80000"/>
+      </a:schemeClr>
+    </dgm:linClrLst>
+    <dgm:effectClrLst/>
+    <dgm:txLinClrLst/>
+    <dgm:txFillClrLst/>
+    <dgm:txEffectClrLst/>
+  </dgm:styleLbl>
+  <dgm:styleLbl name="asst1">
+    <dgm:fillClrLst meth="repeat">
+      <a:schemeClr val="accent3"/>
+    </dgm:fillClrLst>
+    <dgm:linClrLst meth="repeat">
+      <a:schemeClr val="lt1">
+        <a:shade val="80000"/>
+      </a:schemeClr>
+    </dgm:linClrLst>
+    <dgm:effectClrLst/>
+    <dgm:txLinClrLst/>
+    <dgm:txFillClrLst/>
+    <dgm:txEffectClrLst/>
+  </dgm:styleLbl>
+  <dgm:styleLbl name="asst2">
+    <dgm:fillClrLst>
+      <a:schemeClr val="accent4"/>
+    </dgm:fillClrLst>
+    <dgm:linClrLst meth="repeat">
+      <a:schemeClr val="lt1"/>
+    </dgm:linClrLst>
+    <dgm:effectClrLst/>
+    <dgm:txLinClrLst/>
+    <dgm:txFillClrLst/>
+    <dgm:txEffectClrLst/>
+  </dgm:styleLbl>
+  <dgm:styleLbl name="asst3">
+    <dgm:fillClrLst>
+      <a:schemeClr val="accent5"/>
+    </dgm:fillClrLst>
+    <dgm:linClrLst meth="repeat">
+      <a:schemeClr val="lt1"/>
+    </dgm:linClrLst>
+    <dgm:effectClrLst/>
+    <dgm:txLinClrLst/>
+    <dgm:txFillClrLst/>
+    <dgm:txEffectClrLst/>
+  </dgm:styleLbl>
+  <dgm:styleLbl name="asst4">
+    <dgm:fillClrLst>
+      <a:schemeClr val="accent6"/>
+    </dgm:fillClrLst>
+    <dgm:linClrLst meth="repeat">
+      <a:schemeClr val="lt1"/>
+    </dgm:linClrLst>
+    <dgm:effectClrLst/>
+    <dgm:txLinClrLst/>
+    <dgm:txFillClrLst/>
+    <dgm:txEffectClrLst/>
+  </dgm:styleLbl>
+  <dgm:styleLbl name="parChTrans2D1">
+    <dgm:fillClrLst meth="repeat">
+      <a:schemeClr val="accent2"/>
+    </dgm:fillClrLst>
+    <dgm:linClrLst meth="repeat">
+      <a:schemeClr val="lt1"/>
+    </dgm:linClrLst>
+    <dgm:effectClrLst/>
+    <dgm:txLinClrLst/>
+    <dgm:txFillClrLst meth="repeat">
+      <a:schemeClr val="lt1"/>
+    </dgm:txFillClrLst>
+    <dgm:txEffectClrLst/>
+  </dgm:styleLbl>
+  <dgm:styleLbl name="parChTrans2D2">
+    <dgm:fillClrLst meth="repeat">
+      <a:schemeClr val="accent3"/>
+    </dgm:fillClrLst>
+    <dgm:linClrLst meth="repeat">
+      <a:schemeClr val="lt1"/>
+    </dgm:linClrLst>
+    <dgm:effectClrLst/>
+    <dgm:txLinClrLst/>
+    <dgm:txFillClrLst/>
+    <dgm:txEffectClrLst/>
+  </dgm:styleLbl>
+  <dgm:styleLbl name="parChTrans2D3">
+    <dgm:fillClrLst meth="repeat">
+      <a:schemeClr val="accent4"/>
+    </dgm:fillClrLst>
+    <dgm:linClrLst meth="repeat">
+      <a:schemeClr val="lt1"/>
+    </dgm:linClrLst>
+    <dgm:effectClrLst/>
+    <dgm:txLinClrLst/>
+    <dgm:txFillClrLst/>
+    <dgm:txEffectClrLst/>
+  </dgm:styleLbl>
+  <dgm:styleLbl name="parChTrans2D4">
+    <dgm:fillClrLst meth="repeat">
+      <a:schemeClr val="accent5"/>
+    </dgm:fillClrLst>
+    <dgm:linClrLst meth="repeat">
+      <a:schemeClr val="lt1"/>
+    </dgm:linClrLst>
+    <dgm:effectClrLst/>
+    <dgm:txLinClrLst/>
+    <dgm:txFillClrLst meth="repeat">
+      <a:schemeClr val="lt1"/>
+    </dgm:txFillClrLst>
+    <dgm:txEffectClrLst/>
+  </dgm:styleLbl>
+  <dgm:styleLbl name="parChTrans1D1">
+    <dgm:fillClrLst meth="repeat">
+      <a:schemeClr val="accent2"/>
+    </dgm:fillClrLst>
+    <dgm:linClrLst meth="repeat">
+      <a:schemeClr val="accent2"/>
+    </dgm:linClrLst>
+    <dgm:effectClrLst/>
+    <dgm:txLinClrLst/>
+    <dgm:txFillClrLst meth="repeat">
+      <a:schemeClr val="tx1"/>
+    </dgm:txFillClrLst>
+    <dgm:txEffectClrLst/>
+  </dgm:styleLbl>
+  <dgm:styleLbl name="parChTrans1D2">
+    <dgm:fillClrLst meth="repeat">
+      <a:schemeClr val="accent2">
+        <a:tint val="90000"/>
+      </a:schemeClr>
+    </dgm:fillClrLst>
+    <dgm:linClrLst meth="repeat">
+      <a:schemeClr val="accent3"/>
+    </dgm:linClrLst>
+    <dgm:effectClrLst/>
+    <dgm:txLinClrLst/>
+    <dgm:txFillClrLst meth="repeat">
+      <a:schemeClr val="tx1"/>
+    </dgm:txFillClrLst>
+    <dgm:txEffectClrLst/>
+  </dgm:styleLbl>
+  <dgm:styleLbl name="parChTrans1D3">
+    <dgm:fillClrLst meth="repeat">
+      <a:schemeClr val="accent2">
+        <a:tint val="70000"/>
+      </a:schemeClr>
+    </dgm:fillClrLst>
+    <dgm:linClrLst meth="repeat">
+      <a:schemeClr val="accent4"/>
+    </dgm:linClrLst>
+    <dgm:effectClrLst/>
+    <dgm:txLinClrLst/>
+    <dgm:txFillClrLst meth="repeat">
+      <a:schemeClr val="tx1"/>
+    </dgm:txFillClrLst>
+    <dgm:txEffectClrLst/>
+  </dgm:styleLbl>
+  <dgm:styleLbl name="parChTrans1D4">
+    <dgm:fillClrLst meth="repeat">
+      <a:schemeClr val="accent2">
+        <a:tint val="50000"/>
+      </a:schemeClr>
+    </dgm:fillClrLst>
+    <dgm:linClrLst meth="repeat">
+      <a:schemeClr val="accent5"/>
+    </dgm:linClrLst>
+    <dgm:effectClrLst/>
+    <dgm:txLinClrLst/>
+    <dgm:txFillClrLst meth="repeat">
+      <a:schemeClr val="tx1"/>
+    </dgm:txFillClrLst>
+    <dgm:txEffectClrLst/>
+  </dgm:styleLbl>
+  <dgm:styleLbl name="fgAcc1">
+    <dgm:fillClrLst meth="repeat">
+      <a:schemeClr val="lt1">
+        <a:alpha val="90000"/>
+      </a:schemeClr>
+    </dgm:fillClrLst>
+    <dgm:linClrLst>
+      <a:schemeClr val="accent2"/>
+      <a:schemeClr val="accent3"/>
+    </dgm:linClrLst>
+    <dgm:effectClrLst/>
+    <dgm:txLinClrLst/>
+    <dgm:txFillClrLst meth="repeat">
+      <a:schemeClr val="dk1"/>
+    </dgm:txFillClrLst>
+    <dgm:txEffectClrLst/>
+  </dgm:styleLbl>
+  <dgm:styleLbl name="conFgAcc1">
+    <dgm:fillClrLst meth="repeat">
+      <a:schemeClr val="lt1">
+        <a:alpha val="90000"/>
+      </a:schemeClr>
+    </dgm:fillClrLst>
+    <dgm:linClrLst>
+      <a:schemeClr val="accent2"/>
+      <a:schemeClr val="accent3"/>
+    </dgm:linClrLst>
+    <dgm:effectClrLst/>
+    <dgm:txLinClrLst/>
+    <dgm:txFillClrLst meth="repeat">
+      <a:schemeClr val="dk1"/>
+    </dgm:txFillClrLst>
+    <dgm:txEffectClrLst/>
+  </dgm:styleLbl>
+  <dgm:styleLbl name="alignAcc1">
+    <dgm:fillClrLst meth="repeat">
+      <a:schemeClr val="lt1">
+        <a:alpha val="90000"/>
+      </a:schemeClr>
+    </dgm:fillClrLst>
+    <dgm:linClrLst>
+      <a:schemeClr val="accent2"/>
+      <a:schemeClr val="accent3"/>
+    </dgm:linClrLst>
+    <dgm:effectClrLst/>
+    <dgm:txLinClrLst/>
+    <dgm:txFillClrLst meth="repeat">
+      <a:schemeClr val="dk1"/>
+    </dgm:txFillClrLst>
+    <dgm:txEffectClrLst/>
+  </dgm:styleLbl>
+  <dgm:styleLbl name="trAlignAcc1">
+    <dgm:fillClrLst meth="repeat">
+      <a:schemeClr val="lt1">
+        <a:alpha val="40000"/>
+      </a:schemeClr>
+    </dgm:fillClrLst>
+    <dgm:linClrLst meth="repeat">
+      <a:schemeClr val="accent2"/>
+    </dgm:linClrLst>
+    <dgm:effectClrLst/>
+    <dgm:txLinClrLst/>
+    <dgm:txFillClrLst meth="repeat">
+      <a:schemeClr val="dk1"/>
+    </dgm:txFillClrLst>
+    <dgm:txEffectClrLst/>
+  </dgm:styleLbl>
+  <dgm:styleLbl name="bgAcc1">
+    <dgm:fillClrLst meth="repeat">
+      <a:schemeClr val="lt1">
+        <a:alpha val="90000"/>
+      </a:schemeClr>
+    </dgm:fillClrLst>
+    <dgm:linClrLst>
+      <a:schemeClr val="accent2"/>
+      <a:schemeClr val="accent3"/>
+    </dgm:linClrLst>
+    <dgm:effectClrLst/>
+    <dgm:txLinClrLst/>
+    <dgm:txFillClrLst meth="repeat">
+      <a:schemeClr val="dk1"/>
+    </dgm:txFillClrLst>
+    <dgm:txEffectClrLst/>
+  </dgm:styleLbl>
+  <dgm:styleLbl name="solidFgAcc1">
+    <dgm:fillClrLst meth="repeat">
+      <a:schemeClr val="lt1"/>
+    </dgm:fillClrLst>
+    <dgm:linClrLst>
+      <a:schemeClr val="accent2"/>
+      <a:schemeClr val="accent3"/>
+    </dgm:linClrLst>
+    <dgm:effectClrLst/>
+    <dgm:txLinClrLst/>
+    <dgm:txFillClrLst meth="repeat">
+      <a:schemeClr val="dk1"/>
+    </dgm:txFillClrLst>
+    <dgm:txEffectClrLst/>
+  </dgm:styleLbl>
+  <dgm:styleLbl name="solidAlignAcc1">
+    <dgm:fillClrLst meth="repeat">
+      <a:schemeClr val="lt1"/>
+    </dgm:fillClrLst>
+    <dgm:linClrLst>
+      <a:schemeClr val="accent2"/>
+      <a:schemeClr val="accent3"/>
+    </dgm:linClrLst>
+    <dgm:effectClrLst/>
+    <dgm:txLinClrLst/>
+    <dgm:txFillClrLst meth="repeat">
+      <a:schemeClr val="dk1"/>
+    </dgm:txFillClrLst>
+    <dgm:txEffectClrLst/>
+  </dgm:styleLbl>
+  <dgm:styleLbl name="solidBgAcc1">
+    <dgm:fillClrLst meth="repeat">
+      <a:schemeClr val="lt1"/>
+    </dgm:fillClrLst>
+    <dgm:linClrLst>
+      <a:schemeClr val="accent2"/>
+      <a:schemeClr val="accent3"/>
+    </dgm:linClrLst>
+    <dgm:effectClrLst/>
+    <dgm:txLinClrLst/>
+    <dgm:txFillClrLst meth="repeat">
+      <a:schemeClr val="dk1"/>
+    </dgm:txFillClrLst>
+    <dgm:txEffectClrLst/>
+  </dgm:styleLbl>
+  <dgm:styleLbl name="fgAccFollowNode1">
+    <dgm:fillClrLst>
+      <a:schemeClr val="accent2">
+        <a:tint val="40000"/>
+        <a:alpha val="90000"/>
+      </a:schemeClr>
+      <a:schemeClr val="accent3">
+        <a:tint val="40000"/>
+        <a:alpha val="90000"/>
+      </a:schemeClr>
+    </dgm:fillClrLst>
+    <dgm:linClrLst>
+      <a:schemeClr val="accent2">
+        <a:tint val="40000"/>
+        <a:alpha val="90000"/>
+      </a:schemeClr>
+      <a:schemeClr val="accent3">
+        <a:tint val="40000"/>
+        <a:alpha val="90000"/>
+      </a:schemeClr>
+    </dgm:linClrLst>
+    <dgm:effectClrLst/>
+    <dgm:txLinClrLst/>
+    <dgm:txFillClrLst meth="repeat">
+      <a:schemeClr val="dk1"/>
+    </dgm:txFillClrLst>
+    <dgm:txEffectClrLst/>
+  </dgm:styleLbl>
+  <dgm:styleLbl name="alignAccFollowNode1">
+    <dgm:fillClrLst>
+      <a:schemeClr val="accent2">
+        <a:tint val="40000"/>
+        <a:alpha val="90000"/>
+      </a:schemeClr>
+      <a:schemeClr val="accent3">
+        <a:tint val="40000"/>
+        <a:alpha val="90000"/>
+      </a:schemeClr>
+    </dgm:fillClrLst>
+    <dgm:linClrLst>
+      <a:schemeClr val="accent2">
+        <a:tint val="40000"/>
+        <a:alpha val="90000"/>
+      </a:schemeClr>
+      <a:schemeClr val="accent3">
+        <a:tint val="40000"/>
+        <a:alpha val="90000"/>
+      </a:schemeClr>
+    </dgm:linClrLst>
+    <dgm:effectClrLst/>
+    <dgm:txLinClrLst/>
+    <dgm:txFillClrLst meth="repeat">
+      <a:schemeClr val="dk1"/>
+    </dgm:txFillClrLst>
+    <dgm:txEffectClrLst/>
+  </dgm:styleLbl>
+  <dgm:styleLbl name="bgAccFollowNode1">
+    <dgm:fillClrLst>
+      <a:schemeClr val="accent2">
+        <a:tint val="40000"/>
+        <a:alpha val="90000"/>
+      </a:schemeClr>
+      <a:schemeClr val="accent3">
+        <a:tint val="40000"/>
+        <a:alpha val="90000"/>
+      </a:schemeClr>
+    </dgm:fillClrLst>
+    <dgm:linClrLst>
+      <a:schemeClr val="accent2">
+        <a:tint val="40000"/>
+        <a:alpha val="90000"/>
+      </a:schemeClr>
+      <a:schemeClr val="accent3">
+        <a:tint val="40000"/>
+        <a:alpha val="90000"/>
+      </a:schemeClr>
+    </dgm:linClrLst>
+    <dgm:effectClrLst/>
+    <dgm:txLinClrLst/>
+    <dgm:txFillClrLst meth="repeat">
+      <a:schemeClr val="dk1"/>
+    </dgm:txFillClrLst>
+    <dgm:txEffectClrLst/>
+  </dgm:styleLbl>
+  <dgm:styleLbl name="fgAcc0">
+    <dgm:fillClrLst meth="repeat">
+      <a:schemeClr val="lt1">
+        <a:alpha val="90000"/>
+      </a:schemeClr>
+    </dgm:fillClrLst>
+    <dgm:linClrLst>
+      <a:schemeClr val="accent1"/>
+    </dgm:linClrLst>
+    <dgm:effectClrLst/>
+    <dgm:txLinClrLst/>
+    <dgm:txFillClrLst meth="repeat">
+      <a:schemeClr val="dk1"/>
+    </dgm:txFillClrLst>
+    <dgm:txEffectClrLst/>
+  </dgm:styleLbl>
+  <dgm:styleLbl name="fgAcc2">
+    <dgm:fillClrLst meth="repeat">
+      <a:schemeClr val="lt1">
+        <a:alpha val="90000"/>
+      </a:schemeClr>
+    </dgm:fillClrLst>
+    <dgm:linClrLst>
+      <a:schemeClr val="accent3"/>
+    </dgm:linClrLst>
+    <dgm:effectClrLst/>
+    <dgm:txLinClrLst/>
+    <dgm:txFillClrLst meth="repeat">
+      <a:schemeClr val="dk1"/>
+    </dgm:txFillClrLst>
+    <dgm:txEffectClrLst/>
+  </dgm:styleLbl>
+  <dgm:styleLbl name="fgAcc3">
+    <dgm:fillClrLst meth="repeat">
+      <a:schemeClr val="lt1">
+        <a:alpha val="90000"/>
+      </a:schemeClr>
+    </dgm:fillClrLst>
+    <dgm:linClrLst>
+      <a:schemeClr val="accent4"/>
+    </dgm:linClrLst>
+    <dgm:effectClrLst/>
+    <dgm:txLinClrLst/>
+    <dgm:txFillClrLst meth="repeat">
+      <a:schemeClr val="dk1"/>
+    </dgm:txFillClrLst>
+    <dgm:txEffectClrLst/>
+  </dgm:styleLbl>
+  <dgm:styleLbl name="fgAcc4">
+    <dgm:fillClrLst meth="repeat">
+      <a:schemeClr val="lt1">
+        <a:alpha val="90000"/>
+      </a:schemeClr>
+    </dgm:fillClrLst>
+    <dgm:linClrLst>
+      <a:schemeClr val="accent5"/>
+    </dgm:linClrLst>
+    <dgm:effectClrLst/>
+    <dgm:txLinClrLst/>
+    <dgm:txFillClrLst meth="repeat">
+      <a:schemeClr val="dk1"/>
+    </dgm:txFillClrLst>
+    <dgm:txEffectClrLst/>
+  </dgm:styleLbl>
+  <dgm:styleLbl name="bgShp">
+    <dgm:fillClrLst meth="repeat">
+      <a:schemeClr val="accent2">
+        <a:tint val="40000"/>
+      </a:schemeClr>
+    </dgm:fillClrLst>
+    <dgm:linClrLst meth="repeat">
+      <a:schemeClr val="dk1"/>
+    </dgm:linClrLst>
+    <dgm:effectClrLst/>
+    <dgm:txLinClrLst/>
+    <dgm:txFillClrLst meth="repeat">
+      <a:schemeClr val="dk1"/>
+    </dgm:txFillClrLst>
+    <dgm:txEffectClrLst/>
+  </dgm:styleLbl>
+  <dgm:styleLbl name="dkBgShp">
+    <dgm:fillClrLst meth="repeat">
+      <a:schemeClr val="accent2">
+        <a:shade val="90000"/>
+      </a:schemeClr>
+    </dgm:fillClrLst>
+    <dgm:linClrLst meth="repeat">
+      <a:schemeClr val="dk1"/>
+    </dgm:linClrLst>
+    <dgm:effectClrLst/>
+    <dgm:txLinClrLst/>
+    <dgm:txFillClrLst meth="repeat">
+      <a:schemeClr val="lt1"/>
+    </dgm:txFillClrLst>
+    <dgm:txEffectClrLst/>
+  </dgm:styleLbl>
+  <dgm:styleLbl name="trBgShp">
+    <dgm:fillClrLst meth="repeat">
+      <a:schemeClr val="accent2">
+        <a:tint val="50000"/>
+        <a:alpha val="40000"/>
+      </a:schemeClr>
+    </dgm:fillClrLst>
+    <dgm:linClrLst meth="repeat">
+      <a:schemeClr val="accent2"/>
+    </dgm:linClrLst>
+    <dgm:effectClrLst/>
+    <dgm:txLinClrLst/>
+    <dgm:txFillClrLst meth="repeat">
+      <a:schemeClr val="lt1"/>
+    </dgm:txFillClrLst>
+    <dgm:txEffectClrLst/>
+  </dgm:styleLbl>
+  <dgm:styleLbl name="fgShp">
+    <dgm:fillClrLst meth="repeat">
+      <a:schemeClr val="accent2">
+        <a:tint val="40000"/>
+      </a:schemeClr>
+    </dgm:fillClrLst>
+    <dgm:linClrLst meth="repeat">
+      <a:schemeClr val="lt1"/>
+    </dgm:linClrLst>
+    <dgm:effectClrLst/>
+    <dgm:txLinClrLst/>
+    <dgm:txFillClrLst meth="repeat">
+      <a:schemeClr val="dk1"/>
+    </dgm:txFillClrLst>
+    <dgm:txEffectClrLst/>
+  </dgm:styleLbl>
+  <dgm:styleLbl name="revTx">
+    <dgm:fillClrLst meth="repeat">
+      <a:schemeClr val="lt1">
+        <a:alpha val="0"/>
+      </a:schemeClr>
+    </dgm:fillClrLst>
+    <dgm:linClrLst meth="repeat">
+      <a:schemeClr val="dk1">
+        <a:alpha val="0"/>
+      </a:schemeClr>
+    </dgm:linClrLst>
+    <dgm:effectClrLst/>
+    <dgm:txLinClrLst/>
+    <dgm:txFillClrLst meth="repeat">
+      <a:schemeClr val="tx1"/>
+    </dgm:txFillClrLst>
+    <dgm:txEffectClrLst/>
+  </dgm:styleLbl>
+</dgm:colorsDef>
+</file>
+
+<file path=ppt/diagrams/data1.xml><?xml version="1.0" encoding="utf-8"?>
+<dgm:dataModel xmlns:dgm="http://schemas.openxmlformats.org/drawingml/2006/diagram" xmlns:a="http://schemas.openxmlformats.org/drawingml/2006/main">
+  <dgm:ptLst>
+    <dgm:pt modelId="{7F8ACC39-FFFB-4C56-8564-46BC271F5C22}" type="doc">
+      <dgm:prSet loTypeId="urn:microsoft.com/office/officeart/2005/8/layout/pyramid2" loCatId="list" qsTypeId="urn:microsoft.com/office/officeart/2005/8/quickstyle/3d2" qsCatId="3D" csTypeId="urn:microsoft.com/office/officeart/2005/8/colors/colorful2" csCatId="colorful" phldr="1"/>
+      <dgm:spPr/>
+      <dgm:t>
+        <a:bodyPr/>
+        <a:lstStyle/>
+        <a:p>
+          <a:endParaRPr lang="zh-CN" altLang="en-US"/>
+        </a:p>
+      </dgm:t>
+    </dgm:pt>
+    <dgm:pt modelId="{5FA4D72E-B11C-4B5A-ACD7-319CDCD586AA}">
+      <dgm:prSet phldrT="[文本]" custT="1"/>
+      <dgm:spPr/>
+      <dgm:t>
+        <a:bodyPr/>
+        <a:lstStyle/>
+        <a:p>
+          <a:r>
+            <a:rPr lang="zh-CN" altLang="en-US" sz="2400" dirty="0" smtClean="0">
+              <a:ea typeface="宋体" pitchFamily="2" charset="-122"/>
+            </a:rPr>
+            <a:t>把知识和经验直接转化为执行任务的具体方法</a:t>
+          </a:r>
+          <a:endParaRPr lang="zh-CN" altLang="en-US" sz="2400" dirty="0"/>
+        </a:p>
+      </dgm:t>
+    </dgm:pt>
+    <dgm:pt modelId="{3C18D66F-79DA-41C0-BAEE-BBAD1B405852}" type="parTrans" cxnId="{60BF5CF2-7ED1-4A34-AB7B-A012DB7F7B11}">
+      <dgm:prSet/>
+      <dgm:spPr/>
+      <dgm:t>
+        <a:bodyPr/>
+        <a:lstStyle/>
+        <a:p>
+          <a:endParaRPr lang="zh-CN" altLang="en-US"/>
+        </a:p>
+      </dgm:t>
+    </dgm:pt>
+    <dgm:pt modelId="{0B89FC23-D6D9-46BC-9C67-22855D7EE392}" type="sibTrans" cxnId="{60BF5CF2-7ED1-4A34-AB7B-A012DB7F7B11}">
+      <dgm:prSet/>
+      <dgm:spPr/>
+      <dgm:t>
+        <a:bodyPr/>
+        <a:lstStyle/>
+        <a:p>
+          <a:endParaRPr lang="zh-CN" altLang="en-US"/>
+        </a:p>
+      </dgm:t>
+    </dgm:pt>
+    <dgm:pt modelId="{A0628105-19B8-434F-A701-41623B0B3DAB}">
+      <dgm:prSet phldrT="[文本]" custT="1"/>
+      <dgm:spPr/>
+      <dgm:t>
+        <a:bodyPr/>
+        <a:lstStyle/>
+        <a:p>
+          <a:r>
+            <a:rPr lang="zh-CN" altLang="en-US" sz="2400" dirty="0" smtClean="0">
+              <a:ea typeface="宋体" pitchFamily="2" charset="-122"/>
+            </a:rPr>
+            <a:t>为组织、安排和管理测试项目提供一个整体框架</a:t>
+          </a:r>
+          <a:endParaRPr lang="zh-CN" altLang="en-US" sz="2400" dirty="0"/>
+        </a:p>
+      </dgm:t>
+    </dgm:pt>
+    <dgm:pt modelId="{6AEB3FE7-C065-4296-9EA7-698A45BACA2F}" type="parTrans" cxnId="{28E31F01-19B6-4A94-BFE2-1F050FE644BE}">
+      <dgm:prSet/>
+      <dgm:spPr/>
+      <dgm:t>
+        <a:bodyPr/>
+        <a:lstStyle/>
+        <a:p>
+          <a:endParaRPr lang="zh-CN" altLang="en-US"/>
+        </a:p>
+      </dgm:t>
+    </dgm:pt>
+    <dgm:pt modelId="{9419DBB7-01A4-4A0C-904D-0E107E1480AF}" type="sibTrans" cxnId="{28E31F01-19B6-4A94-BFE2-1F050FE644BE}">
+      <dgm:prSet/>
+      <dgm:spPr/>
+      <dgm:t>
+        <a:bodyPr/>
+        <a:lstStyle/>
+        <a:p>
+          <a:endParaRPr lang="zh-CN" altLang="en-US"/>
+        </a:p>
+      </dgm:t>
+    </dgm:pt>
+    <dgm:pt modelId="{5B73AD57-D69A-4FE4-B72C-1C9C6EE3E6D4}">
+      <dgm:prSet phldrT="[文本]" custT="1"/>
+      <dgm:spPr/>
+      <dgm:t>
+        <a:bodyPr/>
+        <a:lstStyle/>
+        <a:p>
+          <a:r>
+            <a:rPr lang="zh-CN" altLang="en-US" sz="2400" dirty="0" smtClean="0">
+              <a:ea typeface="宋体" pitchFamily="2" charset="-122"/>
+            </a:rPr>
+            <a:t>促进团队间关于测试任务和过程的交流</a:t>
+          </a:r>
+          <a:endParaRPr lang="zh-CN" altLang="en-US" sz="2400" dirty="0"/>
+        </a:p>
+      </dgm:t>
+    </dgm:pt>
+    <dgm:pt modelId="{AB17EC05-66DF-4D79-8684-04E65052961E}" type="parTrans" cxnId="{0AEA061C-62E6-449B-846D-268C2703BDD4}">
+      <dgm:prSet/>
+      <dgm:spPr/>
+      <dgm:t>
+        <a:bodyPr/>
+        <a:lstStyle/>
+        <a:p>
+          <a:endParaRPr lang="zh-CN" altLang="en-US"/>
+        </a:p>
+      </dgm:t>
+    </dgm:pt>
+    <dgm:pt modelId="{E92A9EC9-4CFF-41B4-84E6-D5C412F4EEB2}" type="sibTrans" cxnId="{0AEA061C-62E6-449B-846D-268C2703BDD4}">
+      <dgm:prSet/>
+      <dgm:spPr/>
+      <dgm:t>
+        <a:bodyPr/>
+        <a:lstStyle/>
+        <a:p>
+          <a:endParaRPr lang="zh-CN" altLang="en-US"/>
+        </a:p>
+      </dgm:t>
+    </dgm:pt>
+    <dgm:pt modelId="{FDE9040C-4343-4F0A-A1FC-1EF007BCA7DD}">
+      <dgm:prSet phldrT="[文本]" custT="1"/>
+      <dgm:spPr/>
+      <dgm:t>
+        <a:bodyPr/>
+        <a:lstStyle/>
+        <a:p>
+          <a:r>
+            <a:rPr lang="zh-CN" altLang="en-US" sz="2400" dirty="0" smtClean="0">
+              <a:ea typeface="宋体" pitchFamily="2" charset="-122"/>
+            </a:rPr>
+            <a:t>对项目执行过程中的风险进行分析，并制定相关的应对策略</a:t>
+          </a:r>
+          <a:endParaRPr lang="zh-CN" altLang="en-US" sz="2400" dirty="0"/>
+        </a:p>
+      </dgm:t>
+    </dgm:pt>
+    <dgm:pt modelId="{8268EA1E-F728-4B23-9456-C1CCA5B215EA}" type="parTrans" cxnId="{1DDE7FBE-94C8-4F5B-9DF3-E84F76847B73}">
+      <dgm:prSet/>
+      <dgm:spPr/>
+      <dgm:t>
+        <a:bodyPr/>
+        <a:lstStyle/>
+        <a:p>
+          <a:endParaRPr lang="zh-CN" altLang="en-US"/>
+        </a:p>
+      </dgm:t>
+    </dgm:pt>
+    <dgm:pt modelId="{E105F352-A7D3-4A0B-BB08-52CAC6AD310C}" type="sibTrans" cxnId="{1DDE7FBE-94C8-4F5B-9DF3-E84F76847B73}">
+      <dgm:prSet/>
+      <dgm:spPr/>
+      <dgm:t>
+        <a:bodyPr/>
+        <a:lstStyle/>
+        <a:p>
+          <a:endParaRPr lang="zh-CN" altLang="en-US"/>
+        </a:p>
+      </dgm:t>
+    </dgm:pt>
+    <dgm:pt modelId="{71EA82FB-2E70-454D-A3F5-79444A2DB793}" type="pres">
+      <dgm:prSet presAssocID="{7F8ACC39-FFFB-4C56-8564-46BC271F5C22}" presName="compositeShape" presStyleCnt="0">
+        <dgm:presLayoutVars>
+          <dgm:dir/>
+          <dgm:resizeHandles/>
+        </dgm:presLayoutVars>
+      </dgm:prSet>
+      <dgm:spPr/>
+      <dgm:t>
+        <a:bodyPr/>
+        <a:lstStyle/>
+        <a:p>
+          <a:endParaRPr lang="zh-CN" altLang="en-US"/>
+        </a:p>
+      </dgm:t>
+    </dgm:pt>
+    <dgm:pt modelId="{A7D7051D-ECCE-4958-A1B3-7EA6B6B61EF1}" type="pres">
+      <dgm:prSet presAssocID="{7F8ACC39-FFFB-4C56-8564-46BC271F5C22}" presName="pyramid" presStyleLbl="node1" presStyleIdx="0" presStyleCnt="1" custLinFactNeighborX="-141" custLinFactNeighborY="-10656"/>
+      <dgm:spPr/>
+      <dgm:t>
+        <a:bodyPr/>
+        <a:lstStyle/>
+        <a:p>
+          <a:endParaRPr lang="zh-CN" altLang="en-US"/>
+        </a:p>
+      </dgm:t>
+    </dgm:pt>
+    <dgm:pt modelId="{EA0E9939-3778-4CFE-A65F-5CD5E804954F}" type="pres">
+      <dgm:prSet presAssocID="{7F8ACC39-FFFB-4C56-8564-46BC271F5C22}" presName="theList" presStyleCnt="0"/>
+      <dgm:spPr/>
+      <dgm:t>
+        <a:bodyPr/>
+        <a:lstStyle/>
+        <a:p>
+          <a:endParaRPr lang="zh-CN" altLang="en-US"/>
+        </a:p>
+      </dgm:t>
+    </dgm:pt>
+    <dgm:pt modelId="{D97837AA-C77B-4B5C-9514-8C45B3AE66A8}" type="pres">
+      <dgm:prSet presAssocID="{5FA4D72E-B11C-4B5A-ACD7-319CDCD586AA}" presName="aNode" presStyleLbl="fgAcc1" presStyleIdx="0" presStyleCnt="4" custScaleX="157526" custLinFactNeighborX="14381">
+        <dgm:presLayoutVars>
+          <dgm:bulletEnabled val="1"/>
+        </dgm:presLayoutVars>
+      </dgm:prSet>
+      <dgm:spPr/>
+      <dgm:t>
+        <a:bodyPr/>
+        <a:lstStyle/>
+        <a:p>
+          <a:endParaRPr lang="zh-CN" altLang="en-US"/>
+        </a:p>
+      </dgm:t>
+    </dgm:pt>
+    <dgm:pt modelId="{D36F8532-C286-4E47-B207-C4B7FFC9AF91}" type="pres">
+      <dgm:prSet presAssocID="{5FA4D72E-B11C-4B5A-ACD7-319CDCD586AA}" presName="aSpace" presStyleCnt="0"/>
+      <dgm:spPr/>
+      <dgm:t>
+        <a:bodyPr/>
+        <a:lstStyle/>
+        <a:p>
+          <a:endParaRPr lang="zh-CN" altLang="en-US"/>
+        </a:p>
+      </dgm:t>
+    </dgm:pt>
+    <dgm:pt modelId="{97490E1C-16F4-4D86-BF2F-72D32DC4A40A}" type="pres">
+      <dgm:prSet presAssocID="{A0628105-19B8-434F-A701-41623B0B3DAB}" presName="aNode" presStyleLbl="fgAcc1" presStyleIdx="1" presStyleCnt="4" custScaleX="162924" custLinFactNeighborX="14715">
+        <dgm:presLayoutVars>
+          <dgm:bulletEnabled val="1"/>
+        </dgm:presLayoutVars>
+      </dgm:prSet>
+      <dgm:spPr/>
+      <dgm:t>
+        <a:bodyPr/>
+        <a:lstStyle/>
+        <a:p>
+          <a:endParaRPr lang="zh-CN" altLang="en-US"/>
+        </a:p>
+      </dgm:t>
+    </dgm:pt>
+    <dgm:pt modelId="{797AB8A0-54F4-48D6-AB9A-F89DF4FC8841}" type="pres">
+      <dgm:prSet presAssocID="{A0628105-19B8-434F-A701-41623B0B3DAB}" presName="aSpace" presStyleCnt="0"/>
+      <dgm:spPr/>
+      <dgm:t>
+        <a:bodyPr/>
+        <a:lstStyle/>
+        <a:p>
+          <a:endParaRPr lang="zh-CN" altLang="en-US"/>
+        </a:p>
+      </dgm:t>
+    </dgm:pt>
+    <dgm:pt modelId="{1BECEA47-2F01-49CF-80BD-92DAEF4312F8}" type="pres">
+      <dgm:prSet presAssocID="{5B73AD57-D69A-4FE4-B72C-1C9C6EE3E6D4}" presName="aNode" presStyleLbl="fgAcc1" presStyleIdx="2" presStyleCnt="4" custScaleX="167004" custLinFactNeighborX="18930">
+        <dgm:presLayoutVars>
+          <dgm:bulletEnabled val="1"/>
+        </dgm:presLayoutVars>
+      </dgm:prSet>
+      <dgm:spPr/>
+      <dgm:t>
+        <a:bodyPr/>
+        <a:lstStyle/>
+        <a:p>
+          <a:endParaRPr lang="zh-CN" altLang="en-US"/>
+        </a:p>
+      </dgm:t>
+    </dgm:pt>
+    <dgm:pt modelId="{00D0B50F-EFD8-4BB2-B0FB-44809C2F3F61}" type="pres">
+      <dgm:prSet presAssocID="{5B73AD57-D69A-4FE4-B72C-1C9C6EE3E6D4}" presName="aSpace" presStyleCnt="0"/>
+      <dgm:spPr/>
+      <dgm:t>
+        <a:bodyPr/>
+        <a:lstStyle/>
+        <a:p>
+          <a:endParaRPr lang="zh-CN" altLang="en-US"/>
+        </a:p>
+      </dgm:t>
+    </dgm:pt>
+    <dgm:pt modelId="{6D89027A-5D63-41BB-9FAE-554CF5CE7DC8}" type="pres">
+      <dgm:prSet presAssocID="{FDE9040C-4343-4F0A-A1FC-1EF007BCA7DD}" presName="aNode" presStyleLbl="fgAcc1" presStyleIdx="3" presStyleCnt="4" custScaleX="169393" custLinFactNeighborX="20252" custLinFactNeighborY="38462">
+        <dgm:presLayoutVars>
+          <dgm:bulletEnabled val="1"/>
+        </dgm:presLayoutVars>
+      </dgm:prSet>
+      <dgm:spPr/>
+      <dgm:t>
+        <a:bodyPr/>
+        <a:lstStyle/>
+        <a:p>
+          <a:endParaRPr lang="zh-CN" altLang="en-US"/>
+        </a:p>
+      </dgm:t>
+    </dgm:pt>
+    <dgm:pt modelId="{9BA88328-3390-41DF-B072-FE57C1908197}" type="pres">
+      <dgm:prSet presAssocID="{FDE9040C-4343-4F0A-A1FC-1EF007BCA7DD}" presName="aSpace" presStyleCnt="0"/>
+      <dgm:spPr/>
+      <dgm:t>
+        <a:bodyPr/>
+        <a:lstStyle/>
+        <a:p>
+          <a:endParaRPr lang="zh-CN" altLang="en-US"/>
+        </a:p>
+      </dgm:t>
+    </dgm:pt>
+  </dgm:ptLst>
+  <dgm:cxnLst>
+    <dgm:cxn modelId="{60BF5CF2-7ED1-4A34-AB7B-A012DB7F7B11}" srcId="{7F8ACC39-FFFB-4C56-8564-46BC271F5C22}" destId="{5FA4D72E-B11C-4B5A-ACD7-319CDCD586AA}" srcOrd="0" destOrd="0" parTransId="{3C18D66F-79DA-41C0-BAEE-BBAD1B405852}" sibTransId="{0B89FC23-D6D9-46BC-9C67-22855D7EE392}"/>
+    <dgm:cxn modelId="{28E31F01-19B6-4A94-BFE2-1F050FE644BE}" srcId="{7F8ACC39-FFFB-4C56-8564-46BC271F5C22}" destId="{A0628105-19B8-434F-A701-41623B0B3DAB}" srcOrd="1" destOrd="0" parTransId="{6AEB3FE7-C065-4296-9EA7-698A45BACA2F}" sibTransId="{9419DBB7-01A4-4A0C-904D-0E107E1480AF}"/>
+    <dgm:cxn modelId="{081143B9-3EF2-454E-BC2D-8E1CAC5A38BA}" type="presOf" srcId="{7F8ACC39-FFFB-4C56-8564-46BC271F5C22}" destId="{71EA82FB-2E70-454D-A3F5-79444A2DB793}" srcOrd="0" destOrd="0" presId="urn:microsoft.com/office/officeart/2005/8/layout/pyramid2"/>
+    <dgm:cxn modelId="{0AEA061C-62E6-449B-846D-268C2703BDD4}" srcId="{7F8ACC39-FFFB-4C56-8564-46BC271F5C22}" destId="{5B73AD57-D69A-4FE4-B72C-1C9C6EE3E6D4}" srcOrd="2" destOrd="0" parTransId="{AB17EC05-66DF-4D79-8684-04E65052961E}" sibTransId="{E92A9EC9-4CFF-41B4-84E6-D5C412F4EEB2}"/>
+    <dgm:cxn modelId="{127597FF-44CD-43DA-8FB6-FCDAE8567443}" type="presOf" srcId="{FDE9040C-4343-4F0A-A1FC-1EF007BCA7DD}" destId="{6D89027A-5D63-41BB-9FAE-554CF5CE7DC8}" srcOrd="0" destOrd="0" presId="urn:microsoft.com/office/officeart/2005/8/layout/pyramid2"/>
+    <dgm:cxn modelId="{1DDE7FBE-94C8-4F5B-9DF3-E84F76847B73}" srcId="{7F8ACC39-FFFB-4C56-8564-46BC271F5C22}" destId="{FDE9040C-4343-4F0A-A1FC-1EF007BCA7DD}" srcOrd="3" destOrd="0" parTransId="{8268EA1E-F728-4B23-9456-C1CCA5B215EA}" sibTransId="{E105F352-A7D3-4A0B-BB08-52CAC6AD310C}"/>
+    <dgm:cxn modelId="{1666A604-3036-42E7-8387-548B439594E9}" type="presOf" srcId="{5B73AD57-D69A-4FE4-B72C-1C9C6EE3E6D4}" destId="{1BECEA47-2F01-49CF-80BD-92DAEF4312F8}" srcOrd="0" destOrd="0" presId="urn:microsoft.com/office/officeart/2005/8/layout/pyramid2"/>
+    <dgm:cxn modelId="{9EC15A68-54C8-40A8-B776-6462EC6D831C}" type="presOf" srcId="{A0628105-19B8-434F-A701-41623B0B3DAB}" destId="{97490E1C-16F4-4D86-BF2F-72D32DC4A40A}" srcOrd="0" destOrd="0" presId="urn:microsoft.com/office/officeart/2005/8/layout/pyramid2"/>
+    <dgm:cxn modelId="{39A780D3-494B-413C-BCB9-718450B5F8EC}" type="presOf" srcId="{5FA4D72E-B11C-4B5A-ACD7-319CDCD586AA}" destId="{D97837AA-C77B-4B5C-9514-8C45B3AE66A8}" srcOrd="0" destOrd="0" presId="urn:microsoft.com/office/officeart/2005/8/layout/pyramid2"/>
+    <dgm:cxn modelId="{71F1E76C-C1AC-419D-9257-40BAD0C90A1B}" type="presParOf" srcId="{71EA82FB-2E70-454D-A3F5-79444A2DB793}" destId="{A7D7051D-ECCE-4958-A1B3-7EA6B6B61EF1}" srcOrd="0" destOrd="0" presId="urn:microsoft.com/office/officeart/2005/8/layout/pyramid2"/>
+    <dgm:cxn modelId="{C42D4515-1990-4B4A-AE6D-9E71DD28AE19}" type="presParOf" srcId="{71EA82FB-2E70-454D-A3F5-79444A2DB793}" destId="{EA0E9939-3778-4CFE-A65F-5CD5E804954F}" srcOrd="1" destOrd="0" presId="urn:microsoft.com/office/officeart/2005/8/layout/pyramid2"/>
+    <dgm:cxn modelId="{752C6E4D-7320-4B0E-B781-D8985D20AA9A}" type="presParOf" srcId="{EA0E9939-3778-4CFE-A65F-5CD5E804954F}" destId="{D97837AA-C77B-4B5C-9514-8C45B3AE66A8}" srcOrd="0" destOrd="0" presId="urn:microsoft.com/office/officeart/2005/8/layout/pyramid2"/>
+    <dgm:cxn modelId="{B90285D5-7859-476A-82D4-A76544ADA042}" type="presParOf" srcId="{EA0E9939-3778-4CFE-A65F-5CD5E804954F}" destId="{D36F8532-C286-4E47-B207-C4B7FFC9AF91}" srcOrd="1" destOrd="0" presId="urn:microsoft.com/office/officeart/2005/8/layout/pyramid2"/>
+    <dgm:cxn modelId="{45188110-B970-4EAF-B66D-D74238E8ED39}" type="presParOf" srcId="{EA0E9939-3778-4CFE-A65F-5CD5E804954F}" destId="{97490E1C-16F4-4D86-BF2F-72D32DC4A40A}" srcOrd="2" destOrd="0" presId="urn:microsoft.com/office/officeart/2005/8/layout/pyramid2"/>
+    <dgm:cxn modelId="{7C1D6392-0879-49E7-A983-142D490DDEFF}" type="presParOf" srcId="{EA0E9939-3778-4CFE-A65F-5CD5E804954F}" destId="{797AB8A0-54F4-48D6-AB9A-F89DF4FC8841}" srcOrd="3" destOrd="0" presId="urn:microsoft.com/office/officeart/2005/8/layout/pyramid2"/>
+    <dgm:cxn modelId="{F83588C0-18E9-4934-9A4D-163BB5911B33}" type="presParOf" srcId="{EA0E9939-3778-4CFE-A65F-5CD5E804954F}" destId="{1BECEA47-2F01-49CF-80BD-92DAEF4312F8}" srcOrd="4" destOrd="0" presId="urn:microsoft.com/office/officeart/2005/8/layout/pyramid2"/>
+    <dgm:cxn modelId="{29F2AF35-CEA7-4103-B80E-9116962E33EC}" type="presParOf" srcId="{EA0E9939-3778-4CFE-A65F-5CD5E804954F}" destId="{00D0B50F-EFD8-4BB2-B0FB-44809C2F3F61}" srcOrd="5" destOrd="0" presId="urn:microsoft.com/office/officeart/2005/8/layout/pyramid2"/>
+    <dgm:cxn modelId="{B6B09037-42DD-4062-A4A5-403E3B99C11F}" type="presParOf" srcId="{EA0E9939-3778-4CFE-A65F-5CD5E804954F}" destId="{6D89027A-5D63-41BB-9FAE-554CF5CE7DC8}" srcOrd="6" destOrd="0" presId="urn:microsoft.com/office/officeart/2005/8/layout/pyramid2"/>
+    <dgm:cxn modelId="{32990F1D-F7EE-4B94-B0EC-EBF0E603EA8C}" type="presParOf" srcId="{EA0E9939-3778-4CFE-A65F-5CD5E804954F}" destId="{9BA88328-3390-41DF-B072-FE57C1908197}" srcOrd="7" destOrd="0" presId="urn:microsoft.com/office/officeart/2005/8/layout/pyramid2"/>
+  </dgm:cxnLst>
+  <dgm:bg/>
+  <dgm:whole/>
+  <dgm:extLst>
+    <a:ext uri="http://schemas.microsoft.com/office/drawing/2008/diagram">
+      <dsp:dataModelExt xmlns:dsp="http://schemas.microsoft.com/office/drawing/2008/diagram" relId="rId6" minVer="http://schemas.openxmlformats.org/drawingml/2006/diagram"/>
+    </a:ext>
+  </dgm:extLst>
+</dgm:dataModel>
+</file>
+
+<file path=ppt/diagrams/drawing1.xml><?xml version="1.0" encoding="utf-8"?>
+<dsp:drawing xmlns:dgm="http://schemas.openxmlformats.org/drawingml/2006/diagram" xmlns:dsp="http://schemas.microsoft.com/office/drawing/2008/diagram" xmlns:a="http://schemas.openxmlformats.org/drawingml/2006/main">
+  <dsp:spTree>
+    <dsp:nvGrpSpPr>
+      <dsp:cNvPr id="0" name=""/>
+      <dsp:cNvGrpSpPr/>
+    </dsp:nvGrpSpPr>
+    <dsp:grpSpPr/>
+    <dsp:sp modelId="{A7D7051D-ECCE-4958-A1B3-7EA6B6B61EF1}">
+      <dsp:nvSpPr>
+        <dsp:cNvPr id="0" name=""/>
+        <dsp:cNvSpPr/>
+      </dsp:nvSpPr>
+      <dsp:spPr>
+        <a:xfrm>
+          <a:off x="1263198" y="0"/>
+          <a:ext cx="4064000" cy="4064000"/>
+        </a:xfrm>
+        <a:prstGeom prst="triangle">
+          <a:avLst/>
+        </a:prstGeom>
+        <a:gradFill rotWithShape="0">
+          <a:gsLst>
+            <a:gs pos="0">
+              <a:schemeClr val="accent2">
+                <a:hueOff val="0"/>
+                <a:satOff val="0"/>
+                <a:lumOff val="0"/>
+                <a:alphaOff val="0"/>
+                <a:shade val="51000"/>
+                <a:satMod val="130000"/>
+              </a:schemeClr>
+            </a:gs>
+            <a:gs pos="80000">
+              <a:schemeClr val="accent2">
+                <a:hueOff val="0"/>
+                <a:satOff val="0"/>
+                <a:lumOff val="0"/>
+                <a:alphaOff val="0"/>
+                <a:shade val="93000"/>
+                <a:satMod val="130000"/>
+              </a:schemeClr>
+            </a:gs>
+            <a:gs pos="100000">
+              <a:schemeClr val="accent2">
+                <a:hueOff val="0"/>
+                <a:satOff val="0"/>
+                <a:lumOff val="0"/>
+                <a:alphaOff val="0"/>
+                <a:shade val="94000"/>
+                <a:satMod val="135000"/>
+              </a:schemeClr>
+            </a:gs>
+          </a:gsLst>
+          <a:lin ang="16200000" scaled="0"/>
+        </a:gradFill>
+        <a:ln>
+          <a:noFill/>
+        </a:ln>
+        <a:effectLst>
+          <a:outerShdw blurRad="40000" dist="23000" dir="5400000" rotWithShape="0">
+            <a:srgbClr val="000000">
+              <a:alpha val="35000"/>
+            </a:srgbClr>
+          </a:outerShdw>
+        </a:effectLst>
+        <a:scene3d>
+          <a:camera prst="orthographicFront"/>
+          <a:lightRig rig="threePt" dir="t">
+            <a:rot lat="0" lon="0" rev="7500000"/>
+          </a:lightRig>
+        </a:scene3d>
+        <a:sp3d prstMaterial="plastic">
+          <a:bevelT w="127000" h="25400" prst="relaxedInset"/>
+        </a:sp3d>
+      </dsp:spPr>
+      <dsp:style>
+        <a:lnRef idx="0">
+          <a:scrgbClr r="0" g="0" b="0"/>
+        </a:lnRef>
+        <a:fillRef idx="3">
+          <a:scrgbClr r="0" g="0" b="0"/>
+        </a:fillRef>
+        <a:effectRef idx="2">
+          <a:scrgbClr r="0" g="0" b="0"/>
+        </a:effectRef>
+        <a:fontRef idx="minor">
+          <a:schemeClr val="lt1"/>
+        </a:fontRef>
+      </dsp:style>
+    </dsp:sp>
+    <dsp:sp modelId="{D97837AA-C77B-4B5C-9514-8C45B3AE66A8}">
+      <dsp:nvSpPr>
+        <dsp:cNvPr id="0" name=""/>
+        <dsp:cNvSpPr/>
+      </dsp:nvSpPr>
+      <dsp:spPr>
+        <a:xfrm>
+          <a:off x="2921013" y="406796"/>
+          <a:ext cx="4161206" cy="722312"/>
+        </a:xfrm>
+        <a:prstGeom prst="roundRect">
+          <a:avLst/>
+        </a:prstGeom>
+        <a:solidFill>
+          <a:schemeClr val="lt1">
+            <a:alpha val="90000"/>
+            <a:hueOff val="0"/>
+            <a:satOff val="0"/>
+            <a:lumOff val="0"/>
+            <a:alphaOff val="0"/>
+          </a:schemeClr>
+        </a:solidFill>
+        <a:ln w="9525" cap="flat" cmpd="sng" algn="ctr">
+          <a:solidFill>
+            <a:schemeClr val="accent2">
+              <a:hueOff val="0"/>
+              <a:satOff val="0"/>
+              <a:lumOff val="0"/>
+              <a:alphaOff val="0"/>
+            </a:schemeClr>
+          </a:solidFill>
+          <a:prstDash val="solid"/>
+        </a:ln>
+        <a:effectLst>
+          <a:outerShdw blurRad="40000" dist="23000" dir="5400000" rotWithShape="0">
+            <a:srgbClr val="000000">
+              <a:alpha val="35000"/>
+            </a:srgbClr>
+          </a:outerShdw>
+        </a:effectLst>
+        <a:scene3d>
+          <a:camera prst="orthographicFront"/>
+          <a:lightRig rig="threePt" dir="t">
+            <a:rot lat="0" lon="0" rev="7500000"/>
+          </a:lightRig>
+        </a:scene3d>
+        <a:sp3d z="152400" extrusionH="63500" prstMaterial="dkEdge">
+          <a:bevelT w="135400" h="16350" prst="relaxedInset"/>
+          <a:contourClr>
+            <a:schemeClr val="bg1"/>
+          </a:contourClr>
+        </a:sp3d>
+      </dsp:spPr>
+      <dsp:style>
+        <a:lnRef idx="1">
+          <a:scrgbClr r="0" g="0" b="0"/>
+        </a:lnRef>
+        <a:fillRef idx="1">
+          <a:scrgbClr r="0" g="0" b="0"/>
+        </a:fillRef>
+        <a:effectRef idx="2">
+          <a:scrgbClr r="0" g="0" b="0"/>
+        </a:effectRef>
+        <a:fontRef idx="minor"/>
+      </dsp:style>
+      <dsp:txBody>
+        <a:bodyPr spcFirstLastPara="0" vert="horz" wrap="square" lIns="91440" tIns="91440" rIns="91440" bIns="91440" numCol="1" spcCol="1270" anchor="ctr" anchorCtr="0">
+          <a:noAutofit/>
+        </a:bodyPr>
+        <a:lstStyle/>
+        <a:p>
+          <a:pPr lvl="0" algn="ctr" defTabSz="1066800">
+            <a:lnSpc>
+              <a:spcPct val="90000"/>
+            </a:lnSpc>
+            <a:spcBef>
+              <a:spcPct val="0"/>
+            </a:spcBef>
+            <a:spcAft>
+              <a:spcPct val="35000"/>
+            </a:spcAft>
+          </a:pPr>
+          <a:r>
+            <a:rPr lang="zh-CN" altLang="en-US" sz="2400" kern="1200" dirty="0" smtClean="0">
+              <a:ea typeface="宋体" pitchFamily="2" charset="-122"/>
+            </a:rPr>
+            <a:t>把知识和经验直接转化为执行任务的具体方法</a:t>
+          </a:r>
+          <a:endParaRPr lang="zh-CN" altLang="en-US" sz="2400" kern="1200" dirty="0"/>
+        </a:p>
+      </dsp:txBody>
+      <dsp:txXfrm>
+        <a:off x="2956273" y="442056"/>
+        <a:ext cx="4090686" cy="651792"/>
+      </dsp:txXfrm>
+    </dsp:sp>
+    <dsp:sp modelId="{97490E1C-16F4-4D86-BF2F-72D32DC4A40A}">
+      <dsp:nvSpPr>
+        <dsp:cNvPr id="0" name=""/>
+        <dsp:cNvSpPr/>
+      </dsp:nvSpPr>
+      <dsp:spPr>
+        <a:xfrm>
+          <a:off x="2858539" y="1219398"/>
+          <a:ext cx="4303800" cy="722312"/>
+        </a:xfrm>
+        <a:prstGeom prst="roundRect">
+          <a:avLst/>
+        </a:prstGeom>
+        <a:solidFill>
+          <a:schemeClr val="lt1">
+            <a:alpha val="90000"/>
+            <a:hueOff val="0"/>
+            <a:satOff val="0"/>
+            <a:lumOff val="0"/>
+            <a:alphaOff val="0"/>
+          </a:schemeClr>
+        </a:solidFill>
+        <a:ln w="9525" cap="flat" cmpd="sng" algn="ctr">
+          <a:solidFill>
+            <a:schemeClr val="accent2">
+              <a:hueOff val="0"/>
+              <a:satOff val="-33333"/>
+              <a:lumOff val="20000"/>
+              <a:alphaOff val="0"/>
+            </a:schemeClr>
+          </a:solidFill>
+          <a:prstDash val="solid"/>
+        </a:ln>
+        <a:effectLst>
+          <a:outerShdw blurRad="40000" dist="23000" dir="5400000" rotWithShape="0">
+            <a:srgbClr val="000000">
+              <a:alpha val="35000"/>
+            </a:srgbClr>
+          </a:outerShdw>
+        </a:effectLst>
+        <a:scene3d>
+          <a:camera prst="orthographicFront"/>
+          <a:lightRig rig="threePt" dir="t">
+            <a:rot lat="0" lon="0" rev="7500000"/>
+          </a:lightRig>
+        </a:scene3d>
+        <a:sp3d z="152400" extrusionH="63500" prstMaterial="dkEdge">
+          <a:bevelT w="135400" h="16350" prst="relaxedInset"/>
+          <a:contourClr>
+            <a:schemeClr val="bg1"/>
+          </a:contourClr>
+        </a:sp3d>
+      </dsp:spPr>
+      <dsp:style>
+        <a:lnRef idx="1">
+          <a:scrgbClr r="0" g="0" b="0"/>
+        </a:lnRef>
+        <a:fillRef idx="1">
+          <a:scrgbClr r="0" g="0" b="0"/>
+        </a:fillRef>
+        <a:effectRef idx="2">
+          <a:scrgbClr r="0" g="0" b="0"/>
+        </a:effectRef>
+        <a:fontRef idx="minor"/>
+      </dsp:style>
+      <dsp:txBody>
+        <a:bodyPr spcFirstLastPara="0" vert="horz" wrap="square" lIns="91440" tIns="91440" rIns="91440" bIns="91440" numCol="1" spcCol="1270" anchor="ctr" anchorCtr="0">
+          <a:noAutofit/>
+        </a:bodyPr>
+        <a:lstStyle/>
+        <a:p>
+          <a:pPr lvl="0" algn="ctr" defTabSz="1066800">
+            <a:lnSpc>
+              <a:spcPct val="90000"/>
+            </a:lnSpc>
+            <a:spcBef>
+              <a:spcPct val="0"/>
+            </a:spcBef>
+            <a:spcAft>
+              <a:spcPct val="35000"/>
+            </a:spcAft>
+          </a:pPr>
+          <a:r>
+            <a:rPr lang="zh-CN" altLang="en-US" sz="2400" kern="1200" dirty="0" smtClean="0">
+              <a:ea typeface="宋体" pitchFamily="2" charset="-122"/>
+            </a:rPr>
+            <a:t>为组织、安排和管理测试项目提供一个整体框架</a:t>
+          </a:r>
+          <a:endParaRPr lang="zh-CN" altLang="en-US" sz="2400" kern="1200" dirty="0"/>
+        </a:p>
+      </dsp:txBody>
+      <dsp:txXfrm>
+        <a:off x="2893799" y="1254658"/>
+        <a:ext cx="4233280" cy="651792"/>
+      </dsp:txXfrm>
+    </dsp:sp>
+    <dsp:sp modelId="{1BECEA47-2F01-49CF-80BD-92DAEF4312F8}">
+      <dsp:nvSpPr>
+        <dsp:cNvPr id="0" name=""/>
+        <dsp:cNvSpPr/>
+      </dsp:nvSpPr>
+      <dsp:spPr>
+        <a:xfrm>
+          <a:off x="2915994" y="2032000"/>
+          <a:ext cx="4411577" cy="722312"/>
+        </a:xfrm>
+        <a:prstGeom prst="roundRect">
+          <a:avLst/>
+        </a:prstGeom>
+        <a:solidFill>
+          <a:schemeClr val="lt1">
+            <a:alpha val="90000"/>
+            <a:hueOff val="0"/>
+            <a:satOff val="0"/>
+            <a:lumOff val="0"/>
+            <a:alphaOff val="0"/>
+          </a:schemeClr>
+        </a:solidFill>
+        <a:ln w="9525" cap="flat" cmpd="sng" algn="ctr">
+          <a:solidFill>
+            <a:schemeClr val="accent2">
+              <a:hueOff val="0"/>
+              <a:satOff val="-66667"/>
+              <a:lumOff val="40000"/>
+              <a:alphaOff val="0"/>
+            </a:schemeClr>
+          </a:solidFill>
+          <a:prstDash val="solid"/>
+        </a:ln>
+        <a:effectLst>
+          <a:outerShdw blurRad="40000" dist="23000" dir="5400000" rotWithShape="0">
+            <a:srgbClr val="000000">
+              <a:alpha val="35000"/>
+            </a:srgbClr>
+          </a:outerShdw>
+        </a:effectLst>
+        <a:scene3d>
+          <a:camera prst="orthographicFront"/>
+          <a:lightRig rig="threePt" dir="t">
+            <a:rot lat="0" lon="0" rev="7500000"/>
+          </a:lightRig>
+        </a:scene3d>
+        <a:sp3d z="152400" extrusionH="63500" prstMaterial="dkEdge">
+          <a:bevelT w="135400" h="16350" prst="relaxedInset"/>
+          <a:contourClr>
+            <a:schemeClr val="bg1"/>
+          </a:contourClr>
+        </a:sp3d>
+      </dsp:spPr>
+      <dsp:style>
+        <a:lnRef idx="1">
+          <a:scrgbClr r="0" g="0" b="0"/>
+        </a:lnRef>
+        <a:fillRef idx="1">
+          <a:scrgbClr r="0" g="0" b="0"/>
+        </a:fillRef>
+        <a:effectRef idx="2">
+          <a:scrgbClr r="0" g="0" b="0"/>
+        </a:effectRef>
+        <a:fontRef idx="minor"/>
+      </dsp:style>
+      <dsp:txBody>
+        <a:bodyPr spcFirstLastPara="0" vert="horz" wrap="square" lIns="91440" tIns="91440" rIns="91440" bIns="91440" numCol="1" spcCol="1270" anchor="ctr" anchorCtr="0">
+          <a:noAutofit/>
+        </a:bodyPr>
+        <a:lstStyle/>
+        <a:p>
+          <a:pPr lvl="0" algn="ctr" defTabSz="1066800">
+            <a:lnSpc>
+              <a:spcPct val="90000"/>
+            </a:lnSpc>
+            <a:spcBef>
+              <a:spcPct val="0"/>
+            </a:spcBef>
+            <a:spcAft>
+              <a:spcPct val="35000"/>
+            </a:spcAft>
+          </a:pPr>
+          <a:r>
+            <a:rPr lang="zh-CN" altLang="en-US" sz="2400" kern="1200" dirty="0" smtClean="0">
+              <a:ea typeface="宋体" pitchFamily="2" charset="-122"/>
+            </a:rPr>
+            <a:t>促进团队间关于测试任务和过程的交流</a:t>
+          </a:r>
+          <a:endParaRPr lang="zh-CN" altLang="en-US" sz="2400" kern="1200" dirty="0"/>
+        </a:p>
+      </dsp:txBody>
+      <dsp:txXfrm>
+        <a:off x="2951254" y="2067260"/>
+        <a:ext cx="4341057" cy="651792"/>
+      </dsp:txXfrm>
+    </dsp:sp>
+    <dsp:sp modelId="{6D89027A-5D63-41BB-9FAE-554CF5CE7DC8}">
+      <dsp:nvSpPr>
+        <dsp:cNvPr id="0" name=""/>
+        <dsp:cNvSpPr/>
+      </dsp:nvSpPr>
+      <dsp:spPr>
+        <a:xfrm>
+          <a:off x="2919362" y="2879328"/>
+          <a:ext cx="4474685" cy="722312"/>
+        </a:xfrm>
+        <a:prstGeom prst="roundRect">
+          <a:avLst/>
+        </a:prstGeom>
+        <a:solidFill>
+          <a:schemeClr val="lt1">
+            <a:alpha val="90000"/>
+            <a:hueOff val="0"/>
+            <a:satOff val="0"/>
+            <a:lumOff val="0"/>
+            <a:alphaOff val="0"/>
+          </a:schemeClr>
+        </a:solidFill>
+        <a:ln w="9525" cap="flat" cmpd="sng" algn="ctr">
+          <a:solidFill>
+            <a:schemeClr val="accent2">
+              <a:hueOff val="0"/>
+              <a:satOff val="-100000"/>
+              <a:lumOff val="60000"/>
+              <a:alphaOff val="0"/>
+            </a:schemeClr>
+          </a:solidFill>
+          <a:prstDash val="solid"/>
+        </a:ln>
+        <a:effectLst>
+          <a:outerShdw blurRad="40000" dist="23000" dir="5400000" rotWithShape="0">
+            <a:srgbClr val="000000">
+              <a:alpha val="35000"/>
+            </a:srgbClr>
+          </a:outerShdw>
+        </a:effectLst>
+        <a:scene3d>
+          <a:camera prst="orthographicFront"/>
+          <a:lightRig rig="threePt" dir="t">
+            <a:rot lat="0" lon="0" rev="7500000"/>
+          </a:lightRig>
+        </a:scene3d>
+        <a:sp3d z="152400" extrusionH="63500" prstMaterial="dkEdge">
+          <a:bevelT w="135400" h="16350" prst="relaxedInset"/>
+          <a:contourClr>
+            <a:schemeClr val="bg1"/>
+          </a:contourClr>
+        </a:sp3d>
+      </dsp:spPr>
+      <dsp:style>
+        <a:lnRef idx="1">
+          <a:scrgbClr r="0" g="0" b="0"/>
+        </a:lnRef>
+        <a:fillRef idx="1">
+          <a:scrgbClr r="0" g="0" b="0"/>
+        </a:fillRef>
+        <a:effectRef idx="2">
+          <a:scrgbClr r="0" g="0" b="0"/>
+        </a:effectRef>
+        <a:fontRef idx="minor"/>
+      </dsp:style>
+      <dsp:txBody>
+        <a:bodyPr spcFirstLastPara="0" vert="horz" wrap="square" lIns="91440" tIns="91440" rIns="91440" bIns="91440" numCol="1" spcCol="1270" anchor="ctr" anchorCtr="0">
+          <a:noAutofit/>
+        </a:bodyPr>
+        <a:lstStyle/>
+        <a:p>
+          <a:pPr lvl="0" algn="ctr" defTabSz="1066800">
+            <a:lnSpc>
+              <a:spcPct val="90000"/>
+            </a:lnSpc>
+            <a:spcBef>
+              <a:spcPct val="0"/>
+            </a:spcBef>
+            <a:spcAft>
+              <a:spcPct val="35000"/>
+            </a:spcAft>
+          </a:pPr>
+          <a:r>
+            <a:rPr lang="zh-CN" altLang="en-US" sz="2400" kern="1200" dirty="0" smtClean="0">
+              <a:ea typeface="宋体" pitchFamily="2" charset="-122"/>
+            </a:rPr>
+            <a:t>对项目执行过程中的风险进行分析，并制定相关的应对策略</a:t>
+          </a:r>
+          <a:endParaRPr lang="zh-CN" altLang="en-US" sz="2400" kern="1200" dirty="0"/>
+        </a:p>
+      </dsp:txBody>
+      <dsp:txXfrm>
+        <a:off x="2954622" y="2914588"/>
+        <a:ext cx="4404165" cy="651792"/>
+      </dsp:txXfrm>
+    </dsp:sp>
+  </dsp:spTree>
+</dsp:drawing>
+</file>
+
+<file path=ppt/diagrams/layout1.xml><?xml version="1.0" encoding="utf-8"?>
+<dgm:layoutDef xmlns:dgm="http://schemas.openxmlformats.org/drawingml/2006/diagram" xmlns:a="http://schemas.openxmlformats.org/drawingml/2006/main" uniqueId="urn:microsoft.com/office/officeart/2005/8/layout/pyramid2">
+  <dgm:title val=""/>
+  <dgm:desc val=""/>
+  <dgm:catLst>
+    <dgm:cat type="pyramid" pri="3000"/>
+    <dgm:cat type="list" pri="21000"/>
+    <dgm:cat type="convert" pri="17000"/>
+  </dgm:catLst>
+  <dgm:sampData useDef="1">
+    <dgm:dataModel>
+      <dgm:ptLst/>
+      <dgm:bg/>
+      <dgm:whole/>
+    </dgm:dataModel>
+  </dgm:sampData>
+  <dgm:styleData useDef="1">
+    <dgm:dataModel>
+      <dgm:ptLst/>
+      <dgm:bg/>
+      <dgm:whole/>
+    </dgm:dataModel>
+  </dgm:styleData>
+  <dgm:clrData useDef="1">
+    <dgm:dataModel>
+      <dgm:ptLst/>
+      <dgm:bg/>
+      <dgm:whole/>
+    </dgm:dataModel>
+  </dgm:clrData>
+  <dgm:layoutNode name="compositeShape">
+    <dgm:alg type="composite"/>
+    <dgm:shape xmlns:r="http://schemas.openxmlformats.org/officeDocument/2006/relationships" r:blip="">
+      <dgm:adjLst/>
+    </dgm:shape>
+    <dgm:presOf/>
+    <dgm:varLst>
+      <dgm:dir/>
+      <dgm:resizeHandles/>
+    </dgm:varLst>
+    <dgm:choose name="Name0">
+      <dgm:if name="Name1" func="var" arg="dir" op="equ" val="norm">
+        <dgm:constrLst>
+          <dgm:constr type="w" for="ch" forName="pyramid" refType="h"/>
+          <dgm:constr type="h" for="ch" forName="pyramid" refType="h"/>
+          <dgm:constr type="h" for="ch" forName="theList" refType="h" fact="0.8"/>
+          <dgm:constr type="w" for="ch" forName="theList" refType="h" fact="0.65"/>
+          <dgm:constr type="ctrY" for="ch" forName="theList" refType="h" refFor="ch" refForName="pyramid" fact="0.5"/>
+          <dgm:constr type="l" for="ch" forName="theList" refType="w" refFor="ch" refForName="pyramid" fact="0.5"/>
+          <dgm:constr type="h" for="des" forName="aSpace" refType="h" fact="0.1"/>
+        </dgm:constrLst>
+      </dgm:if>
+      <dgm:else name="Name2">
+        <dgm:constrLst>
+          <dgm:constr type="w" for="ch" forName="pyramid" refType="h"/>
+          <dgm:constr type="h" for="ch" forName="pyramid" refType="h"/>
+          <dgm:constr type="h" for="ch" forName="theList" refType="h" fact="0.8"/>
+          <dgm:constr type="w" for="ch" forName="theList" refType="h" fact="0.65"/>
+          <dgm:constr type="ctrY" for="ch" forName="theList" refType="h" refFor="ch" refForName="pyramid" fact="0.5"/>
+          <dgm:constr type="r" for="ch" forName="theList" refType="w" refFor="ch" refForName="pyramid" fact="0.5"/>
+          <dgm:constr type="h" for="des" forName="aSpace" refType="h" fact="0.1"/>
+        </dgm:constrLst>
+      </dgm:else>
+    </dgm:choose>
+    <dgm:ruleLst/>
+    <dgm:choose name="Name3">
+      <dgm:if name="Name4" axis="ch" ptType="node" func="cnt" op="gte" val="1">
+        <dgm:layoutNode name="pyramid" styleLbl="node1">
+          <dgm:alg type="sp"/>
+          <dgm:shape xmlns:r="http://schemas.openxmlformats.org/officeDocument/2006/relationships" type="triangle" r:blip="">
+            <dgm:adjLst/>
+          </dgm:shape>
+          <dgm:presOf/>
+          <dgm:constrLst/>
+          <dgm:ruleLst/>
+        </dgm:layoutNode>
+        <dgm:layoutNode name="theList">
+          <dgm:alg type="lin">
+            <dgm:param type="linDir" val="fromT"/>
+          </dgm:alg>
+          <dgm:shape xmlns:r="http://schemas.openxmlformats.org/officeDocument/2006/relationships" r:blip="">
+            <dgm:adjLst/>
+          </dgm:shape>
+          <dgm:presOf/>
+          <dgm:constrLst>
+            <dgm:constr type="w" for="ch" forName="aNode" refType="w"/>
+            <dgm:constr type="h" for="ch" forName="aNode" refType="h"/>
+            <dgm:constr type="primFontSz" for="ch" ptType="node" op="equ"/>
+          </dgm:constrLst>
+          <dgm:ruleLst/>
+          <dgm:forEach name="aNodeForEach" axis="ch" ptType="node">
+            <dgm:layoutNode name="aNode" styleLbl="fgAcc1">
+              <dgm:varLst>
+                <dgm:bulletEnabled val="1"/>
+              </dgm:varLst>
+              <dgm:alg type="tx"/>
+              <dgm:shape xmlns:r="http://schemas.openxmlformats.org/officeDocument/2006/relationships" type="roundRect" r:blip="">
+                <dgm:adjLst/>
+              </dgm:shape>
+              <dgm:presOf axis="desOrSelf" ptType="node"/>
+              <dgm:constrLst>
+                <dgm:constr type="primFontSz" val="65"/>
+                <dgm:constr type="tMarg" refType="primFontSz" fact="0.3"/>
+                <dgm:constr type="bMarg" refType="primFontSz" fact="0.3"/>
+                <dgm:constr type="lMarg" refType="primFontSz" fact="0.3"/>
+                <dgm:constr type="rMarg" refType="primFontSz" fact="0.3"/>
+              </dgm:constrLst>
+              <dgm:ruleLst>
+                <dgm:rule type="primFontSz" val="5" fact="NaN" max="NaN"/>
+              </dgm:ruleLst>
+            </dgm:layoutNode>
+            <dgm:layoutNode name="aSpace">
+              <dgm:alg type="sp"/>
+              <dgm:shape xmlns:r="http://schemas.openxmlformats.org/officeDocument/2006/relationships" r:blip="">
+                <dgm:adjLst/>
+              </dgm:shape>
+              <dgm:presOf/>
+              <dgm:constrLst/>
+              <dgm:ruleLst/>
+            </dgm:layoutNode>
+          </dgm:forEach>
+        </dgm:layoutNode>
+      </dgm:if>
+      <dgm:else name="Name5"/>
+    </dgm:choose>
+  </dgm:layoutNode>
+</dgm:layoutDef>
+</file>
+
+<file path=ppt/diagrams/quickStyle1.xml><?xml version="1.0" encoding="utf-8"?>
+<dgm:styleDef xmlns:dgm="http://schemas.openxmlformats.org/drawingml/2006/diagram" xmlns:a="http://schemas.openxmlformats.org/drawingml/2006/main" uniqueId="urn:microsoft.com/office/officeart/2005/8/quickstyle/3d2">
+  <dgm:title val=""/>
+  <dgm:desc val=""/>
+  <dgm:catLst>
+    <dgm:cat type="3D" pri="11200"/>
+  </dgm:catLst>
+  <dgm:scene3d>
+    <a:camera prst="orthographicFront"/>
+    <a:lightRig rig="threePt" dir="t"/>
+  </dgm:scene3d>
+  <dgm:styleLbl name="node0">
+    <dgm:scene3d>
+      <a:camera prst="orthographicFront"/>
+      <a:lightRig rig="threePt" dir="t">
+        <a:rot lat="0" lon="0" rev="7500000"/>
+      </a:lightRig>
+    </dgm:scene3d>
+    <dgm:sp3d prstMaterial="plastic">
+      <a:bevelT w="127000" h="25400" prst="relaxedInset"/>
+    </dgm:sp3d>
+    <dgm:txPr/>
+    <dgm:style>
+      <a:lnRef idx="0">
+        <a:scrgbClr r="0" g="0" b="0"/>
+      </a:lnRef>
+      <a:fillRef idx="3">
+        <a:scrgbClr r="0" g="0" b="0"/>
+      </a:fillRef>
+      <a:effectRef idx="2">
+        <a:scrgbClr r="0" g="0" b="0"/>
+      </a:effectRef>
+      <a:fontRef idx="minor">
+        <a:schemeClr val="lt1"/>
+      </a:fontRef>
+    </dgm:style>
+  </dgm:styleLbl>
+  <dgm:styleLbl name="lnNode1">
+    <dgm:scene3d>
+      <a:camera prst="orthographicFront"/>
+      <a:lightRig rig="threePt" dir="t">
+        <a:rot lat="0" lon="0" rev="7500000"/>
+      </a:lightRig>
+    </dgm:scene3d>
+    <dgm:sp3d prstMaterial="plastic">
+      <a:bevelT w="127000" h="25400" prst="relaxedInset"/>
+    </dgm:sp3d>
+    <dgm:txPr/>
+    <dgm:style>
+      <a:lnRef idx="1">
+        <a:scrgbClr r="0" g="0" b="0"/>
+      </a:lnRef>
+      <a:fillRef idx="3">
+        <a:scrgbClr r="0" g="0" b="0"/>
+      </a:fillRef>
+      <a:effectRef idx="2">
+        <a:scrgbClr r="0" g="0" b="0"/>
+      </a:effectRef>
+      <a:fontRef idx="minor">
+        <a:schemeClr val="lt1"/>
+      </a:fontRef>
+    </dgm:style>
+  </dgm:styleLbl>
+  <dgm:styleLbl name="vennNode1">
+    <dgm:scene3d>
+      <a:camera prst="orthographicFront"/>
+      <a:lightRig rig="threePt" dir="t">
+        <a:rot lat="0" lon="0" rev="7500000"/>
+      </a:lightRig>
+    </dgm:scene3d>
+    <dgm:sp3d prstMaterial="plastic">
+      <a:bevelT w="127000" h="25400" prst="relaxedInset"/>
+    </dgm:sp3d>
+    <dgm:txPr/>
+    <dgm:style>
+      <a:lnRef idx="0">
+        <a:scrgbClr r="0" g="0" b="0"/>
+      </a:lnRef>
+      <a:fillRef idx="3">
+        <a:scrgbClr r="0" g="0" b="0"/>
+      </a:fillRef>
+      <a:effectRef idx="2">
+        <a:scrgbClr r="0" g="0" b="0"/>
+      </a:effectRef>
+      <a:fontRef idx="minor">
+        <a:schemeClr val="tx1"/>
+      </a:fontRef>
+    </dgm:style>
+  </dgm:styleLbl>
+  <dgm:styleLbl name="alingNode1">
+    <dgm:scene3d>
+      <a:camera prst="orthographicFront"/>
+      <a:lightRig rig="threePt" dir="t">
+        <a:rot lat="0" lon="0" rev="7500000"/>
+      </a:lightRig>
+    </dgm:scene3d>
+    <dgm:sp3d prstMaterial="plastic">
+      <a:bevelT w="127000" h="25400" prst="relaxedInset"/>
+    </dgm:sp3d>
+    <dgm:txPr/>
+    <dgm:style>
+      <a:lnRef idx="0">
+        <a:scrgbClr r="0" g="0" b="0"/>
+      </a:lnRef>
+      <a:fillRef idx="3">
+        <a:scrgbClr r="0" g="0" b="0"/>
+      </a:fillRef>
+      <a:effectRef idx="2">
+        <a:scrgbClr r="0" g="0" b="0"/>
+      </a:effectRef>
+      <a:fontRef idx="minor">
+        <a:schemeClr val="lt1"/>
+      </a:fontRef>
+    </dgm:style>
+  </dgm:styleLbl>
+  <dgm:styleLbl name="node1">
+    <dgm:scene3d>
+      <a:camera prst="orthographicFront"/>
+      <a:lightRig rig="threePt" dir="t">
+        <a:rot lat="0" lon="0" rev="7500000"/>
+      </a:lightRig>
+    </dgm:scene3d>
+    <dgm:sp3d prstMaterial="plastic">
+      <a:bevelT w="127000" h="25400" prst="relaxedInset"/>
+    </dgm:sp3d>
+    <dgm:txPr/>
+    <dgm:style>
+      <a:lnRef idx="0">
+        <a:scrgbClr r="0" g="0" b="0"/>
+      </a:lnRef>
+      <a:fillRef idx="3">
+        <a:scrgbClr r="0" g="0" b="0"/>
+      </a:fillRef>
+      <a:effectRef idx="2">
+        <a:scrgbClr r="0" g="0" b="0"/>
+      </a:effectRef>
+      <a:fontRef idx="minor">
+        <a:schemeClr val="lt1"/>
+      </a:fontRef>
+    </dgm:style>
+  </dgm:styleLbl>
+  <dgm:styleLbl name="node2">
+    <dgm:scene3d>
+      <a:camera prst="orthographicFront"/>
+      <a:lightRig rig="threePt" dir="t">
+        <a:rot lat="0" lon="0" rev="7500000"/>
+      </a:lightRig>
+    </dgm:scene3d>
+    <dgm:sp3d prstMaterial="plastic">
+      <a:bevelT w="127000" h="25400" prst="relaxedInset"/>
+    </dgm:sp3d>
+    <dgm:txPr/>
+    <dgm:style>
+      <a:lnRef idx="0">
+        <a:scrgbClr r="0" g="0" b="0"/>
+      </a:lnRef>
+      <a:fillRef idx="3">
+        <a:scrgbClr r="0" g="0" b="0"/>
+      </a:fillRef>
+      <a:effectRef idx="2">
+        <a:scrgbClr r="0" g="0" b="0"/>
+      </a:effectRef>
+      <a:fontRef idx="minor">
+        <a:schemeClr val="lt1"/>
+      </a:fontRef>
+    </dgm:style>
+  </dgm:styleLbl>
+  <dgm:styleLbl name="node3">
+    <dgm:scene3d>
+      <a:camera prst="orthographicFront"/>
+      <a:lightRig rig="threePt" dir="t">
+        <a:rot lat="0" lon="0" rev="7500000"/>
+      </a:lightRig>
+    </dgm:scene3d>
+    <dgm:sp3d prstMaterial="plastic">
+      <a:bevelT w="127000" h="25400" prst="relaxedInset"/>
+    </dgm:sp3d>
+    <dgm:txPr/>
+    <dgm:style>
+      <a:lnRef idx="0">
+        <a:scrgbClr r="0" g="0" b="0"/>
+      </a:lnRef>
+      <a:fillRef idx="3">
+        <a:scrgbClr r="0" g="0" b="0"/>
+      </a:fillRef>
+      <a:effectRef idx="2">
+        <a:scrgbClr r="0" g="0" b="0"/>
+      </a:effectRef>
+      <a:fontRef idx="minor">
+        <a:schemeClr val="lt1"/>
+      </a:fontRef>
+    </dgm:style>
+  </dgm:styleLbl>
+  <dgm:styleLbl name="node4">
+    <dgm:scene3d>
+      <a:camera prst="orthographicFront"/>
+      <a:lightRig rig="threePt" dir="t">
+        <a:rot lat="0" lon="0" rev="7500000"/>
+      </a:lightRig>
+    </dgm:scene3d>
+    <dgm:sp3d prstMaterial="plastic">
+      <a:bevelT w="127000" h="25400" prst="relaxedInset"/>
+    </dgm:sp3d>
+    <dgm:txPr/>
+    <dgm:style>
+      <a:lnRef idx="0">
+        <a:scrgbClr r="0" g="0" b="0"/>
+      </a:lnRef>
+      <a:fillRef idx="3">
+        <a:scrgbClr r="0" g="0" b="0"/>
+      </a:fillRef>
+      <a:effectRef idx="2">
+        <a:scrgbClr r="0" g="0" b="0"/>
+      </a:effectRef>
+      <a:fontRef idx="minor">
+        <a:schemeClr val="lt1"/>
+      </a:fontRef>
+    </dgm:style>
+  </dgm:styleLbl>
+  <dgm:styleLbl name="fgImgPlace1">
+    <dgm:scene3d>
+      <a:camera prst="orthographicFront"/>
+      <a:lightRig rig="threePt" dir="t">
+        <a:rot lat="0" lon="0" rev="7500000"/>
+      </a:lightRig>
+    </dgm:scene3d>
+    <dgm:sp3d z="152400" extrusionH="63500" prstMaterial="matte">
+      <a:bevelT w="50800" h="19050" prst="relaxedInset"/>
+      <a:contourClr>
+        <a:schemeClr val="bg1"/>
+      </a:contourClr>
+    </dgm:sp3d>
+    <dgm:txPr/>
+    <dgm:style>
+      <a:lnRef idx="0">
+        <a:scrgbClr r="0" g="0" b="0"/>
+      </a:lnRef>
+      <a:fillRef idx="1">
+        <a:scrgbClr r="0" g="0" b="0"/>
+      </a:fillRef>
+      <a:effectRef idx="0">
+        <a:scrgbClr r="0" g="0" b="0"/>
+      </a:effectRef>
+      <a:fontRef idx="minor"/>
+    </dgm:style>
+  </dgm:styleLbl>
+  <dgm:styleLbl name="alignImgPlace1">
+    <dgm:scene3d>
+      <a:camera prst="orthographicFront"/>
+      <a:lightRig rig="threePt" dir="t">
+        <a:rot lat="0" lon="0" rev="7500000"/>
+      </a:lightRig>
+    </dgm:scene3d>
+    <dgm:sp3d z="254000" extrusionH="63500" contourW="12700" prstMaterial="matte">
+      <a:contourClr>
+        <a:schemeClr val="lt1"/>
+      </a:contourClr>
+    </dgm:sp3d>
+    <dgm:txPr/>
+    <dgm:style>
+      <a:lnRef idx="0">
+        <a:scrgbClr r="0" g="0" b="0"/>
+      </a:lnRef>
+      <a:fillRef idx="1">
+        <a:scrgbClr r="0" g="0" b="0"/>
+      </a:fillRef>
+      <a:effectRef idx="0">
+        <a:scrgbClr r="0" g="0" b="0"/>
+      </a:effectRef>
+      <a:fontRef idx="minor"/>
+    </dgm:style>
+  </dgm:styleLbl>
+  <dgm:styleLbl name="bgImgPlace1">
+    <dgm:scene3d>
+      <a:camera prst="orthographicFront"/>
+      <a:lightRig rig="threePt" dir="t">
+        <a:rot lat="0" lon="0" rev="7500000"/>
+      </a:lightRig>
+    </dgm:scene3d>
+    <dgm:sp3d z="-152400" extrusionH="63500" contourW="12700" prstMaterial="matte">
+      <a:contourClr>
+        <a:schemeClr val="lt1"/>
+      </a:contourClr>
+    </dgm:sp3d>
+    <dgm:txPr/>
+    <dgm:style>
+      <a:lnRef idx="0">
+        <a:scrgbClr r="0" g="0" b="0"/>
+      </a:lnRef>
+      <a:fillRef idx="1">
+        <a:scrgbClr r="0" g="0" b="0"/>
+      </a:fillRef>
+      <a:effectRef idx="0">
+        <a:scrgbClr r="0" g="0" b="0"/>
+      </a:effectRef>
+      <a:fontRef idx="minor"/>
+    </dgm:style>
+  </dgm:styleLbl>
+  <dgm:styleLbl name="sibTrans2D1">
+    <dgm:scene3d>
+      <a:camera prst="orthographicFront"/>
+      <a:lightRig rig="threePt" dir="t">
+        <a:rot lat="0" lon="0" rev="7500000"/>
+      </a:lightRig>
+    </dgm:scene3d>
+    <dgm:sp3d z="-70000" extrusionH="63500" prstMaterial="matte">
+      <a:bevelT w="25400" h="6350" prst="relaxedInset"/>
+      <a:contourClr>
+        <a:schemeClr val="bg1"/>
+      </a:contourClr>
+    </dgm:sp3d>
+    <dgm:txPr/>
+    <dgm:style>
+      <a:lnRef idx="0">
+        <a:scrgbClr r="0" g="0" b="0"/>
+      </a:lnRef>
+      <a:fillRef idx="1">
+        <a:scrgbClr r="0" g="0" b="0"/>
+      </a:fillRef>
+      <a:effectRef idx="2">
+        <a:scrgbClr r="0" g="0" b="0"/>
+      </a:effectRef>
+      <a:fontRef idx="minor">
+        <a:schemeClr val="lt1"/>
+      </a:fontRef>
+    </dgm:style>
+  </dgm:styleLbl>
+  <dgm:styleLbl name="fgSibTrans2D1">
+    <dgm:scene3d>
+      <a:camera prst="orthographicFront"/>
+      <a:lightRig rig="threePt" dir="t">
+        <a:rot lat="0" lon="0" rev="7500000"/>
+      </a:lightRig>
+    </dgm:scene3d>
+    <dgm:sp3d z="152400" extrusionH="63500" prstMaterial="matte">
+      <a:bevelT w="25400" h="6350" prst="relaxedInset"/>
+      <a:contourClr>
+        <a:schemeClr val="bg1"/>
+      </a:contourClr>
+    </dgm:sp3d>
+    <dgm:txPr/>
+    <dgm:style>
+      <a:lnRef idx="0">
+        <a:scrgbClr r="0" g="0" b="0"/>
+      </a:lnRef>
+      <a:fillRef idx="1">
+        <a:scrgbClr r="0" g="0" b="0"/>
+      </a:fillRef>
+      <a:effectRef idx="2">
+        <a:scrgbClr r="0" g="0" b="0"/>
+      </a:effectRef>
+      <a:fontRef idx="minor">
+        <a:schemeClr val="lt1"/>
+      </a:fontRef>
+    </dgm:style>
+  </dgm:styleLbl>
+  <dgm:styleLbl name="bgSibTrans2D1">
+    <dgm:scene3d>
+      <a:camera prst="orthographicFront"/>
+      <a:lightRig rig="threePt" dir="t">
+        <a:rot lat="0" lon="0" rev="7500000"/>
+      </a:lightRig>
+    </dgm:scene3d>
+    <dgm:sp3d z="-152400" extrusionH="63500" prstMaterial="matte">
+      <a:bevelT w="25400" h="6350" prst="relaxedInset"/>
+      <a:contourClr>
+        <a:schemeClr val="bg1"/>
+      </a:contourClr>
+    </dgm:sp3d>
+    <dgm:txPr/>
+    <dgm:style>
+      <a:lnRef idx="0">
+        <a:scrgbClr r="0" g="0" b="0"/>
+      </a:lnRef>
+      <a:fillRef idx="1">
+        <a:scrgbClr r="0" g="0" b="0"/>
+      </a:fillRef>
+      <a:effectRef idx="2">
+        <a:scrgbClr r="0" g="0" b="0"/>
+      </a:effectRef>
+      <a:fontRef idx="minor">
+        <a:schemeClr val="lt1"/>
+      </a:fontRef>
+    </dgm:style>
+  </dgm:styleLbl>
+  <dgm:styleLbl name="sibTrans1D1">
+    <dgm:scene3d>
+      <a:camera prst="orthographicFront"/>
+      <a:lightRig rig="threePt" dir="t">
+        <a:rot lat="0" lon="0" rev="7500000"/>
+      </a:lightRig>
+    </dgm:scene3d>
+    <dgm:sp3d z="-40000" prstMaterial="matte"/>
+    <dgm:txPr/>
+    <dgm:style>
+      <a:lnRef idx="1">
+        <a:scrgbClr r="0" g="0" b="0"/>
+      </a:lnRef>
+      <a:fillRef idx="0">
+        <a:scrgbClr r="0" g="0" b="0"/>
+      </a:fillRef>
+      <a:effectRef idx="0">
+        <a:scrgbClr r="0" g="0" b="0"/>
+      </a:effectRef>
+      <a:fontRef idx="minor"/>
+    </dgm:style>
+  </dgm:styleLbl>
+  <dgm:styleLbl name="callout">
+    <dgm:scene3d>
+      <a:camera prst="orthographicFront"/>
+      <a:lightRig rig="threePt" dir="t">
+        <a:rot lat="0" lon="0" rev="7500000"/>
+      </a:lightRig>
+    </dgm:scene3d>
+    <dgm:sp3d z="127000" prstMaterial="matte"/>
+    <dgm:txPr/>
+    <dgm:style>
+      <a:lnRef idx="2">
+        <a:scrgbClr r="0" g="0" b="0"/>
+      </a:lnRef>
+      <a:fillRef idx="1">
+        <a:scrgbClr r="0" g="0" b="0"/>
+      </a:fillRef>
+      <a:effectRef idx="0">
+        <a:scrgbClr r="0" g="0" b="0"/>
+      </a:effectRef>
+      <a:fontRef idx="minor"/>
+    </dgm:style>
+  </dgm:styleLbl>
+  <dgm:styleLbl name="asst0">
+    <dgm:scene3d>
+      <a:camera prst="orthographicFront"/>
+      <a:lightRig rig="threePt" dir="t">
+        <a:rot lat="0" lon="0" rev="7500000"/>
+      </a:lightRig>
+    </dgm:scene3d>
+    <dgm:sp3d prstMaterial="plastic">
+      <a:bevelT w="127000" h="25400" prst="relaxedInset"/>
+    </dgm:sp3d>
+    <dgm:txPr/>
+    <dgm:style>
+      <a:lnRef idx="0">
+        <a:scrgbClr r="0" g="0" b="0"/>
+      </a:lnRef>
+      <a:fillRef idx="3">
+        <a:scrgbClr r="0" g="0" b="0"/>
+      </a:fillRef>
+      <a:effectRef idx="2">
+        <a:scrgbClr r="0" g="0" b="0"/>
+      </a:effectRef>
+      <a:fontRef idx="minor">
+        <a:schemeClr val="lt1"/>
+      </a:fontRef>
+    </dgm:style>
+  </dgm:styleLbl>
+  <dgm:styleLbl name="asst1">
+    <dgm:scene3d>
+      <a:camera prst="orthographicFront"/>
+      <a:lightRig rig="threePt" dir="t">
+        <a:rot lat="0" lon="0" rev="7500000"/>
+      </a:lightRig>
+    </dgm:scene3d>
+    <dgm:sp3d prstMaterial="plastic">
+      <a:bevelT w="127000" h="25400" prst="relaxedInset"/>
+    </dgm:sp3d>
+    <dgm:txPr/>
+    <dgm:style>
+      <a:lnRef idx="0">
+        <a:scrgbClr r="0" g="0" b="0"/>
+      </a:lnRef>
+      <a:fillRef idx="3">
+        <a:scrgbClr r="0" g="0" b="0"/>
+      </a:fillRef>
+      <a:effectRef idx="2">
+        <a:scrgbClr r="0" g="0" b="0"/>
+      </a:effectRef>
+      <a:fontRef idx="minor">
+        <a:schemeClr val="lt1"/>
+      </a:fontRef>
+    </dgm:style>
+  </dgm:styleLbl>
+  <dgm:styleLbl name="asst2">
+    <dgm:scene3d>
+      <a:camera prst="orthographicFront"/>
+      <a:lightRig rig="threePt" dir="t">
+        <a:rot lat="0" lon="0" rev="7500000"/>
+      </a:lightRig>
+    </dgm:scene3d>
+    <dgm:sp3d prstMaterial="plastic">
+      <a:bevelT w="127000" h="25400" prst="relaxedInset"/>
+    </dgm:sp3d>
+    <dgm:txPr/>
+    <dgm:style>
+      <a:lnRef idx="0">
+        <a:scrgbClr r="0" g="0" b="0"/>
+      </a:lnRef>
+      <a:fillRef idx="3">
+        <a:scrgbClr r="0" g="0" b="0"/>
+      </a:fillRef>
+      <a:effectRef idx="2">
+        <a:scrgbClr r="0" g="0" b="0"/>
+      </a:effectRef>
+      <a:fontRef idx="minor">
+        <a:schemeClr val="lt1"/>
+      </a:fontRef>
+    </dgm:style>
+  </dgm:styleLbl>
+  <dgm:styleLbl name="asst3">
+    <dgm:scene3d>
+      <a:camera prst="orthographicFront"/>
+      <a:lightRig rig="threePt" dir="t">
+        <a:rot lat="0" lon="0" rev="7500000"/>
+      </a:lightRig>
+    </dgm:scene3d>
+    <dgm:sp3d prstMaterial="plastic">
+      <a:bevelT w="127000" h="25400" prst="relaxedInset"/>
+    </dgm:sp3d>
+    <dgm:txPr/>
+    <dgm:style>
+      <a:lnRef idx="0">
+        <a:scrgbClr r="0" g="0" b="0"/>
+      </a:lnRef>
+      <a:fillRef idx="3">
+        <a:scrgbClr r="0" g="0" b="0"/>
+      </a:fillRef>
+      <a:effectRef idx="2">
+        <a:scrgbClr r="0" g="0" b="0"/>
+      </a:effectRef>
+      <a:fontRef idx="minor">
+        <a:schemeClr val="lt1"/>
+      </a:fontRef>
+    </dgm:style>
+  </dgm:styleLbl>
+  <dgm:styleLbl name="parChTrans2D1">
+    <dgm:scene3d>
+      <a:camera prst="orthographicFront"/>
+      <a:lightRig rig="threePt" dir="t">
+        <a:rot lat="0" lon="0" rev="7500000"/>
+      </a:lightRig>
+    </dgm:scene3d>
+    <dgm:sp3d extrusionH="63500" prstMaterial="matte">
+      <a:bevelT w="50800" h="19050" prst="relaxedInset"/>
+      <a:contourClr>
+        <a:schemeClr val="bg1"/>
+      </a:contourClr>
+    </dgm:sp3d>
+    <dgm:txPr/>
+    <dgm:style>
+      <a:lnRef idx="0">
+        <a:scrgbClr r="0" g="0" b="0"/>
+      </a:lnRef>
+      <a:fillRef idx="1">
+        <a:scrgbClr r="0" g="0" b="0"/>
+      </a:fillRef>
+      <a:effectRef idx="2">
+        <a:scrgbClr r="0" g="0" b="0"/>
+      </a:effectRef>
+      <a:fontRef idx="minor">
+        <a:schemeClr val="lt1"/>
+      </a:fontRef>
+    </dgm:style>
+  </dgm:styleLbl>
+  <dgm:styleLbl name="parChTrans2D2">
+    <dgm:scene3d>
+      <a:camera prst="orthographicFront"/>
+      <a:lightRig rig="threePt" dir="t">
+        <a:rot lat="0" lon="0" rev="7500000"/>
+      </a:lightRig>
+    </dgm:scene3d>
+    <dgm:sp3d extrusionH="63500" prstMaterial="matte">
+      <a:bevelT w="50800" h="19050" prst="relaxedInset"/>
+      <a:contourClr>
+        <a:schemeClr val="bg1"/>
+      </a:contourClr>
+    </dgm:sp3d>
+    <dgm:txPr/>
+    <dgm:style>
+      <a:lnRef idx="0">
+        <a:scrgbClr r="0" g="0" b="0"/>
+      </a:lnRef>
+      <a:fillRef idx="1">
+        <a:scrgbClr r="0" g="0" b="0"/>
+      </a:fillRef>
+      <a:effectRef idx="0">
+        <a:scrgbClr r="0" g="0" b="0"/>
+      </a:effectRef>
+      <a:fontRef idx="minor">
+        <a:schemeClr val="lt1"/>
+      </a:fontRef>
+    </dgm:style>
+  </dgm:styleLbl>
+  <dgm:styleLbl name="parChTrans2D3">
+    <dgm:scene3d>
+      <a:camera prst="orthographicFront"/>
+      <a:lightRig rig="threePt" dir="t">
+        <a:rot lat="0" lon="0" rev="7500000"/>
+      </a:lightRig>
+    </dgm:scene3d>
+    <dgm:sp3d z="60000" prstMaterial="flat">
+      <a:bevelT w="120900" h="88900"/>
+    </dgm:sp3d>
+    <dgm:txPr/>
+    <dgm:style>
+      <a:lnRef idx="0">
+        <a:scrgbClr r="0" g="0" b="0"/>
+      </a:lnRef>
+      <a:fillRef idx="3">
+        <a:scrgbClr r="0" g="0" b="0"/>
+      </a:fillRef>
+      <a:effectRef idx="1">
+        <a:scrgbClr r="0" g="0" b="0"/>
+      </a:effectRef>
+      <a:fontRef idx="minor">
+        <a:schemeClr val="lt1"/>
+      </a:fontRef>
+    </dgm:style>
+  </dgm:styleLbl>
+  <dgm:styleLbl name="parChTrans2D4">
+    <dgm:scene3d>
+      <a:camera prst="orthographicFront"/>
+      <a:lightRig rig="threePt" dir="t">
+        <a:rot lat="0" lon="0" rev="7500000"/>
+      </a:lightRig>
+    </dgm:scene3d>
+    <dgm:sp3d z="60000" prstMaterial="flat">
+      <a:bevelT w="120900" h="88900"/>
+    </dgm:sp3d>
+    <dgm:txPr/>
+    <dgm:style>
+      <a:lnRef idx="0">
+        <a:scrgbClr r="0" g="0" b="0"/>
+      </a:lnRef>
+      <a:fillRef idx="3">
+        <a:scrgbClr r="0" g="0" b="0"/>
+      </a:fillRef>
+      <a:effectRef idx="1">
+        <a:scrgbClr r="0" g="0" b="0"/>
+      </a:effectRef>
+      <a:fontRef idx="minor">
+        <a:schemeClr val="lt1"/>
+      </a:fontRef>
+    </dgm:style>
+  </dgm:styleLbl>
+  <dgm:styleLbl name="parChTrans1D1">
+    <dgm:scene3d>
+      <a:camera prst="orthographicFront"/>
+      <a:lightRig rig="threePt" dir="t">
+        <a:rot lat="0" lon="0" rev="7500000"/>
+      </a:lightRig>
+    </dgm:scene3d>
+    <dgm:sp3d z="-40000" prstMaterial="matte"/>
+    <dgm:txPr/>
+    <dgm:style>
+      <a:lnRef idx="2">
+        <a:scrgbClr r="0" g="0" b="0"/>
+      </a:lnRef>
+      <a:fillRef idx="0">
+        <a:scrgbClr r="0" g="0" b="0"/>
+      </a:fillRef>
+      <a:effectRef idx="0">
+        <a:scrgbClr r="0" g="0" b="0"/>
+      </a:effectRef>
+      <a:fontRef idx="minor"/>
+    </dgm:style>
+  </dgm:styleLbl>
+  <dgm:styleLbl name="parChTrans1D2">
+    <dgm:scene3d>
+      <a:camera prst="orthographicFront"/>
+      <a:lightRig rig="threePt" dir="t">
+        <a:rot lat="0" lon="0" rev="7500000"/>
+      </a:lightRig>
+    </dgm:scene3d>
+    <dgm:sp3d z="-40000" prstMaterial="matte"/>
+    <dgm:txPr/>
+    <dgm:style>
+      <a:lnRef idx="2">
+        <a:scrgbClr r="0" g="0" b="0"/>
+      </a:lnRef>
+      <a:fillRef idx="0">
+        <a:scrgbClr r="0" g="0" b="0"/>
+      </a:fillRef>
+      <a:effectRef idx="0">
+        <a:scrgbClr r="0" g="0" b="0"/>
+      </a:effectRef>
+      <a:fontRef idx="minor"/>
+    </dgm:style>
+  </dgm:styleLbl>
+  <dgm:styleLbl name="parChTrans1D3">
+    <dgm:scene3d>
+      <a:camera prst="orthographicFront"/>
+      <a:lightRig rig="threePt" dir="t">
+        <a:rot lat="0" lon="0" rev="7500000"/>
+      </a:lightRig>
+    </dgm:scene3d>
+    <dgm:sp3d z="-40000" prstMaterial="matte"/>
+    <dgm:txPr/>
+    <dgm:style>
+      <a:lnRef idx="2">
+        <a:scrgbClr r="0" g="0" b="0"/>
+      </a:lnRef>
+      <a:fillRef idx="0">
+        <a:scrgbClr r="0" g="0" b="0"/>
+      </a:fillRef>
+      <a:effectRef idx="0">
+        <a:scrgbClr r="0" g="0" b="0"/>
+      </a:effectRef>
+      <a:fontRef idx="minor"/>
+    </dgm:style>
+  </dgm:styleLbl>
+  <dgm:styleLbl name="parChTrans1D4">
+    <dgm:scene3d>
+      <a:camera prst="orthographicFront"/>
+      <a:lightRig rig="threePt" dir="t">
+        <a:rot lat="0" lon="0" rev="7500000"/>
+      </a:lightRig>
+    </dgm:scene3d>
+    <dgm:sp3d z="-40000" prstMaterial="matte"/>
+    <dgm:txPr/>
+    <dgm:style>
+      <a:lnRef idx="2">
+        <a:scrgbClr r="0" g="0" b="0"/>
+      </a:lnRef>
+      <a:fillRef idx="0">
+        <a:scrgbClr r="0" g="0" b="0"/>
+      </a:fillRef>
+      <a:effectRef idx="0">
+        <a:scrgbClr r="0" g="0" b="0"/>
+      </a:effectRef>
+      <a:fontRef idx="minor"/>
+    </dgm:style>
+  </dgm:styleLbl>
+  <dgm:styleLbl name="fgAcc1">
+    <dgm:scene3d>
+      <a:camera prst="orthographicFront"/>
+      <a:lightRig rig="threePt" dir="t">
+        <a:rot lat="0" lon="0" rev="7500000"/>
+      </a:lightRig>
+    </dgm:scene3d>
+    <dgm:sp3d z="152400" extrusionH="63500" prstMaterial="dkEdge">
+      <a:bevelT w="135400" h="16350" prst="relaxedInset"/>
+      <a:contourClr>
+        <a:schemeClr val="bg1"/>
+      </a:contourClr>
+    </dgm:sp3d>
+    <dgm:txPr/>
+    <dgm:style>
+      <a:lnRef idx="1">
+        <a:scrgbClr r="0" g="0" b="0"/>
+      </a:lnRef>
+      <a:fillRef idx="1">
+        <a:scrgbClr r="0" g="0" b="0"/>
+      </a:fillRef>
+      <a:effectRef idx="2">
+        <a:scrgbClr r="0" g="0" b="0"/>
+      </a:effectRef>
+      <a:fontRef idx="minor"/>
+    </dgm:style>
+  </dgm:styleLbl>
+  <dgm:styleLbl name="conFgAcc1">
+    <dgm:scene3d>
+      <a:camera prst="orthographicFront"/>
+      <a:lightRig rig="threePt" dir="t">
+        <a:rot lat="0" lon="0" rev="7500000"/>
+      </a:lightRig>
+    </dgm:scene3d>
+    <dgm:sp3d z="152400" extrusionH="63500" prstMaterial="dkEdge">
+      <a:bevelT w="135400" h="16350" prst="relaxedInset"/>
+      <a:contourClr>
+        <a:schemeClr val="bg1"/>
+      </a:contourClr>
+    </dgm:sp3d>
+    <dgm:txPr/>
+    <dgm:style>
+      <a:lnRef idx="1">
+        <a:scrgbClr r="0" g="0" b="0"/>
+      </a:lnRef>
+      <a:fillRef idx="1">
+        <a:scrgbClr r="0" g="0" b="0"/>
+      </a:fillRef>
+      <a:effectRef idx="2">
+        <a:scrgbClr r="0" g="0" b="0"/>
+      </a:effectRef>
+      <a:fontRef idx="minor"/>
+    </dgm:style>
+  </dgm:styleLbl>
+  <dgm:styleLbl name="alignAcc1">
+    <dgm:scene3d>
+      <a:camera prst="orthographicFront"/>
+      <a:lightRig rig="threePt" dir="t">
+        <a:rot lat="0" lon="0" rev="7500000"/>
+      </a:lightRig>
+    </dgm:scene3d>
+    <dgm:sp3d extrusionH="190500" prstMaterial="dkEdge">
+      <a:bevelT w="135400" h="16350" prst="relaxedInset"/>
+      <a:contourClr>
+        <a:schemeClr val="bg1"/>
+      </a:contourClr>
+    </dgm:sp3d>
+    <dgm:txPr/>
+    <dgm:style>
+      <a:lnRef idx="1">
+        <a:scrgbClr r="0" g="0" b="0"/>
+      </a:lnRef>
+      <a:fillRef idx="1">
+        <a:scrgbClr r="0" g="0" b="0"/>
+      </a:fillRef>
+      <a:effectRef idx="2">
+        <a:scrgbClr r="0" g="0" b="0"/>
+      </a:effectRef>
+      <a:fontRef idx="minor"/>
+    </dgm:style>
+  </dgm:styleLbl>
+  <dgm:styleLbl name="trAlignAcc1">
+    <dgm:scene3d>
+      <a:camera prst="orthographicFront"/>
+      <a:lightRig rig="threePt" dir="t">
+        <a:rot lat="0" lon="0" rev="7500000"/>
+      </a:lightRig>
+    </dgm:scene3d>
+    <dgm:sp3d prstMaterial="plastic">
+      <a:bevelT w="127000" h="35400"/>
+    </dgm:sp3d>
+    <dgm:txPr/>
+    <dgm:style>
+      <a:lnRef idx="1">
+        <a:scrgbClr r="0" g="0" b="0"/>
+      </a:lnRef>
+      <a:fillRef idx="1">
+        <a:scrgbClr r="0" g="0" b="0"/>
+      </a:fillRef>
+      <a:effectRef idx="2">
+        <a:scrgbClr r="0" g="0" b="0"/>
+      </a:effectRef>
+      <a:fontRef idx="minor">
+        <a:schemeClr val="lt1"/>
+      </a:fontRef>
+    </dgm:style>
+  </dgm:styleLbl>
+  <dgm:styleLbl name="bgAcc1">
+    <dgm:scene3d>
+      <a:camera prst="orthographicFront"/>
+      <a:lightRig rig="threePt" dir="t">
+        <a:rot lat="0" lon="0" rev="7500000"/>
+      </a:lightRig>
+    </dgm:scene3d>
+    <dgm:sp3d z="-152400" extrusionH="63500" prstMaterial="dkEdge">
+      <a:bevelT w="124450" h="16350" prst="relaxedInset"/>
+      <a:contourClr>
+        <a:schemeClr val="bg1"/>
+      </a:contourClr>
+    </dgm:sp3d>
+    <dgm:txPr/>
+    <dgm:style>
+      <a:lnRef idx="1">
+        <a:scrgbClr r="0" g="0" b="0"/>
+      </a:lnRef>
+      <a:fillRef idx="1">
+        <a:scrgbClr r="0" g="0" b="0"/>
+      </a:fillRef>
+      <a:effectRef idx="0">
+        <a:scrgbClr r="0" g="0" b="0"/>
+      </a:effectRef>
+      <a:fontRef idx="minor"/>
+    </dgm:style>
+  </dgm:styleLbl>
+  <dgm:styleLbl name="solidFgAcc1">
+    <dgm:scene3d>
+      <a:camera prst="orthographicFront"/>
+      <a:lightRig rig="threePt" dir="t">
+        <a:rot lat="0" lon="0" rev="7500000"/>
+      </a:lightRig>
+    </dgm:scene3d>
+    <dgm:sp3d z="152400" extrusionH="63500" prstMaterial="dkEdge">
+      <a:bevelT w="120800" h="19050" prst="relaxedInset"/>
+      <a:contourClr>
+        <a:schemeClr val="bg1"/>
+      </a:contourClr>
+    </dgm:sp3d>
+    <dgm:txPr/>
+    <dgm:style>
+      <a:lnRef idx="1">
+        <a:scrgbClr r="0" g="0" b="0"/>
+      </a:lnRef>
+      <a:fillRef idx="1">
+        <a:scrgbClr r="0" g="0" b="0"/>
+      </a:fillRef>
+      <a:effectRef idx="2">
+        <a:scrgbClr r="0" g="0" b="0"/>
+      </a:effectRef>
+      <a:fontRef idx="minor"/>
+    </dgm:style>
+  </dgm:styleLbl>
+  <dgm:styleLbl name="solidAlignAcc1">
+    <dgm:scene3d>
+      <a:camera prst="orthographicFront"/>
+      <a:lightRig rig="threePt" dir="t">
+        <a:rot lat="0" lon="0" rev="7500000"/>
+      </a:lightRig>
+    </dgm:scene3d>
+    <dgm:sp3d extrusionH="190500" prstMaterial="dkEdge">
+      <a:bevelT w="120650" h="38100" prst="relaxedInset"/>
+      <a:contourClr>
+        <a:schemeClr val="bg1"/>
+      </a:contourClr>
+    </dgm:sp3d>
+    <dgm:txPr/>
+    <dgm:style>
+      <a:lnRef idx="1">
+        <a:scrgbClr r="0" g="0" b="0"/>
+      </a:lnRef>
+      <a:fillRef idx="1">
+        <a:scrgbClr r="0" g="0" b="0"/>
+      </a:fillRef>
+      <a:effectRef idx="2">
+        <a:scrgbClr r="0" g="0" b="0"/>
+      </a:effectRef>
+      <a:fontRef idx="minor"/>
+    </dgm:style>
+  </dgm:styleLbl>
+  <dgm:styleLbl name="solidBgAcc1">
+    <dgm:scene3d>
+      <a:camera prst="orthographicFront"/>
+      <a:lightRig rig="threePt" dir="t">
+        <a:rot lat="0" lon="0" rev="7500000"/>
+      </a:lightRig>
+    </dgm:scene3d>
+    <dgm:sp3d z="-152400" extrusionH="63500" prstMaterial="dkEdge">
+      <a:bevelT w="144450" h="36350" prst="relaxedInset"/>
+      <a:contourClr>
+        <a:schemeClr val="bg1"/>
+      </a:contourClr>
+    </dgm:sp3d>
+    <dgm:txPr/>
+    <dgm:style>
+      <a:lnRef idx="1">
+        <a:scrgbClr r="0" g="0" b="0"/>
+      </a:lnRef>
+      <a:fillRef idx="1">
+        <a:scrgbClr r="0" g="0" b="0"/>
+      </a:fillRef>
+      <a:effectRef idx="0">
+        <a:scrgbClr r="0" g="0" b="0"/>
+      </a:effectRef>
+      <a:fontRef idx="minor"/>
+    </dgm:style>
+  </dgm:styleLbl>
+  <dgm:styleLbl name="fgAccFollowNode1">
+    <dgm:scene3d>
+      <a:camera prst="orthographicFront"/>
+      <a:lightRig rig="threePt" dir="t">
+        <a:rot lat="0" lon="0" rev="7500000"/>
+      </a:lightRig>
+    </dgm:scene3d>
+    <dgm:sp3d z="152400" extrusionH="63500" prstMaterial="dkEdge">
+      <a:bevelT w="125400" h="36350" prst="relaxedInset"/>
+      <a:contourClr>
+        <a:schemeClr val="bg1"/>
+      </a:contourClr>
+    </dgm:sp3d>
+    <dgm:txPr/>
+    <dgm:style>
+      <a:lnRef idx="1">
+        <a:scrgbClr r="0" g="0" b="0"/>
+      </a:lnRef>
+      <a:fillRef idx="1">
+        <a:scrgbClr r="0" g="0" b="0"/>
+      </a:fillRef>
+      <a:effectRef idx="0">
+        <a:scrgbClr r="0" g="0" b="0"/>
+      </a:effectRef>
+      <a:fontRef idx="minor"/>
+    </dgm:style>
+  </dgm:styleLbl>
+  <dgm:styleLbl name="alignAccFollowNode1">
+    <dgm:scene3d>
+      <a:camera prst="orthographicFront"/>
+      <a:lightRig rig="threePt" dir="t">
+        <a:rot lat="0" lon="0" rev="7500000"/>
+      </a:lightRig>
+    </dgm:scene3d>
+    <dgm:sp3d extrusionH="190500" prstMaterial="dkEdge">
+      <a:bevelT w="120650" h="38100" prst="relaxedInset"/>
+      <a:bevelB w="120650" h="57150" prst="relaxedInset"/>
+      <a:contourClr>
+        <a:schemeClr val="bg1"/>
+      </a:contourClr>
+    </dgm:sp3d>
+    <dgm:txPr/>
+    <dgm:style>
+      <a:lnRef idx="1">
+        <a:scrgbClr r="0" g="0" b="0"/>
+      </a:lnRef>
+      <a:fillRef idx="1">
+        <a:scrgbClr r="0" g="0" b="0"/>
+      </a:fillRef>
+      <a:effectRef idx="2">
+        <a:scrgbClr r="0" g="0" b="0"/>
+      </a:effectRef>
+      <a:fontRef idx="minor"/>
+    </dgm:style>
+  </dgm:styleLbl>
+  <dgm:styleLbl name="bgAccFollowNode1">
+    <dgm:scene3d>
+      <a:camera prst="orthographicFront"/>
+      <a:lightRig rig="threePt" dir="t">
+        <a:rot lat="0" lon="0" rev="7500000"/>
+      </a:lightRig>
+    </dgm:scene3d>
+    <dgm:sp3d z="-152400" extrusionH="63500" prstMaterial="dkEdge">
+      <a:bevelT w="144450" h="36350" prst="relaxedInset"/>
+      <a:contourClr>
+        <a:schemeClr val="bg1"/>
+      </a:contourClr>
+    </dgm:sp3d>
+    <dgm:txPr/>
+    <dgm:style>
+      <a:lnRef idx="1">
+        <a:scrgbClr r="0" g="0" b="0"/>
+      </a:lnRef>
+      <a:fillRef idx="1">
+        <a:scrgbClr r="0" g="0" b="0"/>
+      </a:fillRef>
+      <a:effectRef idx="2">
+        <a:scrgbClr r="0" g="0" b="0"/>
+      </a:effectRef>
+      <a:fontRef idx="minor"/>
+    </dgm:style>
+  </dgm:styleLbl>
+  <dgm:styleLbl name="fgAcc0">
+    <dgm:scene3d>
+      <a:camera prst="orthographicFront"/>
+      <a:lightRig rig="threePt" dir="t">
+        <a:rot lat="0" lon="0" rev="7500000"/>
+      </a:lightRig>
+    </dgm:scene3d>
+    <dgm:sp3d z="152400" extrusionH="63500" prstMaterial="dkEdge">
+      <a:bevelT w="125400" h="36350" prst="relaxedInset"/>
+      <a:contourClr>
+        <a:schemeClr val="bg1"/>
+      </a:contourClr>
+    </dgm:sp3d>
+    <dgm:txPr/>
+    <dgm:style>
+      <a:lnRef idx="1">
+        <a:scrgbClr r="0" g="0" b="0"/>
+      </a:lnRef>
+      <a:fillRef idx="1">
+        <a:scrgbClr r="0" g="0" b="0"/>
+      </a:fillRef>
+      <a:effectRef idx="2">
+        <a:scrgbClr r="0" g="0" b="0"/>
+      </a:effectRef>
+      <a:fontRef idx="minor"/>
+    </dgm:style>
+  </dgm:styleLbl>
+  <dgm:styleLbl name="fgAcc2">
+    <dgm:scene3d>
+      <a:camera prst="orthographicFront"/>
+      <a:lightRig rig="threePt" dir="t">
+        <a:rot lat="0" lon="0" rev="7500000"/>
+      </a:lightRig>
+    </dgm:scene3d>
+    <dgm:sp3d z="152400" extrusionH="63500" prstMaterial="dkEdge">
+      <a:bevelT w="125400" h="36350" prst="relaxedInset"/>
+      <a:contourClr>
+        <a:schemeClr val="bg1"/>
+      </a:contourClr>
+    </dgm:sp3d>
+    <dgm:txPr/>
+    <dgm:style>
+      <a:lnRef idx="1">
+        <a:scrgbClr r="0" g="0" b="0"/>
+      </a:lnRef>
+      <a:fillRef idx="1">
+        <a:scrgbClr r="0" g="0" b="0"/>
+      </a:fillRef>
+      <a:effectRef idx="2">
+        <a:scrgbClr r="0" g="0" b="0"/>
+      </a:effectRef>
+      <a:fontRef idx="minor"/>
+    </dgm:style>
+  </dgm:styleLbl>
+  <dgm:styleLbl name="fgAcc3">
+    <dgm:scene3d>
+      <a:camera prst="orthographicFront"/>
+      <a:lightRig rig="threePt" dir="t">
+        <a:rot lat="0" lon="0" rev="7500000"/>
+      </a:lightRig>
+    </dgm:scene3d>
+    <dgm:sp3d z="152400" extrusionH="63500" prstMaterial="dkEdge">
+      <a:bevelT w="125400" h="36350" prst="relaxedInset"/>
+      <a:contourClr>
+        <a:schemeClr val="bg1"/>
+      </a:contourClr>
+    </dgm:sp3d>
+    <dgm:txPr/>
+    <dgm:style>
+      <a:lnRef idx="1">
+        <a:scrgbClr r="0" g="0" b="0"/>
+      </a:lnRef>
+      <a:fillRef idx="1">
+        <a:scrgbClr r="0" g="0" b="0"/>
+      </a:fillRef>
+      <a:effectRef idx="2">
+        <a:scrgbClr r="0" g="0" b="0"/>
+      </a:effectRef>
+      <a:fontRef idx="minor"/>
+    </dgm:style>
+  </dgm:styleLbl>
+  <dgm:styleLbl name="fgAcc4">
+    <dgm:scene3d>
+      <a:camera prst="orthographicFront"/>
+      <a:lightRig rig="threePt" dir="t">
+        <a:rot lat="0" lon="0" rev="7500000"/>
+      </a:lightRig>
+    </dgm:scene3d>
+    <dgm:sp3d z="152400" extrusionH="63500" prstMaterial="dkEdge">
+      <a:bevelT w="125400" h="36350" prst="relaxedInset"/>
+      <a:contourClr>
+        <a:schemeClr val="bg1"/>
+      </a:contourClr>
+    </dgm:sp3d>
+    <dgm:txPr/>
+    <dgm:style>
+      <a:lnRef idx="1">
+        <a:scrgbClr r="0" g="0" b="0"/>
+      </a:lnRef>
+      <a:fillRef idx="1">
+        <a:scrgbClr r="0" g="0" b="0"/>
+      </a:fillRef>
+      <a:effectRef idx="2">
+        <a:scrgbClr r="0" g="0" b="0"/>
+      </a:effectRef>
+      <a:fontRef idx="minor"/>
+    </dgm:style>
+  </dgm:styleLbl>
+  <dgm:styleLbl name="bgShp">
+    <dgm:scene3d>
+      <a:camera prst="orthographicFront"/>
+      <a:lightRig rig="threePt" dir="t">
+        <a:rot lat="0" lon="0" rev="7500000"/>
+      </a:lightRig>
+    </dgm:scene3d>
+    <dgm:sp3d z="-152400" extrusionH="63500" prstMaterial="matte">
+      <a:bevelT w="144450" h="6350" prst="relaxedInset"/>
+      <a:contourClr>
+        <a:schemeClr val="bg1"/>
+      </a:contourClr>
+    </dgm:sp3d>
+    <dgm:txPr/>
+    <dgm:style>
+      <a:lnRef idx="0">
+        <a:scrgbClr r="0" g="0" b="0"/>
+      </a:lnRef>
+      <a:fillRef idx="3">
+        <a:scrgbClr r="0" g="0" b="0"/>
+      </a:fillRef>
+      <a:effectRef idx="0">
+        <a:scrgbClr r="0" g="0" b="0"/>
+      </a:effectRef>
+      <a:fontRef idx="minor"/>
+    </dgm:style>
+  </dgm:styleLbl>
+  <dgm:styleLbl name="dkBgShp">
+    <dgm:scene3d>
+      <a:camera prst="orthographicFront"/>
+      <a:lightRig rig="threePt" dir="t">
+        <a:rot lat="0" lon="0" rev="7500000"/>
+      </a:lightRig>
+    </dgm:scene3d>
+    <dgm:sp3d prstMaterial="plastic">
+      <a:bevelT w="127000" h="25400" prst="relaxedInset"/>
+      <a:bevelB w="88900" h="121750" prst="angle"/>
+    </dgm:sp3d>
+    <dgm:txPr/>
+    <dgm:style>
+      <a:lnRef idx="0">
+        <a:scrgbClr r="0" g="0" b="0"/>
+      </a:lnRef>
+      <a:fillRef idx="1">
+        <a:scrgbClr r="0" g="0" b="0"/>
+      </a:fillRef>
+      <a:effectRef idx="2">
+        <a:scrgbClr r="0" g="0" b="0"/>
+      </a:effectRef>
+      <a:fontRef idx="minor">
+        <a:schemeClr val="lt1"/>
+      </a:fontRef>
+    </dgm:style>
+  </dgm:styleLbl>
+  <dgm:styleLbl name="trBgShp">
+    <dgm:scene3d>
+      <a:camera prst="orthographicFront"/>
+      <a:lightRig rig="threePt" dir="t"/>
+    </dgm:scene3d>
+    <dgm:sp3d z="-152400" prstMaterial="matte"/>
+    <dgm:txPr/>
+    <dgm:style>
+      <a:lnRef idx="0">
+        <a:scrgbClr r="0" g="0" b="0"/>
+      </a:lnRef>
+      <a:fillRef idx="1">
+        <a:scrgbClr r="0" g="0" b="0"/>
+      </a:fillRef>
+      <a:effectRef idx="0">
+        <a:scrgbClr r="0" g="0" b="0"/>
+      </a:effectRef>
+      <a:fontRef idx="minor"/>
+    </dgm:style>
+  </dgm:styleLbl>
+  <dgm:styleLbl name="fgShp">
+    <dgm:scene3d>
+      <a:camera prst="orthographicFront"/>
+      <a:lightRig rig="threePt" dir="t">
+        <a:rot lat="0" lon="0" rev="7500000"/>
+      </a:lightRig>
+    </dgm:scene3d>
+    <dgm:sp3d z="152400" extrusionH="63500" prstMaterial="matte">
+      <a:bevelT w="50800" h="19050" prst="relaxedInset"/>
+      <a:contourClr>
+        <a:schemeClr val="bg1"/>
+      </a:contourClr>
+    </dgm:sp3d>
+    <dgm:txPr/>
+    <dgm:style>
+      <a:lnRef idx="0">
+        <a:scrgbClr r="0" g="0" b="0"/>
+      </a:lnRef>
+      <a:fillRef idx="1">
+        <a:scrgbClr r="0" g="0" b="0"/>
+      </a:fillRef>
+      <a:effectRef idx="2">
+        <a:scrgbClr r="0" g="0" b="0"/>
+      </a:effectRef>
+      <a:fontRef idx="minor">
+        <a:schemeClr val="lt1"/>
+      </a:fontRef>
+    </dgm:style>
+  </dgm:styleLbl>
+  <dgm:styleLbl name="revTx">
+    <dgm:scene3d>
+      <a:camera prst="orthographicFront"/>
+      <a:lightRig rig="threePt" dir="t"/>
+    </dgm:scene3d>
+    <dgm:sp3d/>
+    <dgm:txPr/>
+    <dgm:style>
+      <a:lnRef idx="0">
+        <a:scrgbClr r="0" g="0" b="0"/>
+      </a:lnRef>
+      <a:fillRef idx="0">
+        <a:scrgbClr r="0" g="0" b="0"/>
+      </a:fillRef>
+      <a:effectRef idx="0">
+        <a:scrgbClr r="0" g="0" b="0"/>
+      </a:effectRef>
+      <a:fontRef idx="minor"/>
+    </dgm:style>
+  </dgm:styleLbl>
+</dgm:styleDef>
 </file>
 
 <file path=ppt/handoutMasters/handoutMaster1.xml><?xml version="1.0" encoding="utf-8"?>
@@ -966,6 +3969,445 @@
 </p:notes>
 </file>
 
+<file path=ppt/notesSlides/notesSlide10.xml><?xml version="1.0" encoding="utf-8"?>
+<p:notes xmlns:a="http://schemas.openxmlformats.org/drawingml/2006/main" xmlns:r="http://schemas.openxmlformats.org/officeDocument/2006/relationships" xmlns:p="http://schemas.openxmlformats.org/presentationml/2006/main">
+  <p:cSld>
+    <p:spTree>
+      <p:nvGrpSpPr>
+        <p:cNvPr id="1" name=""/>
+        <p:cNvGrpSpPr/>
+        <p:nvPr/>
+      </p:nvGrpSpPr>
+      <p:grpSpPr>
+        <a:xfrm>
+          <a:off x="0" y="0"/>
+          <a:ext cx="0" cy="0"/>
+          <a:chOff x="0" y="0"/>
+          <a:chExt cx="0" cy="0"/>
+        </a:xfrm>
+      </p:grpSpPr>
+      <p:sp>
+        <p:nvSpPr>
+          <p:cNvPr id="2" name="幻灯片图像占位符 1"/>
+          <p:cNvSpPr>
+            <a:spLocks noGrp="1" noRot="1" noChangeAspect="1"/>
+          </p:cNvSpPr>
+          <p:nvPr>
+            <p:ph type="sldImg"/>
+          </p:nvPr>
+        </p:nvSpPr>
+        <p:spPr/>
+      </p:sp>
+      <p:sp>
+        <p:nvSpPr>
+          <p:cNvPr id="3" name="备注占位符 2"/>
+          <p:cNvSpPr>
+            <a:spLocks noGrp="1"/>
+          </p:cNvSpPr>
+          <p:nvPr>
+            <p:ph type="body" idx="1"/>
+          </p:nvPr>
+        </p:nvSpPr>
+        <p:spPr/>
+        <p:txBody>
+          <a:bodyPr>
+            <a:normAutofit/>
+          </a:bodyPr>
+          <a:lstStyle/>
+          <a:p>
+            <a:r>
+              <a:rPr lang="zh-CN" altLang="en-US" dirty="0" smtClean="0"/>
+              <a:t>公司内部测试结束前的总结性文档</a:t>
+            </a:r>
+            <a:endParaRPr lang="zh-CN" altLang="en-US" dirty="0"/>
+          </a:p>
+        </p:txBody>
+      </p:sp>
+      <p:sp>
+        <p:nvSpPr>
+          <p:cNvPr id="4" name="灯片编号占位符 3"/>
+          <p:cNvSpPr>
+            <a:spLocks noGrp="1"/>
+          </p:cNvSpPr>
+          <p:nvPr>
+            <p:ph type="sldNum" sz="quarter" idx="10"/>
+          </p:nvPr>
+        </p:nvSpPr>
+        <p:spPr/>
+        <p:txBody>
+          <a:bodyPr/>
+          <a:lstStyle/>
+          <a:p>
+            <a:pPr>
+              <a:defRPr/>
+            </a:pPr>
+            <a:fld id="{CBFB72AA-FFA9-427A-8480-5ACFBD2982FB}" type="slidenum">
+              <a:rPr lang="zh-CN" altLang="en-US" smtClean="0"/>
+              <a:pPr>
+                <a:defRPr/>
+              </a:pPr>
+              <a:t>24</a:t>
+            </a:fld>
+            <a:endParaRPr lang="en-US" altLang="zh-CN"/>
+          </a:p>
+        </p:txBody>
+      </p:sp>
+    </p:spTree>
+  </p:cSld>
+  <p:clrMapOvr>
+    <a:masterClrMapping/>
+  </p:clrMapOvr>
+</p:notes>
+</file>
+
+<file path=ppt/notesSlides/notesSlide11.xml><?xml version="1.0" encoding="utf-8"?>
+<p:notes xmlns:a="http://schemas.openxmlformats.org/drawingml/2006/main" xmlns:r="http://schemas.openxmlformats.org/officeDocument/2006/relationships" xmlns:p="http://schemas.openxmlformats.org/presentationml/2006/main">
+  <p:cSld>
+    <p:spTree>
+      <p:nvGrpSpPr>
+        <p:cNvPr id="1" name=""/>
+        <p:cNvGrpSpPr/>
+        <p:nvPr/>
+      </p:nvGrpSpPr>
+      <p:grpSpPr>
+        <a:xfrm>
+          <a:off x="0" y="0"/>
+          <a:ext cx="0" cy="0"/>
+          <a:chOff x="0" y="0"/>
+          <a:chExt cx="0" cy="0"/>
+        </a:xfrm>
+      </p:grpSpPr>
+      <p:sp>
+        <p:nvSpPr>
+          <p:cNvPr id="2" name="幻灯片图像占位符 1"/>
+          <p:cNvSpPr>
+            <a:spLocks noGrp="1" noRot="1" noChangeAspect="1"/>
+          </p:cNvSpPr>
+          <p:nvPr>
+            <p:ph type="sldImg"/>
+          </p:nvPr>
+        </p:nvSpPr>
+        <p:spPr/>
+      </p:sp>
+      <p:sp>
+        <p:nvSpPr>
+          <p:cNvPr id="3" name="备注占位符 2"/>
+          <p:cNvSpPr>
+            <a:spLocks noGrp="1"/>
+          </p:cNvSpPr>
+          <p:nvPr>
+            <p:ph type="body" idx="1"/>
+          </p:nvPr>
+        </p:nvSpPr>
+        <p:spPr/>
+        <p:txBody>
+          <a:bodyPr>
+            <a:normAutofit/>
+          </a:bodyPr>
+          <a:lstStyle/>
+          <a:p>
+            <a:endParaRPr lang="zh-CN" altLang="en-US"/>
+          </a:p>
+        </p:txBody>
+      </p:sp>
+      <p:sp>
+        <p:nvSpPr>
+          <p:cNvPr id="4" name="灯片编号占位符 3"/>
+          <p:cNvSpPr>
+            <a:spLocks noGrp="1"/>
+          </p:cNvSpPr>
+          <p:nvPr>
+            <p:ph type="sldNum" sz="quarter" idx="10"/>
+          </p:nvPr>
+        </p:nvSpPr>
+        <p:spPr/>
+        <p:txBody>
+          <a:bodyPr/>
+          <a:lstStyle/>
+          <a:p>
+            <a:pPr>
+              <a:defRPr/>
+            </a:pPr>
+            <a:fld id="{CBFB72AA-FFA9-427A-8480-5ACFBD2982FB}" type="slidenum">
+              <a:rPr lang="zh-CN" altLang="en-US" smtClean="0"/>
+              <a:pPr>
+                <a:defRPr/>
+              </a:pPr>
+              <a:t>25</a:t>
+            </a:fld>
+            <a:endParaRPr lang="en-US" altLang="zh-CN"/>
+          </a:p>
+        </p:txBody>
+      </p:sp>
+    </p:spTree>
+  </p:cSld>
+  <p:clrMapOvr>
+    <a:masterClrMapping/>
+  </p:clrMapOvr>
+</p:notes>
+</file>
+
+<file path=ppt/notesSlides/notesSlide12.xml><?xml version="1.0" encoding="utf-8"?>
+<p:notes xmlns:a="http://schemas.openxmlformats.org/drawingml/2006/main" xmlns:r="http://schemas.openxmlformats.org/officeDocument/2006/relationships" xmlns:p="http://schemas.openxmlformats.org/presentationml/2006/main">
+  <p:cSld>
+    <p:spTree>
+      <p:nvGrpSpPr>
+        <p:cNvPr id="1" name=""/>
+        <p:cNvGrpSpPr/>
+        <p:nvPr/>
+      </p:nvGrpSpPr>
+      <p:grpSpPr>
+        <a:xfrm>
+          <a:off x="0" y="0"/>
+          <a:ext cx="0" cy="0"/>
+          <a:chOff x="0" y="0"/>
+          <a:chExt cx="0" cy="0"/>
+        </a:xfrm>
+      </p:grpSpPr>
+      <p:sp>
+        <p:nvSpPr>
+          <p:cNvPr id="2" name="幻灯片图像占位符 1"/>
+          <p:cNvSpPr>
+            <a:spLocks noGrp="1" noRot="1" noChangeAspect="1"/>
+          </p:cNvSpPr>
+          <p:nvPr>
+            <p:ph type="sldImg"/>
+          </p:nvPr>
+        </p:nvSpPr>
+        <p:spPr/>
+      </p:sp>
+      <p:sp>
+        <p:nvSpPr>
+          <p:cNvPr id="3" name="备注占位符 2"/>
+          <p:cNvSpPr>
+            <a:spLocks noGrp="1"/>
+          </p:cNvSpPr>
+          <p:nvPr>
+            <p:ph type="body" idx="1"/>
+          </p:nvPr>
+        </p:nvSpPr>
+        <p:spPr/>
+        <p:txBody>
+          <a:bodyPr>
+            <a:normAutofit/>
+          </a:bodyPr>
+          <a:lstStyle/>
+          <a:p>
+            <a:endParaRPr lang="zh-CN" altLang="en-US"/>
+          </a:p>
+        </p:txBody>
+      </p:sp>
+      <p:sp>
+        <p:nvSpPr>
+          <p:cNvPr id="4" name="灯片编号占位符 3"/>
+          <p:cNvSpPr>
+            <a:spLocks noGrp="1"/>
+          </p:cNvSpPr>
+          <p:nvPr>
+            <p:ph type="sldNum" sz="quarter" idx="10"/>
+          </p:nvPr>
+        </p:nvSpPr>
+        <p:spPr/>
+        <p:txBody>
+          <a:bodyPr/>
+          <a:lstStyle/>
+          <a:p>
+            <a:pPr>
+              <a:defRPr/>
+            </a:pPr>
+            <a:fld id="{CBFB72AA-FFA9-427A-8480-5ACFBD2982FB}" type="slidenum">
+              <a:rPr lang="zh-CN" altLang="en-US" smtClean="0"/>
+              <a:pPr>
+                <a:defRPr/>
+              </a:pPr>
+              <a:t>26</a:t>
+            </a:fld>
+            <a:endParaRPr lang="en-US" altLang="zh-CN"/>
+          </a:p>
+        </p:txBody>
+      </p:sp>
+    </p:spTree>
+  </p:cSld>
+  <p:clrMapOvr>
+    <a:masterClrMapping/>
+  </p:clrMapOvr>
+</p:notes>
+</file>
+
+<file path=ppt/notesSlides/notesSlide13.xml><?xml version="1.0" encoding="utf-8"?>
+<p:notes xmlns:a="http://schemas.openxmlformats.org/drawingml/2006/main" xmlns:r="http://schemas.openxmlformats.org/officeDocument/2006/relationships" xmlns:p="http://schemas.openxmlformats.org/presentationml/2006/main">
+  <p:cSld>
+    <p:spTree>
+      <p:nvGrpSpPr>
+        <p:cNvPr id="1" name=""/>
+        <p:cNvGrpSpPr/>
+        <p:nvPr/>
+      </p:nvGrpSpPr>
+      <p:grpSpPr>
+        <a:xfrm>
+          <a:off x="0" y="0"/>
+          <a:ext cx="0" cy="0"/>
+          <a:chOff x="0" y="0"/>
+          <a:chExt cx="0" cy="0"/>
+        </a:xfrm>
+      </p:grpSpPr>
+      <p:sp>
+        <p:nvSpPr>
+          <p:cNvPr id="2" name="幻灯片图像占位符 1"/>
+          <p:cNvSpPr>
+            <a:spLocks noGrp="1" noRot="1" noChangeAspect="1"/>
+          </p:cNvSpPr>
+          <p:nvPr>
+            <p:ph type="sldImg"/>
+          </p:nvPr>
+        </p:nvSpPr>
+        <p:spPr/>
+      </p:sp>
+      <p:sp>
+        <p:nvSpPr>
+          <p:cNvPr id="3" name="备注占位符 2"/>
+          <p:cNvSpPr>
+            <a:spLocks noGrp="1"/>
+          </p:cNvSpPr>
+          <p:nvPr>
+            <p:ph type="body" idx="1"/>
+          </p:nvPr>
+        </p:nvSpPr>
+        <p:spPr/>
+        <p:txBody>
+          <a:bodyPr/>
+          <a:lstStyle/>
+          <a:p>
+            <a:endParaRPr lang="zh-CN" altLang="en-US" dirty="0"/>
+          </a:p>
+        </p:txBody>
+      </p:sp>
+      <p:sp>
+        <p:nvSpPr>
+          <p:cNvPr id="4" name="灯片编号占位符 3"/>
+          <p:cNvSpPr>
+            <a:spLocks noGrp="1"/>
+          </p:cNvSpPr>
+          <p:nvPr>
+            <p:ph type="sldNum" sz="quarter" idx="10"/>
+          </p:nvPr>
+        </p:nvSpPr>
+        <p:spPr/>
+        <p:txBody>
+          <a:bodyPr/>
+          <a:lstStyle/>
+          <a:p>
+            <a:pPr>
+              <a:defRPr/>
+            </a:pPr>
+            <a:fld id="{06DBFBB8-2C88-4EF5-ACA0-AB33D3C579D0}" type="slidenum">
+              <a:rPr lang="en-US" altLang="zh-CN" smtClean="0"/>
+              <a:pPr>
+                <a:defRPr/>
+              </a:pPr>
+              <a:t>27</a:t>
+            </a:fld>
+            <a:endParaRPr lang="en-US" altLang="zh-CN"/>
+          </a:p>
+        </p:txBody>
+      </p:sp>
+    </p:spTree>
+    <p:extLst>
+      <p:ext uri="{BB962C8B-B14F-4D97-AF65-F5344CB8AC3E}">
+        <p14:creationId xmlns:p14="http://schemas.microsoft.com/office/powerpoint/2010/main" val="3937773244"/>
+      </p:ext>
+    </p:extLst>
+  </p:cSld>
+  <p:clrMapOvr>
+    <a:masterClrMapping/>
+  </p:clrMapOvr>
+</p:notes>
+</file>
+
+<file path=ppt/notesSlides/notesSlide14.xml><?xml version="1.0" encoding="utf-8"?>
+<p:notes xmlns:a="http://schemas.openxmlformats.org/drawingml/2006/main" xmlns:r="http://schemas.openxmlformats.org/officeDocument/2006/relationships" xmlns:p="http://schemas.openxmlformats.org/presentationml/2006/main">
+  <p:cSld>
+    <p:spTree>
+      <p:nvGrpSpPr>
+        <p:cNvPr id="1" name=""/>
+        <p:cNvGrpSpPr/>
+        <p:nvPr/>
+      </p:nvGrpSpPr>
+      <p:grpSpPr>
+        <a:xfrm>
+          <a:off x="0" y="0"/>
+          <a:ext cx="0" cy="0"/>
+          <a:chOff x="0" y="0"/>
+          <a:chExt cx="0" cy="0"/>
+        </a:xfrm>
+      </p:grpSpPr>
+      <p:sp>
+        <p:nvSpPr>
+          <p:cNvPr id="2" name="幻灯片图像占位符 1"/>
+          <p:cNvSpPr>
+            <a:spLocks noGrp="1" noRot="1" noChangeAspect="1"/>
+          </p:cNvSpPr>
+          <p:nvPr>
+            <p:ph type="sldImg"/>
+          </p:nvPr>
+        </p:nvSpPr>
+        <p:spPr/>
+      </p:sp>
+      <p:sp>
+        <p:nvSpPr>
+          <p:cNvPr id="3" name="备注占位符 2"/>
+          <p:cNvSpPr>
+            <a:spLocks noGrp="1"/>
+          </p:cNvSpPr>
+          <p:nvPr>
+            <p:ph type="body" idx="1"/>
+          </p:nvPr>
+        </p:nvSpPr>
+        <p:spPr/>
+        <p:txBody>
+          <a:bodyPr/>
+          <a:lstStyle/>
+          <a:p>
+            <a:endParaRPr lang="zh-CN" altLang="en-US" dirty="0"/>
+          </a:p>
+        </p:txBody>
+      </p:sp>
+      <p:sp>
+        <p:nvSpPr>
+          <p:cNvPr id="4" name="灯片编号占位符 3"/>
+          <p:cNvSpPr>
+            <a:spLocks noGrp="1"/>
+          </p:cNvSpPr>
+          <p:nvPr>
+            <p:ph type="sldNum" sz="quarter" idx="10"/>
+          </p:nvPr>
+        </p:nvSpPr>
+        <p:spPr/>
+        <p:txBody>
+          <a:bodyPr/>
+          <a:lstStyle/>
+          <a:p>
+            <a:fld id="{9294396F-7CC6-42E5-83BE-72592AAF95CF}" type="slidenum">
+              <a:rPr lang="zh-CN" altLang="en-US" smtClean="0"/>
+              <a:t>28</a:t>
+            </a:fld>
+            <a:endParaRPr lang="zh-CN" altLang="en-US"/>
+          </a:p>
+        </p:txBody>
+      </p:sp>
+    </p:spTree>
+    <p:extLst>
+      <p:ext uri="{BB962C8B-B14F-4D97-AF65-F5344CB8AC3E}">
+        <p14:creationId xmlns:p14="http://schemas.microsoft.com/office/powerpoint/2010/main" val="1433416788"/>
+      </p:ext>
+    </p:extLst>
+  </p:cSld>
+  <p:clrMapOvr>
+    <a:masterClrMapping/>
+  </p:clrMapOvr>
+</p:notes>
+</file>
+
 <file path=ppt/notesSlides/notesSlide2.xml><?xml version="1.0" encoding="utf-8"?>
 <p:notes xmlns:a="http://schemas.openxmlformats.org/drawingml/2006/main" xmlns:r="http://schemas.openxmlformats.org/officeDocument/2006/relationships" xmlns:p="http://schemas.openxmlformats.org/presentationml/2006/main">
   <p:cSld>
@@ -1434,8 +4876,33 @@
         </p:nvSpPr>
         <p:spPr/>
         <p:txBody>
-          <a:bodyPr/>
+          <a:bodyPr>
+            <a:normAutofit/>
+          </a:bodyPr>
           <a:lstStyle/>
+          <a:p>
+            <a:pPr eaLnBrk="1" hangingPunct="1"/>
+            <a:r>
+              <a:rPr lang="zh-CN" altLang="en-US" dirty="0" smtClean="0"/>
+              <a:t>测试计划包含多方面的内容，编写人员可能受自身测试经验和对软件需求的理解所限，而且软件开发是一个渐进的过程，所以最初创建的测试计划可能是不完善的、需要更新的。需要采取相应的评审机制对测试计划的完整性、正确性、可行性进行评估。例如，在创建完测试计划后，提交到由项目经理、开发经理、测试经理、市场经理等组成的评审委员会审阅，根据审阅意见和建议进行修正和更新。</a:t>
+            </a:r>
+            <a:endParaRPr lang="en-US" altLang="zh-CN" dirty="0" smtClean="0"/>
+          </a:p>
+          <a:p>
+            <a:pPr eaLnBrk="1" hangingPunct="1"/>
+            <a:r>
+              <a:rPr lang="zh-CN" altLang="en-US" dirty="0" smtClean="0"/>
+              <a:t>如果没有经过评审，直接发送给测试团队，测试计划内容的可能不准确或遗漏测试内容，</a:t>
+            </a:r>
+            <a:endParaRPr lang="en-US" altLang="zh-CN" dirty="0" smtClean="0"/>
+          </a:p>
+          <a:p>
+            <a:pPr eaLnBrk="1" hangingPunct="1"/>
+            <a:r>
+              <a:rPr lang="zh-CN" altLang="en-US" dirty="0" smtClean="0"/>
+              <a:t>或者软件需求变更引起测试范围的增减，而测试计划的内容没有及时更新，误导测试执行人员。</a:t>
+            </a:r>
+          </a:p>
           <a:p>
             <a:endParaRPr lang="zh-CN" altLang="en-US" dirty="0"/>
           </a:p>
@@ -1456,26 +4923,16 @@
           <a:bodyPr/>
           <a:lstStyle/>
           <a:p>
-            <a:pPr>
-              <a:defRPr/>
-            </a:pPr>
-            <a:fld id="{06DBFBB8-2C88-4EF5-ACA0-AB33D3C579D0}" type="slidenum">
-              <a:rPr lang="en-US" altLang="zh-CN" smtClean="0"/>
-              <a:pPr>
-                <a:defRPr/>
-              </a:pPr>
-              <a:t>12</a:t>
+            <a:fld id="{4140273F-E35B-4368-A4A4-5732FF70872E}" type="slidenum">
+              <a:rPr lang="zh-CN" altLang="en-US" smtClean="0"/>
+              <a:pPr/>
+              <a:t>14</a:t>
             </a:fld>
-            <a:endParaRPr lang="en-US" altLang="zh-CN"/>
+            <a:endParaRPr lang="zh-CN" altLang="en-US"/>
           </a:p>
         </p:txBody>
       </p:sp>
     </p:spTree>
-    <p:extLst>
-      <p:ext uri="{BB962C8B-B14F-4D97-AF65-F5344CB8AC3E}">
-        <p14:creationId xmlns:p14="http://schemas.microsoft.com/office/powerpoint/2010/main" val="1969145088"/>
-      </p:ext>
-    </p:extLst>
   </p:cSld>
   <p:clrMapOvr>
     <a:masterClrMapping/>
@@ -1527,18 +4984,43 @@
           <a:bodyPr/>
           <a:lstStyle/>
           <a:p>
-            <a:r>
-              <a:rPr lang="zh-CN" altLang="en-US" dirty="0" smtClean="0"/>
-              <a:t>模型</a:t>
-            </a:r>
             <a:endParaRPr lang="zh-CN" altLang="en-US" dirty="0"/>
+          </a:p>
+        </p:txBody>
+      </p:sp>
+      <p:sp>
+        <p:nvSpPr>
+          <p:cNvPr id="4" name="灯片编号占位符 3"/>
+          <p:cNvSpPr>
+            <a:spLocks noGrp="1"/>
+          </p:cNvSpPr>
+          <p:nvPr>
+            <p:ph type="sldNum" sz="quarter" idx="10"/>
+          </p:nvPr>
+        </p:nvSpPr>
+        <p:spPr/>
+        <p:txBody>
+          <a:bodyPr/>
+          <a:lstStyle/>
+          <a:p>
+            <a:pPr>
+              <a:defRPr/>
+            </a:pPr>
+            <a:fld id="{06DBFBB8-2C88-4EF5-ACA0-AB33D3C579D0}" type="slidenum">
+              <a:rPr lang="en-US" altLang="zh-CN" smtClean="0"/>
+              <a:pPr>
+                <a:defRPr/>
+              </a:pPr>
+              <a:t>15</a:t>
+            </a:fld>
+            <a:endParaRPr lang="en-US" altLang="zh-CN"/>
           </a:p>
         </p:txBody>
       </p:sp>
     </p:spTree>
     <p:extLst>
       <p:ext uri="{BB962C8B-B14F-4D97-AF65-F5344CB8AC3E}">
-        <p14:creationId xmlns:p14="http://schemas.microsoft.com/office/powerpoint/2010/main" val="826095375"/>
+        <p14:creationId xmlns:p14="http://schemas.microsoft.com/office/powerpoint/2010/main" val="1969145088"/>
       </p:ext>
     </p:extLst>
   </p:cSld>
@@ -1589,7 +5071,9 @@
         </p:nvSpPr>
         <p:spPr/>
         <p:txBody>
-          <a:bodyPr/>
+          <a:bodyPr>
+            <a:normAutofit/>
+          </a:bodyPr>
           <a:lstStyle/>
           <a:p>
             <a:endParaRPr lang="zh-CN" altLang="en-US" dirty="0"/>
@@ -1611,26 +5095,16 @@
           <a:bodyPr/>
           <a:lstStyle/>
           <a:p>
-            <a:pPr>
-              <a:defRPr/>
-            </a:pPr>
-            <a:fld id="{06DBFBB8-2C88-4EF5-ACA0-AB33D3C579D0}" type="slidenum">
-              <a:rPr lang="en-US" altLang="zh-CN" smtClean="0"/>
-              <a:pPr>
-                <a:defRPr/>
-              </a:pPr>
-              <a:t>20</a:t>
+            <a:fld id="{4140273F-E35B-4368-A4A4-5732FF70872E}" type="slidenum">
+              <a:rPr lang="zh-CN" altLang="en-US" smtClean="0"/>
+              <a:pPr/>
+              <a:t>16</a:t>
             </a:fld>
-            <a:endParaRPr lang="en-US" altLang="zh-CN"/>
+            <a:endParaRPr lang="zh-CN" altLang="en-US"/>
           </a:p>
         </p:txBody>
       </p:sp>
     </p:spTree>
-    <p:extLst>
-      <p:ext uri="{BB962C8B-B14F-4D97-AF65-F5344CB8AC3E}">
-        <p14:creationId xmlns:p14="http://schemas.microsoft.com/office/powerpoint/2010/main" val="3937773244"/>
-      </p:ext>
-    </p:extLst>
   </p:cSld>
   <p:clrMapOvr>
     <a:masterClrMapping/>
@@ -1682,37 +5156,18 @@
           <a:bodyPr/>
           <a:lstStyle/>
           <a:p>
+            <a:r>
+              <a:rPr lang="zh-CN" altLang="en-US" dirty="0" smtClean="0"/>
+              <a:t>模型</a:t>
+            </a:r>
             <a:endParaRPr lang="zh-CN" altLang="en-US" dirty="0"/>
-          </a:p>
-        </p:txBody>
-      </p:sp>
-      <p:sp>
-        <p:nvSpPr>
-          <p:cNvPr id="4" name="灯片编号占位符 3"/>
-          <p:cNvSpPr>
-            <a:spLocks noGrp="1"/>
-          </p:cNvSpPr>
-          <p:nvPr>
-            <p:ph type="sldNum" sz="quarter" idx="10"/>
-          </p:nvPr>
-        </p:nvSpPr>
-        <p:spPr/>
-        <p:txBody>
-          <a:bodyPr/>
-          <a:lstStyle/>
-          <a:p>
-            <a:fld id="{9294396F-7CC6-42E5-83BE-72592AAF95CF}" type="slidenum">
-              <a:rPr lang="zh-CN" altLang="en-US" smtClean="0"/>
-              <a:t>21</a:t>
-            </a:fld>
-            <a:endParaRPr lang="zh-CN" altLang="en-US"/>
           </a:p>
         </p:txBody>
       </p:sp>
     </p:spTree>
     <p:extLst>
       <p:ext uri="{BB962C8B-B14F-4D97-AF65-F5344CB8AC3E}">
-        <p14:creationId xmlns:p14="http://schemas.microsoft.com/office/powerpoint/2010/main" val="1433416788"/>
+        <p14:creationId xmlns:p14="http://schemas.microsoft.com/office/powerpoint/2010/main" val="826095375"/>
       </p:ext>
     </p:extLst>
   </p:cSld>
@@ -4277,11 +7732,11 @@
               <a:t>软件测试概述</a:t>
             </a:r>
             <a:r>
-              <a:rPr lang="en-US" altLang="zh-CN" sz="4400" dirty="0" smtClean="0">
+              <a:rPr lang="en-US" altLang="zh-CN" sz="4400" smtClean="0">
                 <a:latin typeface="华文隶书" pitchFamily="2" charset="-122"/>
                 <a:ea typeface="华文隶书" pitchFamily="2" charset="-122"/>
               </a:rPr>
-              <a:t>—2.3</a:t>
+              <a:t>—2.3 </a:t>
             </a:r>
             <a:r>
               <a:rPr lang="zh-CN" altLang="en-US" sz="4400" dirty="0" smtClean="0">
@@ -4587,7 +8042,7 @@
         </p:blipFill>
         <p:spPr bwMode="auto">
           <a:xfrm rot="482243">
-            <a:off x="8933302" y="3257911"/>
+            <a:off x="8573262" y="2969878"/>
             <a:ext cx="1855787" cy="2605088"/>
           </a:xfrm>
           <a:prstGeom prst="rect">
@@ -4626,6 +8081,656 @@
 </file>
 
 <file path=ppt/slides/slide12.xml><?xml version="1.0" encoding="utf-8"?>
+<p:sld xmlns:a="http://schemas.openxmlformats.org/drawingml/2006/main" xmlns:r="http://schemas.openxmlformats.org/officeDocument/2006/relationships" xmlns:p="http://schemas.openxmlformats.org/presentationml/2006/main">
+  <p:cSld>
+    <p:spTree>
+      <p:nvGrpSpPr>
+        <p:cNvPr id="1" name=""/>
+        <p:cNvGrpSpPr/>
+        <p:nvPr/>
+      </p:nvGrpSpPr>
+      <p:grpSpPr>
+        <a:xfrm>
+          <a:off x="0" y="0"/>
+          <a:ext cx="0" cy="0"/>
+          <a:chOff x="0" y="0"/>
+          <a:chExt cx="0" cy="0"/>
+        </a:xfrm>
+      </p:grpSpPr>
+      <p:sp>
+        <p:nvSpPr>
+          <p:cNvPr id="14338" name="标题 1"/>
+          <p:cNvSpPr>
+            <a:spLocks noGrp="1"/>
+          </p:cNvSpPr>
+          <p:nvPr>
+            <p:ph type="title"/>
+          </p:nvPr>
+        </p:nvSpPr>
+        <p:spPr>
+          <a:noFill/>
+        </p:spPr>
+        <p:txBody>
+          <a:bodyPr>
+            <a:normAutofit/>
+          </a:bodyPr>
+          <a:lstStyle/>
+          <a:p>
+            <a:pPr eaLnBrk="1" hangingPunct="1"/>
+            <a:r>
+              <a:rPr lang="zh-CN" altLang="en-US" dirty="0"/>
+              <a:t>为什么制定测试计划</a:t>
+            </a:r>
+          </a:p>
+        </p:txBody>
+      </p:sp>
+      <p:graphicFrame>
+        <p:nvGraphicFramePr>
+          <p:cNvPr id="4" name="图示 3"/>
+          <p:cNvGraphicFramePr/>
+          <p:nvPr>
+            <p:extLst>
+              <p:ext uri="{D42A27DB-BD31-4B8C-83A1-F6EECF244321}">
+                <p14:modId xmlns:p14="http://schemas.microsoft.com/office/powerpoint/2010/main" val="1168800654"/>
+              </p:ext>
+            </p:extLst>
+          </p:nvPr>
+        </p:nvGraphicFramePr>
+        <p:xfrm>
+          <a:off x="1808480" y="1484784"/>
+          <a:ext cx="8128000" cy="4064000"/>
+        </p:xfrm>
+        <a:graphic>
+          <a:graphicData uri="http://schemas.openxmlformats.org/drawingml/2006/diagram">
+            <dgm:relIds xmlns:dgm="http://schemas.openxmlformats.org/drawingml/2006/diagram" xmlns:r="http://schemas.openxmlformats.org/officeDocument/2006/relationships" r:dm="rId2" r:lo="rId3" r:qs="rId4" r:cs="rId5"/>
+          </a:graphicData>
+        </a:graphic>
+      </p:graphicFrame>
+    </p:spTree>
+    <p:extLst>
+      <p:ext uri="{BB962C8B-B14F-4D97-AF65-F5344CB8AC3E}">
+        <p14:creationId xmlns:p14="http://schemas.microsoft.com/office/powerpoint/2010/main" val="3713947817"/>
+      </p:ext>
+    </p:extLst>
+  </p:cSld>
+  <p:clrMapOvr>
+    <a:masterClrMapping/>
+  </p:clrMapOvr>
+  <p:transition>
+    <p:blinds dir="vert"/>
+  </p:transition>
+  <p:timing>
+    <p:tnLst>
+      <p:par>
+        <p:cTn id="1" dur="indefinite" restart="never" nodeType="tmRoot"/>
+      </p:par>
+    </p:tnLst>
+  </p:timing>
+</p:sld>
+</file>
+
+<file path=ppt/slides/slide13.xml><?xml version="1.0" encoding="utf-8"?>
+<p:sld xmlns:a="http://schemas.openxmlformats.org/drawingml/2006/main" xmlns:r="http://schemas.openxmlformats.org/officeDocument/2006/relationships" xmlns:p="http://schemas.openxmlformats.org/presentationml/2006/main" showMasterPhAnim="0">
+  <p:cSld>
+    <p:spTree>
+      <p:nvGrpSpPr>
+        <p:cNvPr id="1" name=""/>
+        <p:cNvGrpSpPr/>
+        <p:nvPr/>
+      </p:nvGrpSpPr>
+      <p:grpSpPr>
+        <a:xfrm>
+          <a:off x="0" y="0"/>
+          <a:ext cx="0" cy="0"/>
+          <a:chOff x="0" y="0"/>
+          <a:chExt cx="0" cy="0"/>
+        </a:xfrm>
+      </p:grpSpPr>
+      <p:sp>
+        <p:nvSpPr>
+          <p:cNvPr id="19458" name="Rectangle 2"/>
+          <p:cNvSpPr>
+            <a:spLocks noGrp="1" noChangeArrowheads="1"/>
+          </p:cNvSpPr>
+          <p:nvPr>
+            <p:ph type="title"/>
+          </p:nvPr>
+        </p:nvSpPr>
+        <p:spPr/>
+        <p:txBody>
+          <a:bodyPr/>
+          <a:lstStyle/>
+          <a:p>
+            <a:pPr eaLnBrk="1" hangingPunct="1"/>
+            <a:r>
+              <a:rPr lang="zh-CN" altLang="en-US" dirty="0"/>
+              <a:t>什么时候开始制定测试计划</a:t>
+            </a:r>
+          </a:p>
+        </p:txBody>
+      </p:sp>
+      <p:sp>
+        <p:nvSpPr>
+          <p:cNvPr id="776195" name="Rectangle 3"/>
+          <p:cNvSpPr>
+            <a:spLocks noGrp="1" noChangeArrowheads="1"/>
+          </p:cNvSpPr>
+          <p:nvPr>
+            <p:ph idx="1"/>
+          </p:nvPr>
+        </p:nvSpPr>
+        <p:spPr>
+          <a:xfrm>
+            <a:off x="695400" y="1340768"/>
+            <a:ext cx="10272183" cy="4419600"/>
+          </a:xfrm>
+        </p:spPr>
+        <p:txBody>
+          <a:bodyPr/>
+          <a:lstStyle/>
+          <a:p>
+            <a:r>
+              <a:rPr lang="zh-CN" altLang="en-US" dirty="0">
+                <a:solidFill>
+                  <a:srgbClr val="000000"/>
+                </a:solidFill>
+              </a:rPr>
+              <a:t>软件测试计划应当尽早的制定，需求说明书确定之后进行</a:t>
+            </a:r>
+            <a:endParaRPr lang="en-US" altLang="zh-CN" dirty="0">
+              <a:solidFill>
+                <a:srgbClr val="000000"/>
+              </a:solidFill>
+            </a:endParaRPr>
+          </a:p>
+          <a:p>
+            <a:r>
+              <a:rPr lang="zh-CN" altLang="en-US" dirty="0" smtClean="0">
+                <a:solidFill>
+                  <a:srgbClr val="000000"/>
+                </a:solidFill>
+              </a:rPr>
+              <a:t>软件测试计划</a:t>
+            </a:r>
+            <a:r>
+              <a:rPr lang="zh-CN" altLang="en-US" dirty="0">
+                <a:solidFill>
+                  <a:srgbClr val="000000"/>
+                </a:solidFill>
+              </a:rPr>
+              <a:t>在测试活动中处于中心位置</a:t>
+            </a:r>
+            <a:endParaRPr lang="en-US" altLang="zh-CN" dirty="0">
+              <a:solidFill>
+                <a:srgbClr val="000000"/>
+              </a:solidFill>
+            </a:endParaRPr>
+          </a:p>
+          <a:p>
+            <a:r>
+              <a:rPr lang="zh-CN" altLang="en-US" dirty="0" smtClean="0">
+                <a:solidFill>
+                  <a:srgbClr val="000000"/>
+                </a:solidFill>
+              </a:rPr>
+              <a:t>它</a:t>
+            </a:r>
+            <a:r>
+              <a:rPr lang="zh-CN" altLang="en-US" dirty="0">
+                <a:solidFill>
+                  <a:srgbClr val="000000"/>
+                </a:solidFill>
+              </a:rPr>
+              <a:t>设定了测试准备工作和执行测试的必备的</a:t>
+            </a:r>
+            <a:r>
+              <a:rPr lang="zh-CN" altLang="en-US" dirty="0" smtClean="0">
+                <a:solidFill>
+                  <a:srgbClr val="000000"/>
+                </a:solidFill>
+              </a:rPr>
+              <a:t>条件，同时</a:t>
+            </a:r>
+            <a:r>
+              <a:rPr lang="zh-CN" altLang="en-US" dirty="0">
+                <a:solidFill>
+                  <a:srgbClr val="000000"/>
+                </a:solidFill>
+              </a:rPr>
+              <a:t>形成了测试过程质量保证的基础</a:t>
+            </a:r>
+          </a:p>
+          <a:p>
+            <a:endParaRPr lang="zh-CN" altLang="en-US" dirty="0" smtClean="0">
+              <a:ea typeface="宋体" pitchFamily="2" charset="-122"/>
+            </a:endParaRPr>
+          </a:p>
+        </p:txBody>
+      </p:sp>
+      <p:pic>
+        <p:nvPicPr>
+          <p:cNvPr id="5" name="图片 11" descr="u=1951686068,4261507619&amp;fm=3&amp;gp=1.jpg"/>
+          <p:cNvPicPr>
+            <a:picLocks noChangeAspect="1"/>
+          </p:cNvPicPr>
+          <p:nvPr/>
+        </p:nvPicPr>
+        <p:blipFill>
+          <a:blip r:embed="rId2"/>
+          <a:srcRect/>
+          <a:stretch>
+            <a:fillRect/>
+          </a:stretch>
+        </p:blipFill>
+        <p:spPr bwMode="auto">
+          <a:xfrm rot="158122">
+            <a:off x="7374898" y="4182663"/>
+            <a:ext cx="1828156" cy="1025872"/>
+          </a:xfrm>
+          <a:prstGeom prst="rect">
+            <a:avLst/>
+          </a:prstGeom>
+          <a:noFill/>
+          <a:ln w="9525">
+            <a:noFill/>
+            <a:miter lim="800000"/>
+            <a:headEnd/>
+            <a:tailEnd/>
+          </a:ln>
+        </p:spPr>
+      </p:pic>
+    </p:spTree>
+    <p:extLst>
+      <p:ext uri="{BB962C8B-B14F-4D97-AF65-F5344CB8AC3E}">
+        <p14:creationId xmlns:p14="http://schemas.microsoft.com/office/powerpoint/2010/main" val="2184534450"/>
+      </p:ext>
+    </p:extLst>
+  </p:cSld>
+  <p:clrMapOvr>
+    <a:masterClrMapping/>
+  </p:clrMapOvr>
+  <p:transition>
+    <p:blinds dir="vert"/>
+  </p:transition>
+  <p:timing>
+    <p:tnLst>
+      <p:par>
+        <p:cTn id="1" dur="indefinite" restart="never" nodeType="tmRoot">
+          <p:childTnLst>
+            <p:seq concurrent="1" nextAc="seek">
+              <p:cTn id="2" dur="indefinite" nodeType="mainSeq">
+                <p:childTnLst>
+                  <p:par>
+                    <p:cTn id="3" fill="hold">
+                      <p:stCondLst>
+                        <p:cond delay="indefinite"/>
+                      </p:stCondLst>
+                      <p:childTnLst>
+                        <p:par>
+                          <p:cTn id="4" fill="hold">
+                            <p:stCondLst>
+                              <p:cond delay="0"/>
+                            </p:stCondLst>
+                            <p:childTnLst>
+                              <p:par>
+                                <p:cTn id="5" presetID="14" presetClass="entr" presetSubtype="10" fill="hold" grpId="0" nodeType="clickEffect">
+                                  <p:stCondLst>
+                                    <p:cond delay="0"/>
+                                  </p:stCondLst>
+                                  <p:childTnLst>
+                                    <p:set>
+                                      <p:cBhvr>
+                                        <p:cTn id="6" dur="1" fill="hold">
+                                          <p:stCondLst>
+                                            <p:cond delay="0"/>
+                                          </p:stCondLst>
+                                        </p:cTn>
+                                        <p:tgtEl>
+                                          <p:spTgt spid="776195"/>
+                                        </p:tgtEl>
+                                        <p:attrNameLst>
+                                          <p:attrName>style.visibility</p:attrName>
+                                        </p:attrNameLst>
+                                      </p:cBhvr>
+                                      <p:to>
+                                        <p:strVal val="visible"/>
+                                      </p:to>
+                                    </p:set>
+                                    <p:animEffect transition="in" filter="randombar(horizontal)">
+                                      <p:cBhvr>
+                                        <p:cTn id="7" dur="500"/>
+                                        <p:tgtEl>
+                                          <p:spTgt spid="776195"/>
+                                        </p:tgtEl>
+                                      </p:cBhvr>
+                                    </p:animEffect>
+                                  </p:childTnLst>
+                                </p:cTn>
+                              </p:par>
+                            </p:childTnLst>
+                          </p:cTn>
+                        </p:par>
+                      </p:childTnLst>
+                    </p:cTn>
+                  </p:par>
+                </p:childTnLst>
+              </p:cTn>
+              <p:prevCondLst>
+                <p:cond evt="onPrev" delay="0">
+                  <p:tgtEl>
+                    <p:sldTgt/>
+                  </p:tgtEl>
+                </p:cond>
+              </p:prevCondLst>
+              <p:nextCondLst>
+                <p:cond evt="onNext" delay="0">
+                  <p:tgtEl>
+                    <p:sldTgt/>
+                  </p:tgtEl>
+                </p:cond>
+              </p:nextCondLst>
+            </p:seq>
+          </p:childTnLst>
+        </p:cTn>
+      </p:par>
+    </p:tnLst>
+    <p:bldLst>
+      <p:bldP spid="776195" grpId="0" autoUpdateAnimBg="0"/>
+    </p:bldLst>
+  </p:timing>
+</p:sld>
+</file>
+
+<file path=ppt/slides/slide14.xml><?xml version="1.0" encoding="utf-8"?>
+<p:sld xmlns:a="http://schemas.openxmlformats.org/drawingml/2006/main" xmlns:r="http://schemas.openxmlformats.org/officeDocument/2006/relationships" xmlns:p="http://schemas.openxmlformats.org/presentationml/2006/main">
+  <p:cSld>
+    <p:spTree>
+      <p:nvGrpSpPr>
+        <p:cNvPr id="1" name=""/>
+        <p:cNvGrpSpPr/>
+        <p:nvPr/>
+      </p:nvGrpSpPr>
+      <p:grpSpPr>
+        <a:xfrm>
+          <a:off x="0" y="0"/>
+          <a:ext cx="0" cy="0"/>
+          <a:chOff x="0" y="0"/>
+          <a:chExt cx="0" cy="0"/>
+        </a:xfrm>
+      </p:grpSpPr>
+      <p:sp>
+        <p:nvSpPr>
+          <p:cNvPr id="20482" name="Rectangle 2"/>
+          <p:cNvSpPr>
+            <a:spLocks noGrp="1" noChangeArrowheads="1"/>
+          </p:cNvSpPr>
+          <p:nvPr>
+            <p:ph type="title"/>
+          </p:nvPr>
+        </p:nvSpPr>
+        <p:spPr/>
+        <p:txBody>
+          <a:bodyPr/>
+          <a:lstStyle/>
+          <a:p>
+            <a:r>
+              <a:rPr lang="zh-CN" altLang="en-US" dirty="0"/>
+              <a:t>使用和维护测试计划</a:t>
+            </a:r>
+          </a:p>
+        </p:txBody>
+      </p:sp>
+      <p:sp>
+        <p:nvSpPr>
+          <p:cNvPr id="20483" name="Rectangle 3"/>
+          <p:cNvSpPr>
+            <a:spLocks noGrp="1" noChangeArrowheads="1"/>
+          </p:cNvSpPr>
+          <p:nvPr>
+            <p:ph idx="1"/>
+          </p:nvPr>
+        </p:nvSpPr>
+        <p:spPr>
+          <a:xfrm>
+            <a:off x="1102784" y="1142984"/>
+            <a:ext cx="10369549" cy="3987800"/>
+          </a:xfrm>
+        </p:spPr>
+        <p:txBody>
+          <a:bodyPr/>
+          <a:lstStyle/>
+          <a:p>
+            <a:r>
+              <a:rPr lang="zh-CN" altLang="en-US" dirty="0"/>
+              <a:t>使用过程中要对测试计划进行必要的监测</a:t>
+            </a:r>
+            <a:endParaRPr lang="en-US" altLang="zh-CN" dirty="0"/>
+          </a:p>
+          <a:p>
+            <a:pPr lvl="1">
+              <a:lnSpc>
+                <a:spcPct val="150000"/>
+              </a:lnSpc>
+            </a:pPr>
+            <a:r>
+              <a:rPr lang="zh-CN" altLang="en-US" dirty="0" smtClean="0">
+                <a:solidFill>
+                  <a:schemeClr val="tx1"/>
+                </a:solidFill>
+              </a:rPr>
+              <a:t>测试计划</a:t>
+            </a:r>
+            <a:r>
+              <a:rPr lang="zh-CN" altLang="en-US" dirty="0">
+                <a:solidFill>
+                  <a:schemeClr val="tx1"/>
+                </a:solidFill>
+              </a:rPr>
+              <a:t>要经过评审</a:t>
+            </a:r>
+          </a:p>
+          <a:p>
+            <a:pPr lvl="1">
+              <a:lnSpc>
+                <a:spcPct val="150000"/>
+              </a:lnSpc>
+            </a:pPr>
+            <a:r>
+              <a:rPr lang="zh-CN" altLang="en-US" dirty="0">
+                <a:solidFill>
+                  <a:schemeClr val="tx1"/>
+                </a:solidFill>
+              </a:rPr>
+              <a:t>测试项目是否按照计划执行</a:t>
+            </a:r>
+          </a:p>
+          <a:p>
+            <a:pPr lvl="1">
+              <a:lnSpc>
+                <a:spcPct val="150000"/>
+              </a:lnSpc>
+            </a:pPr>
+            <a:r>
+              <a:rPr lang="zh-CN" altLang="en-US" dirty="0">
+                <a:solidFill>
+                  <a:schemeClr val="tx1"/>
+                </a:solidFill>
+              </a:rPr>
+              <a:t>测试计划是否需要调整或修改</a:t>
+            </a:r>
+          </a:p>
+        </p:txBody>
+      </p:sp>
+      <p:sp>
+        <p:nvSpPr>
+          <p:cNvPr id="5" name="矩形 4"/>
+          <p:cNvSpPr/>
+          <p:nvPr/>
+        </p:nvSpPr>
+        <p:spPr>
+          <a:xfrm>
+            <a:off x="8549444" y="3500438"/>
+            <a:ext cx="1576072" cy="923330"/>
+          </a:xfrm>
+          <a:prstGeom prst="rect">
+            <a:avLst/>
+          </a:prstGeom>
+        </p:spPr>
+        <p:style>
+          <a:lnRef idx="0">
+            <a:schemeClr val="accent4"/>
+          </a:lnRef>
+          <a:fillRef idx="3">
+            <a:schemeClr val="accent4"/>
+          </a:fillRef>
+          <a:effectRef idx="3">
+            <a:schemeClr val="accent4"/>
+          </a:effectRef>
+          <a:fontRef idx="minor">
+            <a:schemeClr val="lt1"/>
+          </a:fontRef>
+        </p:style>
+        <p:txBody>
+          <a:bodyPr wrap="none" lIns="91440" tIns="45720" rIns="91440" bIns="45720">
+            <a:spAutoFit/>
+            <a:scene3d>
+              <a:camera prst="orthographicFront"/>
+              <a:lightRig rig="glow" dir="tl">
+                <a:rot lat="0" lon="0" rev="5400000"/>
+              </a:lightRig>
+            </a:scene3d>
+            <a:sp3d contourW="12700">
+              <a:bevelT w="25400" h="25400"/>
+              <a:contourClr>
+                <a:schemeClr val="accent6">
+                  <a:shade val="73000"/>
+                </a:schemeClr>
+              </a:contourClr>
+            </a:sp3d>
+          </a:bodyPr>
+          <a:lstStyle/>
+          <a:p>
+            <a:pPr algn="ctr"/>
+            <a:r>
+              <a:rPr lang="zh-CN" altLang="en-US" sz="5400" b="1" cap="none" spc="0" dirty="0" smtClean="0">
+                <a:ln w="11430"/>
+                <a:gradFill>
+                  <a:gsLst>
+                    <a:gs pos="0">
+                      <a:schemeClr val="accent6">
+                        <a:tint val="90000"/>
+                        <a:satMod val="120000"/>
+                      </a:schemeClr>
+                    </a:gs>
+                    <a:gs pos="25000">
+                      <a:schemeClr val="accent6">
+                        <a:tint val="93000"/>
+                        <a:satMod val="120000"/>
+                      </a:schemeClr>
+                    </a:gs>
+                    <a:gs pos="50000">
+                      <a:schemeClr val="accent6">
+                        <a:shade val="89000"/>
+                        <a:satMod val="110000"/>
+                      </a:schemeClr>
+                    </a:gs>
+                    <a:gs pos="75000">
+                      <a:schemeClr val="accent6">
+                        <a:tint val="93000"/>
+                        <a:satMod val="120000"/>
+                      </a:schemeClr>
+                    </a:gs>
+                    <a:gs pos="100000">
+                      <a:schemeClr val="accent6">
+                        <a:tint val="90000"/>
+                        <a:satMod val="120000"/>
+                      </a:schemeClr>
+                    </a:gs>
+                  </a:gsLst>
+                  <a:lin ang="5400000"/>
+                </a:gradFill>
+                <a:effectLst>
+                  <a:outerShdw blurRad="80000" dist="40000" dir="5040000" algn="tl">
+                    <a:srgbClr val="000000">
+                      <a:alpha val="30000"/>
+                    </a:srgbClr>
+                  </a:outerShdw>
+                </a:effectLst>
+              </a:rPr>
+              <a:t>调整</a:t>
+            </a:r>
+            <a:endParaRPr lang="zh-CN" altLang="en-US" sz="5400" b="1" cap="none" spc="0" dirty="0">
+              <a:ln w="11430"/>
+              <a:gradFill>
+                <a:gsLst>
+                  <a:gs pos="0">
+                    <a:schemeClr val="accent6">
+                      <a:tint val="90000"/>
+                      <a:satMod val="120000"/>
+                    </a:schemeClr>
+                  </a:gs>
+                  <a:gs pos="25000">
+                    <a:schemeClr val="accent6">
+                      <a:tint val="93000"/>
+                      <a:satMod val="120000"/>
+                    </a:schemeClr>
+                  </a:gs>
+                  <a:gs pos="50000">
+                    <a:schemeClr val="accent6">
+                      <a:shade val="89000"/>
+                      <a:satMod val="110000"/>
+                    </a:schemeClr>
+                  </a:gs>
+                  <a:gs pos="75000">
+                    <a:schemeClr val="accent6">
+                      <a:tint val="93000"/>
+                      <a:satMod val="120000"/>
+                    </a:schemeClr>
+                  </a:gs>
+                  <a:gs pos="100000">
+                    <a:schemeClr val="accent6">
+                      <a:tint val="90000"/>
+                      <a:satMod val="120000"/>
+                    </a:schemeClr>
+                  </a:gs>
+                </a:gsLst>
+                <a:lin ang="5400000"/>
+              </a:gradFill>
+              <a:effectLst>
+                <a:outerShdw blurRad="80000" dist="40000" dir="5040000" algn="tl">
+                  <a:srgbClr val="000000">
+                    <a:alpha val="30000"/>
+                  </a:srgbClr>
+                </a:outerShdw>
+              </a:effectLst>
+            </a:endParaRPr>
+          </a:p>
+        </p:txBody>
+      </p:sp>
+    </p:spTree>
+    <p:extLst>
+      <p:ext uri="{BB962C8B-B14F-4D97-AF65-F5344CB8AC3E}">
+        <p14:creationId xmlns:p14="http://schemas.microsoft.com/office/powerpoint/2010/main" val="2457679836"/>
+      </p:ext>
+    </p:extLst>
+  </p:cSld>
+  <p:clrMapOvr>
+    <a:masterClrMapping/>
+  </p:clrMapOvr>
+  <p:transition>
+    <p:blinds dir="vert"/>
+  </p:transition>
+  <p:timing>
+    <p:tnLst>
+      <p:par>
+        <p:cTn id="1" dur="indefinite" restart="never" nodeType="tmRoot"/>
+      </p:par>
+    </p:tnLst>
+  </p:timing>
+</p:sld>
+</file>
+
+<file path=ppt/slides/slide15.xml><?xml version="1.0" encoding="utf-8"?>
 <p:sld xmlns:a="http://schemas.openxmlformats.org/drawingml/2006/main" xmlns:r="http://schemas.openxmlformats.org/officeDocument/2006/relationships" xmlns:p="http://schemas.openxmlformats.org/presentationml/2006/main">
   <p:cSld>
     <p:spTree>
@@ -5144,7 +9249,1121 @@
 </p:sld>
 </file>
 
-<file path=ppt/slides/slide13.xml><?xml version="1.0" encoding="utf-8"?>
+<file path=ppt/slides/slide16.xml><?xml version="1.0" encoding="utf-8"?>
+<p:sld xmlns:a="http://schemas.openxmlformats.org/drawingml/2006/main" xmlns:r="http://schemas.openxmlformats.org/officeDocument/2006/relationships" xmlns:p="http://schemas.openxmlformats.org/presentationml/2006/main">
+  <p:cSld>
+    <p:spTree>
+      <p:nvGrpSpPr>
+        <p:cNvPr id="1" name=""/>
+        <p:cNvGrpSpPr/>
+        <p:nvPr/>
+      </p:nvGrpSpPr>
+      <p:grpSpPr>
+        <a:xfrm>
+          <a:off x="0" y="0"/>
+          <a:ext cx="0" cy="0"/>
+          <a:chOff x="0" y="0"/>
+          <a:chExt cx="0" cy="0"/>
+        </a:xfrm>
+      </p:grpSpPr>
+      <p:sp>
+        <p:nvSpPr>
+          <p:cNvPr id="22530" name="Rectangle 2"/>
+          <p:cNvSpPr>
+            <a:spLocks noGrp="1" noChangeArrowheads="1"/>
+          </p:cNvSpPr>
+          <p:nvPr>
+            <p:ph type="title"/>
+          </p:nvPr>
+        </p:nvSpPr>
+        <p:spPr/>
+        <p:txBody>
+          <a:bodyPr/>
+          <a:lstStyle/>
+          <a:p>
+            <a:r>
+              <a:rPr lang="zh-CN" altLang="en-US" dirty="0"/>
+              <a:t>正确认识测试计划</a:t>
+            </a:r>
+          </a:p>
+        </p:txBody>
+      </p:sp>
+      <p:sp>
+        <p:nvSpPr>
+          <p:cNvPr id="779267" name="Rectangle 3"/>
+          <p:cNvSpPr>
+            <a:spLocks noGrp="1" noChangeArrowheads="1"/>
+          </p:cNvSpPr>
+          <p:nvPr>
+            <p:ph idx="1"/>
+          </p:nvPr>
+        </p:nvSpPr>
+        <p:spPr>
+          <a:xfrm>
+            <a:off x="767408" y="1124744"/>
+            <a:ext cx="11521280" cy="4968652"/>
+          </a:xfrm>
+        </p:spPr>
+        <p:txBody>
+          <a:bodyPr>
+            <a:noAutofit/>
+          </a:bodyPr>
+          <a:lstStyle/>
+          <a:p>
+            <a:pPr>
+              <a:lnSpc>
+                <a:spcPct val="90000"/>
+              </a:lnSpc>
+            </a:pPr>
+            <a:r>
+              <a:rPr lang="zh-CN" altLang="en-US" dirty="0"/>
+              <a:t>谁是测试计划的最终用户</a:t>
+            </a:r>
+          </a:p>
+          <a:p>
+            <a:pPr lvl="1">
+              <a:lnSpc>
+                <a:spcPct val="150000"/>
+              </a:lnSpc>
+            </a:pPr>
+            <a:r>
+              <a:rPr lang="zh-CN" altLang="en-US" sz="2000" dirty="0">
+                <a:solidFill>
+                  <a:schemeClr val="tx1"/>
+                </a:solidFill>
+              </a:rPr>
+              <a:t>测试计划的最终用户一般是</a:t>
+            </a:r>
+            <a:r>
+              <a:rPr lang="zh-CN" altLang="en-US" sz="2000" dirty="0">
+                <a:solidFill>
+                  <a:srgbClr val="FF0000"/>
+                </a:solidFill>
+              </a:rPr>
+              <a:t>研发团队</a:t>
+            </a:r>
+          </a:p>
+          <a:p>
+            <a:pPr lvl="1">
+              <a:lnSpc>
+                <a:spcPct val="150000"/>
+              </a:lnSpc>
+            </a:pPr>
+            <a:r>
+              <a:rPr lang="zh-CN" altLang="en-US" sz="2000" dirty="0">
+                <a:solidFill>
+                  <a:schemeClr val="tx1"/>
+                </a:solidFill>
+              </a:rPr>
+              <a:t>测试计划作为产品提交给</a:t>
+            </a:r>
+            <a:r>
+              <a:rPr lang="zh-CN" altLang="en-US" sz="2000" dirty="0">
+                <a:solidFill>
+                  <a:srgbClr val="FF0000"/>
+                </a:solidFill>
+              </a:rPr>
+              <a:t>用户</a:t>
+            </a:r>
+            <a:r>
+              <a:rPr lang="zh-CN" altLang="en-US" sz="2000" dirty="0">
+                <a:solidFill>
+                  <a:schemeClr val="tx1"/>
+                </a:solidFill>
+              </a:rPr>
+              <a:t>（特殊需求、军方、外包测试用户）</a:t>
+            </a:r>
+          </a:p>
+          <a:p>
+            <a:pPr>
+              <a:lnSpc>
+                <a:spcPct val="150000"/>
+              </a:lnSpc>
+              <a:spcBef>
+                <a:spcPts val="0"/>
+              </a:spcBef>
+            </a:pPr>
+            <a:r>
+              <a:rPr lang="zh-CN" altLang="en-US" dirty="0" smtClean="0"/>
+              <a:t>关于</a:t>
+            </a:r>
+            <a:r>
+              <a:rPr lang="zh-CN" altLang="en-US" dirty="0"/>
+              <a:t>测试计划的格式和内容</a:t>
+            </a:r>
+          </a:p>
+          <a:p>
+            <a:pPr lvl="1">
+              <a:lnSpc>
+                <a:spcPct val="150000"/>
+              </a:lnSpc>
+              <a:spcBef>
+                <a:spcPts val="0"/>
+              </a:spcBef>
+            </a:pPr>
+            <a:r>
+              <a:rPr lang="zh-CN" altLang="en-US" sz="2000" dirty="0" smtClean="0">
+                <a:solidFill>
+                  <a:schemeClr val="tx1"/>
+                </a:solidFill>
+              </a:rPr>
+              <a:t>如果用户</a:t>
+            </a:r>
+            <a:r>
+              <a:rPr lang="zh-CN" altLang="en-US" sz="2000" dirty="0">
+                <a:solidFill>
+                  <a:schemeClr val="tx1"/>
+                </a:solidFill>
+              </a:rPr>
+              <a:t>是研发团队：</a:t>
+            </a:r>
+          </a:p>
+          <a:p>
+            <a:pPr lvl="2">
+              <a:lnSpc>
+                <a:spcPct val="150000"/>
+              </a:lnSpc>
+              <a:spcBef>
+                <a:spcPts val="0"/>
+              </a:spcBef>
+              <a:buFont typeface="Wingdings" panose="05000000000000000000" pitchFamily="2" charset="2"/>
+              <a:buChar char="ü"/>
+            </a:pPr>
+            <a:r>
+              <a:rPr lang="zh-CN" altLang="en-US" sz="2000" dirty="0">
+                <a:solidFill>
+                  <a:schemeClr val="tx1"/>
+                </a:solidFill>
+              </a:rPr>
+              <a:t>测试计划的价值取决于它能在多大的程度上帮助你管理你的测试项目和帮助你发现</a:t>
+            </a:r>
+            <a:r>
+              <a:rPr lang="zh-CN" altLang="en-US" sz="2000" dirty="0" smtClean="0">
+                <a:solidFill>
+                  <a:schemeClr val="tx1"/>
+                </a:solidFill>
+              </a:rPr>
+              <a:t>错误</a:t>
+            </a:r>
+            <a:endParaRPr lang="zh-CN" altLang="en-US" sz="2000" dirty="0">
+              <a:solidFill>
+                <a:schemeClr val="tx1"/>
+              </a:solidFill>
+            </a:endParaRPr>
+          </a:p>
+          <a:p>
+            <a:pPr lvl="2">
+              <a:spcBef>
+                <a:spcPts val="0"/>
+              </a:spcBef>
+              <a:buFont typeface="Wingdings" panose="05000000000000000000" pitchFamily="2" charset="2"/>
+              <a:buChar char="ü"/>
+            </a:pPr>
+            <a:r>
+              <a:rPr lang="zh-CN" altLang="en-US" sz="2000" dirty="0">
+                <a:solidFill>
+                  <a:schemeClr val="tx1"/>
+                </a:solidFill>
+              </a:rPr>
+              <a:t>千万不要为了写测试计划而写测试计划，测试计划务必能指导测试工作，切实具有</a:t>
+            </a:r>
+            <a:r>
+              <a:rPr lang="zh-CN" altLang="en-US" sz="2000" dirty="0" smtClean="0"/>
+              <a:t>可用性</a:t>
+            </a:r>
+            <a:endParaRPr lang="zh-CN" altLang="en-US" sz="2000" dirty="0"/>
+          </a:p>
+          <a:p>
+            <a:pPr lvl="2">
+              <a:spcBef>
+                <a:spcPts val="0"/>
+              </a:spcBef>
+              <a:buFont typeface="Wingdings" panose="05000000000000000000" pitchFamily="2" charset="2"/>
+              <a:buChar char="ü"/>
+            </a:pPr>
+            <a:r>
+              <a:rPr lang="zh-CN" altLang="en-US" sz="2000" dirty="0"/>
+              <a:t>简单的套用模版，没有意义。 </a:t>
+            </a:r>
+          </a:p>
+          <a:p>
+            <a:pPr lvl="1">
+              <a:spcBef>
+                <a:spcPts val="0"/>
+              </a:spcBef>
+            </a:pPr>
+            <a:r>
+              <a:rPr lang="zh-CN" altLang="en-US" sz="2000" dirty="0" smtClean="0"/>
+              <a:t>如果用户</a:t>
+            </a:r>
+            <a:r>
+              <a:rPr lang="zh-CN" altLang="en-US" sz="2000" dirty="0"/>
+              <a:t>是特殊用户：</a:t>
+            </a:r>
+          </a:p>
+          <a:p>
+            <a:pPr lvl="2">
+              <a:spcBef>
+                <a:spcPts val="0"/>
+              </a:spcBef>
+              <a:buFont typeface="Wingdings" panose="05000000000000000000" pitchFamily="2" charset="2"/>
+              <a:buChar char="ü"/>
+            </a:pPr>
+            <a:r>
+              <a:rPr lang="zh-CN" altLang="en-US" sz="2000" dirty="0"/>
+              <a:t>按用户要求填写</a:t>
+            </a:r>
+          </a:p>
+        </p:txBody>
+      </p:sp>
+    </p:spTree>
+    <p:extLst>
+      <p:ext uri="{BB962C8B-B14F-4D97-AF65-F5344CB8AC3E}">
+        <p14:creationId xmlns:p14="http://schemas.microsoft.com/office/powerpoint/2010/main" val="3861929805"/>
+      </p:ext>
+    </p:extLst>
+  </p:cSld>
+  <p:clrMapOvr>
+    <a:masterClrMapping/>
+  </p:clrMapOvr>
+  <p:transition>
+    <p:blinds dir="vert"/>
+  </p:transition>
+  <p:timing>
+    <p:tnLst>
+      <p:par>
+        <p:cTn id="1" dur="indefinite" restart="never" nodeType="tmRoot">
+          <p:childTnLst>
+            <p:seq concurrent="1" nextAc="seek">
+              <p:cTn id="2" dur="indefinite" nodeType="mainSeq">
+                <p:childTnLst>
+                  <p:par>
+                    <p:cTn id="3" fill="hold">
+                      <p:stCondLst>
+                        <p:cond delay="indefinite"/>
+                      </p:stCondLst>
+                      <p:childTnLst>
+                        <p:par>
+                          <p:cTn id="4" fill="hold">
+                            <p:stCondLst>
+                              <p:cond delay="0"/>
+                            </p:stCondLst>
+                            <p:childTnLst>
+                              <p:par>
+                                <p:cTn id="5" presetID="2" presetClass="entr" presetSubtype="2" fill="hold" nodeType="clickEffect">
+                                  <p:stCondLst>
+                                    <p:cond delay="0"/>
+                                  </p:stCondLst>
+                                  <p:childTnLst>
+                                    <p:set>
+                                      <p:cBhvr>
+                                        <p:cTn id="6" dur="1" fill="hold">
+                                          <p:stCondLst>
+                                            <p:cond delay="0"/>
+                                          </p:stCondLst>
+                                        </p:cTn>
+                                        <p:tgtEl>
+                                          <p:spTgt spid="779267">
+                                            <p:txEl>
+                                              <p:pRg st="1" end="1"/>
+                                            </p:txEl>
+                                          </p:spTgt>
+                                        </p:tgtEl>
+                                        <p:attrNameLst>
+                                          <p:attrName>style.visibility</p:attrName>
+                                        </p:attrNameLst>
+                                      </p:cBhvr>
+                                      <p:to>
+                                        <p:strVal val="visible"/>
+                                      </p:to>
+                                    </p:set>
+                                    <p:anim calcmode="lin" valueType="num">
+                                      <p:cBhvr additive="base">
+                                        <p:cTn id="7" dur="500" fill="hold"/>
+                                        <p:tgtEl>
+                                          <p:spTgt spid="779267">
+                                            <p:txEl>
+                                              <p:pRg st="1" end="1"/>
+                                            </p:txEl>
+                                          </p:spTgt>
+                                        </p:tgtEl>
+                                        <p:attrNameLst>
+                                          <p:attrName>ppt_x</p:attrName>
+                                        </p:attrNameLst>
+                                      </p:cBhvr>
+                                      <p:tavLst>
+                                        <p:tav tm="0">
+                                          <p:val>
+                                            <p:strVal val="1+#ppt_w/2"/>
+                                          </p:val>
+                                        </p:tav>
+                                        <p:tav tm="100000">
+                                          <p:val>
+                                            <p:strVal val="#ppt_x"/>
+                                          </p:val>
+                                        </p:tav>
+                                      </p:tavLst>
+                                    </p:anim>
+                                    <p:anim calcmode="lin" valueType="num">
+                                      <p:cBhvr additive="base">
+                                        <p:cTn id="8" dur="500" fill="hold"/>
+                                        <p:tgtEl>
+                                          <p:spTgt spid="779267">
+                                            <p:txEl>
+                                              <p:pRg st="1" end="1"/>
+                                            </p:txEl>
+                                          </p:spTgt>
+                                        </p:tgtEl>
+                                        <p:attrNameLst>
+                                          <p:attrName>ppt_y</p:attrName>
+                                        </p:attrNameLst>
+                                      </p:cBhvr>
+                                      <p:tavLst>
+                                        <p:tav tm="0">
+                                          <p:val>
+                                            <p:strVal val="#ppt_y"/>
+                                          </p:val>
+                                        </p:tav>
+                                        <p:tav tm="100000">
+                                          <p:val>
+                                            <p:strVal val="#ppt_y"/>
+                                          </p:val>
+                                        </p:tav>
+                                      </p:tavLst>
+                                    </p:anim>
+                                  </p:childTnLst>
+                                </p:cTn>
+                              </p:par>
+                              <p:par>
+                                <p:cTn id="9" presetID="2" presetClass="entr" presetSubtype="2" fill="hold" nodeType="withEffect">
+                                  <p:stCondLst>
+                                    <p:cond delay="0"/>
+                                  </p:stCondLst>
+                                  <p:childTnLst>
+                                    <p:set>
+                                      <p:cBhvr>
+                                        <p:cTn id="10" dur="1" fill="hold">
+                                          <p:stCondLst>
+                                            <p:cond delay="0"/>
+                                          </p:stCondLst>
+                                        </p:cTn>
+                                        <p:tgtEl>
+                                          <p:spTgt spid="779267">
+                                            <p:txEl>
+                                              <p:pRg st="2" end="2"/>
+                                            </p:txEl>
+                                          </p:spTgt>
+                                        </p:tgtEl>
+                                        <p:attrNameLst>
+                                          <p:attrName>style.visibility</p:attrName>
+                                        </p:attrNameLst>
+                                      </p:cBhvr>
+                                      <p:to>
+                                        <p:strVal val="visible"/>
+                                      </p:to>
+                                    </p:set>
+                                    <p:anim calcmode="lin" valueType="num">
+                                      <p:cBhvr additive="base">
+                                        <p:cTn id="11" dur="500" fill="hold"/>
+                                        <p:tgtEl>
+                                          <p:spTgt spid="779267">
+                                            <p:txEl>
+                                              <p:pRg st="2" end="2"/>
+                                            </p:txEl>
+                                          </p:spTgt>
+                                        </p:tgtEl>
+                                        <p:attrNameLst>
+                                          <p:attrName>ppt_x</p:attrName>
+                                        </p:attrNameLst>
+                                      </p:cBhvr>
+                                      <p:tavLst>
+                                        <p:tav tm="0">
+                                          <p:val>
+                                            <p:strVal val="1+#ppt_w/2"/>
+                                          </p:val>
+                                        </p:tav>
+                                        <p:tav tm="100000">
+                                          <p:val>
+                                            <p:strVal val="#ppt_x"/>
+                                          </p:val>
+                                        </p:tav>
+                                      </p:tavLst>
+                                    </p:anim>
+                                    <p:anim calcmode="lin" valueType="num">
+                                      <p:cBhvr additive="base">
+                                        <p:cTn id="12" dur="500" fill="hold"/>
+                                        <p:tgtEl>
+                                          <p:spTgt spid="779267">
+                                            <p:txEl>
+                                              <p:pRg st="2" end="2"/>
+                                            </p:txEl>
+                                          </p:spTgt>
+                                        </p:tgtEl>
+                                        <p:attrNameLst>
+                                          <p:attrName>ppt_y</p:attrName>
+                                        </p:attrNameLst>
+                                      </p:cBhvr>
+                                      <p:tavLst>
+                                        <p:tav tm="0">
+                                          <p:val>
+                                            <p:strVal val="#ppt_y"/>
+                                          </p:val>
+                                        </p:tav>
+                                        <p:tav tm="100000">
+                                          <p:val>
+                                            <p:strVal val="#ppt_y"/>
+                                          </p:val>
+                                        </p:tav>
+                                      </p:tavLst>
+                                    </p:anim>
+                                  </p:childTnLst>
+                                </p:cTn>
+                              </p:par>
+                            </p:childTnLst>
+                          </p:cTn>
+                        </p:par>
+                      </p:childTnLst>
+                    </p:cTn>
+                  </p:par>
+                  <p:par>
+                    <p:cTn id="13" fill="hold">
+                      <p:stCondLst>
+                        <p:cond delay="indefinite"/>
+                      </p:stCondLst>
+                      <p:childTnLst>
+                        <p:par>
+                          <p:cTn id="14" fill="hold">
+                            <p:stCondLst>
+                              <p:cond delay="0"/>
+                            </p:stCondLst>
+                            <p:childTnLst>
+                              <p:par>
+                                <p:cTn id="15" presetID="2" presetClass="entr" presetSubtype="4" fill="hold" nodeType="clickEffect">
+                                  <p:stCondLst>
+                                    <p:cond delay="0"/>
+                                  </p:stCondLst>
+                                  <p:childTnLst>
+                                    <p:set>
+                                      <p:cBhvr>
+                                        <p:cTn id="16" dur="1" fill="hold">
+                                          <p:stCondLst>
+                                            <p:cond delay="0"/>
+                                          </p:stCondLst>
+                                        </p:cTn>
+                                        <p:tgtEl>
+                                          <p:spTgt spid="779267">
+                                            <p:txEl>
+                                              <p:pRg st="3" end="3"/>
+                                            </p:txEl>
+                                          </p:spTgt>
+                                        </p:tgtEl>
+                                        <p:attrNameLst>
+                                          <p:attrName>style.visibility</p:attrName>
+                                        </p:attrNameLst>
+                                      </p:cBhvr>
+                                      <p:to>
+                                        <p:strVal val="visible"/>
+                                      </p:to>
+                                    </p:set>
+                                    <p:anim calcmode="lin" valueType="num">
+                                      <p:cBhvr additive="base">
+                                        <p:cTn id="17" dur="500" fill="hold"/>
+                                        <p:tgtEl>
+                                          <p:spTgt spid="779267">
+                                            <p:txEl>
+                                              <p:pRg st="3" end="3"/>
+                                            </p:txEl>
+                                          </p:spTgt>
+                                        </p:tgtEl>
+                                        <p:attrNameLst>
+                                          <p:attrName>ppt_x</p:attrName>
+                                        </p:attrNameLst>
+                                      </p:cBhvr>
+                                      <p:tavLst>
+                                        <p:tav tm="0">
+                                          <p:val>
+                                            <p:strVal val="#ppt_x"/>
+                                          </p:val>
+                                        </p:tav>
+                                        <p:tav tm="100000">
+                                          <p:val>
+                                            <p:strVal val="#ppt_x"/>
+                                          </p:val>
+                                        </p:tav>
+                                      </p:tavLst>
+                                    </p:anim>
+                                    <p:anim calcmode="lin" valueType="num">
+                                      <p:cBhvr additive="base">
+                                        <p:cTn id="18" dur="500" fill="hold"/>
+                                        <p:tgtEl>
+                                          <p:spTgt spid="779267">
+                                            <p:txEl>
+                                              <p:pRg st="3" end="3"/>
+                                            </p:txEl>
+                                          </p:spTgt>
+                                        </p:tgtEl>
+                                        <p:attrNameLst>
+                                          <p:attrName>ppt_y</p:attrName>
+                                        </p:attrNameLst>
+                                      </p:cBhvr>
+                                      <p:tavLst>
+                                        <p:tav tm="0">
+                                          <p:val>
+                                            <p:strVal val="1+#ppt_h/2"/>
+                                          </p:val>
+                                        </p:tav>
+                                        <p:tav tm="100000">
+                                          <p:val>
+                                            <p:strVal val="#ppt_y"/>
+                                          </p:val>
+                                        </p:tav>
+                                      </p:tavLst>
+                                    </p:anim>
+                                  </p:childTnLst>
+                                </p:cTn>
+                              </p:par>
+                              <p:par>
+                                <p:cTn id="19" presetID="2" presetClass="entr" presetSubtype="4" fill="hold" nodeType="withEffect">
+                                  <p:stCondLst>
+                                    <p:cond delay="0"/>
+                                  </p:stCondLst>
+                                  <p:childTnLst>
+                                    <p:set>
+                                      <p:cBhvr>
+                                        <p:cTn id="20" dur="1" fill="hold">
+                                          <p:stCondLst>
+                                            <p:cond delay="0"/>
+                                          </p:stCondLst>
+                                        </p:cTn>
+                                        <p:tgtEl>
+                                          <p:spTgt spid="779267">
+                                            <p:txEl>
+                                              <p:pRg st="4" end="4"/>
+                                            </p:txEl>
+                                          </p:spTgt>
+                                        </p:tgtEl>
+                                        <p:attrNameLst>
+                                          <p:attrName>style.visibility</p:attrName>
+                                        </p:attrNameLst>
+                                      </p:cBhvr>
+                                      <p:to>
+                                        <p:strVal val="visible"/>
+                                      </p:to>
+                                    </p:set>
+                                    <p:anim calcmode="lin" valueType="num">
+                                      <p:cBhvr additive="base">
+                                        <p:cTn id="21" dur="500" fill="hold"/>
+                                        <p:tgtEl>
+                                          <p:spTgt spid="779267">
+                                            <p:txEl>
+                                              <p:pRg st="4" end="4"/>
+                                            </p:txEl>
+                                          </p:spTgt>
+                                        </p:tgtEl>
+                                        <p:attrNameLst>
+                                          <p:attrName>ppt_x</p:attrName>
+                                        </p:attrNameLst>
+                                      </p:cBhvr>
+                                      <p:tavLst>
+                                        <p:tav tm="0">
+                                          <p:val>
+                                            <p:strVal val="#ppt_x"/>
+                                          </p:val>
+                                        </p:tav>
+                                        <p:tav tm="100000">
+                                          <p:val>
+                                            <p:strVal val="#ppt_x"/>
+                                          </p:val>
+                                        </p:tav>
+                                      </p:tavLst>
+                                    </p:anim>
+                                    <p:anim calcmode="lin" valueType="num">
+                                      <p:cBhvr additive="base">
+                                        <p:cTn id="22" dur="500" fill="hold"/>
+                                        <p:tgtEl>
+                                          <p:spTgt spid="779267">
+                                            <p:txEl>
+                                              <p:pRg st="4" end="4"/>
+                                            </p:txEl>
+                                          </p:spTgt>
+                                        </p:tgtEl>
+                                        <p:attrNameLst>
+                                          <p:attrName>ppt_y</p:attrName>
+                                        </p:attrNameLst>
+                                      </p:cBhvr>
+                                      <p:tavLst>
+                                        <p:tav tm="0">
+                                          <p:val>
+                                            <p:strVal val="1+#ppt_h/2"/>
+                                          </p:val>
+                                        </p:tav>
+                                        <p:tav tm="100000">
+                                          <p:val>
+                                            <p:strVal val="#ppt_y"/>
+                                          </p:val>
+                                        </p:tav>
+                                      </p:tavLst>
+                                    </p:anim>
+                                  </p:childTnLst>
+                                </p:cTn>
+                              </p:par>
+                              <p:par>
+                                <p:cTn id="23" presetID="2" presetClass="entr" presetSubtype="4" fill="hold" nodeType="withEffect">
+                                  <p:stCondLst>
+                                    <p:cond delay="0"/>
+                                  </p:stCondLst>
+                                  <p:childTnLst>
+                                    <p:set>
+                                      <p:cBhvr>
+                                        <p:cTn id="24" dur="1" fill="hold">
+                                          <p:stCondLst>
+                                            <p:cond delay="0"/>
+                                          </p:stCondLst>
+                                        </p:cTn>
+                                        <p:tgtEl>
+                                          <p:spTgt spid="779267">
+                                            <p:txEl>
+                                              <p:pRg st="5" end="5"/>
+                                            </p:txEl>
+                                          </p:spTgt>
+                                        </p:tgtEl>
+                                        <p:attrNameLst>
+                                          <p:attrName>style.visibility</p:attrName>
+                                        </p:attrNameLst>
+                                      </p:cBhvr>
+                                      <p:to>
+                                        <p:strVal val="visible"/>
+                                      </p:to>
+                                    </p:set>
+                                    <p:anim calcmode="lin" valueType="num">
+                                      <p:cBhvr additive="base">
+                                        <p:cTn id="25" dur="500" fill="hold"/>
+                                        <p:tgtEl>
+                                          <p:spTgt spid="779267">
+                                            <p:txEl>
+                                              <p:pRg st="5" end="5"/>
+                                            </p:txEl>
+                                          </p:spTgt>
+                                        </p:tgtEl>
+                                        <p:attrNameLst>
+                                          <p:attrName>ppt_x</p:attrName>
+                                        </p:attrNameLst>
+                                      </p:cBhvr>
+                                      <p:tavLst>
+                                        <p:tav tm="0">
+                                          <p:val>
+                                            <p:strVal val="#ppt_x"/>
+                                          </p:val>
+                                        </p:tav>
+                                        <p:tav tm="100000">
+                                          <p:val>
+                                            <p:strVal val="#ppt_x"/>
+                                          </p:val>
+                                        </p:tav>
+                                      </p:tavLst>
+                                    </p:anim>
+                                    <p:anim calcmode="lin" valueType="num">
+                                      <p:cBhvr additive="base">
+                                        <p:cTn id="26" dur="500" fill="hold"/>
+                                        <p:tgtEl>
+                                          <p:spTgt spid="779267">
+                                            <p:txEl>
+                                              <p:pRg st="5" end="5"/>
+                                            </p:txEl>
+                                          </p:spTgt>
+                                        </p:tgtEl>
+                                        <p:attrNameLst>
+                                          <p:attrName>ppt_y</p:attrName>
+                                        </p:attrNameLst>
+                                      </p:cBhvr>
+                                      <p:tavLst>
+                                        <p:tav tm="0">
+                                          <p:val>
+                                            <p:strVal val="1+#ppt_h/2"/>
+                                          </p:val>
+                                        </p:tav>
+                                        <p:tav tm="100000">
+                                          <p:val>
+                                            <p:strVal val="#ppt_y"/>
+                                          </p:val>
+                                        </p:tav>
+                                      </p:tavLst>
+                                    </p:anim>
+                                  </p:childTnLst>
+                                </p:cTn>
+                              </p:par>
+                              <p:par>
+                                <p:cTn id="27" presetID="2" presetClass="entr" presetSubtype="4" fill="hold" nodeType="withEffect">
+                                  <p:stCondLst>
+                                    <p:cond delay="0"/>
+                                  </p:stCondLst>
+                                  <p:childTnLst>
+                                    <p:set>
+                                      <p:cBhvr>
+                                        <p:cTn id="28" dur="1" fill="hold">
+                                          <p:stCondLst>
+                                            <p:cond delay="0"/>
+                                          </p:stCondLst>
+                                        </p:cTn>
+                                        <p:tgtEl>
+                                          <p:spTgt spid="779267">
+                                            <p:txEl>
+                                              <p:pRg st="6" end="6"/>
+                                            </p:txEl>
+                                          </p:spTgt>
+                                        </p:tgtEl>
+                                        <p:attrNameLst>
+                                          <p:attrName>style.visibility</p:attrName>
+                                        </p:attrNameLst>
+                                      </p:cBhvr>
+                                      <p:to>
+                                        <p:strVal val="visible"/>
+                                      </p:to>
+                                    </p:set>
+                                    <p:anim calcmode="lin" valueType="num">
+                                      <p:cBhvr additive="base">
+                                        <p:cTn id="29" dur="500" fill="hold"/>
+                                        <p:tgtEl>
+                                          <p:spTgt spid="779267">
+                                            <p:txEl>
+                                              <p:pRg st="6" end="6"/>
+                                            </p:txEl>
+                                          </p:spTgt>
+                                        </p:tgtEl>
+                                        <p:attrNameLst>
+                                          <p:attrName>ppt_x</p:attrName>
+                                        </p:attrNameLst>
+                                      </p:cBhvr>
+                                      <p:tavLst>
+                                        <p:tav tm="0">
+                                          <p:val>
+                                            <p:strVal val="#ppt_x"/>
+                                          </p:val>
+                                        </p:tav>
+                                        <p:tav tm="100000">
+                                          <p:val>
+                                            <p:strVal val="#ppt_x"/>
+                                          </p:val>
+                                        </p:tav>
+                                      </p:tavLst>
+                                    </p:anim>
+                                    <p:anim calcmode="lin" valueType="num">
+                                      <p:cBhvr additive="base">
+                                        <p:cTn id="30" dur="500" fill="hold"/>
+                                        <p:tgtEl>
+                                          <p:spTgt spid="779267">
+                                            <p:txEl>
+                                              <p:pRg st="6" end="6"/>
+                                            </p:txEl>
+                                          </p:spTgt>
+                                        </p:tgtEl>
+                                        <p:attrNameLst>
+                                          <p:attrName>ppt_y</p:attrName>
+                                        </p:attrNameLst>
+                                      </p:cBhvr>
+                                      <p:tavLst>
+                                        <p:tav tm="0">
+                                          <p:val>
+                                            <p:strVal val="1+#ppt_h/2"/>
+                                          </p:val>
+                                        </p:tav>
+                                        <p:tav tm="100000">
+                                          <p:val>
+                                            <p:strVal val="#ppt_y"/>
+                                          </p:val>
+                                        </p:tav>
+                                      </p:tavLst>
+                                    </p:anim>
+                                  </p:childTnLst>
+                                </p:cTn>
+                              </p:par>
+                              <p:par>
+                                <p:cTn id="31" presetID="2" presetClass="entr" presetSubtype="4" fill="hold" nodeType="withEffect">
+                                  <p:stCondLst>
+                                    <p:cond delay="0"/>
+                                  </p:stCondLst>
+                                  <p:childTnLst>
+                                    <p:set>
+                                      <p:cBhvr>
+                                        <p:cTn id="32" dur="1" fill="hold">
+                                          <p:stCondLst>
+                                            <p:cond delay="0"/>
+                                          </p:stCondLst>
+                                        </p:cTn>
+                                        <p:tgtEl>
+                                          <p:spTgt spid="779267">
+                                            <p:txEl>
+                                              <p:pRg st="7" end="7"/>
+                                            </p:txEl>
+                                          </p:spTgt>
+                                        </p:tgtEl>
+                                        <p:attrNameLst>
+                                          <p:attrName>style.visibility</p:attrName>
+                                        </p:attrNameLst>
+                                      </p:cBhvr>
+                                      <p:to>
+                                        <p:strVal val="visible"/>
+                                      </p:to>
+                                    </p:set>
+                                    <p:anim calcmode="lin" valueType="num">
+                                      <p:cBhvr additive="base">
+                                        <p:cTn id="33" dur="500" fill="hold"/>
+                                        <p:tgtEl>
+                                          <p:spTgt spid="779267">
+                                            <p:txEl>
+                                              <p:pRg st="7" end="7"/>
+                                            </p:txEl>
+                                          </p:spTgt>
+                                        </p:tgtEl>
+                                        <p:attrNameLst>
+                                          <p:attrName>ppt_x</p:attrName>
+                                        </p:attrNameLst>
+                                      </p:cBhvr>
+                                      <p:tavLst>
+                                        <p:tav tm="0">
+                                          <p:val>
+                                            <p:strVal val="#ppt_x"/>
+                                          </p:val>
+                                        </p:tav>
+                                        <p:tav tm="100000">
+                                          <p:val>
+                                            <p:strVal val="#ppt_x"/>
+                                          </p:val>
+                                        </p:tav>
+                                      </p:tavLst>
+                                    </p:anim>
+                                    <p:anim calcmode="lin" valueType="num">
+                                      <p:cBhvr additive="base">
+                                        <p:cTn id="34" dur="500" fill="hold"/>
+                                        <p:tgtEl>
+                                          <p:spTgt spid="779267">
+                                            <p:txEl>
+                                              <p:pRg st="7" end="7"/>
+                                            </p:txEl>
+                                          </p:spTgt>
+                                        </p:tgtEl>
+                                        <p:attrNameLst>
+                                          <p:attrName>ppt_y</p:attrName>
+                                        </p:attrNameLst>
+                                      </p:cBhvr>
+                                      <p:tavLst>
+                                        <p:tav tm="0">
+                                          <p:val>
+                                            <p:strVal val="1+#ppt_h/2"/>
+                                          </p:val>
+                                        </p:tav>
+                                        <p:tav tm="100000">
+                                          <p:val>
+                                            <p:strVal val="#ppt_y"/>
+                                          </p:val>
+                                        </p:tav>
+                                      </p:tavLst>
+                                    </p:anim>
+                                  </p:childTnLst>
+                                </p:cTn>
+                              </p:par>
+                              <p:par>
+                                <p:cTn id="35" presetID="2" presetClass="entr" presetSubtype="4" fill="hold" nodeType="withEffect">
+                                  <p:stCondLst>
+                                    <p:cond delay="0"/>
+                                  </p:stCondLst>
+                                  <p:childTnLst>
+                                    <p:set>
+                                      <p:cBhvr>
+                                        <p:cTn id="36" dur="1" fill="hold">
+                                          <p:stCondLst>
+                                            <p:cond delay="0"/>
+                                          </p:stCondLst>
+                                        </p:cTn>
+                                        <p:tgtEl>
+                                          <p:spTgt spid="779267">
+                                            <p:txEl>
+                                              <p:pRg st="8" end="8"/>
+                                            </p:txEl>
+                                          </p:spTgt>
+                                        </p:tgtEl>
+                                        <p:attrNameLst>
+                                          <p:attrName>style.visibility</p:attrName>
+                                        </p:attrNameLst>
+                                      </p:cBhvr>
+                                      <p:to>
+                                        <p:strVal val="visible"/>
+                                      </p:to>
+                                    </p:set>
+                                    <p:anim calcmode="lin" valueType="num">
+                                      <p:cBhvr additive="base">
+                                        <p:cTn id="37" dur="500" fill="hold"/>
+                                        <p:tgtEl>
+                                          <p:spTgt spid="779267">
+                                            <p:txEl>
+                                              <p:pRg st="8" end="8"/>
+                                            </p:txEl>
+                                          </p:spTgt>
+                                        </p:tgtEl>
+                                        <p:attrNameLst>
+                                          <p:attrName>ppt_x</p:attrName>
+                                        </p:attrNameLst>
+                                      </p:cBhvr>
+                                      <p:tavLst>
+                                        <p:tav tm="0">
+                                          <p:val>
+                                            <p:strVal val="#ppt_x"/>
+                                          </p:val>
+                                        </p:tav>
+                                        <p:tav tm="100000">
+                                          <p:val>
+                                            <p:strVal val="#ppt_x"/>
+                                          </p:val>
+                                        </p:tav>
+                                      </p:tavLst>
+                                    </p:anim>
+                                    <p:anim calcmode="lin" valueType="num">
+                                      <p:cBhvr additive="base">
+                                        <p:cTn id="38" dur="500" fill="hold"/>
+                                        <p:tgtEl>
+                                          <p:spTgt spid="779267">
+                                            <p:txEl>
+                                              <p:pRg st="8" end="8"/>
+                                            </p:txEl>
+                                          </p:spTgt>
+                                        </p:tgtEl>
+                                        <p:attrNameLst>
+                                          <p:attrName>ppt_y</p:attrName>
+                                        </p:attrNameLst>
+                                      </p:cBhvr>
+                                      <p:tavLst>
+                                        <p:tav tm="0">
+                                          <p:val>
+                                            <p:strVal val="1+#ppt_h/2"/>
+                                          </p:val>
+                                        </p:tav>
+                                        <p:tav tm="100000">
+                                          <p:val>
+                                            <p:strVal val="#ppt_y"/>
+                                          </p:val>
+                                        </p:tav>
+                                      </p:tavLst>
+                                    </p:anim>
+                                  </p:childTnLst>
+                                </p:cTn>
+                              </p:par>
+                              <p:par>
+                                <p:cTn id="39" presetID="2" presetClass="entr" presetSubtype="4" fill="hold" nodeType="withEffect">
+                                  <p:stCondLst>
+                                    <p:cond delay="0"/>
+                                  </p:stCondLst>
+                                  <p:childTnLst>
+                                    <p:set>
+                                      <p:cBhvr>
+                                        <p:cTn id="40" dur="1" fill="hold">
+                                          <p:stCondLst>
+                                            <p:cond delay="0"/>
+                                          </p:stCondLst>
+                                        </p:cTn>
+                                        <p:tgtEl>
+                                          <p:spTgt spid="779267">
+                                            <p:txEl>
+                                              <p:pRg st="9" end="9"/>
+                                            </p:txEl>
+                                          </p:spTgt>
+                                        </p:tgtEl>
+                                        <p:attrNameLst>
+                                          <p:attrName>style.visibility</p:attrName>
+                                        </p:attrNameLst>
+                                      </p:cBhvr>
+                                      <p:to>
+                                        <p:strVal val="visible"/>
+                                      </p:to>
+                                    </p:set>
+                                    <p:anim calcmode="lin" valueType="num">
+                                      <p:cBhvr additive="base">
+                                        <p:cTn id="41" dur="500" fill="hold"/>
+                                        <p:tgtEl>
+                                          <p:spTgt spid="779267">
+                                            <p:txEl>
+                                              <p:pRg st="9" end="9"/>
+                                            </p:txEl>
+                                          </p:spTgt>
+                                        </p:tgtEl>
+                                        <p:attrNameLst>
+                                          <p:attrName>ppt_x</p:attrName>
+                                        </p:attrNameLst>
+                                      </p:cBhvr>
+                                      <p:tavLst>
+                                        <p:tav tm="0">
+                                          <p:val>
+                                            <p:strVal val="#ppt_x"/>
+                                          </p:val>
+                                        </p:tav>
+                                        <p:tav tm="100000">
+                                          <p:val>
+                                            <p:strVal val="#ppt_x"/>
+                                          </p:val>
+                                        </p:tav>
+                                      </p:tavLst>
+                                    </p:anim>
+                                    <p:anim calcmode="lin" valueType="num">
+                                      <p:cBhvr additive="base">
+                                        <p:cTn id="42" dur="500" fill="hold"/>
+                                        <p:tgtEl>
+                                          <p:spTgt spid="779267">
+                                            <p:txEl>
+                                              <p:pRg st="9" end="9"/>
+                                            </p:txEl>
+                                          </p:spTgt>
+                                        </p:tgtEl>
+                                        <p:attrNameLst>
+                                          <p:attrName>ppt_y</p:attrName>
+                                        </p:attrNameLst>
+                                      </p:cBhvr>
+                                      <p:tavLst>
+                                        <p:tav tm="0">
+                                          <p:val>
+                                            <p:strVal val="1+#ppt_h/2"/>
+                                          </p:val>
+                                        </p:tav>
+                                        <p:tav tm="100000">
+                                          <p:val>
+                                            <p:strVal val="#ppt_y"/>
+                                          </p:val>
+                                        </p:tav>
+                                      </p:tavLst>
+                                    </p:anim>
+                                  </p:childTnLst>
+                                </p:cTn>
+                              </p:par>
+                            </p:childTnLst>
+                          </p:cTn>
+                        </p:par>
+                      </p:childTnLst>
+                    </p:cTn>
+                  </p:par>
+                </p:childTnLst>
+              </p:cTn>
+              <p:prevCondLst>
+                <p:cond evt="onPrev" delay="0">
+                  <p:tgtEl>
+                    <p:sldTgt/>
+                  </p:tgtEl>
+                </p:cond>
+              </p:prevCondLst>
+              <p:nextCondLst>
+                <p:cond evt="onNext" delay="0">
+                  <p:tgtEl>
+                    <p:sldTgt/>
+                  </p:tgtEl>
+                </p:cond>
+              </p:nextCondLst>
+            </p:seq>
+          </p:childTnLst>
+        </p:cTn>
+      </p:par>
+    </p:tnLst>
+  </p:timing>
+</p:sld>
+</file>
+
+<file path=ppt/slides/slide17.xml><?xml version="1.0" encoding="utf-8"?>
 <p:sld xmlns:a="http://schemas.openxmlformats.org/drawingml/2006/main" xmlns:r="http://schemas.openxmlformats.org/officeDocument/2006/relationships" xmlns:p="http://schemas.openxmlformats.org/presentationml/2006/main">
   <p:cSld>
     <p:spTree>
@@ -5293,7 +10512,7 @@
 </p:sld>
 </file>
 
-<file path=ppt/slides/slide14.xml><?xml version="1.0" encoding="utf-8"?>
+<file path=ppt/slides/slide18.xml><?xml version="1.0" encoding="utf-8"?>
 <p:sld xmlns:a="http://schemas.openxmlformats.org/drawingml/2006/main" xmlns:r="http://schemas.openxmlformats.org/officeDocument/2006/relationships" xmlns:p="http://schemas.openxmlformats.org/presentationml/2006/main">
   <p:cSld>
     <p:spTree>
@@ -5343,14 +10562,14 @@
             <p:ph idx="1"/>
             <p:extLst>
               <p:ext uri="{D42A27DB-BD31-4B8C-83A1-F6EECF244321}">
-                <p14:modId xmlns:p14="http://schemas.microsoft.com/office/powerpoint/2010/main" val="3352637709"/>
+                <p14:modId xmlns:p14="http://schemas.microsoft.com/office/powerpoint/2010/main" val="3930786284"/>
               </p:ext>
             </p:extLst>
           </p:nvPr>
         </p:nvGraphicFramePr>
         <p:xfrm>
-          <a:off x="263352" y="1052736"/>
-          <a:ext cx="11665296" cy="4644413"/>
+          <a:off x="263352" y="1196752"/>
+          <a:ext cx="11233248" cy="4644413"/>
         </p:xfrm>
         <a:graphic>
           <a:graphicData uri="http://schemas.openxmlformats.org/drawingml/2006/table">
@@ -5371,13 +10590,13 @@
                 <a:tableStyleId>{7DF18680-E054-41AD-8BC1-D1AEF772440D}</a:tableStyleId>
               </a:tblPr>
               <a:tblGrid>
-                <a:gridCol w="1271218"/>
-                <a:gridCol w="2516215"/>
-                <a:gridCol w="1024553"/>
-                <a:gridCol w="1922073"/>
-                <a:gridCol w="2613133"/>
-                <a:gridCol w="1181873"/>
-                <a:gridCol w="1136231"/>
+                <a:gridCol w="1224136"/>
+                <a:gridCol w="2423022"/>
+                <a:gridCol w="986607"/>
+                <a:gridCol w="1850885"/>
+                <a:gridCol w="2516350"/>
+                <a:gridCol w="1138100"/>
+                <a:gridCol w="1094148"/>
               </a:tblGrid>
               <a:tr h="1495448">
                 <a:tc>
@@ -6563,7 +11782,7 @@
 </p:sld>
 </file>
 
-<file path=ppt/slides/slide15.xml><?xml version="1.0" encoding="utf-8"?>
+<file path=ppt/slides/slide19.xml><?xml version="1.0" encoding="utf-8"?>
 <p:sld xmlns:a="http://schemas.openxmlformats.org/drawingml/2006/main" xmlns:r="http://schemas.openxmlformats.org/officeDocument/2006/relationships" xmlns:p="http://schemas.openxmlformats.org/presentationml/2006/main">
   <p:cSld>
     <p:spTree>
@@ -6739,22 +11958,22 @@
                   <a:tcPr>
                     <a:lnL w="12700" cmpd="sng">
                       <a:solidFill>
-                        <a:sysClr val="window" lastClr="FFFFFF"/>
+                        <a:sysClr val="window" lastClr="CCE8CF"/>
                       </a:solidFill>
                     </a:lnL>
                     <a:lnR w="12700" cmpd="sng">
                       <a:solidFill>
-                        <a:sysClr val="window" lastClr="FFFFFF"/>
+                        <a:sysClr val="window" lastClr="CCE8CF"/>
                       </a:solidFill>
                     </a:lnR>
                     <a:lnT w="12700" cmpd="sng">
                       <a:solidFill>
-                        <a:sysClr val="window" lastClr="FFFFFF"/>
+                        <a:sysClr val="window" lastClr="CCE8CF"/>
                       </a:solidFill>
                     </a:lnT>
                     <a:lnB w="38100" cmpd="sng">
                       <a:solidFill>
-                        <a:sysClr val="window" lastClr="FFFFFF"/>
+                        <a:sysClr val="window" lastClr="CCE8CF"/>
                       </a:solidFill>
                     </a:lnB>
                     <a:lnTlToBr w="12700" cmpd="sng">
@@ -6872,22 +12091,22 @@
                   <a:tcPr>
                     <a:lnL w="12700" cmpd="sng">
                       <a:solidFill>
-                        <a:sysClr val="window" lastClr="FFFFFF"/>
+                        <a:sysClr val="window" lastClr="CCE8CF"/>
                       </a:solidFill>
                     </a:lnL>
                     <a:lnR w="12700" cmpd="sng">
                       <a:solidFill>
-                        <a:sysClr val="window" lastClr="FFFFFF"/>
+                        <a:sysClr val="window" lastClr="CCE8CF"/>
                       </a:solidFill>
                     </a:lnR>
                     <a:lnT w="12700" cmpd="sng">
                       <a:solidFill>
-                        <a:sysClr val="window" lastClr="FFFFFF"/>
+                        <a:sysClr val="window" lastClr="CCE8CF"/>
                       </a:solidFill>
                     </a:lnT>
                     <a:lnB w="38100" cmpd="sng">
                       <a:solidFill>
-                        <a:sysClr val="window" lastClr="FFFFFF"/>
+                        <a:sysClr val="window" lastClr="CCE8CF"/>
                       </a:solidFill>
                     </a:lnB>
                     <a:lnTlToBr w="12700" cmpd="sng">
@@ -7005,22 +12224,22 @@
                   <a:tcPr>
                     <a:lnL w="12700" cmpd="sng">
                       <a:solidFill>
-                        <a:sysClr val="window" lastClr="FFFFFF"/>
+                        <a:sysClr val="window" lastClr="CCE8CF"/>
                       </a:solidFill>
                     </a:lnL>
                     <a:lnR w="12700" cmpd="sng">
                       <a:solidFill>
-                        <a:sysClr val="window" lastClr="FFFFFF"/>
+                        <a:sysClr val="window" lastClr="CCE8CF"/>
                       </a:solidFill>
                     </a:lnR>
                     <a:lnT w="12700" cmpd="sng">
                       <a:solidFill>
-                        <a:sysClr val="window" lastClr="FFFFFF"/>
+                        <a:sysClr val="window" lastClr="CCE8CF"/>
                       </a:solidFill>
                     </a:lnT>
                     <a:lnB w="38100" cmpd="sng">
                       <a:solidFill>
-                        <a:sysClr val="window" lastClr="FFFFFF"/>
+                        <a:sysClr val="window" lastClr="CCE8CF"/>
                       </a:solidFill>
                     </a:lnB>
                     <a:lnTlToBr w="12700" cmpd="sng">
@@ -7131,22 +12350,22 @@
                   <a:tcPr>
                     <a:lnL w="12700" cmpd="sng">
                       <a:solidFill>
-                        <a:sysClr val="window" lastClr="FFFFFF"/>
+                        <a:sysClr val="window" lastClr="CCE8CF"/>
                       </a:solidFill>
                     </a:lnL>
                     <a:lnR w="12700" cmpd="sng">
                       <a:solidFill>
-                        <a:sysClr val="window" lastClr="FFFFFF"/>
+                        <a:sysClr val="window" lastClr="CCE8CF"/>
                       </a:solidFill>
                     </a:lnR>
                     <a:lnT w="12700" cmpd="sng">
                       <a:solidFill>
-                        <a:sysClr val="window" lastClr="FFFFFF"/>
+                        <a:sysClr val="window" lastClr="CCE8CF"/>
                       </a:solidFill>
                     </a:lnT>
                     <a:lnB w="38100" cmpd="sng">
                       <a:solidFill>
-                        <a:sysClr val="window" lastClr="FFFFFF"/>
+                        <a:sysClr val="window" lastClr="CCE8CF"/>
                       </a:solidFill>
                     </a:lnB>
                     <a:lnTlToBr w="12700" cmpd="sng">
@@ -7265,22 +12484,22 @@
                   <a:tcPr>
                     <a:lnL w="12700" cmpd="sng">
                       <a:solidFill>
-                        <a:sysClr val="window" lastClr="FFFFFF"/>
+                        <a:sysClr val="window" lastClr="CCE8CF"/>
                       </a:solidFill>
                     </a:lnL>
                     <a:lnR w="12700" cmpd="sng">
                       <a:solidFill>
-                        <a:sysClr val="window" lastClr="FFFFFF"/>
+                        <a:sysClr val="window" lastClr="CCE8CF"/>
                       </a:solidFill>
                     </a:lnR>
                     <a:lnT w="38100" cmpd="sng">
                       <a:solidFill>
-                        <a:sysClr val="window" lastClr="FFFFFF"/>
+                        <a:sysClr val="window" lastClr="CCE8CF"/>
                       </a:solidFill>
                     </a:lnT>
                     <a:lnB w="12700" cmpd="sng">
                       <a:solidFill>
-                        <a:sysClr val="window" lastClr="FFFFFF"/>
+                        <a:sysClr val="window" lastClr="CCE8CF"/>
                       </a:solidFill>
                     </a:lnB>
                     <a:lnTlToBr w="12700" cmpd="sng">
@@ -7399,22 +12618,22 @@
                   <a:tcPr>
                     <a:lnL w="12700" cmpd="sng">
                       <a:solidFill>
-                        <a:sysClr val="window" lastClr="FFFFFF"/>
+                        <a:sysClr val="window" lastClr="CCE8CF"/>
                       </a:solidFill>
                     </a:lnL>
                     <a:lnR w="12700" cmpd="sng">
                       <a:solidFill>
-                        <a:sysClr val="window" lastClr="FFFFFF"/>
+                        <a:sysClr val="window" lastClr="CCE8CF"/>
                       </a:solidFill>
                     </a:lnR>
                     <a:lnT w="38100" cmpd="sng">
                       <a:solidFill>
-                        <a:sysClr val="window" lastClr="FFFFFF"/>
+                        <a:sysClr val="window" lastClr="CCE8CF"/>
                       </a:solidFill>
                     </a:lnT>
                     <a:lnB w="12700" cmpd="sng">
                       <a:solidFill>
-                        <a:sysClr val="window" lastClr="FFFFFF"/>
+                        <a:sysClr val="window" lastClr="CCE8CF"/>
                       </a:solidFill>
                     </a:lnB>
                     <a:lnTlToBr w="12700" cmpd="sng">
@@ -7533,22 +12752,22 @@
                   <a:tcPr>
                     <a:lnL w="12700" cmpd="sng">
                       <a:solidFill>
-                        <a:sysClr val="window" lastClr="FFFFFF"/>
+                        <a:sysClr val="window" lastClr="CCE8CF"/>
                       </a:solidFill>
                     </a:lnL>
                     <a:lnR w="12700" cmpd="sng">
                       <a:solidFill>
-                        <a:sysClr val="window" lastClr="FFFFFF"/>
+                        <a:sysClr val="window" lastClr="CCE8CF"/>
                       </a:solidFill>
                     </a:lnR>
                     <a:lnT w="38100" cmpd="sng">
                       <a:solidFill>
-                        <a:sysClr val="window" lastClr="FFFFFF"/>
+                        <a:sysClr val="window" lastClr="CCE8CF"/>
                       </a:solidFill>
                     </a:lnT>
                     <a:lnB w="12700" cmpd="sng">
                       <a:solidFill>
-                        <a:sysClr val="window" lastClr="FFFFFF"/>
+                        <a:sysClr val="window" lastClr="CCE8CF"/>
                       </a:solidFill>
                     </a:lnB>
                     <a:lnTlToBr w="12700" cmpd="sng">
@@ -7667,22 +12886,22 @@
                   <a:tcPr>
                     <a:lnL w="12700" cmpd="sng">
                       <a:solidFill>
-                        <a:sysClr val="window" lastClr="FFFFFF"/>
+                        <a:sysClr val="window" lastClr="CCE8CF"/>
                       </a:solidFill>
                     </a:lnL>
                     <a:lnR w="12700" cmpd="sng">
                       <a:solidFill>
-                        <a:sysClr val="window" lastClr="FFFFFF"/>
+                        <a:sysClr val="window" lastClr="CCE8CF"/>
                       </a:solidFill>
                     </a:lnR>
                     <a:lnT w="38100" cmpd="sng">
                       <a:solidFill>
-                        <a:sysClr val="window" lastClr="FFFFFF"/>
+                        <a:sysClr val="window" lastClr="CCE8CF"/>
                       </a:solidFill>
                     </a:lnT>
                     <a:lnB w="12700" cmpd="sng">
                       <a:solidFill>
-                        <a:sysClr val="window" lastClr="FFFFFF"/>
+                        <a:sysClr val="window" lastClr="CCE8CF"/>
                       </a:solidFill>
                     </a:lnB>
                     <a:lnTlToBr w="12700" cmpd="sng">
@@ -7803,22 +13022,22 @@
                   <a:tcPr>
                     <a:lnL w="12700" cmpd="sng">
                       <a:solidFill>
-                        <a:sysClr val="window" lastClr="FFFFFF"/>
+                        <a:sysClr val="window" lastClr="CCE8CF"/>
                       </a:solidFill>
                     </a:lnL>
                     <a:lnR w="12700" cmpd="sng">
                       <a:solidFill>
-                        <a:sysClr val="window" lastClr="FFFFFF"/>
+                        <a:sysClr val="window" lastClr="CCE8CF"/>
                       </a:solidFill>
                     </a:lnR>
                     <a:lnT w="12700" cmpd="sng">
                       <a:solidFill>
-                        <a:sysClr val="window" lastClr="FFFFFF"/>
+                        <a:sysClr val="window" lastClr="CCE8CF"/>
                       </a:solidFill>
                     </a:lnT>
                     <a:lnB w="12700" cmpd="sng">
                       <a:solidFill>
-                        <a:sysClr val="window" lastClr="FFFFFF"/>
+                        <a:sysClr val="window" lastClr="CCE8CF"/>
                       </a:solidFill>
                     </a:lnB>
                     <a:lnTlToBr w="12700" cmpd="sng">
@@ -7937,22 +13156,22 @@
                   <a:tcPr>
                     <a:lnL w="12700" cmpd="sng">
                       <a:solidFill>
-                        <a:sysClr val="window" lastClr="FFFFFF"/>
+                        <a:sysClr val="window" lastClr="CCE8CF"/>
                       </a:solidFill>
                     </a:lnL>
                     <a:lnR w="12700" cmpd="sng">
                       <a:solidFill>
-                        <a:sysClr val="window" lastClr="FFFFFF"/>
+                        <a:sysClr val="window" lastClr="CCE8CF"/>
                       </a:solidFill>
                     </a:lnR>
                     <a:lnT w="12700" cmpd="sng">
                       <a:solidFill>
-                        <a:sysClr val="window" lastClr="FFFFFF"/>
+                        <a:sysClr val="window" lastClr="CCE8CF"/>
                       </a:solidFill>
                     </a:lnT>
                     <a:lnB w="12700" cmpd="sng">
                       <a:solidFill>
-                        <a:sysClr val="window" lastClr="FFFFFF"/>
+                        <a:sysClr val="window" lastClr="CCE8CF"/>
                       </a:solidFill>
                     </a:lnB>
                     <a:lnTlToBr w="12700" cmpd="sng">
@@ -8071,22 +13290,22 @@
                   <a:tcPr>
                     <a:lnL w="12700" cmpd="sng">
                       <a:solidFill>
-                        <a:sysClr val="window" lastClr="FFFFFF"/>
+                        <a:sysClr val="window" lastClr="CCE8CF"/>
                       </a:solidFill>
                     </a:lnL>
                     <a:lnR w="12700" cmpd="sng">
                       <a:solidFill>
-                        <a:sysClr val="window" lastClr="FFFFFF"/>
+                        <a:sysClr val="window" lastClr="CCE8CF"/>
                       </a:solidFill>
                     </a:lnR>
                     <a:lnT w="12700" cmpd="sng">
                       <a:solidFill>
-                        <a:sysClr val="window" lastClr="FFFFFF"/>
+                        <a:sysClr val="window" lastClr="CCE8CF"/>
                       </a:solidFill>
                     </a:lnT>
                     <a:lnB w="12700" cmpd="sng">
                       <a:solidFill>
-                        <a:sysClr val="window" lastClr="FFFFFF"/>
+                        <a:sysClr val="window" lastClr="CCE8CF"/>
                       </a:solidFill>
                     </a:lnB>
                     <a:lnTlToBr w="12700" cmpd="sng">
@@ -8205,22 +13424,22 @@
                   <a:tcPr>
                     <a:lnL w="12700" cmpd="sng">
                       <a:solidFill>
-                        <a:sysClr val="window" lastClr="FFFFFF"/>
+                        <a:sysClr val="window" lastClr="CCE8CF"/>
                       </a:solidFill>
                     </a:lnL>
                     <a:lnR w="12700" cmpd="sng">
                       <a:solidFill>
-                        <a:sysClr val="window" lastClr="FFFFFF"/>
+                        <a:sysClr val="window" lastClr="CCE8CF"/>
                       </a:solidFill>
                     </a:lnR>
                     <a:lnT w="12700" cmpd="sng">
                       <a:solidFill>
-                        <a:sysClr val="window" lastClr="FFFFFF"/>
+                        <a:sysClr val="window" lastClr="CCE8CF"/>
                       </a:solidFill>
                     </a:lnT>
                     <a:lnB w="12700" cmpd="sng">
                       <a:solidFill>
-                        <a:sysClr val="window" lastClr="FFFFFF"/>
+                        <a:sysClr val="window" lastClr="CCE8CF"/>
                       </a:solidFill>
                     </a:lnB>
                     <a:lnTlToBr w="12700" cmpd="sng">
@@ -8341,22 +13560,22 @@
                   <a:tcPr>
                     <a:lnL w="12700" cmpd="sng">
                       <a:solidFill>
-                        <a:sysClr val="window" lastClr="FFFFFF"/>
+                        <a:sysClr val="window" lastClr="CCE8CF"/>
                       </a:solidFill>
                     </a:lnL>
                     <a:lnR w="12700" cmpd="sng">
                       <a:solidFill>
-                        <a:sysClr val="window" lastClr="FFFFFF"/>
+                        <a:sysClr val="window" lastClr="CCE8CF"/>
                       </a:solidFill>
                     </a:lnR>
                     <a:lnT w="12700" cmpd="sng">
                       <a:solidFill>
-                        <a:sysClr val="window" lastClr="FFFFFF"/>
+                        <a:sysClr val="window" lastClr="CCE8CF"/>
                       </a:solidFill>
                     </a:lnT>
                     <a:lnB w="12700" cmpd="sng">
                       <a:solidFill>
-                        <a:sysClr val="window" lastClr="FFFFFF"/>
+                        <a:sysClr val="window" lastClr="CCE8CF"/>
                       </a:solidFill>
                     </a:lnB>
                     <a:lnTlToBr w="12700" cmpd="sng">
@@ -8475,22 +13694,22 @@
                   <a:tcPr>
                     <a:lnL w="12700" cmpd="sng">
                       <a:solidFill>
-                        <a:sysClr val="window" lastClr="FFFFFF"/>
+                        <a:sysClr val="window" lastClr="CCE8CF"/>
                       </a:solidFill>
                     </a:lnL>
                     <a:lnR w="12700" cmpd="sng">
                       <a:solidFill>
-                        <a:sysClr val="window" lastClr="FFFFFF"/>
+                        <a:sysClr val="window" lastClr="CCE8CF"/>
                       </a:solidFill>
                     </a:lnR>
                     <a:lnT w="12700" cmpd="sng">
                       <a:solidFill>
-                        <a:sysClr val="window" lastClr="FFFFFF"/>
+                        <a:sysClr val="window" lastClr="CCE8CF"/>
                       </a:solidFill>
                     </a:lnT>
                     <a:lnB w="12700" cmpd="sng">
                       <a:solidFill>
-                        <a:sysClr val="window" lastClr="FFFFFF"/>
+                        <a:sysClr val="window" lastClr="CCE8CF"/>
                       </a:solidFill>
                     </a:lnB>
                     <a:lnTlToBr w="12700" cmpd="sng">
@@ -8609,22 +13828,22 @@
                   <a:tcPr>
                     <a:lnL w="12700" cmpd="sng">
                       <a:solidFill>
-                        <a:sysClr val="window" lastClr="FFFFFF"/>
+                        <a:sysClr val="window" lastClr="CCE8CF"/>
                       </a:solidFill>
                     </a:lnL>
                     <a:lnR w="12700" cmpd="sng">
                       <a:solidFill>
-                        <a:sysClr val="window" lastClr="FFFFFF"/>
+                        <a:sysClr val="window" lastClr="CCE8CF"/>
                       </a:solidFill>
                     </a:lnR>
                     <a:lnT w="12700" cmpd="sng">
                       <a:solidFill>
-                        <a:sysClr val="window" lastClr="FFFFFF"/>
+                        <a:sysClr val="window" lastClr="CCE8CF"/>
                       </a:solidFill>
                     </a:lnT>
                     <a:lnB w="12700" cmpd="sng">
                       <a:solidFill>
-                        <a:sysClr val="window" lastClr="FFFFFF"/>
+                        <a:sysClr val="window" lastClr="CCE8CF"/>
                       </a:solidFill>
                     </a:lnB>
                     <a:lnTlToBr w="12700" cmpd="sng">
@@ -8743,22 +13962,22 @@
                   <a:tcPr>
                     <a:lnL w="12700" cmpd="sng">
                       <a:solidFill>
-                        <a:sysClr val="window" lastClr="FFFFFF"/>
+                        <a:sysClr val="window" lastClr="CCE8CF"/>
                       </a:solidFill>
                     </a:lnL>
                     <a:lnR w="12700" cmpd="sng">
                       <a:solidFill>
-                        <a:sysClr val="window" lastClr="FFFFFF"/>
+                        <a:sysClr val="window" lastClr="CCE8CF"/>
                       </a:solidFill>
                     </a:lnR>
                     <a:lnT w="12700" cmpd="sng">
                       <a:solidFill>
-                        <a:sysClr val="window" lastClr="FFFFFF"/>
+                        <a:sysClr val="window" lastClr="CCE8CF"/>
                       </a:solidFill>
                     </a:lnT>
                     <a:lnB w="12700" cmpd="sng">
                       <a:solidFill>
-                        <a:sysClr val="window" lastClr="FFFFFF"/>
+                        <a:sysClr val="window" lastClr="CCE8CF"/>
                       </a:solidFill>
                     </a:lnB>
                     <a:lnTlToBr w="12700" cmpd="sng">
@@ -8879,22 +14098,22 @@
                   <a:tcPr>
                     <a:lnL w="12700" cmpd="sng">
                       <a:solidFill>
-                        <a:sysClr val="window" lastClr="FFFFFF"/>
+                        <a:sysClr val="window" lastClr="CCE8CF"/>
                       </a:solidFill>
                     </a:lnL>
                     <a:lnR w="12700" cmpd="sng">
                       <a:solidFill>
-                        <a:sysClr val="window" lastClr="FFFFFF"/>
+                        <a:sysClr val="window" lastClr="CCE8CF"/>
                       </a:solidFill>
                     </a:lnR>
                     <a:lnT w="12700" cmpd="sng">
                       <a:solidFill>
-                        <a:sysClr val="window" lastClr="FFFFFF"/>
+                        <a:sysClr val="window" lastClr="CCE8CF"/>
                       </a:solidFill>
                     </a:lnT>
                     <a:lnB w="12700" cmpd="sng">
                       <a:solidFill>
-                        <a:sysClr val="window" lastClr="FFFFFF"/>
+                        <a:sysClr val="window" lastClr="CCE8CF"/>
                       </a:solidFill>
                     </a:lnB>
                     <a:lnTlToBr w="12700" cmpd="sng">
@@ -9013,22 +14232,22 @@
                   <a:tcPr>
                     <a:lnL w="12700" cmpd="sng">
                       <a:solidFill>
-                        <a:sysClr val="window" lastClr="FFFFFF"/>
+                        <a:sysClr val="window" lastClr="CCE8CF"/>
                       </a:solidFill>
                     </a:lnL>
                     <a:lnR w="12700" cmpd="sng">
                       <a:solidFill>
-                        <a:sysClr val="window" lastClr="FFFFFF"/>
+                        <a:sysClr val="window" lastClr="CCE8CF"/>
                       </a:solidFill>
                     </a:lnR>
                     <a:lnT w="12700" cmpd="sng">
                       <a:solidFill>
-                        <a:sysClr val="window" lastClr="FFFFFF"/>
+                        <a:sysClr val="window" lastClr="CCE8CF"/>
                       </a:solidFill>
                     </a:lnT>
                     <a:lnB w="12700" cmpd="sng">
                       <a:solidFill>
-                        <a:sysClr val="window" lastClr="FFFFFF"/>
+                        <a:sysClr val="window" lastClr="CCE8CF"/>
                       </a:solidFill>
                     </a:lnB>
                     <a:lnTlToBr w="12700" cmpd="sng">
@@ -9147,22 +14366,22 @@
                   <a:tcPr>
                     <a:lnL w="12700" cmpd="sng">
                       <a:solidFill>
-                        <a:sysClr val="window" lastClr="FFFFFF"/>
+                        <a:sysClr val="window" lastClr="CCE8CF"/>
                       </a:solidFill>
                     </a:lnL>
                     <a:lnR w="12700" cmpd="sng">
                       <a:solidFill>
-                        <a:sysClr val="window" lastClr="FFFFFF"/>
+                        <a:sysClr val="window" lastClr="CCE8CF"/>
                       </a:solidFill>
                     </a:lnR>
                     <a:lnT w="12700" cmpd="sng">
                       <a:solidFill>
-                        <a:sysClr val="window" lastClr="FFFFFF"/>
+                        <a:sysClr val="window" lastClr="CCE8CF"/>
                       </a:solidFill>
                     </a:lnT>
                     <a:lnB w="12700" cmpd="sng">
                       <a:solidFill>
-                        <a:sysClr val="window" lastClr="FFFFFF"/>
+                        <a:sysClr val="window" lastClr="CCE8CF"/>
                       </a:solidFill>
                     </a:lnB>
                     <a:lnTlToBr w="12700" cmpd="sng">
@@ -9281,22 +14500,22 @@
                   <a:tcPr>
                     <a:lnL w="12700" cmpd="sng">
                       <a:solidFill>
-                        <a:sysClr val="window" lastClr="FFFFFF"/>
+                        <a:sysClr val="window" lastClr="CCE8CF"/>
                       </a:solidFill>
                     </a:lnL>
                     <a:lnR w="12700" cmpd="sng">
                       <a:solidFill>
-                        <a:sysClr val="window" lastClr="FFFFFF"/>
+                        <a:sysClr val="window" lastClr="CCE8CF"/>
                       </a:solidFill>
                     </a:lnR>
                     <a:lnT w="12700" cmpd="sng">
                       <a:solidFill>
-                        <a:sysClr val="window" lastClr="FFFFFF"/>
+                        <a:sysClr val="window" lastClr="CCE8CF"/>
                       </a:solidFill>
                     </a:lnT>
                     <a:lnB w="12700" cmpd="sng">
                       <a:solidFill>
-                        <a:sysClr val="window" lastClr="FFFFFF"/>
+                        <a:sysClr val="window" lastClr="CCE8CF"/>
                       </a:solidFill>
                     </a:lnB>
                     <a:lnTlToBr w="12700" cmpd="sng">
@@ -9417,22 +14636,22 @@
                   <a:tcPr>
                     <a:lnL w="12700" cmpd="sng">
                       <a:solidFill>
-                        <a:sysClr val="window" lastClr="FFFFFF"/>
+                        <a:sysClr val="window" lastClr="CCE8CF"/>
                       </a:solidFill>
                     </a:lnL>
                     <a:lnR w="12700" cmpd="sng">
                       <a:solidFill>
-                        <a:sysClr val="window" lastClr="FFFFFF"/>
+                        <a:sysClr val="window" lastClr="CCE8CF"/>
                       </a:solidFill>
                     </a:lnR>
                     <a:lnT w="12700" cmpd="sng">
                       <a:solidFill>
-                        <a:sysClr val="window" lastClr="FFFFFF"/>
+                        <a:sysClr val="window" lastClr="CCE8CF"/>
                       </a:solidFill>
                     </a:lnT>
                     <a:lnB w="12700" cmpd="sng">
                       <a:solidFill>
-                        <a:sysClr val="window" lastClr="FFFFFF"/>
+                        <a:sysClr val="window" lastClr="CCE8CF"/>
                       </a:solidFill>
                     </a:lnB>
                     <a:lnTlToBr w="12700" cmpd="sng">
@@ -9551,22 +14770,22 @@
                   <a:tcPr>
                     <a:lnL w="12700" cmpd="sng">
                       <a:solidFill>
-                        <a:sysClr val="window" lastClr="FFFFFF"/>
+                        <a:sysClr val="window" lastClr="CCE8CF"/>
                       </a:solidFill>
                     </a:lnL>
                     <a:lnR w="12700" cmpd="sng">
                       <a:solidFill>
-                        <a:sysClr val="window" lastClr="FFFFFF"/>
+                        <a:sysClr val="window" lastClr="CCE8CF"/>
                       </a:solidFill>
                     </a:lnR>
                     <a:lnT w="12700" cmpd="sng">
                       <a:solidFill>
-                        <a:sysClr val="window" lastClr="FFFFFF"/>
+                        <a:sysClr val="window" lastClr="CCE8CF"/>
                       </a:solidFill>
                     </a:lnT>
                     <a:lnB w="12700" cmpd="sng">
                       <a:solidFill>
-                        <a:sysClr val="window" lastClr="FFFFFF"/>
+                        <a:sysClr val="window" lastClr="CCE8CF"/>
                       </a:solidFill>
                     </a:lnB>
                     <a:lnTlToBr w="12700" cmpd="sng">
@@ -9685,22 +14904,22 @@
                   <a:tcPr>
                     <a:lnL w="12700" cmpd="sng">
                       <a:solidFill>
-                        <a:sysClr val="window" lastClr="FFFFFF"/>
+                        <a:sysClr val="window" lastClr="CCE8CF"/>
                       </a:solidFill>
                     </a:lnL>
                     <a:lnR w="12700" cmpd="sng">
                       <a:solidFill>
-                        <a:sysClr val="window" lastClr="FFFFFF"/>
+                        <a:sysClr val="window" lastClr="CCE8CF"/>
                       </a:solidFill>
                     </a:lnR>
                     <a:lnT w="12700" cmpd="sng">
                       <a:solidFill>
-                        <a:sysClr val="window" lastClr="FFFFFF"/>
+                        <a:sysClr val="window" lastClr="CCE8CF"/>
                       </a:solidFill>
                     </a:lnT>
                     <a:lnB w="12700" cmpd="sng">
                       <a:solidFill>
-                        <a:sysClr val="window" lastClr="FFFFFF"/>
+                        <a:sysClr val="window" lastClr="CCE8CF"/>
                       </a:solidFill>
                     </a:lnB>
                     <a:lnTlToBr w="12700" cmpd="sng">
@@ -9819,22 +15038,22 @@
                   <a:tcPr>
                     <a:lnL w="12700" cmpd="sng">
                       <a:solidFill>
-                        <a:sysClr val="window" lastClr="FFFFFF"/>
+                        <a:sysClr val="window" lastClr="CCE8CF"/>
                       </a:solidFill>
                     </a:lnL>
                     <a:lnR w="12700" cmpd="sng">
                       <a:solidFill>
-                        <a:sysClr val="window" lastClr="FFFFFF"/>
+                        <a:sysClr val="window" lastClr="CCE8CF"/>
                       </a:solidFill>
                     </a:lnR>
                     <a:lnT w="12700" cmpd="sng">
                       <a:solidFill>
-                        <a:sysClr val="window" lastClr="FFFFFF"/>
+                        <a:sysClr val="window" lastClr="CCE8CF"/>
                       </a:solidFill>
                     </a:lnT>
                     <a:lnB w="12700" cmpd="sng">
                       <a:solidFill>
-                        <a:sysClr val="window" lastClr="FFFFFF"/>
+                        <a:sysClr val="window" lastClr="CCE8CF"/>
                       </a:solidFill>
                     </a:lnB>
                     <a:lnTlToBr w="12700" cmpd="sng">
@@ -9955,22 +15174,22 @@
                   <a:tcPr>
                     <a:lnL w="12700" cmpd="sng">
                       <a:solidFill>
-                        <a:sysClr val="window" lastClr="FFFFFF"/>
+                        <a:sysClr val="window" lastClr="CCE8CF"/>
                       </a:solidFill>
                     </a:lnL>
                     <a:lnR w="12700" cmpd="sng">
                       <a:solidFill>
-                        <a:sysClr val="window" lastClr="FFFFFF"/>
+                        <a:sysClr val="window" lastClr="CCE8CF"/>
                       </a:solidFill>
                     </a:lnR>
                     <a:lnT w="12700" cmpd="sng">
                       <a:solidFill>
-                        <a:sysClr val="window" lastClr="FFFFFF"/>
+                        <a:sysClr val="window" lastClr="CCE8CF"/>
                       </a:solidFill>
                     </a:lnT>
                     <a:lnB w="12700" cmpd="sng">
                       <a:solidFill>
-                        <a:sysClr val="window" lastClr="FFFFFF"/>
+                        <a:sysClr val="window" lastClr="CCE8CF"/>
                       </a:solidFill>
                     </a:lnB>
                     <a:lnTlToBr w="12700" cmpd="sng">
@@ -10089,22 +15308,22 @@
                   <a:tcPr>
                     <a:lnL w="12700" cmpd="sng">
                       <a:solidFill>
-                        <a:sysClr val="window" lastClr="FFFFFF"/>
+                        <a:sysClr val="window" lastClr="CCE8CF"/>
                       </a:solidFill>
                     </a:lnL>
                     <a:lnR w="12700" cmpd="sng">
                       <a:solidFill>
-                        <a:sysClr val="window" lastClr="FFFFFF"/>
+                        <a:sysClr val="window" lastClr="CCE8CF"/>
                       </a:solidFill>
                     </a:lnR>
                     <a:lnT w="12700" cmpd="sng">
                       <a:solidFill>
-                        <a:sysClr val="window" lastClr="FFFFFF"/>
+                        <a:sysClr val="window" lastClr="CCE8CF"/>
                       </a:solidFill>
                     </a:lnT>
                     <a:lnB w="12700" cmpd="sng">
                       <a:solidFill>
-                        <a:sysClr val="window" lastClr="FFFFFF"/>
+                        <a:sysClr val="window" lastClr="CCE8CF"/>
                       </a:solidFill>
                     </a:lnB>
                     <a:lnTlToBr w="12700" cmpd="sng">
@@ -10223,22 +15442,22 @@
                   <a:tcPr>
                     <a:lnL w="12700" cmpd="sng">
                       <a:solidFill>
-                        <a:sysClr val="window" lastClr="FFFFFF"/>
+                        <a:sysClr val="window" lastClr="CCE8CF"/>
                       </a:solidFill>
                     </a:lnL>
                     <a:lnR w="12700" cmpd="sng">
                       <a:solidFill>
-                        <a:sysClr val="window" lastClr="FFFFFF"/>
+                        <a:sysClr val="window" lastClr="CCE8CF"/>
                       </a:solidFill>
                     </a:lnR>
                     <a:lnT w="12700" cmpd="sng">
                       <a:solidFill>
-                        <a:sysClr val="window" lastClr="FFFFFF"/>
+                        <a:sysClr val="window" lastClr="CCE8CF"/>
                       </a:solidFill>
                     </a:lnT>
                     <a:lnB w="12700" cmpd="sng">
                       <a:solidFill>
-                        <a:sysClr val="window" lastClr="FFFFFF"/>
+                        <a:sysClr val="window" lastClr="CCE8CF"/>
                       </a:solidFill>
                     </a:lnB>
                     <a:lnTlToBr w="12700" cmpd="sng">
@@ -10357,22 +15576,22 @@
                   <a:tcPr>
                     <a:lnL w="12700" cmpd="sng">
                       <a:solidFill>
-                        <a:sysClr val="window" lastClr="FFFFFF"/>
+                        <a:sysClr val="window" lastClr="CCE8CF"/>
                       </a:solidFill>
                     </a:lnL>
                     <a:lnR w="12700" cmpd="sng">
                       <a:solidFill>
-                        <a:sysClr val="window" lastClr="FFFFFF"/>
+                        <a:sysClr val="window" lastClr="CCE8CF"/>
                       </a:solidFill>
                     </a:lnR>
                     <a:lnT w="12700" cmpd="sng">
                       <a:solidFill>
-                        <a:sysClr val="window" lastClr="FFFFFF"/>
+                        <a:sysClr val="window" lastClr="CCE8CF"/>
                       </a:solidFill>
                     </a:lnT>
                     <a:lnB w="12700" cmpd="sng">
                       <a:solidFill>
-                        <a:sysClr val="window" lastClr="FFFFFF"/>
+                        <a:sysClr val="window" lastClr="CCE8CF"/>
                       </a:solidFill>
                     </a:lnB>
                     <a:lnTlToBr w="12700" cmpd="sng">
@@ -10493,22 +15712,22 @@
                   <a:tcPr>
                     <a:lnL w="12700" cmpd="sng">
                       <a:solidFill>
-                        <a:sysClr val="window" lastClr="FFFFFF"/>
+                        <a:sysClr val="window" lastClr="CCE8CF"/>
                       </a:solidFill>
                     </a:lnL>
                     <a:lnR w="12700" cmpd="sng">
                       <a:solidFill>
-                        <a:sysClr val="window" lastClr="FFFFFF"/>
+                        <a:sysClr val="window" lastClr="CCE8CF"/>
                       </a:solidFill>
                     </a:lnR>
                     <a:lnT w="12700" cmpd="sng">
                       <a:solidFill>
-                        <a:sysClr val="window" lastClr="FFFFFF"/>
+                        <a:sysClr val="window" lastClr="CCE8CF"/>
                       </a:solidFill>
                     </a:lnT>
                     <a:lnB w="12700" cmpd="sng">
                       <a:solidFill>
-                        <a:sysClr val="window" lastClr="FFFFFF"/>
+                        <a:sysClr val="window" lastClr="CCE8CF"/>
                       </a:solidFill>
                     </a:lnB>
                     <a:lnTlToBr w="12700" cmpd="sng">
@@ -10627,22 +15846,22 @@
                   <a:tcPr>
                     <a:lnL w="12700" cmpd="sng">
                       <a:solidFill>
-                        <a:sysClr val="window" lastClr="FFFFFF"/>
+                        <a:sysClr val="window" lastClr="CCE8CF"/>
                       </a:solidFill>
                     </a:lnL>
                     <a:lnR w="12700" cmpd="sng">
                       <a:solidFill>
-                        <a:sysClr val="window" lastClr="FFFFFF"/>
+                        <a:sysClr val="window" lastClr="CCE8CF"/>
                       </a:solidFill>
                     </a:lnR>
                     <a:lnT w="12700" cmpd="sng">
                       <a:solidFill>
-                        <a:sysClr val="window" lastClr="FFFFFF"/>
+                        <a:sysClr val="window" lastClr="CCE8CF"/>
                       </a:solidFill>
                     </a:lnT>
                     <a:lnB w="12700" cmpd="sng">
                       <a:solidFill>
-                        <a:sysClr val="window" lastClr="FFFFFF"/>
+                        <a:sysClr val="window" lastClr="CCE8CF"/>
                       </a:solidFill>
                     </a:lnB>
                     <a:lnTlToBr w="12700" cmpd="sng">
@@ -10761,22 +15980,22 @@
                   <a:tcPr>
                     <a:lnL w="12700" cmpd="sng">
                       <a:solidFill>
-                        <a:sysClr val="window" lastClr="FFFFFF"/>
+                        <a:sysClr val="window" lastClr="CCE8CF"/>
                       </a:solidFill>
                     </a:lnL>
                     <a:lnR w="12700" cmpd="sng">
                       <a:solidFill>
-                        <a:sysClr val="window" lastClr="FFFFFF"/>
+                        <a:sysClr val="window" lastClr="CCE8CF"/>
                       </a:solidFill>
                     </a:lnR>
                     <a:lnT w="12700" cmpd="sng">
                       <a:solidFill>
-                        <a:sysClr val="window" lastClr="FFFFFF"/>
+                        <a:sysClr val="window" lastClr="CCE8CF"/>
                       </a:solidFill>
                     </a:lnT>
                     <a:lnB w="12700" cmpd="sng">
                       <a:solidFill>
-                        <a:sysClr val="window" lastClr="FFFFFF"/>
+                        <a:sysClr val="window" lastClr="CCE8CF"/>
                       </a:solidFill>
                     </a:lnB>
                     <a:lnTlToBr w="12700" cmpd="sng">
@@ -10895,22 +16114,22 @@
                   <a:tcPr>
                     <a:lnL w="12700" cmpd="sng">
                       <a:solidFill>
-                        <a:sysClr val="window" lastClr="FFFFFF"/>
+                        <a:sysClr val="window" lastClr="CCE8CF"/>
                       </a:solidFill>
                     </a:lnL>
                     <a:lnR w="12700" cmpd="sng">
                       <a:solidFill>
-                        <a:sysClr val="window" lastClr="FFFFFF"/>
+                        <a:sysClr val="window" lastClr="CCE8CF"/>
                       </a:solidFill>
                     </a:lnR>
                     <a:lnT w="12700" cmpd="sng">
                       <a:solidFill>
-                        <a:sysClr val="window" lastClr="FFFFFF"/>
+                        <a:sysClr val="window" lastClr="CCE8CF"/>
                       </a:solidFill>
                     </a:lnT>
                     <a:lnB w="12700" cmpd="sng">
                       <a:solidFill>
-                        <a:sysClr val="window" lastClr="FFFFFF"/>
+                        <a:sysClr val="window" lastClr="CCE8CF"/>
                       </a:solidFill>
                     </a:lnB>
                     <a:lnTlToBr w="12700" cmpd="sng">
@@ -10953,7 +16172,7 @@
 </p:sld>
 </file>
 
-<file path=ppt/slides/slide16.xml><?xml version="1.0" encoding="utf-8"?>
+<file path=ppt/slides/slide2.xml><?xml version="1.0" encoding="utf-8"?>
 <p:sld xmlns:a="http://schemas.openxmlformats.org/drawingml/2006/main" xmlns:r="http://schemas.openxmlformats.org/officeDocument/2006/relationships" xmlns:p="http://schemas.openxmlformats.org/presentationml/2006/main">
   <p:cSld>
     <p:spTree>
@@ -10987,12 +16206,9 @@
           <a:p>
             <a:r>
               <a:rPr lang="zh-CN" altLang="en-US" dirty="0" smtClean="0"/>
-              <a:t>开发</a:t>
-            </a:r>
-            <a:r>
-              <a:rPr lang="zh-CN" altLang="en-US" dirty="0"/>
-              <a:t>测试脚本</a:t>
-            </a:r>
+              <a:t>内容回顾</a:t>
+            </a:r>
+            <a:endParaRPr lang="zh-CN" altLang="en-US" dirty="0"/>
           </a:p>
         </p:txBody>
       </p:sp>
@@ -11006,43 +16222,59 @@
             <p:ph idx="1"/>
           </p:nvPr>
         </p:nvSpPr>
-        <p:spPr>
-          <a:xfrm>
-            <a:off x="695400" y="1320552"/>
-            <a:ext cx="8424936" cy="4267200"/>
-          </a:xfrm>
-        </p:spPr>
+        <p:spPr/>
         <p:txBody>
           <a:bodyPr/>
           <a:lstStyle/>
           <a:p>
             <a:r>
+              <a:rPr lang="zh-CN" altLang="en-US" dirty="0" smtClean="0"/>
+              <a:t>软件开发模型</a:t>
+            </a:r>
+            <a:endParaRPr lang="en-US" altLang="zh-CN" dirty="0" smtClean="0"/>
+          </a:p>
+          <a:p>
+            <a:pPr lvl="1"/>
+            <a:r>
+              <a:rPr lang="zh-CN" altLang="en-US" dirty="0" smtClean="0"/>
+              <a:t>大棒开发法</a:t>
+            </a:r>
+            <a:endParaRPr lang="en-US" altLang="zh-CN" dirty="0" smtClean="0"/>
+          </a:p>
+          <a:p>
+            <a:pPr lvl="1"/>
+            <a:r>
               <a:rPr lang="zh-CN" altLang="en-US" dirty="0"/>
-              <a:t>开发测试脚本</a:t>
-            </a:r>
-            <a:endParaRPr lang="en-US" altLang="zh-CN" dirty="0"/>
+              <a:t>边写边</a:t>
+            </a:r>
+            <a:r>
+              <a:rPr lang="zh-CN" altLang="en-US" dirty="0" smtClean="0"/>
+              <a:t>改模型</a:t>
+            </a:r>
+            <a:endParaRPr lang="en-US" altLang="zh-CN" dirty="0" smtClean="0"/>
           </a:p>
           <a:p>
             <a:pPr lvl="1"/>
             <a:r>
-              <a:rPr lang="zh-CN" altLang="en-US" dirty="0"/>
-              <a:t>为进行自动化测试做</a:t>
-            </a:r>
-            <a:r>
               <a:rPr lang="zh-CN" altLang="en-US" dirty="0" smtClean="0"/>
-              <a:t>准备</a:t>
+              <a:t>瀑布模型</a:t>
             </a:r>
             <a:endParaRPr lang="en-US" altLang="zh-CN" dirty="0" smtClean="0"/>
           </a:p>
           <a:p>
-            <a:endParaRPr lang="en-US" altLang="zh-CN" dirty="0"/>
+            <a:pPr lvl="1"/>
+            <a:r>
+              <a:rPr lang="zh-CN" altLang="en-US" dirty="0" smtClean="0"/>
+              <a:t>敏捷模型</a:t>
+            </a:r>
+            <a:endParaRPr lang="zh-CN" altLang="en-US" dirty="0"/>
           </a:p>
         </p:txBody>
       </p:sp>
     </p:spTree>
     <p:extLst>
       <p:ext uri="{BB962C8B-B14F-4D97-AF65-F5344CB8AC3E}">
-        <p14:creationId xmlns:p14="http://schemas.microsoft.com/office/powerpoint/2010/main" val="3572532266"/>
+        <p14:creationId xmlns:p14="http://schemas.microsoft.com/office/powerpoint/2010/main" val="1381728621"/>
       </p:ext>
     </p:extLst>
   </p:cSld>
@@ -11062,7 +16294,7 @@
 </p:sld>
 </file>
 
-<file path=ppt/slides/slide17.xml><?xml version="1.0" encoding="utf-8"?>
+<file path=ppt/slides/slide20.xml><?xml version="1.0" encoding="utf-8"?>
 <p:sld xmlns:a="http://schemas.openxmlformats.org/drawingml/2006/main" xmlns:r="http://schemas.openxmlformats.org/officeDocument/2006/relationships" xmlns:p="http://schemas.openxmlformats.org/presentationml/2006/main">
   <p:cSld>
     <p:spTree>
@@ -11096,6 +16328,115 @@
           <a:p>
             <a:r>
               <a:rPr lang="zh-CN" altLang="en-US" dirty="0" smtClean="0"/>
+              <a:t>开发</a:t>
+            </a:r>
+            <a:r>
+              <a:rPr lang="zh-CN" altLang="en-US" dirty="0"/>
+              <a:t>测试脚本</a:t>
+            </a:r>
+          </a:p>
+        </p:txBody>
+      </p:sp>
+      <p:sp>
+        <p:nvSpPr>
+          <p:cNvPr id="3" name="内容占位符 2"/>
+          <p:cNvSpPr>
+            <a:spLocks noGrp="1"/>
+          </p:cNvSpPr>
+          <p:nvPr>
+            <p:ph idx="1"/>
+          </p:nvPr>
+        </p:nvSpPr>
+        <p:spPr>
+          <a:xfrm>
+            <a:off x="695400" y="1320552"/>
+            <a:ext cx="8424936" cy="4267200"/>
+          </a:xfrm>
+        </p:spPr>
+        <p:txBody>
+          <a:bodyPr/>
+          <a:lstStyle/>
+          <a:p>
+            <a:r>
+              <a:rPr lang="zh-CN" altLang="en-US" dirty="0"/>
+              <a:t>开发测试脚本</a:t>
+            </a:r>
+            <a:endParaRPr lang="en-US" altLang="zh-CN" dirty="0"/>
+          </a:p>
+          <a:p>
+            <a:pPr lvl="1"/>
+            <a:r>
+              <a:rPr lang="zh-CN" altLang="en-US" dirty="0"/>
+              <a:t>为进行自动化测试做</a:t>
+            </a:r>
+            <a:r>
+              <a:rPr lang="zh-CN" altLang="en-US" dirty="0" smtClean="0"/>
+              <a:t>准备</a:t>
+            </a:r>
+            <a:endParaRPr lang="en-US" altLang="zh-CN" dirty="0" smtClean="0"/>
+          </a:p>
+          <a:p>
+            <a:endParaRPr lang="en-US" altLang="zh-CN" dirty="0"/>
+          </a:p>
+        </p:txBody>
+      </p:sp>
+    </p:spTree>
+    <p:extLst>
+      <p:ext uri="{BB962C8B-B14F-4D97-AF65-F5344CB8AC3E}">
+        <p14:creationId xmlns:p14="http://schemas.microsoft.com/office/powerpoint/2010/main" val="3572532266"/>
+      </p:ext>
+    </p:extLst>
+  </p:cSld>
+  <p:clrMapOvr>
+    <a:masterClrMapping/>
+  </p:clrMapOvr>
+  <p:transition>
+    <p:blinds dir="vert"/>
+  </p:transition>
+  <p:timing>
+    <p:tnLst>
+      <p:par>
+        <p:cTn id="1" dur="indefinite" restart="never" nodeType="tmRoot"/>
+      </p:par>
+    </p:tnLst>
+  </p:timing>
+</p:sld>
+</file>
+
+<file path=ppt/slides/slide21.xml><?xml version="1.0" encoding="utf-8"?>
+<p:sld xmlns:a="http://schemas.openxmlformats.org/drawingml/2006/main" xmlns:r="http://schemas.openxmlformats.org/officeDocument/2006/relationships" xmlns:p="http://schemas.openxmlformats.org/presentationml/2006/main">
+  <p:cSld>
+    <p:spTree>
+      <p:nvGrpSpPr>
+        <p:cNvPr id="1" name=""/>
+        <p:cNvGrpSpPr/>
+        <p:nvPr/>
+      </p:nvGrpSpPr>
+      <p:grpSpPr>
+        <a:xfrm>
+          <a:off x="0" y="0"/>
+          <a:ext cx="0" cy="0"/>
+          <a:chOff x="0" y="0"/>
+          <a:chExt cx="0" cy="0"/>
+        </a:xfrm>
+      </p:grpSpPr>
+      <p:sp>
+        <p:nvSpPr>
+          <p:cNvPr id="2" name="标题 1"/>
+          <p:cNvSpPr>
+            <a:spLocks noGrp="1"/>
+          </p:cNvSpPr>
+          <p:nvPr>
+            <p:ph type="title"/>
+          </p:nvPr>
+        </p:nvSpPr>
+        <p:spPr/>
+        <p:txBody>
+          <a:bodyPr/>
+          <a:lstStyle/>
+          <a:p>
+            <a:r>
+              <a:rPr lang="zh-CN" altLang="en-US" dirty="0" smtClean="0"/>
               <a:t>搭建测试环境</a:t>
             </a:r>
             <a:endParaRPr lang="zh-CN" altLang="en-US" dirty="0"/>
@@ -11228,7 +16569,7 @@
 </p:sld>
 </file>
 
-<file path=ppt/slides/slide18.xml><?xml version="1.0" encoding="utf-8"?>
+<file path=ppt/slides/slide22.xml><?xml version="1.0" encoding="utf-8"?>
 <p:sld xmlns:a="http://schemas.openxmlformats.org/drawingml/2006/main" xmlns:r="http://schemas.openxmlformats.org/officeDocument/2006/relationships" xmlns:p="http://schemas.openxmlformats.org/presentationml/2006/main">
   <p:cSld>
     <p:spTree>
@@ -11693,7 +17034,7 @@
 </p:sld>
 </file>
 
-<file path=ppt/slides/slide19.xml><?xml version="1.0" encoding="utf-8"?>
+<file path=ppt/slides/slide23.xml><?xml version="1.0" encoding="utf-8"?>
 <p:sld xmlns:a="http://schemas.openxmlformats.org/drawingml/2006/main" xmlns:r="http://schemas.openxmlformats.org/officeDocument/2006/relationships" xmlns:p="http://schemas.openxmlformats.org/presentationml/2006/main">
   <p:cSld>
     <p:spTree>
@@ -11726,7 +17067,7 @@
           <a:lstStyle/>
           <a:p>
             <a:r>
-              <a:rPr lang="zh-CN" altLang="en-US" smtClean="0"/>
+              <a:rPr lang="zh-CN" altLang="en-US" dirty="0" smtClean="0"/>
               <a:t>测试评估与总结</a:t>
             </a:r>
             <a:endParaRPr lang="zh-CN" altLang="en-US" dirty="0"/>
@@ -11743,7 +17084,12 @@
             <p:ph idx="1"/>
           </p:nvPr>
         </p:nvSpPr>
-        <p:spPr/>
+        <p:spPr>
+          <a:xfrm>
+            <a:off x="911424" y="1196752"/>
+            <a:ext cx="10668000" cy="4267200"/>
+          </a:xfrm>
+        </p:spPr>
         <p:txBody>
           <a:bodyPr/>
           <a:lstStyle/>
@@ -12479,7 +17825,561 @@
 </p:sld>
 </file>
 
-<file path=ppt/slides/slide2.xml><?xml version="1.0" encoding="utf-8"?>
+<file path=ppt/slides/slide24.xml><?xml version="1.0" encoding="utf-8"?>
+<p:sld xmlns:a="http://schemas.openxmlformats.org/drawingml/2006/main" xmlns:r="http://schemas.openxmlformats.org/officeDocument/2006/relationships" xmlns:p="http://schemas.openxmlformats.org/presentationml/2006/main">
+  <p:cSld>
+    <p:spTree>
+      <p:nvGrpSpPr>
+        <p:cNvPr id="1" name=""/>
+        <p:cNvGrpSpPr/>
+        <p:nvPr/>
+      </p:nvGrpSpPr>
+      <p:grpSpPr>
+        <a:xfrm>
+          <a:off x="0" y="0"/>
+          <a:ext cx="0" cy="0"/>
+          <a:chOff x="0" y="0"/>
+          <a:chExt cx="0" cy="0"/>
+        </a:xfrm>
+      </p:grpSpPr>
+      <p:sp>
+        <p:nvSpPr>
+          <p:cNvPr id="30724" name="标题 11"/>
+          <p:cNvSpPr>
+            <a:spLocks noGrp="1"/>
+          </p:cNvSpPr>
+          <p:nvPr>
+            <p:ph type="title"/>
+          </p:nvPr>
+        </p:nvSpPr>
+        <p:spPr/>
+        <p:txBody>
+          <a:bodyPr/>
+          <a:lstStyle/>
+          <a:p>
+            <a:pPr eaLnBrk="1" hangingPunct="1"/>
+            <a:r>
+              <a:rPr lang="zh-CN" altLang="en-US" dirty="0"/>
+              <a:t>测试总结报告定义</a:t>
+            </a:r>
+          </a:p>
+        </p:txBody>
+      </p:sp>
+      <p:sp>
+        <p:nvSpPr>
+          <p:cNvPr id="30723" name="内容占位符 2"/>
+          <p:cNvSpPr>
+            <a:spLocks noGrp="1"/>
+          </p:cNvSpPr>
+          <p:nvPr>
+            <p:ph idx="1"/>
+          </p:nvPr>
+        </p:nvSpPr>
+        <p:spPr/>
+        <p:txBody>
+          <a:bodyPr/>
+          <a:lstStyle/>
+          <a:p>
+            <a:pPr algn="just" eaLnBrk="1" hangingPunct="1"/>
+            <a:r>
+              <a:rPr lang="zh-CN" altLang="en-US" sz="3200" b="1" dirty="0"/>
+              <a:t>测试报告文档是测试阶段最后的文档产出物，把</a:t>
+            </a:r>
+            <a:r>
+              <a:rPr lang="zh-CN" altLang="en-US" sz="3200" b="1" dirty="0">
+                <a:solidFill>
+                  <a:srgbClr val="FF0000"/>
+                </a:solidFill>
+              </a:rPr>
+              <a:t>测试的过程和结果</a:t>
+            </a:r>
+            <a:r>
+              <a:rPr lang="zh-CN" altLang="en-US" sz="3200" b="1" dirty="0"/>
+              <a:t>写成文档，并对发现的问题和缺陷进行</a:t>
+            </a:r>
+            <a:r>
+              <a:rPr lang="zh-CN" altLang="en-US" sz="3200" b="1" dirty="0">
+                <a:solidFill>
+                  <a:srgbClr val="FF0000"/>
+                </a:solidFill>
+              </a:rPr>
+              <a:t>分析</a:t>
+            </a:r>
+            <a:r>
+              <a:rPr lang="zh-CN" altLang="en-US" sz="3200" b="1" dirty="0"/>
+              <a:t>，为纠正软件的存在的质量问题提供依据，同时为软件验收和交付打下基础。 </a:t>
+            </a:r>
+          </a:p>
+          <a:p>
+            <a:pPr eaLnBrk="1" hangingPunct="1"/>
+            <a:endParaRPr lang="en-US" altLang="zh-CN" dirty="0" smtClean="0">
+              <a:ea typeface="宋体" pitchFamily="2" charset="-122"/>
+            </a:endParaRPr>
+          </a:p>
+          <a:p>
+            <a:pPr eaLnBrk="1" hangingPunct="1">
+              <a:buFont typeface="Wingdings" pitchFamily="2" charset="2"/>
+              <a:buNone/>
+            </a:pPr>
+            <a:r>
+              <a:rPr lang="zh-CN" altLang="en-US" dirty="0" smtClean="0">
+                <a:ea typeface="宋体" pitchFamily="2" charset="-122"/>
+              </a:rPr>
+              <a:t>          </a:t>
+            </a:r>
+            <a:endParaRPr lang="en-US" altLang="zh-CN" dirty="0" smtClean="0">
+              <a:ea typeface="宋体" pitchFamily="2" charset="-122"/>
+            </a:endParaRPr>
+          </a:p>
+          <a:p>
+            <a:pPr eaLnBrk="1" hangingPunct="1">
+              <a:buFont typeface="Wingdings" pitchFamily="2" charset="2"/>
+              <a:buNone/>
+            </a:pPr>
+            <a:r>
+              <a:rPr lang="zh-CN" altLang="en-US" dirty="0" smtClean="0">
+                <a:ea typeface="宋体" pitchFamily="2" charset="-122"/>
+              </a:rPr>
+              <a:t>      </a:t>
+            </a:r>
+            <a:endParaRPr lang="en-US" altLang="zh-CN" dirty="0" smtClean="0">
+              <a:ea typeface="宋体" pitchFamily="2" charset="-122"/>
+            </a:endParaRPr>
+          </a:p>
+          <a:p>
+            <a:pPr eaLnBrk="1" hangingPunct="1">
+              <a:buFont typeface="Wingdings" pitchFamily="2" charset="2"/>
+              <a:buNone/>
+            </a:pPr>
+            <a:endParaRPr lang="en-US" altLang="zh-CN" dirty="0" smtClean="0">
+              <a:ea typeface="宋体" pitchFamily="2" charset="-122"/>
+            </a:endParaRPr>
+          </a:p>
+          <a:p>
+            <a:pPr eaLnBrk="1" hangingPunct="1">
+              <a:buFont typeface="Wingdings" pitchFamily="2" charset="2"/>
+              <a:buNone/>
+            </a:pPr>
+            <a:endParaRPr lang="en-US" altLang="zh-CN" dirty="0" smtClean="0">
+              <a:ea typeface="宋体" pitchFamily="2" charset="-122"/>
+            </a:endParaRPr>
+          </a:p>
+          <a:p>
+            <a:pPr eaLnBrk="1" hangingPunct="1">
+              <a:buFont typeface="Wingdings" pitchFamily="2" charset="2"/>
+              <a:buNone/>
+            </a:pPr>
+            <a:r>
+              <a:rPr lang="zh-CN" altLang="en-US" dirty="0" smtClean="0">
+                <a:ea typeface="宋体" pitchFamily="2" charset="-122"/>
+              </a:rPr>
+              <a:t>  </a:t>
+            </a:r>
+            <a:endParaRPr lang="en-US" altLang="zh-CN" dirty="0" smtClean="0">
+              <a:ea typeface="宋体" pitchFamily="2" charset="-122"/>
+            </a:endParaRPr>
+          </a:p>
+        </p:txBody>
+      </p:sp>
+    </p:spTree>
+    <p:extLst>
+      <p:ext uri="{BB962C8B-B14F-4D97-AF65-F5344CB8AC3E}">
+        <p14:creationId xmlns:p14="http://schemas.microsoft.com/office/powerpoint/2010/main" val="663432141"/>
+      </p:ext>
+    </p:extLst>
+  </p:cSld>
+  <p:clrMapOvr>
+    <a:masterClrMapping/>
+  </p:clrMapOvr>
+  <p:transition>
+    <p:randomBar dir="vert"/>
+  </p:transition>
+  <p:timing>
+    <p:tnLst>
+      <p:par>
+        <p:cTn id="1" dur="indefinite" restart="never" nodeType="tmRoot"/>
+      </p:par>
+    </p:tnLst>
+  </p:timing>
+</p:sld>
+</file>
+
+<file path=ppt/slides/slide25.xml><?xml version="1.0" encoding="utf-8"?>
+<p:sld xmlns:a="http://schemas.openxmlformats.org/drawingml/2006/main" xmlns:r="http://schemas.openxmlformats.org/officeDocument/2006/relationships" xmlns:p="http://schemas.openxmlformats.org/presentationml/2006/main">
+  <p:cSld>
+    <p:spTree>
+      <p:nvGrpSpPr>
+        <p:cNvPr id="1" name=""/>
+        <p:cNvGrpSpPr/>
+        <p:nvPr/>
+      </p:nvGrpSpPr>
+      <p:grpSpPr>
+        <a:xfrm>
+          <a:off x="0" y="0"/>
+          <a:ext cx="0" cy="0"/>
+          <a:chOff x="0" y="0"/>
+          <a:chExt cx="0" cy="0"/>
+        </a:xfrm>
+      </p:grpSpPr>
+      <p:sp>
+        <p:nvSpPr>
+          <p:cNvPr id="31746" name="标题 16"/>
+          <p:cNvSpPr>
+            <a:spLocks noGrp="1"/>
+          </p:cNvSpPr>
+          <p:nvPr>
+            <p:ph type="title"/>
+          </p:nvPr>
+        </p:nvSpPr>
+        <p:spPr/>
+        <p:txBody>
+          <a:bodyPr/>
+          <a:lstStyle/>
+          <a:p>
+            <a:pPr eaLnBrk="1" hangingPunct="1"/>
+            <a:r>
+              <a:rPr lang="zh-CN" altLang="en-US" dirty="0"/>
+              <a:t>测试总结报告定义</a:t>
+            </a:r>
+          </a:p>
+        </p:txBody>
+      </p:sp>
+      <p:sp>
+        <p:nvSpPr>
+          <p:cNvPr id="31747" name="内容占位符 2"/>
+          <p:cNvSpPr>
+            <a:spLocks noGrp="1"/>
+          </p:cNvSpPr>
+          <p:nvPr>
+            <p:ph idx="1"/>
+          </p:nvPr>
+        </p:nvSpPr>
+        <p:spPr>
+          <a:xfrm>
+            <a:off x="911424" y="1412776"/>
+            <a:ext cx="10221383" cy="4641850"/>
+          </a:xfrm>
+        </p:spPr>
+        <p:txBody>
+          <a:bodyPr/>
+          <a:lstStyle/>
+          <a:p>
+            <a:pPr marL="469900" lvl="1" indent="-469900" algn="just" eaLnBrk="1" hangingPunct="1">
+              <a:buFont typeface="Wingdings" pitchFamily="2" charset="2"/>
+              <a:buChar char="Ø"/>
+            </a:pPr>
+            <a:r>
+              <a:rPr lang="zh-CN" altLang="en-US" sz="2800" dirty="0">
+                <a:cs typeface="+mn-cs"/>
+              </a:rPr>
+              <a:t>文件名称、编号、版本等基本信息</a:t>
+            </a:r>
+          </a:p>
+          <a:p>
+            <a:pPr marL="469900" lvl="1" indent="-469900" algn="just" eaLnBrk="1" hangingPunct="1">
+              <a:buFont typeface="Wingdings" pitchFamily="2" charset="2"/>
+              <a:buChar char="Ø"/>
+            </a:pPr>
+            <a:r>
+              <a:rPr lang="zh-CN" altLang="en-US" sz="2800" dirty="0">
+                <a:cs typeface="+mn-cs"/>
+              </a:rPr>
+              <a:t>引言（编写目的、项目介绍、常用术语、参考文档）</a:t>
+            </a:r>
+          </a:p>
+          <a:p>
+            <a:pPr marL="469900" lvl="1" indent="-469900" algn="just" eaLnBrk="1" hangingPunct="1">
+              <a:buFont typeface="Wingdings" pitchFamily="2" charset="2"/>
+              <a:buChar char="Ø"/>
+            </a:pPr>
+            <a:r>
+              <a:rPr lang="zh-CN" altLang="en-US" sz="2800" dirty="0">
+                <a:cs typeface="+mn-cs"/>
+              </a:rPr>
+              <a:t>测试概要（测试用例设计、测试环境与配置、工具）</a:t>
+            </a:r>
+          </a:p>
+          <a:p>
+            <a:pPr marL="469900" lvl="1" indent="-469900" algn="just" eaLnBrk="1" hangingPunct="1">
+              <a:buFont typeface="Wingdings" pitchFamily="2" charset="2"/>
+              <a:buChar char="Ø"/>
+            </a:pPr>
+            <a:r>
+              <a:rPr lang="zh-CN" altLang="en-US" sz="2800" dirty="0">
+                <a:cs typeface="+mn-cs"/>
+              </a:rPr>
+              <a:t>测试结果与缺陷分析（测试执行情况与记录；覆盖结果分析；缺陷统计与分析 ）</a:t>
+            </a:r>
+          </a:p>
+          <a:p>
+            <a:pPr marL="469900" lvl="1" indent="-469900" algn="just" eaLnBrk="1" hangingPunct="1">
+              <a:buFont typeface="Wingdings" pitchFamily="2" charset="2"/>
+              <a:buChar char="Ø"/>
+            </a:pPr>
+            <a:r>
+              <a:rPr lang="zh-CN" altLang="en-US" sz="2800" dirty="0">
+                <a:cs typeface="+mn-cs"/>
+              </a:rPr>
+              <a:t>测试结论与建议（测试结论、测试建议）</a:t>
+            </a:r>
+          </a:p>
+          <a:p>
+            <a:pPr marL="0" indent="0" eaLnBrk="1" hangingPunct="1">
+              <a:buNone/>
+            </a:pPr>
+            <a:endParaRPr lang="zh-CN" altLang="en-US" dirty="0" smtClean="0">
+              <a:ea typeface="宋体" pitchFamily="2" charset="-122"/>
+            </a:endParaRPr>
+          </a:p>
+        </p:txBody>
+      </p:sp>
+    </p:spTree>
+    <p:extLst>
+      <p:ext uri="{BB962C8B-B14F-4D97-AF65-F5344CB8AC3E}">
+        <p14:creationId xmlns:p14="http://schemas.microsoft.com/office/powerpoint/2010/main" val="4162528613"/>
+      </p:ext>
+    </p:extLst>
+  </p:cSld>
+  <p:clrMapOvr>
+    <a:masterClrMapping/>
+  </p:clrMapOvr>
+  <p:transition>
+    <p:randomBar dir="vert"/>
+  </p:transition>
+  <p:timing>
+    <p:tnLst>
+      <p:par>
+        <p:cTn id="1" dur="indefinite" restart="never" nodeType="tmRoot"/>
+      </p:par>
+    </p:tnLst>
+  </p:timing>
+</p:sld>
+</file>
+
+<file path=ppt/slides/slide26.xml><?xml version="1.0" encoding="utf-8"?>
+<p:sld xmlns:a="http://schemas.openxmlformats.org/drawingml/2006/main" xmlns:r="http://schemas.openxmlformats.org/officeDocument/2006/relationships" xmlns:p="http://schemas.openxmlformats.org/presentationml/2006/main">
+  <p:cSld>
+    <p:spTree>
+      <p:nvGrpSpPr>
+        <p:cNvPr id="1" name=""/>
+        <p:cNvGrpSpPr/>
+        <p:nvPr/>
+      </p:nvGrpSpPr>
+      <p:grpSpPr>
+        <a:xfrm>
+          <a:off x="0" y="0"/>
+          <a:ext cx="0" cy="0"/>
+          <a:chOff x="0" y="0"/>
+          <a:chExt cx="0" cy="0"/>
+        </a:xfrm>
+      </p:grpSpPr>
+      <p:sp>
+        <p:nvSpPr>
+          <p:cNvPr id="31746" name="标题 16"/>
+          <p:cNvSpPr>
+            <a:spLocks noGrp="1"/>
+          </p:cNvSpPr>
+          <p:nvPr>
+            <p:ph type="title"/>
+          </p:nvPr>
+        </p:nvSpPr>
+        <p:spPr/>
+        <p:txBody>
+          <a:bodyPr/>
+          <a:lstStyle/>
+          <a:p>
+            <a:pPr eaLnBrk="1" hangingPunct="1"/>
+            <a:r>
+              <a:rPr lang="zh-CN" altLang="en-US" dirty="0"/>
+              <a:t>测试总结报告定义</a:t>
+            </a:r>
+            <a:endParaRPr lang="zh-CN" altLang="en-US" b="1" dirty="0">
+              <a:latin typeface="黑体" pitchFamily="49" charset="-122"/>
+              <a:ea typeface="黑体" pitchFamily="49" charset="-122"/>
+            </a:endParaRPr>
+          </a:p>
+        </p:txBody>
+      </p:sp>
+      <p:sp>
+        <p:nvSpPr>
+          <p:cNvPr id="31747" name="内容占位符 2"/>
+          <p:cNvSpPr>
+            <a:spLocks noGrp="1"/>
+          </p:cNvSpPr>
+          <p:nvPr>
+            <p:ph idx="1"/>
+          </p:nvPr>
+        </p:nvSpPr>
+        <p:spPr/>
+        <p:txBody>
+          <a:bodyPr/>
+          <a:lstStyle/>
+          <a:p>
+            <a:pPr lvl="1"/>
+            <a:endParaRPr lang="en-US" altLang="zh-CN" dirty="0" smtClean="0"/>
+          </a:p>
+          <a:p>
+            <a:pPr lvl="1"/>
+            <a:endParaRPr lang="en-US" altLang="zh-CN" dirty="0" smtClean="0"/>
+          </a:p>
+        </p:txBody>
+      </p:sp>
+      <p:pic>
+        <p:nvPicPr>
+          <p:cNvPr id="1026" name="Picture 2"/>
+          <p:cNvPicPr>
+            <a:picLocks noChangeAspect="1" noChangeArrowheads="1"/>
+          </p:cNvPicPr>
+          <p:nvPr/>
+        </p:nvPicPr>
+        <p:blipFill>
+          <a:blip r:embed="rId3"/>
+          <a:srcRect/>
+          <a:stretch>
+            <a:fillRect/>
+          </a:stretch>
+        </p:blipFill>
+        <p:spPr bwMode="auto">
+          <a:xfrm>
+            <a:off x="847871" y="1484784"/>
+            <a:ext cx="1943100" cy="3657600"/>
+          </a:xfrm>
+          <a:prstGeom prst="rect">
+            <a:avLst/>
+          </a:prstGeom>
+          <a:noFill/>
+          <a:ln w="9525">
+            <a:noFill/>
+            <a:miter lim="800000"/>
+            <a:headEnd/>
+            <a:tailEnd/>
+          </a:ln>
+          <a:effectLst/>
+        </p:spPr>
+      </p:pic>
+      <p:pic>
+        <p:nvPicPr>
+          <p:cNvPr id="1027" name="Picture 3"/>
+          <p:cNvPicPr>
+            <a:picLocks noChangeAspect="1" noChangeArrowheads="1"/>
+          </p:cNvPicPr>
+          <p:nvPr/>
+        </p:nvPicPr>
+        <p:blipFill>
+          <a:blip r:embed="rId4"/>
+          <a:srcRect t="7473"/>
+          <a:stretch>
+            <a:fillRect/>
+          </a:stretch>
+        </p:blipFill>
+        <p:spPr bwMode="auto">
+          <a:xfrm>
+            <a:off x="3311691" y="4005065"/>
+            <a:ext cx="4110383" cy="2627219"/>
+          </a:xfrm>
+          <a:prstGeom prst="rect">
+            <a:avLst/>
+          </a:prstGeom>
+          <a:noFill/>
+          <a:ln w="9525">
+            <a:noFill/>
+            <a:miter lim="800000"/>
+            <a:headEnd/>
+            <a:tailEnd/>
+          </a:ln>
+          <a:effectLst/>
+        </p:spPr>
+      </p:pic>
+      <p:pic>
+        <p:nvPicPr>
+          <p:cNvPr id="1028" name="Picture 4"/>
+          <p:cNvPicPr>
+            <a:picLocks noChangeAspect="1" noChangeArrowheads="1"/>
+          </p:cNvPicPr>
+          <p:nvPr/>
+        </p:nvPicPr>
+        <p:blipFill>
+          <a:blip r:embed="rId5"/>
+          <a:srcRect l="9115" t="15447"/>
+          <a:stretch>
+            <a:fillRect/>
+          </a:stretch>
+        </p:blipFill>
+        <p:spPr bwMode="auto">
+          <a:xfrm>
+            <a:off x="7502181" y="1788027"/>
+            <a:ext cx="3866860" cy="1934952"/>
+          </a:xfrm>
+          <a:prstGeom prst="rect">
+            <a:avLst/>
+          </a:prstGeom>
+          <a:noFill/>
+          <a:ln w="9525">
+            <a:noFill/>
+            <a:miter lim="800000"/>
+            <a:headEnd/>
+            <a:tailEnd/>
+          </a:ln>
+          <a:effectLst/>
+        </p:spPr>
+      </p:pic>
+      <p:pic>
+        <p:nvPicPr>
+          <p:cNvPr id="1029" name="Picture 5"/>
+          <p:cNvPicPr>
+            <a:picLocks noChangeAspect="1" noChangeArrowheads="1"/>
+          </p:cNvPicPr>
+          <p:nvPr/>
+        </p:nvPicPr>
+        <p:blipFill>
+          <a:blip r:embed="rId6"/>
+          <a:srcRect/>
+          <a:stretch>
+            <a:fillRect/>
+          </a:stretch>
+        </p:blipFill>
+        <p:spPr bwMode="auto">
+          <a:xfrm>
+            <a:off x="3311691" y="1604643"/>
+            <a:ext cx="3601331" cy="2301720"/>
+          </a:xfrm>
+          <a:prstGeom prst="rect">
+            <a:avLst/>
+          </a:prstGeom>
+          <a:noFill/>
+          <a:ln w="9525">
+            <a:noFill/>
+            <a:miter lim="800000"/>
+            <a:headEnd/>
+            <a:tailEnd/>
+          </a:ln>
+          <a:effectLst/>
+        </p:spPr>
+      </p:pic>
+    </p:spTree>
+    <p:extLst>
+      <p:ext uri="{BB962C8B-B14F-4D97-AF65-F5344CB8AC3E}">
+        <p14:creationId xmlns:p14="http://schemas.microsoft.com/office/powerpoint/2010/main" val="141054378"/>
+      </p:ext>
+    </p:extLst>
+  </p:cSld>
+  <p:clrMapOvr>
+    <a:masterClrMapping/>
+  </p:clrMapOvr>
+  <p:transition>
+    <p:randomBar dir="vert"/>
+  </p:transition>
+  <p:timing>
+    <p:tnLst>
+      <p:par>
+        <p:cTn id="1" dur="indefinite" restart="never" nodeType="tmRoot"/>
+      </p:par>
+    </p:tnLst>
+  </p:timing>
+</p:sld>
+</file>
+
+<file path=ppt/slides/slide27.xml><?xml version="1.0" encoding="utf-8"?>
 <p:sld xmlns:a="http://schemas.openxmlformats.org/drawingml/2006/main" xmlns:r="http://schemas.openxmlformats.org/officeDocument/2006/relationships" xmlns:p="http://schemas.openxmlformats.org/presentationml/2006/main">
   <p:cSld>
     <p:spTree>
@@ -12513,7 +18413,7 @@
           <a:p>
             <a:r>
               <a:rPr lang="zh-CN" altLang="en-US" dirty="0" smtClean="0"/>
-              <a:t>内容回顾</a:t>
+              <a:t>软件测试流程</a:t>
             </a:r>
             <a:endParaRPr lang="zh-CN" altLang="en-US" dirty="0"/>
           </a:p>
@@ -12536,7 +18436,7 @@
           <a:p>
             <a:r>
               <a:rPr lang="zh-CN" altLang="en-US" dirty="0" smtClean="0"/>
-              <a:t>软件开发模型</a:t>
+              <a:t>本节重点</a:t>
             </a:r>
             <a:endParaRPr lang="en-US" altLang="zh-CN" dirty="0" smtClean="0"/>
           </a:p>
@@ -12544,147 +18444,13 @@
             <a:pPr lvl="1"/>
             <a:r>
               <a:rPr lang="zh-CN" altLang="en-US" dirty="0" smtClean="0"/>
-              <a:t>大棒开发法</a:t>
+              <a:t>软件测试</a:t>
+            </a:r>
+            <a:r>
+              <a:rPr lang="zh-CN" altLang="en-US" dirty="0" smtClean="0"/>
+              <a:t>流程</a:t>
             </a:r>
             <a:endParaRPr lang="en-US" altLang="zh-CN" dirty="0" smtClean="0"/>
-          </a:p>
-          <a:p>
-            <a:pPr lvl="1"/>
-            <a:r>
-              <a:rPr lang="zh-CN" altLang="en-US" dirty="0"/>
-              <a:t>边写边</a:t>
-            </a:r>
-            <a:r>
-              <a:rPr lang="zh-CN" altLang="en-US" dirty="0" smtClean="0"/>
-              <a:t>改模型</a:t>
-            </a:r>
-            <a:endParaRPr lang="en-US" altLang="zh-CN" dirty="0" smtClean="0"/>
-          </a:p>
-          <a:p>
-            <a:pPr lvl="1"/>
-            <a:r>
-              <a:rPr lang="zh-CN" altLang="en-US" dirty="0" smtClean="0"/>
-              <a:t>瀑布模型</a:t>
-            </a:r>
-            <a:endParaRPr lang="en-US" altLang="zh-CN" dirty="0" smtClean="0"/>
-          </a:p>
-          <a:p>
-            <a:pPr lvl="1"/>
-            <a:r>
-              <a:rPr lang="zh-CN" altLang="en-US" dirty="0" smtClean="0"/>
-              <a:t>敏捷模型</a:t>
-            </a:r>
-            <a:endParaRPr lang="zh-CN" altLang="en-US" dirty="0"/>
-          </a:p>
-        </p:txBody>
-      </p:sp>
-    </p:spTree>
-    <p:extLst>
-      <p:ext uri="{BB962C8B-B14F-4D97-AF65-F5344CB8AC3E}">
-        <p14:creationId xmlns:p14="http://schemas.microsoft.com/office/powerpoint/2010/main" val="1381728621"/>
-      </p:ext>
-    </p:extLst>
-  </p:cSld>
-  <p:clrMapOvr>
-    <a:masterClrMapping/>
-  </p:clrMapOvr>
-  <p:transition>
-    <p:blinds dir="vert"/>
-  </p:transition>
-  <p:timing>
-    <p:tnLst>
-      <p:par>
-        <p:cTn id="1" dur="indefinite" restart="never" nodeType="tmRoot"/>
-      </p:par>
-    </p:tnLst>
-  </p:timing>
-</p:sld>
-</file>
-
-<file path=ppt/slides/slide20.xml><?xml version="1.0" encoding="utf-8"?>
-<p:sld xmlns:a="http://schemas.openxmlformats.org/drawingml/2006/main" xmlns:r="http://schemas.openxmlformats.org/officeDocument/2006/relationships" xmlns:p="http://schemas.openxmlformats.org/presentationml/2006/main">
-  <p:cSld>
-    <p:spTree>
-      <p:nvGrpSpPr>
-        <p:cNvPr id="1" name=""/>
-        <p:cNvGrpSpPr/>
-        <p:nvPr/>
-      </p:nvGrpSpPr>
-      <p:grpSpPr>
-        <a:xfrm>
-          <a:off x="0" y="0"/>
-          <a:ext cx="0" cy="0"/>
-          <a:chOff x="0" y="0"/>
-          <a:chExt cx="0" cy="0"/>
-        </a:xfrm>
-      </p:grpSpPr>
-      <p:sp>
-        <p:nvSpPr>
-          <p:cNvPr id="2" name="标题 1"/>
-          <p:cNvSpPr>
-            <a:spLocks noGrp="1"/>
-          </p:cNvSpPr>
-          <p:nvPr>
-            <p:ph type="title"/>
-          </p:nvPr>
-        </p:nvSpPr>
-        <p:spPr/>
-        <p:txBody>
-          <a:bodyPr/>
-          <a:lstStyle/>
-          <a:p>
-            <a:r>
-              <a:rPr lang="zh-CN" altLang="en-US" dirty="0" smtClean="0"/>
-              <a:t>软件测试流程</a:t>
-            </a:r>
-            <a:endParaRPr lang="zh-CN" altLang="en-US" dirty="0"/>
-          </a:p>
-        </p:txBody>
-      </p:sp>
-      <p:sp>
-        <p:nvSpPr>
-          <p:cNvPr id="3" name="内容占位符 2"/>
-          <p:cNvSpPr>
-            <a:spLocks noGrp="1"/>
-          </p:cNvSpPr>
-          <p:nvPr>
-            <p:ph idx="1"/>
-          </p:nvPr>
-        </p:nvSpPr>
-        <p:spPr/>
-        <p:txBody>
-          <a:bodyPr/>
-          <a:lstStyle/>
-          <a:p>
-            <a:r>
-              <a:rPr lang="zh-CN" altLang="en-US" dirty="0" smtClean="0"/>
-              <a:t>本节重点</a:t>
-            </a:r>
-            <a:endParaRPr lang="en-US" altLang="zh-CN" dirty="0" smtClean="0"/>
-          </a:p>
-          <a:p>
-            <a:pPr lvl="1"/>
-            <a:r>
-              <a:rPr lang="zh-CN" altLang="en-US" dirty="0" smtClean="0"/>
-              <a:t>软件测试流程</a:t>
-            </a:r>
-            <a:endParaRPr lang="en-US" altLang="zh-CN" dirty="0" smtClean="0"/>
-          </a:p>
-          <a:p>
-            <a:pPr lvl="1"/>
-            <a:r>
-              <a:rPr lang="zh-CN" altLang="en-US" dirty="0" smtClean="0">
-                <a:solidFill>
-                  <a:srgbClr val="FF0000"/>
-                </a:solidFill>
-              </a:rPr>
-              <a:t>软件测试中几个概念</a:t>
-            </a:r>
-            <a:endParaRPr lang="zh-CN" altLang="en-US" dirty="0">
-              <a:solidFill>
-                <a:srgbClr val="FF0000"/>
-              </a:solidFill>
-            </a:endParaRPr>
           </a:p>
         </p:txBody>
       </p:sp>
@@ -12711,7 +18477,7 @@
 </p:sld>
 </file>
 
-<file path=ppt/slides/slide21.xml><?xml version="1.0" encoding="utf-8"?>
+<file path=ppt/slides/slide28.xml><?xml version="1.0" encoding="utf-8"?>
 <p:sld xmlns:a="http://schemas.openxmlformats.org/drawingml/2006/main" xmlns:r="http://schemas.openxmlformats.org/officeDocument/2006/relationships" xmlns:p="http://schemas.openxmlformats.org/presentationml/2006/main">
   <p:cSld>
     <p:spTree>
@@ -12780,36 +18546,13 @@
           <a:p>
             <a:r>
               <a:rPr lang="zh-CN" altLang="en-US" dirty="0" smtClean="0"/>
-              <a:t>软件测试流程</a:t>
+              <a:t>软件测试</a:t>
+            </a:r>
+            <a:r>
+              <a:rPr lang="zh-CN" altLang="en-US" dirty="0" smtClean="0"/>
+              <a:t>流程</a:t>
             </a:r>
             <a:endParaRPr lang="en-US" altLang="zh-CN" dirty="0" smtClean="0"/>
-          </a:p>
-          <a:p>
-            <a:r>
-              <a:rPr lang="zh-CN" altLang="en-US" sz="2700" dirty="0" smtClean="0"/>
-              <a:t>软件测试基础概念</a:t>
-            </a:r>
-            <a:endParaRPr lang="en-US" altLang="zh-CN" sz="2700" dirty="0" smtClean="0"/>
-          </a:p>
-          <a:p>
-            <a:pPr lvl="1"/>
-            <a:r>
-              <a:rPr lang="zh-CN" altLang="en-US" sz="2300" dirty="0"/>
-              <a:t>黑</a:t>
-            </a:r>
-            <a:r>
-              <a:rPr lang="zh-CN" altLang="en-US" sz="2300" dirty="0" smtClean="0"/>
-              <a:t>盒、白盒</a:t>
-            </a:r>
-            <a:endParaRPr lang="en-US" altLang="zh-CN" sz="2300" dirty="0" smtClean="0"/>
-          </a:p>
-          <a:p>
-            <a:pPr lvl="1"/>
-            <a:r>
-              <a:rPr lang="zh-CN" altLang="en-US" sz="2300" dirty="0" smtClean="0"/>
-              <a:t>静态、动态</a:t>
-            </a:r>
-            <a:endParaRPr lang="en-US" altLang="zh-CN" sz="2300" dirty="0" smtClean="0"/>
           </a:p>
         </p:txBody>
       </p:sp>
@@ -13020,315 +18763,6 @@
                       </p:childTnLst>
                     </p:cTn>
                   </p:par>
-                  <p:par>
-                    <p:cTn id="14" fill="hold">
-                      <p:stCondLst>
-                        <p:cond delay="indefinite"/>
-                      </p:stCondLst>
-                      <p:childTnLst>
-                        <p:par>
-                          <p:cTn id="15" fill="hold">
-                            <p:stCondLst>
-                              <p:cond delay="0"/>
-                            </p:stCondLst>
-                            <p:childTnLst>
-                              <p:par>
-                                <p:cTn id="16" presetID="2" presetClass="entr" presetSubtype="4" fill="hold" nodeType="clickEffect">
-                                  <p:stCondLst>
-                                    <p:cond delay="0"/>
-                                  </p:stCondLst>
-                                  <p:childTnLst>
-                                    <p:set>
-                                      <p:cBhvr>
-                                        <p:cTn id="17" dur="1" fill="hold">
-                                          <p:stCondLst>
-                                            <p:cond delay="0"/>
-                                          </p:stCondLst>
-                                        </p:cTn>
-                                        <p:tgtEl>
-                                          <p:spTgt spid="3">
-                                            <p:txEl>
-                                              <p:pRg st="1" end="1"/>
-                                            </p:txEl>
-                                          </p:spTgt>
-                                        </p:tgtEl>
-                                        <p:attrNameLst>
-                                          <p:attrName>style.visibility</p:attrName>
-                                        </p:attrNameLst>
-                                      </p:cBhvr>
-                                      <p:to>
-                                        <p:strVal val="visible"/>
-                                      </p:to>
-                                    </p:set>
-                                    <p:anim calcmode="lin" valueType="num">
-                                      <p:cBhvr additive="base">
-                                        <p:cTn id="18" dur="500" fill="hold"/>
-                                        <p:tgtEl>
-                                          <p:spTgt spid="3">
-                                            <p:txEl>
-                                              <p:pRg st="1" end="1"/>
-                                            </p:txEl>
-                                          </p:spTgt>
-                                        </p:tgtEl>
-                                        <p:attrNameLst>
-                                          <p:attrName>ppt_x</p:attrName>
-                                        </p:attrNameLst>
-                                      </p:cBhvr>
-                                      <p:tavLst>
-                                        <p:tav tm="0">
-                                          <p:val>
-                                            <p:strVal val="#ppt_x"/>
-                                          </p:val>
-                                        </p:tav>
-                                        <p:tav tm="100000">
-                                          <p:val>
-                                            <p:strVal val="#ppt_x"/>
-                                          </p:val>
-                                        </p:tav>
-                                      </p:tavLst>
-                                    </p:anim>
-                                    <p:anim calcmode="lin" valueType="num">
-                                      <p:cBhvr additive="base">
-                                        <p:cTn id="19" dur="500" fill="hold"/>
-                                        <p:tgtEl>
-                                          <p:spTgt spid="3">
-                                            <p:txEl>
-                                              <p:pRg st="1" end="1"/>
-                                            </p:txEl>
-                                          </p:spTgt>
-                                        </p:tgtEl>
-                                        <p:attrNameLst>
-                                          <p:attrName>ppt_y</p:attrName>
-                                        </p:attrNameLst>
-                                      </p:cBhvr>
-                                      <p:tavLst>
-                                        <p:tav tm="0">
-                                          <p:val>
-                                            <p:strVal val="1+#ppt_h/2"/>
-                                          </p:val>
-                                        </p:tav>
-                                        <p:tav tm="100000">
-                                          <p:val>
-                                            <p:strVal val="#ppt_y"/>
-                                          </p:val>
-                                        </p:tav>
-                                      </p:tavLst>
-                                    </p:anim>
-                                  </p:childTnLst>
-                                </p:cTn>
-                              </p:par>
-                            </p:childTnLst>
-                          </p:cTn>
-                        </p:par>
-                      </p:childTnLst>
-                    </p:cTn>
-                  </p:par>
-                  <p:par>
-                    <p:cTn id="20" fill="hold">
-                      <p:stCondLst>
-                        <p:cond delay="indefinite"/>
-                      </p:stCondLst>
-                      <p:childTnLst>
-                        <p:par>
-                          <p:cTn id="21" fill="hold">
-                            <p:stCondLst>
-                              <p:cond delay="0"/>
-                            </p:stCondLst>
-                            <p:childTnLst>
-                              <p:par>
-                                <p:cTn id="22" presetID="2" presetClass="entr" presetSubtype="4" fill="hold" nodeType="clickEffect">
-                                  <p:stCondLst>
-                                    <p:cond delay="0"/>
-                                  </p:stCondLst>
-                                  <p:childTnLst>
-                                    <p:set>
-                                      <p:cBhvr>
-                                        <p:cTn id="23" dur="1" fill="hold">
-                                          <p:stCondLst>
-                                            <p:cond delay="0"/>
-                                          </p:stCondLst>
-                                        </p:cTn>
-                                        <p:tgtEl>
-                                          <p:spTgt spid="3">
-                                            <p:txEl>
-                                              <p:pRg st="2" end="2"/>
-                                            </p:txEl>
-                                          </p:spTgt>
-                                        </p:tgtEl>
-                                        <p:attrNameLst>
-                                          <p:attrName>style.visibility</p:attrName>
-                                        </p:attrNameLst>
-                                      </p:cBhvr>
-                                      <p:to>
-                                        <p:strVal val="visible"/>
-                                      </p:to>
-                                    </p:set>
-                                    <p:anim calcmode="lin" valueType="num">
-                                      <p:cBhvr additive="base">
-                                        <p:cTn id="24" dur="500" fill="hold"/>
-                                        <p:tgtEl>
-                                          <p:spTgt spid="3">
-                                            <p:txEl>
-                                              <p:pRg st="2" end="2"/>
-                                            </p:txEl>
-                                          </p:spTgt>
-                                        </p:tgtEl>
-                                        <p:attrNameLst>
-                                          <p:attrName>ppt_x</p:attrName>
-                                        </p:attrNameLst>
-                                      </p:cBhvr>
-                                      <p:tavLst>
-                                        <p:tav tm="0">
-                                          <p:val>
-                                            <p:strVal val="#ppt_x"/>
-                                          </p:val>
-                                        </p:tav>
-                                        <p:tav tm="100000">
-                                          <p:val>
-                                            <p:strVal val="#ppt_x"/>
-                                          </p:val>
-                                        </p:tav>
-                                      </p:tavLst>
-                                    </p:anim>
-                                    <p:anim calcmode="lin" valueType="num">
-                                      <p:cBhvr additive="base">
-                                        <p:cTn id="25" dur="500" fill="hold"/>
-                                        <p:tgtEl>
-                                          <p:spTgt spid="3">
-                                            <p:txEl>
-                                              <p:pRg st="2" end="2"/>
-                                            </p:txEl>
-                                          </p:spTgt>
-                                        </p:tgtEl>
-                                        <p:attrNameLst>
-                                          <p:attrName>ppt_y</p:attrName>
-                                        </p:attrNameLst>
-                                      </p:cBhvr>
-                                      <p:tavLst>
-                                        <p:tav tm="0">
-                                          <p:val>
-                                            <p:strVal val="1+#ppt_h/2"/>
-                                          </p:val>
-                                        </p:tav>
-                                        <p:tav tm="100000">
-                                          <p:val>
-                                            <p:strVal val="#ppt_y"/>
-                                          </p:val>
-                                        </p:tav>
-                                      </p:tavLst>
-                                    </p:anim>
-                                  </p:childTnLst>
-                                </p:cTn>
-                              </p:par>
-                            </p:childTnLst>
-                          </p:cTn>
-                        </p:par>
-                      </p:childTnLst>
-                    </p:cTn>
-                  </p:par>
-                  <p:par>
-                    <p:cTn id="26" fill="hold">
-                      <p:stCondLst>
-                        <p:cond delay="indefinite"/>
-                      </p:stCondLst>
-                      <p:childTnLst>
-                        <p:par>
-                          <p:cTn id="27" fill="hold">
-                            <p:stCondLst>
-                              <p:cond delay="0"/>
-                            </p:stCondLst>
-                            <p:childTnLst>
-                              <p:par>
-                                <p:cTn id="28" presetID="2" presetClass="entr" presetSubtype="4" fill="hold" nodeType="clickEffect">
-                                  <p:stCondLst>
-                                    <p:cond delay="0"/>
-                                  </p:stCondLst>
-                                  <p:childTnLst>
-                                    <p:set>
-                                      <p:cBhvr>
-                                        <p:cTn id="29" dur="1" fill="hold">
-                                          <p:stCondLst>
-                                            <p:cond delay="0"/>
-                                          </p:stCondLst>
-                                        </p:cTn>
-                                        <p:tgtEl>
-                                          <p:spTgt spid="3">
-                                            <p:txEl>
-                                              <p:pRg st="3" end="3"/>
-                                            </p:txEl>
-                                          </p:spTgt>
-                                        </p:tgtEl>
-                                        <p:attrNameLst>
-                                          <p:attrName>style.visibility</p:attrName>
-                                        </p:attrNameLst>
-                                      </p:cBhvr>
-                                      <p:to>
-                                        <p:strVal val="visible"/>
-                                      </p:to>
-                                    </p:set>
-                                    <p:anim calcmode="lin" valueType="num">
-                                      <p:cBhvr additive="base">
-                                        <p:cTn id="30" dur="500" fill="hold"/>
-                                        <p:tgtEl>
-                                          <p:spTgt spid="3">
-                                            <p:txEl>
-                                              <p:pRg st="3" end="3"/>
-                                            </p:txEl>
-                                          </p:spTgt>
-                                        </p:tgtEl>
-                                        <p:attrNameLst>
-                                          <p:attrName>ppt_x</p:attrName>
-                                        </p:attrNameLst>
-                                      </p:cBhvr>
-                                      <p:tavLst>
-                                        <p:tav tm="0">
-                                          <p:val>
-                                            <p:strVal val="#ppt_x"/>
-                                          </p:val>
-                                        </p:tav>
-                                        <p:tav tm="100000">
-                                          <p:val>
-                                            <p:strVal val="#ppt_x"/>
-                                          </p:val>
-                                        </p:tav>
-                                      </p:tavLst>
-                                    </p:anim>
-                                    <p:anim calcmode="lin" valueType="num">
-                                      <p:cBhvr additive="base">
-                                        <p:cTn id="31" dur="500" fill="hold"/>
-                                        <p:tgtEl>
-                                          <p:spTgt spid="3">
-                                            <p:txEl>
-                                              <p:pRg st="3" end="3"/>
-                                            </p:txEl>
-                                          </p:spTgt>
-                                        </p:tgtEl>
-                                        <p:attrNameLst>
-                                          <p:attrName>ppt_y</p:attrName>
-                                        </p:attrNameLst>
-                                      </p:cBhvr>
-                                      <p:tavLst>
-                                        <p:tav tm="0">
-                                          <p:val>
-                                            <p:strVal val="1+#ppt_h/2"/>
-                                          </p:val>
-                                        </p:tav>
-                                        <p:tav tm="100000">
-                                          <p:val>
-                                            <p:strVal val="#ppt_y"/>
-                                          </p:val>
-                                        </p:tav>
-                                      </p:tavLst>
-                                    </p:anim>
-                                  </p:childTnLst>
-                                </p:cTn>
-                              </p:par>
-                            </p:childTnLst>
-                          </p:cTn>
-                        </p:par>
-                      </p:childTnLst>
-                    </p:cTn>
-                  </p:par>
                 </p:childTnLst>
               </p:cTn>
               <p:prevCondLst>
@@ -13354,7 +18788,7 @@
 </p:sld>
 </file>
 
-<file path=ppt/slides/slide22.xml><?xml version="1.0" encoding="utf-8"?>
+<file path=ppt/slides/slide29.xml><?xml version="1.0" encoding="utf-8"?>
 <p:sld xmlns:a="http://schemas.openxmlformats.org/drawingml/2006/main" xmlns:r="http://schemas.openxmlformats.org/officeDocument/2006/relationships" xmlns:p="http://schemas.openxmlformats.org/presentationml/2006/main">
   <p:cSld>
     <p:spTree>
@@ -14439,17 +19873,13 @@
             <a:pPr lvl="1"/>
             <a:r>
               <a:rPr lang="zh-CN" altLang="en-US" dirty="0" smtClean="0"/>
-              <a:t>掌握软件测试流程</a:t>
+              <a:t>掌握软件测试</a:t>
+            </a:r>
+            <a:r>
+              <a:rPr lang="zh-CN" altLang="en-US" dirty="0" smtClean="0"/>
+              <a:t>流程</a:t>
             </a:r>
             <a:endParaRPr lang="en-US" altLang="zh-CN" dirty="0" smtClean="0"/>
-          </a:p>
-          <a:p>
-            <a:pPr lvl="1"/>
-            <a:r>
-              <a:rPr lang="zh-CN" altLang="en-US" dirty="0" smtClean="0"/>
-              <a:t>了解几个常用概念</a:t>
-            </a:r>
-            <a:endParaRPr lang="en-US" altLang="zh-CN" dirty="0"/>
           </a:p>
         </p:txBody>
       </p:sp>
@@ -14575,109 +20005,6 @@
                       </p:childTnLst>
                     </p:cTn>
                   </p:par>
-                  <p:par>
-                    <p:cTn id="9" fill="hold">
-                      <p:stCondLst>
-                        <p:cond delay="indefinite"/>
-                      </p:stCondLst>
-                      <p:childTnLst>
-                        <p:par>
-                          <p:cTn id="10" fill="hold">
-                            <p:stCondLst>
-                              <p:cond delay="0"/>
-                            </p:stCondLst>
-                            <p:childTnLst>
-                              <p:par>
-                                <p:cTn id="11" presetID="2" presetClass="entr" presetSubtype="4" fill="hold" nodeType="clickEffect">
-                                  <p:stCondLst>
-                                    <p:cond delay="0"/>
-                                  </p:stCondLst>
-                                  <p:childTnLst>
-                                    <p:set>
-                                      <p:cBhvr>
-                                        <p:cTn id="12" dur="1" fill="hold">
-                                          <p:stCondLst>
-                                            <p:cond delay="0"/>
-                                          </p:stCondLst>
-                                        </p:cTn>
-                                        <p:tgtEl>
-                                          <p:spTgt spid="4100">
-                                            <p:txEl>
-                                              <p:pRg st="2" end="2"/>
-                                            </p:txEl>
-                                          </p:spTgt>
-                                        </p:tgtEl>
-                                        <p:attrNameLst>
-                                          <p:attrName>style.visibility</p:attrName>
-                                        </p:attrNameLst>
-                                      </p:cBhvr>
-                                      <p:to>
-                                        <p:strVal val="visible"/>
-                                      </p:to>
-                                    </p:set>
-                                    <p:anim calcmode="lin" valueType="num">
-                                      <p:cBhvr additive="base">
-                                        <p:cTn id="13" dur="500" fill="hold"/>
-                                        <p:tgtEl>
-                                          <p:spTgt spid="4100">
-                                            <p:txEl>
-                                              <p:pRg st="2" end="2"/>
-                                            </p:txEl>
-                                          </p:spTgt>
-                                        </p:tgtEl>
-                                        <p:attrNameLst>
-                                          <p:attrName>ppt_x</p:attrName>
-                                        </p:attrNameLst>
-                                      </p:cBhvr>
-                                      <p:tavLst>
-                                        <p:tav tm="0">
-                                          <p:val>
-                                            <p:strVal val="#ppt_x"/>
-                                          </p:val>
-                                        </p:tav>
-                                        <p:tav tm="100000">
-                                          <p:val>
-                                            <p:strVal val="#ppt_x"/>
-                                          </p:val>
-                                        </p:tav>
-                                      </p:tavLst>
-                                    </p:anim>
-                                    <p:anim calcmode="lin" valueType="num">
-                                      <p:cBhvr additive="base">
-                                        <p:cTn id="14" dur="500" fill="hold"/>
-                                        <p:tgtEl>
-                                          <p:spTgt spid="4100">
-                                            <p:txEl>
-                                              <p:pRg st="2" end="2"/>
-                                            </p:txEl>
-                                          </p:spTgt>
-                                        </p:tgtEl>
-                                        <p:attrNameLst>
-                                          <p:attrName>ppt_y</p:attrName>
-                                        </p:attrNameLst>
-                                      </p:cBhvr>
-                                      <p:tavLst>
-                                        <p:tav tm="0">
-                                          <p:val>
-                                            <p:strVal val="1+#ppt_h/2"/>
-                                          </p:val>
-                                        </p:tav>
-                                        <p:tav tm="100000">
-                                          <p:val>
-                                            <p:strVal val="#ppt_y"/>
-                                          </p:val>
-                                        </p:tav>
-                                      </p:tavLst>
-                                    </p:anim>
-                                  </p:childTnLst>
-                                </p:cTn>
-                              </p:par>
-                            </p:childTnLst>
-                          </p:cTn>
-                        </p:par>
-                      </p:childTnLst>
-                    </p:cTn>
-                  </p:par>
                 </p:childTnLst>
               </p:cTn>
               <p:prevCondLst>
@@ -14768,17 +20095,13 @@
             <a:pPr lvl="1"/>
             <a:r>
               <a:rPr lang="zh-CN" altLang="en-US" dirty="0" smtClean="0"/>
-              <a:t>软件测试流程</a:t>
+              <a:t>软件测试</a:t>
+            </a:r>
+            <a:r>
+              <a:rPr lang="zh-CN" altLang="en-US" dirty="0" smtClean="0"/>
+              <a:t>流程</a:t>
             </a:r>
             <a:endParaRPr lang="en-US" altLang="zh-CN" dirty="0" smtClean="0"/>
-          </a:p>
-          <a:p>
-            <a:pPr lvl="1"/>
-            <a:r>
-              <a:rPr lang="zh-CN" altLang="en-US" dirty="0" smtClean="0"/>
-              <a:t>软件测试中几个概念</a:t>
-            </a:r>
-            <a:endParaRPr lang="zh-CN" altLang="en-US" dirty="0"/>
           </a:p>
         </p:txBody>
       </p:sp>
